--- a/docs/Lectures/Week03/Week03_DataExploration.pptx
+++ b/docs/Lectures/Week03/Week03_DataExploration.pptx
@@ -5,6 +5,9 @@
     <p:sldMasterId id="2147483685" r:id="rId1"/>
     <p:sldMasterId id="2147483686" r:id="rId2"/>
   </p:sldMasterIdLst>
+  <p:notesMasterIdLst>
+    <p:notesMasterId r:id="rId35"/>
+  </p:notesMasterIdLst>
   <p:sldIdLst>
     <p:sldId id="256" r:id="rId3"/>
     <p:sldId id="323" r:id="rId4"/>
@@ -24,12 +27,20 @@
     <p:sldId id="871" r:id="rId18"/>
     <p:sldId id="872" r:id="rId19"/>
     <p:sldId id="873" r:id="rId20"/>
-    <p:sldId id="875" r:id="rId21"/>
-    <p:sldId id="853" r:id="rId22"/>
-    <p:sldId id="874" r:id="rId23"/>
-    <p:sldId id="265" r:id="rId24"/>
-    <p:sldId id="328" r:id="rId25"/>
-    <p:sldId id="858" r:id="rId26"/>
+    <p:sldId id="887" r:id="rId21"/>
+    <p:sldId id="886" r:id="rId22"/>
+    <p:sldId id="882" r:id="rId23"/>
+    <p:sldId id="883" r:id="rId24"/>
+    <p:sldId id="875" r:id="rId25"/>
+    <p:sldId id="876" r:id="rId26"/>
+    <p:sldId id="877" r:id="rId27"/>
+    <p:sldId id="878" r:id="rId28"/>
+    <p:sldId id="853" r:id="rId29"/>
+    <p:sldId id="879" r:id="rId30"/>
+    <p:sldId id="880" r:id="rId31"/>
+    <p:sldId id="885" r:id="rId32"/>
+    <p:sldId id="888" r:id="rId33"/>
+    <p:sldId id="265" r:id="rId34"/>
   </p:sldIdLst>
   <p:sldSz cx="12192000" cy="6858000"/>
   <p:notesSz cx="6858000" cy="9144000"/>
@@ -136,6 +147,355 @@
 </p:presentation>
 </file>
 
+<file path=ppt/notesMasters/notesMaster1.xml><?xml version="1.0" encoding="utf-8"?>
+<p:notesMaster xmlns:a="http://schemas.openxmlformats.org/drawingml/2006/main" xmlns:r="http://schemas.openxmlformats.org/officeDocument/2006/relationships" xmlns:p="http://schemas.openxmlformats.org/presentationml/2006/main">
+  <p:cSld>
+    <p:bg>
+      <p:bgRef idx="1001">
+        <a:schemeClr val="bg1"/>
+      </p:bgRef>
+    </p:bg>
+    <p:spTree>
+      <p:nvGrpSpPr>
+        <p:cNvPr id="1" name=""/>
+        <p:cNvGrpSpPr/>
+        <p:nvPr/>
+      </p:nvGrpSpPr>
+      <p:grpSpPr>
+        <a:xfrm>
+          <a:off x="0" y="0"/>
+          <a:ext cx="0" cy="0"/>
+          <a:chOff x="0" y="0"/>
+          <a:chExt cx="0" cy="0"/>
+        </a:xfrm>
+      </p:grpSpPr>
+      <p:sp>
+        <p:nvSpPr>
+          <p:cNvPr id="2" name="Header Placeholder 1"/>
+          <p:cNvSpPr>
+            <a:spLocks noGrp="1"/>
+          </p:cNvSpPr>
+          <p:nvPr>
+            <p:ph type="hdr" sz="quarter"/>
+          </p:nvPr>
+        </p:nvSpPr>
+        <p:spPr>
+          <a:xfrm>
+            <a:off x="0" y="0"/>
+            <a:ext cx="2971800" cy="458788"/>
+          </a:xfrm>
+          <a:prstGeom prst="rect">
+            <a:avLst/>
+          </a:prstGeom>
+        </p:spPr>
+        <p:txBody>
+          <a:bodyPr vert="horz" lIns="91440" tIns="45720" rIns="91440" bIns="45720" rtlCol="0"/>
+          <a:lstStyle>
+            <a:lvl1pPr algn="l">
+              <a:defRPr sz="1200"/>
+            </a:lvl1pPr>
+          </a:lstStyle>
+          <a:p>
+            <a:endParaRPr lang="en-US"/>
+          </a:p>
+        </p:txBody>
+      </p:sp>
+      <p:sp>
+        <p:nvSpPr>
+          <p:cNvPr id="3" name="Date Placeholder 2"/>
+          <p:cNvSpPr>
+            <a:spLocks noGrp="1"/>
+          </p:cNvSpPr>
+          <p:nvPr>
+            <p:ph type="dt" idx="1"/>
+          </p:nvPr>
+        </p:nvSpPr>
+        <p:spPr>
+          <a:xfrm>
+            <a:off x="3884613" y="0"/>
+            <a:ext cx="2971800" cy="458788"/>
+          </a:xfrm>
+          <a:prstGeom prst="rect">
+            <a:avLst/>
+          </a:prstGeom>
+        </p:spPr>
+        <p:txBody>
+          <a:bodyPr vert="horz" lIns="91440" tIns="45720" rIns="91440" bIns="45720" rtlCol="0"/>
+          <a:lstStyle>
+            <a:lvl1pPr algn="r">
+              <a:defRPr sz="1200"/>
+            </a:lvl1pPr>
+          </a:lstStyle>
+          <a:p>
+            <a:fld id="{B696F2DA-24C0-4B85-B3DC-FA6F4BB684E2}" type="datetimeFigureOut">
+              <a:rPr lang="en-US" smtClean="0"/>
+              <a:t>1/8/2025</a:t>
+            </a:fld>
+            <a:endParaRPr lang="en-US"/>
+          </a:p>
+        </p:txBody>
+      </p:sp>
+      <p:sp>
+        <p:nvSpPr>
+          <p:cNvPr id="4" name="Slide Image Placeholder 3"/>
+          <p:cNvSpPr>
+            <a:spLocks noGrp="1" noRot="1" noChangeAspect="1"/>
+          </p:cNvSpPr>
+          <p:nvPr>
+            <p:ph type="sldImg" idx="2"/>
+          </p:nvPr>
+        </p:nvSpPr>
+        <p:spPr>
+          <a:xfrm>
+            <a:off x="685800" y="1143000"/>
+            <a:ext cx="5486400" cy="3086100"/>
+          </a:xfrm>
+          <a:prstGeom prst="rect">
+            <a:avLst/>
+          </a:prstGeom>
+          <a:noFill/>
+          <a:ln w="12700">
+            <a:solidFill>
+              <a:prstClr val="black"/>
+            </a:solidFill>
+          </a:ln>
+        </p:spPr>
+        <p:txBody>
+          <a:bodyPr vert="horz" lIns="91440" tIns="45720" rIns="91440" bIns="45720" rtlCol="0" anchor="ctr"/>
+          <a:lstStyle/>
+          <a:p>
+            <a:endParaRPr lang="en-US"/>
+          </a:p>
+        </p:txBody>
+      </p:sp>
+      <p:sp>
+        <p:nvSpPr>
+          <p:cNvPr id="5" name="Notes Placeholder 4"/>
+          <p:cNvSpPr>
+            <a:spLocks noGrp="1"/>
+          </p:cNvSpPr>
+          <p:nvPr>
+            <p:ph type="body" sz="quarter" idx="3"/>
+          </p:nvPr>
+        </p:nvSpPr>
+        <p:spPr>
+          <a:xfrm>
+            <a:off x="685800" y="4400550"/>
+            <a:ext cx="5486400" cy="3600450"/>
+          </a:xfrm>
+          <a:prstGeom prst="rect">
+            <a:avLst/>
+          </a:prstGeom>
+        </p:spPr>
+        <p:txBody>
+          <a:bodyPr vert="horz" lIns="91440" tIns="45720" rIns="91440" bIns="45720" rtlCol="0"/>
+          <a:lstStyle/>
+          <a:p>
+            <a:pPr lvl="0"/>
+            <a:r>
+              <a:rPr lang="en-US"/>
+              <a:t>Click to edit Master text styles</a:t>
+            </a:r>
+          </a:p>
+          <a:p>
+            <a:pPr lvl="1"/>
+            <a:r>
+              <a:rPr lang="en-US"/>
+              <a:t>Second level</a:t>
+            </a:r>
+          </a:p>
+          <a:p>
+            <a:pPr lvl="2"/>
+            <a:r>
+              <a:rPr lang="en-US"/>
+              <a:t>Third level</a:t>
+            </a:r>
+          </a:p>
+          <a:p>
+            <a:pPr lvl="3"/>
+            <a:r>
+              <a:rPr lang="en-US"/>
+              <a:t>Fourth level</a:t>
+            </a:r>
+          </a:p>
+          <a:p>
+            <a:pPr lvl="4"/>
+            <a:r>
+              <a:rPr lang="en-US"/>
+              <a:t>Fifth level</a:t>
+            </a:r>
+          </a:p>
+        </p:txBody>
+      </p:sp>
+      <p:sp>
+        <p:nvSpPr>
+          <p:cNvPr id="6" name="Footer Placeholder 5"/>
+          <p:cNvSpPr>
+            <a:spLocks noGrp="1"/>
+          </p:cNvSpPr>
+          <p:nvPr>
+            <p:ph type="ftr" sz="quarter" idx="4"/>
+          </p:nvPr>
+        </p:nvSpPr>
+        <p:spPr>
+          <a:xfrm>
+            <a:off x="0" y="8685213"/>
+            <a:ext cx="2971800" cy="458787"/>
+          </a:xfrm>
+          <a:prstGeom prst="rect">
+            <a:avLst/>
+          </a:prstGeom>
+        </p:spPr>
+        <p:txBody>
+          <a:bodyPr vert="horz" lIns="91440" tIns="45720" rIns="91440" bIns="45720" rtlCol="0" anchor="b"/>
+          <a:lstStyle>
+            <a:lvl1pPr algn="l">
+              <a:defRPr sz="1200"/>
+            </a:lvl1pPr>
+          </a:lstStyle>
+          <a:p>
+            <a:endParaRPr lang="en-US"/>
+          </a:p>
+        </p:txBody>
+      </p:sp>
+      <p:sp>
+        <p:nvSpPr>
+          <p:cNvPr id="7" name="Slide Number Placeholder 6"/>
+          <p:cNvSpPr>
+            <a:spLocks noGrp="1"/>
+          </p:cNvSpPr>
+          <p:nvPr>
+            <p:ph type="sldNum" sz="quarter" idx="5"/>
+          </p:nvPr>
+        </p:nvSpPr>
+        <p:spPr>
+          <a:xfrm>
+            <a:off x="3884613" y="8685213"/>
+            <a:ext cx="2971800" cy="458787"/>
+          </a:xfrm>
+          <a:prstGeom prst="rect">
+            <a:avLst/>
+          </a:prstGeom>
+        </p:spPr>
+        <p:txBody>
+          <a:bodyPr vert="horz" lIns="91440" tIns="45720" rIns="91440" bIns="45720" rtlCol="0" anchor="b"/>
+          <a:lstStyle>
+            <a:lvl1pPr algn="r">
+              <a:defRPr sz="1200"/>
+            </a:lvl1pPr>
+          </a:lstStyle>
+          <a:p>
+            <a:fld id="{CB7B42E0-62EF-42B0-8031-05992D750B6D}" type="slidenum">
+              <a:rPr lang="en-US" smtClean="0"/>
+              <a:t>‹#›</a:t>
+            </a:fld>
+            <a:endParaRPr lang="en-US"/>
+          </a:p>
+        </p:txBody>
+      </p:sp>
+    </p:spTree>
+    <p:extLst>
+      <p:ext uri="{BB962C8B-B14F-4D97-AF65-F5344CB8AC3E}">
+        <p14:creationId xmlns:p14="http://schemas.microsoft.com/office/powerpoint/2010/main" val="1932743248"/>
+      </p:ext>
+    </p:extLst>
+  </p:cSld>
+  <p:clrMap bg1="lt1" tx1="dk1" bg2="lt2" tx2="dk2" accent1="accent1" accent2="accent2" accent3="accent3" accent4="accent4" accent5="accent5" accent6="accent6" hlink="hlink" folHlink="folHlink"/>
+  <p:notesStyle>
+    <a:lvl1pPr marL="0" algn="l" defTabSz="914400" rtl="0" eaLnBrk="1" latinLnBrk="0" hangingPunct="1">
+      <a:defRPr sz="1200" kern="1200">
+        <a:solidFill>
+          <a:schemeClr val="tx1"/>
+        </a:solidFill>
+        <a:latin typeface="+mn-lt"/>
+        <a:ea typeface="+mn-ea"/>
+        <a:cs typeface="+mn-cs"/>
+      </a:defRPr>
+    </a:lvl1pPr>
+    <a:lvl2pPr marL="457200" algn="l" defTabSz="914400" rtl="0" eaLnBrk="1" latinLnBrk="0" hangingPunct="1">
+      <a:defRPr sz="1200" kern="1200">
+        <a:solidFill>
+          <a:schemeClr val="tx1"/>
+        </a:solidFill>
+        <a:latin typeface="+mn-lt"/>
+        <a:ea typeface="+mn-ea"/>
+        <a:cs typeface="+mn-cs"/>
+      </a:defRPr>
+    </a:lvl2pPr>
+    <a:lvl3pPr marL="914400" algn="l" defTabSz="914400" rtl="0" eaLnBrk="1" latinLnBrk="0" hangingPunct="1">
+      <a:defRPr sz="1200" kern="1200">
+        <a:solidFill>
+          <a:schemeClr val="tx1"/>
+        </a:solidFill>
+        <a:latin typeface="+mn-lt"/>
+        <a:ea typeface="+mn-ea"/>
+        <a:cs typeface="+mn-cs"/>
+      </a:defRPr>
+    </a:lvl3pPr>
+    <a:lvl4pPr marL="1371600" algn="l" defTabSz="914400" rtl="0" eaLnBrk="1" latinLnBrk="0" hangingPunct="1">
+      <a:defRPr sz="1200" kern="1200">
+        <a:solidFill>
+          <a:schemeClr val="tx1"/>
+        </a:solidFill>
+        <a:latin typeface="+mn-lt"/>
+        <a:ea typeface="+mn-ea"/>
+        <a:cs typeface="+mn-cs"/>
+      </a:defRPr>
+    </a:lvl4pPr>
+    <a:lvl5pPr marL="1828800" algn="l" defTabSz="914400" rtl="0" eaLnBrk="1" latinLnBrk="0" hangingPunct="1">
+      <a:defRPr sz="1200" kern="1200">
+        <a:solidFill>
+          <a:schemeClr val="tx1"/>
+        </a:solidFill>
+        <a:latin typeface="+mn-lt"/>
+        <a:ea typeface="+mn-ea"/>
+        <a:cs typeface="+mn-cs"/>
+      </a:defRPr>
+    </a:lvl5pPr>
+    <a:lvl6pPr marL="2286000" algn="l" defTabSz="914400" rtl="0" eaLnBrk="1" latinLnBrk="0" hangingPunct="1">
+      <a:defRPr sz="1200" kern="1200">
+        <a:solidFill>
+          <a:schemeClr val="tx1"/>
+        </a:solidFill>
+        <a:latin typeface="+mn-lt"/>
+        <a:ea typeface="+mn-ea"/>
+        <a:cs typeface="+mn-cs"/>
+      </a:defRPr>
+    </a:lvl6pPr>
+    <a:lvl7pPr marL="2743200" algn="l" defTabSz="914400" rtl="0" eaLnBrk="1" latinLnBrk="0" hangingPunct="1">
+      <a:defRPr sz="1200" kern="1200">
+        <a:solidFill>
+          <a:schemeClr val="tx1"/>
+        </a:solidFill>
+        <a:latin typeface="+mn-lt"/>
+        <a:ea typeface="+mn-ea"/>
+        <a:cs typeface="+mn-cs"/>
+      </a:defRPr>
+    </a:lvl7pPr>
+    <a:lvl8pPr marL="3200400" algn="l" defTabSz="914400" rtl="0" eaLnBrk="1" latinLnBrk="0" hangingPunct="1">
+      <a:defRPr sz="1200" kern="1200">
+        <a:solidFill>
+          <a:schemeClr val="tx1"/>
+        </a:solidFill>
+        <a:latin typeface="+mn-lt"/>
+        <a:ea typeface="+mn-ea"/>
+        <a:cs typeface="+mn-cs"/>
+      </a:defRPr>
+    </a:lvl8pPr>
+    <a:lvl9pPr marL="3657600" algn="l" defTabSz="914400" rtl="0" eaLnBrk="1" latinLnBrk="0" hangingPunct="1">
+      <a:defRPr sz="1200" kern="1200">
+        <a:solidFill>
+          <a:schemeClr val="tx1"/>
+        </a:solidFill>
+        <a:latin typeface="+mn-lt"/>
+        <a:ea typeface="+mn-ea"/>
+        <a:cs typeface="+mn-cs"/>
+      </a:defRPr>
+    </a:lvl9pPr>
+  </p:notesStyle>
+</p:notesMaster>
+</file>
+
 <file path=ppt/slideLayouts/slideLayout1.xml><?xml version="1.0" encoding="utf-8"?>
 <p:sldLayout xmlns:a="http://schemas.openxmlformats.org/drawingml/2006/main" xmlns:r="http://schemas.openxmlformats.org/officeDocument/2006/relationships" xmlns:p="http://schemas.openxmlformats.org/presentationml/2006/main" type="title" preserve="1">
   <p:cSld name="Title Slide">
@@ -374,7 +734,7 @@
           <a:p>
             <a:fld id="{ED291B17-9318-49DB-B28B-6E5994AE9581}" type="datetime1">
               <a:rPr lang="en-US" smtClean="0"/>
-              <a:t>1/6/2025</a:t>
+              <a:t>1/8/2025</a:t>
             </a:fld>
             <a:endParaRPr lang="en-US" dirty="0"/>
           </a:p>
@@ -577,7 +937,7 @@
           <a:p>
             <a:fld id="{2CED4963-E985-44C4-B8C4-FDD613B7C2F8}" type="datetime1">
               <a:rPr lang="en-US" smtClean="0"/>
-              <a:t>1/6/2025</a:t>
+              <a:t>1/8/2025</a:t>
             </a:fld>
             <a:endParaRPr lang="en-US" dirty="0"/>
           </a:p>
@@ -939,7 +1299,7 @@
           <a:p>
             <a:fld id="{ED291B17-9318-49DB-B28B-6E5994AE9581}" type="datetime1">
               <a:rPr lang="en-US" smtClean="0"/>
-              <a:t>1/6/2025</a:t>
+              <a:t>1/8/2025</a:t>
             </a:fld>
             <a:endParaRPr lang="en-US" dirty="0"/>
           </a:p>
@@ -1249,7 +1609,7 @@
           <a:p>
             <a:fld id="{ED291B17-9318-49DB-B28B-6E5994AE9581}" type="datetime1">
               <a:rPr lang="en-US" smtClean="0"/>
-              <a:t>1/6/2025</a:t>
+              <a:t>1/8/2025</a:t>
             </a:fld>
             <a:endParaRPr lang="en-US" dirty="0"/>
           </a:p>
@@ -1446,7 +1806,7 @@
           <a:p>
             <a:fld id="{78DD82B9-B8EE-4375-B6FF-88FA6ABB15D9}" type="datetime1">
               <a:rPr lang="en-US" smtClean="0"/>
-              <a:t>1/6/2025</a:t>
+              <a:t>1/8/2025</a:t>
             </a:fld>
             <a:endParaRPr lang="en-US" dirty="0"/>
           </a:p>
@@ -1757,7 +2117,7 @@
           <a:p>
             <a:fld id="{B2497495-0637-405E-AE64-5CC7506D51F5}" type="datetime1">
               <a:rPr lang="en-US" smtClean="0"/>
-              <a:t>1/6/2025</a:t>
+              <a:t>1/8/2025</a:t>
             </a:fld>
             <a:endParaRPr lang="en-US" dirty="0"/>
           </a:p>
@@ -2010,7 +2370,7 @@
           <a:p>
             <a:fld id="{7BFFD690-9426-415D-8B65-26881E07B2D4}" type="datetime1">
               <a:rPr lang="en-US" smtClean="0"/>
-              <a:t>1/6/2025</a:t>
+              <a:t>1/8/2025</a:t>
             </a:fld>
             <a:endParaRPr lang="en-US" dirty="0"/>
           </a:p>
@@ -2432,7 +2792,7 @@
           <a:p>
             <a:fld id="{04C4989A-474C-40DE-95B9-011C28B71673}" type="datetime1">
               <a:rPr lang="en-US" smtClean="0"/>
-              <a:t>1/6/2025</a:t>
+              <a:t>1/8/2025</a:t>
             </a:fld>
             <a:endParaRPr lang="en-US" dirty="0"/>
           </a:p>
@@ -2555,7 +2915,7 @@
           <a:p>
             <a:fld id="{5DB4ED54-5B5E-4A04-93D3-5772E3CE3818}" type="datetime1">
               <a:rPr lang="en-US" smtClean="0"/>
-              <a:t>1/6/2025</a:t>
+              <a:t>1/8/2025</a:t>
             </a:fld>
             <a:endParaRPr lang="en-US" dirty="0"/>
           </a:p>
@@ -2650,7 +3010,7 @@
           <a:p>
             <a:fld id="{4EDE50D6-574B-40AF-946F-D52A04ADE379}" type="datetime1">
               <a:rPr lang="en-US" smtClean="0"/>
-              <a:t>1/6/2025</a:t>
+              <a:t>1/8/2025</a:t>
             </a:fld>
             <a:endParaRPr lang="en-US" dirty="0"/>
           </a:p>
@@ -3026,7 +3386,7 @@
           <a:p>
             <a:fld id="{D82884F1-FFEA-405F-9602-3DCA865EDA4E}" type="datetime1">
               <a:rPr lang="en-US" smtClean="0"/>
-              <a:t>1/6/2025</a:t>
+              <a:t>1/8/2025</a:t>
             </a:fld>
             <a:endParaRPr lang="en-US" dirty="0"/>
           </a:p>
@@ -3233,7 +3593,7 @@
           <a:p>
             <a:fld id="{78DD82B9-B8EE-4375-B6FF-88FA6ABB15D9}" type="datetime1">
               <a:rPr lang="en-US" smtClean="0"/>
-              <a:t>1/6/2025</a:t>
+              <a:t>1/8/2025</a:t>
             </a:fld>
             <a:endParaRPr lang="en-US" dirty="0"/>
           </a:p>
@@ -3515,7 +3875,7 @@
           <a:p>
             <a:fld id="{7E18DB4A-8810-4A10-AD5C-D5E2C667F5B3}" type="datetime1">
               <a:rPr lang="en-US" smtClean="0"/>
-              <a:t>1/6/2025</a:t>
+              <a:t>1/8/2025</a:t>
             </a:fld>
             <a:endParaRPr lang="en-US" dirty="0"/>
           </a:p>
@@ -3707,7 +4067,7 @@
           <a:p>
             <a:fld id="{2CED4963-E985-44C4-B8C4-FDD613B7C2F8}" type="datetime1">
               <a:rPr lang="en-US" smtClean="0"/>
-              <a:t>1/6/2025</a:t>
+              <a:t>1/8/2025</a:t>
             </a:fld>
             <a:endParaRPr lang="en-US" dirty="0"/>
           </a:p>
@@ -3882,38 +4242,37 @@
           <a:p>
             <a:pPr lvl="0"/>
             <a:r>
-              <a:rPr lang="en-US"/>
+              <a:rPr lang="en-US" dirty="0"/>
               <a:t>Click to edit Master text styles</a:t>
             </a:r>
           </a:p>
           <a:p>
             <a:pPr lvl="1"/>
             <a:r>
-              <a:rPr lang="en-US"/>
+              <a:rPr lang="en-US" dirty="0"/>
               <a:t>Second level</a:t>
             </a:r>
           </a:p>
           <a:p>
             <a:pPr lvl="2"/>
             <a:r>
-              <a:rPr lang="en-US"/>
+              <a:rPr lang="en-US" dirty="0"/>
               <a:t>Third level</a:t>
             </a:r>
           </a:p>
           <a:p>
             <a:pPr lvl="3"/>
             <a:r>
-              <a:rPr lang="en-US"/>
+              <a:rPr lang="en-US" dirty="0"/>
               <a:t>Fourth level</a:t>
             </a:r>
           </a:p>
           <a:p>
             <a:pPr lvl="4"/>
             <a:r>
-              <a:rPr lang="en-US"/>
+              <a:rPr lang="en-US" dirty="0"/>
               <a:t>Fifth level</a:t>
             </a:r>
-            <a:endParaRPr lang="en-US" dirty="0"/>
           </a:p>
         </p:txBody>
       </p:sp>
@@ -4069,7 +4428,7 @@
           <a:p>
             <a:fld id="{ED291B17-9318-49DB-B28B-6E5994AE9581}" type="datetime1">
               <a:rPr lang="en-US" smtClean="0"/>
-              <a:t>1/6/2025</a:t>
+              <a:t>1/8/2025</a:t>
             </a:fld>
             <a:endParaRPr lang="en-US" dirty="0"/>
           </a:p>
@@ -4545,7 +4904,7 @@
           <a:p>
             <a:fld id="{B2497495-0637-405E-AE64-5CC7506D51F5}" type="datetime1">
               <a:rPr lang="en-US" smtClean="0"/>
-              <a:t>1/6/2025</a:t>
+              <a:t>1/8/2025</a:t>
             </a:fld>
             <a:endParaRPr lang="en-US" dirty="0"/>
           </a:p>
@@ -4796,7 +5155,7 @@
           <a:p>
             <a:fld id="{7BFFD690-9426-415D-8B65-26881E07B2D4}" type="datetime1">
               <a:rPr lang="en-US" smtClean="0"/>
-              <a:t>1/6/2025</a:t>
+              <a:t>1/8/2025</a:t>
             </a:fld>
             <a:endParaRPr lang="en-US" dirty="0"/>
           </a:p>
@@ -5165,38 +5524,37 @@
           <a:p>
             <a:pPr lvl="0"/>
             <a:r>
-              <a:rPr lang="en-US"/>
+              <a:rPr lang="en-US" dirty="0"/>
               <a:t>Click to edit Master text styles</a:t>
             </a:r>
           </a:p>
           <a:p>
             <a:pPr lvl="1"/>
             <a:r>
-              <a:rPr lang="en-US"/>
+              <a:rPr lang="en-US" dirty="0"/>
               <a:t>Second level</a:t>
             </a:r>
           </a:p>
           <a:p>
             <a:pPr lvl="2"/>
             <a:r>
-              <a:rPr lang="en-US"/>
+              <a:rPr lang="en-US" dirty="0"/>
               <a:t>Third level</a:t>
             </a:r>
           </a:p>
           <a:p>
             <a:pPr lvl="3"/>
             <a:r>
-              <a:rPr lang="en-US"/>
+              <a:rPr lang="en-US" dirty="0"/>
               <a:t>Fourth level</a:t>
             </a:r>
           </a:p>
           <a:p>
             <a:pPr lvl="4"/>
             <a:r>
-              <a:rPr lang="en-US"/>
+              <a:rPr lang="en-US" dirty="0"/>
               <a:t>Fifth level</a:t>
             </a:r>
-            <a:endParaRPr lang="en-US" dirty="0"/>
           </a:p>
         </p:txBody>
       </p:sp>
@@ -5217,7 +5575,7 @@
           <a:p>
             <a:fld id="{04C4989A-474C-40DE-95B9-011C28B71673}" type="datetime1">
               <a:rPr lang="en-US" smtClean="0"/>
-              <a:t>1/6/2025</a:t>
+              <a:t>1/8/2025</a:t>
             </a:fld>
             <a:endParaRPr lang="en-US" dirty="0"/>
           </a:p>
@@ -5340,7 +5698,7 @@
           <a:p>
             <a:fld id="{5DB4ED54-5B5E-4A04-93D3-5772E3CE3818}" type="datetime1">
               <a:rPr lang="en-US" smtClean="0"/>
-              <a:t>1/6/2025</a:t>
+              <a:t>1/8/2025</a:t>
             </a:fld>
             <a:endParaRPr lang="en-US" dirty="0"/>
           </a:p>
@@ -5435,7 +5793,7 @@
           <a:p>
             <a:fld id="{4EDE50D6-574B-40AF-946F-D52A04ADE379}" type="datetime1">
               <a:rPr lang="en-US" smtClean="0"/>
-              <a:t>1/6/2025</a:t>
+              <a:t>1/8/2025</a:t>
             </a:fld>
             <a:endParaRPr lang="en-US" dirty="0"/>
           </a:p>
@@ -5811,7 +6169,7 @@
           <a:p>
             <a:fld id="{D82884F1-FFEA-405F-9602-3DCA865EDA4E}" type="datetime1">
               <a:rPr lang="en-US" smtClean="0"/>
-              <a:t>1/6/2025</a:t>
+              <a:t>1/8/2025</a:t>
             </a:fld>
             <a:endParaRPr lang="en-US" dirty="0"/>
           </a:p>
@@ -6081,7 +6439,7 @@
           <a:p>
             <a:pPr lvl="0"/>
             <a:r>
-              <a:rPr lang="en-US"/>
+              <a:rPr lang="en-US" dirty="0"/>
               <a:t>Click to edit Master text styles</a:t>
             </a:r>
           </a:p>
@@ -6104,7 +6462,7 @@
           <a:p>
             <a:fld id="{7E18DB4A-8810-4A10-AD5C-D5E2C667F5B3}" type="datetime1">
               <a:rPr lang="en-US" smtClean="0"/>
-              <a:t>1/6/2025</a:t>
+              <a:t>1/8/2025</a:t>
             </a:fld>
             <a:endParaRPr lang="en-US" dirty="0"/>
           </a:p>
@@ -6319,7 +6677,7 @@
           <a:p>
             <a:fld id="{ED291B17-9318-49DB-B28B-6E5994AE9581}" type="datetime1">
               <a:rPr lang="en-US" smtClean="0"/>
-              <a:t>1/6/2025</a:t>
+              <a:t>1/8/2025</a:t>
             </a:fld>
             <a:endParaRPr lang="en-US" dirty="0"/>
           </a:p>
@@ -7098,7 +7456,7 @@
           <a:p>
             <a:fld id="{ED291B17-9318-49DB-B28B-6E5994AE9581}" type="datetime1">
               <a:rPr lang="en-US" smtClean="0"/>
-              <a:t>1/6/2025</a:t>
+              <a:t>1/8/2025</a:t>
             </a:fld>
             <a:endParaRPr lang="en-US" dirty="0"/>
           </a:p>
@@ -10334,8 +10692,8 @@
           </a:p>
         </p:txBody>
       </p:sp>
-      <mc:AlternateContent xmlns:mc="http://schemas.openxmlformats.org/markup-compatibility/2006">
-        <mc:Choice xmlns:a14="http://schemas.microsoft.com/office/drawing/2010/main" Requires="a14">
+      <mc:AlternateContent xmlns:mc="http://schemas.openxmlformats.org/markup-compatibility/2006" xmlns:a14="http://schemas.microsoft.com/office/drawing/2010/main">
+        <mc:Choice Requires="a14">
           <p:sp>
             <p:nvSpPr>
               <p:cNvPr id="3" name="Content Placeholder 2">
@@ -10681,7 +11039,7 @@
             </p:txBody>
           </p:sp>
         </mc:Choice>
-        <mc:Fallback>
+        <mc:Fallback xmlns="">
           <p:sp>
             <p:nvSpPr>
               <p:cNvPr id="3" name="Content Placeholder 2">
@@ -10865,7 +11223,7 @@
           <p:cNvPr id="2" name="Title 1">
             <a:extLst>
               <a:ext uri="{FF2B5EF4-FFF2-40B4-BE49-F238E27FC236}">
-                <a16:creationId xmlns:a16="http://schemas.microsoft.com/office/drawing/2014/main" id="{B11C9816-795B-B7AE-E218-25E3A50F6814}"/>
+                <a16:creationId xmlns:a16="http://schemas.microsoft.com/office/drawing/2014/main" id="{D48ADCC1-9FDF-4850-BE21-3232C04B5FA6}"/>
               </a:ext>
             </a:extLst>
           </p:cNvPr>
@@ -10878,8 +11236,8 @@
         </p:nvSpPr>
         <p:spPr>
           <a:xfrm>
-            <a:off x="581192" y="586653"/>
-            <a:ext cx="11029616" cy="587148"/>
+            <a:off x="581192" y="702156"/>
+            <a:ext cx="11029616" cy="532284"/>
           </a:xfrm>
         </p:spPr>
         <p:txBody>
@@ -10888,7 +11246,7 @@
           <a:p>
             <a:r>
               <a:rPr lang="en-US" dirty="0"/>
-              <a:t>Scatterplot matrix</a:t>
+              <a:t>OUTLIER IN UNIVARIATE</a:t>
             </a:r>
           </a:p>
         </p:txBody>
@@ -10898,7 +11256,7 @@
           <p:cNvPr id="3" name="Content Placeholder 2">
             <a:extLst>
               <a:ext uri="{FF2B5EF4-FFF2-40B4-BE49-F238E27FC236}">
-                <a16:creationId xmlns:a16="http://schemas.microsoft.com/office/drawing/2014/main" id="{DA6DF99F-026C-89F4-53D8-6C21A136C5ED}"/>
+                <a16:creationId xmlns:a16="http://schemas.microsoft.com/office/drawing/2014/main" id="{200FE3C0-3A0B-EA6E-725F-E68C39928911}"/>
               </a:ext>
             </a:extLst>
           </p:cNvPr>
@@ -10911,55 +11269,61 @@
         </p:nvSpPr>
         <p:spPr>
           <a:xfrm>
-            <a:off x="581192" y="1353312"/>
-            <a:ext cx="11029615" cy="907106"/>
-          </a:xfrm>
-        </p:spPr>
-        <p:txBody>
-          <a:bodyPr/>
-          <a:lstStyle/>
-          <a:p>
-            <a:r>
-              <a:rPr lang="en-US" dirty="0"/>
-              <a:t>A scatterplot matrix is a matrix of scatterplots that lets you understand the pairwise relationship between different variables in a dataset</a:t>
-            </a:r>
-          </a:p>
-        </p:txBody>
-      </p:sp>
-      <p:pic>
-        <p:nvPicPr>
-          <p:cNvPr id="5" name="Picture 4">
-            <a:extLst>
-              <a:ext uri="{FF2B5EF4-FFF2-40B4-BE49-F238E27FC236}">
-                <a16:creationId xmlns:a16="http://schemas.microsoft.com/office/drawing/2014/main" id="{38D60C18-7214-7B67-5CFB-0A51D3EC3946}"/>
-              </a:ext>
-            </a:extLst>
-          </p:cNvPr>
-          <p:cNvPicPr>
-            <a:picLocks noChangeAspect="1"/>
-          </p:cNvPicPr>
-          <p:nvPr/>
-        </p:nvPicPr>
-        <p:blipFill>
-          <a:blip r:embed="rId2"/>
-          <a:stretch>
-            <a:fillRect/>
-          </a:stretch>
-        </p:blipFill>
-        <p:spPr>
-          <a:xfrm>
-            <a:off x="2197939" y="2185990"/>
-            <a:ext cx="7796122" cy="4672010"/>
-          </a:xfrm>
-          <a:prstGeom prst="rect">
-            <a:avLst/>
-          </a:prstGeom>
-        </p:spPr>
-      </p:pic>
+            <a:off x="581193" y="1380744"/>
+            <a:ext cx="11029615" cy="2660904"/>
+          </a:xfrm>
+        </p:spPr>
+        <p:txBody>
+          <a:bodyPr>
+            <a:normAutofit fontScale="92500" lnSpcReduction="10000"/>
+          </a:bodyPr>
+          <a:lstStyle/>
+          <a:p>
+            <a:pPr algn="l"/>
+            <a:r>
+              <a:rPr lang="en-US" sz="1800" b="0" i="0" u="none" strike="noStrike" baseline="0" dirty="0">
+                <a:latin typeface="MinionPro-Regular"/>
+              </a:rPr>
+              <a:t>Outliers are observations with a unique combination of characteristics indicating they are distinctly different from the other observations.</a:t>
+            </a:r>
+          </a:p>
+          <a:p>
+            <a:pPr algn="l"/>
+            <a:endParaRPr lang="en-US" dirty="0">
+              <a:latin typeface="MinionPro-Regular"/>
+            </a:endParaRPr>
+          </a:p>
+          <a:p>
+            <a:pPr algn="l"/>
+            <a:r>
+              <a:rPr lang="en-US" sz="1800" b="0" i="0" u="none" strike="noStrike" baseline="0" dirty="0">
+                <a:latin typeface="MinionPro-Regular"/>
+              </a:rPr>
+              <a:t>These differences can be on a single variable (univariate outlier), a relationship between two variables (bivariate outlier), or across an entire set of variables (multivariate outlier).</a:t>
+            </a:r>
+          </a:p>
+          <a:p>
+            <a:pPr algn="l"/>
+            <a:endParaRPr lang="en-US" dirty="0">
+              <a:latin typeface="MinionPro-Regular"/>
+            </a:endParaRPr>
+          </a:p>
+          <a:p>
+            <a:pPr algn="l"/>
+            <a:r>
+              <a:rPr lang="en-US" sz="1800" b="0" i="0" u="none" strike="noStrike" baseline="0" dirty="0">
+                <a:latin typeface="MinionPro-Regular"/>
+              </a:rPr>
+              <a:t>The univariate identification of outliers examines the distribution of observations for each variable in the analysis and selects as outliers those cases falling at the outer ranges (high or low) of the distribution.</a:t>
+            </a:r>
+            <a:endParaRPr lang="en-US" dirty="0"/>
+          </a:p>
+        </p:txBody>
+      </p:sp>
     </p:spTree>
     <p:extLst>
       <p:ext uri="{BB962C8B-B14F-4D97-AF65-F5344CB8AC3E}">
-        <p14:creationId xmlns:p14="http://schemas.microsoft.com/office/powerpoint/2010/main" val="2063668012"/>
+        <p14:creationId xmlns:p14="http://schemas.microsoft.com/office/powerpoint/2010/main" val="3655396524"/>
       </p:ext>
     </p:extLst>
   </p:cSld>
@@ -11893,6 +12257,1260 @@
 <file path=ppt/slides/slide20.xml><?xml version="1.0" encoding="utf-8"?>
 <p:sld xmlns:a="http://schemas.openxmlformats.org/drawingml/2006/main" xmlns:r="http://schemas.openxmlformats.org/officeDocument/2006/relationships" xmlns:p="http://schemas.openxmlformats.org/presentationml/2006/main">
   <p:cSld>
+    <p:spTree>
+      <p:nvGrpSpPr>
+        <p:cNvPr id="1" name=""/>
+        <p:cNvGrpSpPr/>
+        <p:nvPr/>
+      </p:nvGrpSpPr>
+      <p:grpSpPr>
+        <a:xfrm>
+          <a:off x="0" y="0"/>
+          <a:ext cx="0" cy="0"/>
+          <a:chOff x="0" y="0"/>
+          <a:chExt cx="0" cy="0"/>
+        </a:xfrm>
+      </p:grpSpPr>
+      <p:sp>
+        <p:nvSpPr>
+          <p:cNvPr id="2" name="Title 1">
+            <a:extLst>
+              <a:ext uri="{FF2B5EF4-FFF2-40B4-BE49-F238E27FC236}">
+                <a16:creationId xmlns:a16="http://schemas.microsoft.com/office/drawing/2014/main" id="{32F606B9-556D-4BA5-FA5C-43E5744571CF}"/>
+              </a:ext>
+            </a:extLst>
+          </p:cNvPr>
+          <p:cNvSpPr>
+            <a:spLocks noGrp="1"/>
+          </p:cNvSpPr>
+          <p:nvPr>
+            <p:ph type="title"/>
+          </p:nvPr>
+        </p:nvSpPr>
+        <p:spPr>
+          <a:xfrm>
+            <a:off x="581192" y="702156"/>
+            <a:ext cx="11029616" cy="587148"/>
+          </a:xfrm>
+        </p:spPr>
+        <p:txBody>
+          <a:bodyPr/>
+          <a:lstStyle/>
+          <a:p>
+            <a:r>
+              <a:rPr lang="en-US" dirty="0"/>
+              <a:t>Quantile-quantile(</a:t>
+            </a:r>
+            <a:r>
+              <a:rPr lang="en-US" dirty="0" err="1"/>
+              <a:t>qq</a:t>
+            </a:r>
+            <a:r>
+              <a:rPr lang="en-US" dirty="0"/>
+              <a:t>)-plot</a:t>
+            </a:r>
+          </a:p>
+        </p:txBody>
+      </p:sp>
+      <p:sp>
+        <p:nvSpPr>
+          <p:cNvPr id="3" name="Content Placeholder 2">
+            <a:extLst>
+              <a:ext uri="{FF2B5EF4-FFF2-40B4-BE49-F238E27FC236}">
+                <a16:creationId xmlns:a16="http://schemas.microsoft.com/office/drawing/2014/main" id="{3E0F2543-07D1-D650-DA2D-A6C375CDDAA7}"/>
+              </a:ext>
+            </a:extLst>
+          </p:cNvPr>
+          <p:cNvSpPr>
+            <a:spLocks noGrp="1"/>
+          </p:cNvSpPr>
+          <p:nvPr>
+            <p:ph idx="1"/>
+          </p:nvPr>
+        </p:nvSpPr>
+        <p:spPr>
+          <a:xfrm>
+            <a:off x="489752" y="1409618"/>
+            <a:ext cx="11029615" cy="885525"/>
+          </a:xfrm>
+        </p:spPr>
+        <p:txBody>
+          <a:bodyPr>
+            <a:normAutofit lnSpcReduction="10000"/>
+          </a:bodyPr>
+          <a:lstStyle/>
+          <a:p>
+            <a:r>
+              <a:rPr lang="en-US" dirty="0"/>
+              <a:t>A </a:t>
+            </a:r>
+            <a:r>
+              <a:rPr lang="en-US" b="1" dirty="0"/>
+              <a:t>QQ plot (Quantile-Quantile plot)</a:t>
+            </a:r>
+            <a:r>
+              <a:rPr lang="en-US" dirty="0"/>
+              <a:t> is a graphical tool used to </a:t>
+            </a:r>
+            <a:r>
+              <a:rPr lang="en-US" b="1" dirty="0"/>
+              <a:t>compare the distribution of a dataset</a:t>
+            </a:r>
+            <a:r>
+              <a:rPr lang="en-US" dirty="0"/>
+              <a:t> to a </a:t>
+            </a:r>
+            <a:r>
+              <a:rPr lang="en-US" b="1" dirty="0"/>
+              <a:t>theoretical distribution</a:t>
+            </a:r>
+            <a:r>
+              <a:rPr lang="en-US" dirty="0"/>
+              <a:t> (usually a normal distribution). It helps to </a:t>
+            </a:r>
+            <a:r>
+              <a:rPr lang="en-US" b="1" dirty="0"/>
+              <a:t>identify deviations</a:t>
+            </a:r>
+            <a:r>
+              <a:rPr lang="en-US" dirty="0"/>
+              <a:t> from normality and </a:t>
+            </a:r>
+            <a:r>
+              <a:rPr lang="en-US" b="1" dirty="0"/>
+              <a:t>spot potential outliers</a:t>
+            </a:r>
+            <a:r>
+              <a:rPr lang="en-US" dirty="0"/>
+              <a:t>.</a:t>
+            </a:r>
+          </a:p>
+        </p:txBody>
+      </p:sp>
+      <p:pic>
+        <p:nvPicPr>
+          <p:cNvPr id="5" name="Picture 4">
+            <a:extLst>
+              <a:ext uri="{FF2B5EF4-FFF2-40B4-BE49-F238E27FC236}">
+                <a16:creationId xmlns:a16="http://schemas.microsoft.com/office/drawing/2014/main" id="{8C9C81EE-556D-D10F-08C0-BD812ABA55FC}"/>
+              </a:ext>
+            </a:extLst>
+          </p:cNvPr>
+          <p:cNvPicPr>
+            <a:picLocks noChangeAspect="1"/>
+          </p:cNvPicPr>
+          <p:nvPr/>
+        </p:nvPicPr>
+        <p:blipFill>
+          <a:blip r:embed="rId2"/>
+          <a:stretch>
+            <a:fillRect/>
+          </a:stretch>
+        </p:blipFill>
+        <p:spPr>
+          <a:xfrm>
+            <a:off x="3851168" y="2476500"/>
+            <a:ext cx="8096250" cy="4381500"/>
+          </a:xfrm>
+          <a:prstGeom prst="rect">
+            <a:avLst/>
+          </a:prstGeom>
+        </p:spPr>
+      </p:pic>
+      <p:pic>
+        <p:nvPicPr>
+          <p:cNvPr id="7" name="Picture 6">
+            <a:extLst>
+              <a:ext uri="{FF2B5EF4-FFF2-40B4-BE49-F238E27FC236}">
+                <a16:creationId xmlns:a16="http://schemas.microsoft.com/office/drawing/2014/main" id="{6BA67DEF-2210-EC5F-C6AC-6D7EFBDCF709}"/>
+              </a:ext>
+            </a:extLst>
+          </p:cNvPr>
+          <p:cNvPicPr>
+            <a:picLocks noChangeAspect="1"/>
+          </p:cNvPicPr>
+          <p:nvPr/>
+        </p:nvPicPr>
+        <p:blipFill>
+          <a:blip r:embed="rId3"/>
+          <a:stretch>
+            <a:fillRect/>
+          </a:stretch>
+        </p:blipFill>
+        <p:spPr>
+          <a:xfrm>
+            <a:off x="0" y="5076635"/>
+            <a:ext cx="3395353" cy="1781365"/>
+          </a:xfrm>
+          <a:prstGeom prst="rect">
+            <a:avLst/>
+          </a:prstGeom>
+        </p:spPr>
+      </p:pic>
+    </p:spTree>
+    <p:extLst>
+      <p:ext uri="{BB962C8B-B14F-4D97-AF65-F5344CB8AC3E}">
+        <p14:creationId xmlns:p14="http://schemas.microsoft.com/office/powerpoint/2010/main" val="512672216"/>
+      </p:ext>
+    </p:extLst>
+  </p:cSld>
+  <p:clrMapOvr>
+    <a:masterClrMapping/>
+  </p:clrMapOvr>
+</p:sld>
+</file>
+
+<file path=ppt/slides/slide21.xml><?xml version="1.0" encoding="utf-8"?>
+<p:sld xmlns:a="http://schemas.openxmlformats.org/drawingml/2006/main" xmlns:r="http://schemas.openxmlformats.org/officeDocument/2006/relationships" xmlns:p="http://schemas.openxmlformats.org/presentationml/2006/main">
+  <p:cSld>
+    <p:spTree>
+      <p:nvGrpSpPr>
+        <p:cNvPr id="1" name=""/>
+        <p:cNvGrpSpPr/>
+        <p:nvPr/>
+      </p:nvGrpSpPr>
+      <p:grpSpPr>
+        <a:xfrm>
+          <a:off x="0" y="0"/>
+          <a:ext cx="0" cy="0"/>
+          <a:chOff x="0" y="0"/>
+          <a:chExt cx="0" cy="0"/>
+        </a:xfrm>
+      </p:grpSpPr>
+      <p:sp>
+        <p:nvSpPr>
+          <p:cNvPr id="2" name="Title 1">
+            <a:extLst>
+              <a:ext uri="{FF2B5EF4-FFF2-40B4-BE49-F238E27FC236}">
+                <a16:creationId xmlns:a16="http://schemas.microsoft.com/office/drawing/2014/main" id="{533FCD2B-C804-2103-A24F-6942D23E9FF9}"/>
+              </a:ext>
+            </a:extLst>
+          </p:cNvPr>
+          <p:cNvSpPr>
+            <a:spLocks noGrp="1"/>
+          </p:cNvSpPr>
+          <p:nvPr>
+            <p:ph type="title"/>
+          </p:nvPr>
+        </p:nvSpPr>
+        <p:spPr>
+          <a:xfrm>
+            <a:off x="581190" y="571092"/>
+            <a:ext cx="11029616" cy="587148"/>
+          </a:xfrm>
+        </p:spPr>
+        <p:txBody>
+          <a:bodyPr>
+            <a:normAutofit/>
+          </a:bodyPr>
+          <a:lstStyle/>
+          <a:p>
+            <a:r>
+              <a:rPr lang="en-US" dirty="0"/>
+              <a:t>kurtosis</a:t>
+            </a:r>
+          </a:p>
+        </p:txBody>
+      </p:sp>
+      <p:sp>
+        <p:nvSpPr>
+          <p:cNvPr id="3" name="Content Placeholder 2">
+            <a:extLst>
+              <a:ext uri="{FF2B5EF4-FFF2-40B4-BE49-F238E27FC236}">
+                <a16:creationId xmlns:a16="http://schemas.microsoft.com/office/drawing/2014/main" id="{F88AC6A0-4AFD-57A1-CB16-23AA4BB48E32}"/>
+              </a:ext>
+            </a:extLst>
+          </p:cNvPr>
+          <p:cNvSpPr>
+            <a:spLocks noGrp="1"/>
+          </p:cNvSpPr>
+          <p:nvPr>
+            <p:ph idx="1"/>
+          </p:nvPr>
+        </p:nvSpPr>
+        <p:spPr>
+          <a:xfrm>
+            <a:off x="581192" y="1263804"/>
+            <a:ext cx="11029615" cy="1664208"/>
+          </a:xfrm>
+        </p:spPr>
+        <p:txBody>
+          <a:bodyPr>
+            <a:normAutofit/>
+          </a:bodyPr>
+          <a:lstStyle/>
+          <a:p>
+            <a:r>
+              <a:rPr lang="en-US" b="0" i="0" dirty="0">
+                <a:solidFill>
+                  <a:schemeClr val="tx1"/>
+                </a:solidFill>
+                <a:effectLst/>
+                <a:latin typeface="ElsevierGulliver"/>
+              </a:rPr>
+              <a:t>Kurtosis is a measure of the “</a:t>
+            </a:r>
+            <a:r>
+              <a:rPr lang="en-US" b="0" i="0" dirty="0" err="1">
+                <a:solidFill>
+                  <a:schemeClr val="tx1"/>
+                </a:solidFill>
+                <a:effectLst/>
+                <a:latin typeface="ElsevierGulliver"/>
+              </a:rPr>
+              <a:t>tailedness</a:t>
+            </a:r>
+            <a:r>
+              <a:rPr lang="en-US" b="0" i="0" dirty="0">
+                <a:solidFill>
+                  <a:schemeClr val="tx1"/>
+                </a:solidFill>
+                <a:effectLst/>
+                <a:latin typeface="ElsevierGulliver"/>
+              </a:rPr>
+              <a:t>” of the probability distribution. A standard normal distribution has kurtosis of 3 and is recognized as mesokurtic </a:t>
+            </a:r>
+            <a:r>
+              <a:rPr lang="en-US" b="0" i="0" baseline="30000" dirty="0">
+                <a:solidFill>
+                  <a:schemeClr val="tx1"/>
+                </a:solidFill>
+                <a:effectLst/>
+                <a:latin typeface="ElsevierGulliver"/>
+              </a:rPr>
+              <a:t>1</a:t>
+            </a:r>
+            <a:r>
+              <a:rPr lang="en-US" dirty="0">
+                <a:solidFill>
+                  <a:schemeClr val="tx1"/>
+                </a:solidFill>
+                <a:latin typeface="ElsevierGulliver"/>
+              </a:rPr>
+              <a:t>. </a:t>
+            </a:r>
+          </a:p>
+          <a:p>
+            <a:r>
+              <a:rPr lang="en-US" dirty="0">
+                <a:solidFill>
+                  <a:schemeClr val="tx1"/>
+                </a:solidFill>
+                <a:latin typeface="ElsevierGulliver"/>
+              </a:rPr>
+              <a:t>Kurtosis is a measure of whether or not a distribution is heavy-tailed or light-tailed relative to a normal distribution. </a:t>
+            </a:r>
+          </a:p>
+          <a:p>
+            <a:endParaRPr lang="en-US" dirty="0">
+              <a:solidFill>
+                <a:schemeClr val="tx1"/>
+              </a:solidFill>
+              <a:latin typeface="ElsevierGulliver"/>
+            </a:endParaRPr>
+          </a:p>
+        </p:txBody>
+      </p:sp>
+      <p:sp>
+        <p:nvSpPr>
+          <p:cNvPr id="4" name="Footer Placeholder 3">
+            <a:extLst>
+              <a:ext uri="{FF2B5EF4-FFF2-40B4-BE49-F238E27FC236}">
+                <a16:creationId xmlns:a16="http://schemas.microsoft.com/office/drawing/2014/main" id="{5C0EFC70-BB53-5A31-27DF-481F8B820758}"/>
+              </a:ext>
+            </a:extLst>
+          </p:cNvPr>
+          <p:cNvSpPr>
+            <a:spLocks noGrp="1"/>
+          </p:cNvSpPr>
+          <p:nvPr>
+            <p:ph type="ftr" sz="quarter" idx="11"/>
+          </p:nvPr>
+        </p:nvSpPr>
+        <p:spPr/>
+        <p:txBody>
+          <a:bodyPr/>
+          <a:lstStyle/>
+          <a:p>
+            <a:r>
+              <a:rPr lang="en-US" sz="1050" baseline="30000" dirty="0"/>
+              <a:t>1</a:t>
+            </a:r>
+            <a:r>
+              <a:rPr lang="en-US" dirty="0"/>
+              <a:t> Laboratory statistics, handbook of formulas and terms. Chemistry International, 36(4), 23-23.</a:t>
+            </a:r>
+          </a:p>
+        </p:txBody>
+      </p:sp>
+      <p:pic>
+        <p:nvPicPr>
+          <p:cNvPr id="7" name="Picture 6">
+            <a:extLst>
+              <a:ext uri="{FF2B5EF4-FFF2-40B4-BE49-F238E27FC236}">
+                <a16:creationId xmlns:a16="http://schemas.microsoft.com/office/drawing/2014/main" id="{FED5D1B3-202D-F234-A099-F1D56933FBF2}"/>
+              </a:ext>
+            </a:extLst>
+          </p:cNvPr>
+          <p:cNvPicPr>
+            <a:picLocks noChangeAspect="1"/>
+          </p:cNvPicPr>
+          <p:nvPr/>
+        </p:nvPicPr>
+        <p:blipFill>
+          <a:blip r:embed="rId2"/>
+          <a:stretch>
+            <a:fillRect/>
+          </a:stretch>
+        </p:blipFill>
+        <p:spPr>
+          <a:xfrm>
+            <a:off x="2444496" y="2410983"/>
+            <a:ext cx="7650480" cy="4027536"/>
+          </a:xfrm>
+          <a:prstGeom prst="rect">
+            <a:avLst/>
+          </a:prstGeom>
+        </p:spPr>
+      </p:pic>
+    </p:spTree>
+    <p:extLst>
+      <p:ext uri="{BB962C8B-B14F-4D97-AF65-F5344CB8AC3E}">
+        <p14:creationId xmlns:p14="http://schemas.microsoft.com/office/powerpoint/2010/main" val="806269378"/>
+      </p:ext>
+    </p:extLst>
+  </p:cSld>
+  <p:clrMapOvr>
+    <a:masterClrMapping/>
+  </p:clrMapOvr>
+</p:sld>
+</file>
+
+<file path=ppt/slides/slide22.xml><?xml version="1.0" encoding="utf-8"?>
+<p:sld xmlns:a="http://schemas.openxmlformats.org/drawingml/2006/main" xmlns:r="http://schemas.openxmlformats.org/officeDocument/2006/relationships" xmlns:p="http://schemas.openxmlformats.org/presentationml/2006/main">
+  <p:cSld>
+    <p:spTree>
+      <p:nvGrpSpPr>
+        <p:cNvPr id="1" name=""/>
+        <p:cNvGrpSpPr/>
+        <p:nvPr/>
+      </p:nvGrpSpPr>
+      <p:grpSpPr>
+        <a:xfrm>
+          <a:off x="0" y="0"/>
+          <a:ext cx="0" cy="0"/>
+          <a:chOff x="0" y="0"/>
+          <a:chExt cx="0" cy="0"/>
+        </a:xfrm>
+      </p:grpSpPr>
+      <p:sp>
+        <p:nvSpPr>
+          <p:cNvPr id="2" name="Title 1">
+            <a:extLst>
+              <a:ext uri="{FF2B5EF4-FFF2-40B4-BE49-F238E27FC236}">
+                <a16:creationId xmlns:a16="http://schemas.microsoft.com/office/drawing/2014/main" id="{2FE3F362-EB7D-7B32-8DE4-7BF307DAC2EB}"/>
+              </a:ext>
+            </a:extLst>
+          </p:cNvPr>
+          <p:cNvSpPr>
+            <a:spLocks noGrp="1"/>
+          </p:cNvSpPr>
+          <p:nvPr>
+            <p:ph type="title"/>
+          </p:nvPr>
+        </p:nvSpPr>
+        <p:spPr>
+          <a:xfrm>
+            <a:off x="581191" y="574140"/>
+            <a:ext cx="11029616" cy="550572"/>
+          </a:xfrm>
+        </p:spPr>
+        <p:txBody>
+          <a:bodyPr/>
+          <a:lstStyle/>
+          <a:p>
+            <a:r>
+              <a:rPr lang="en-US" dirty="0"/>
+              <a:t>LEPTOKURTIC &amp; PLATKURTIC</a:t>
+            </a:r>
+          </a:p>
+        </p:txBody>
+      </p:sp>
+      <p:sp>
+        <p:nvSpPr>
+          <p:cNvPr id="3" name="Content Placeholder 2">
+            <a:extLst>
+              <a:ext uri="{FF2B5EF4-FFF2-40B4-BE49-F238E27FC236}">
+                <a16:creationId xmlns:a16="http://schemas.microsoft.com/office/drawing/2014/main" id="{EE24C01D-F703-7414-927D-E7ABCAEA932C}"/>
+              </a:ext>
+            </a:extLst>
+          </p:cNvPr>
+          <p:cNvSpPr>
+            <a:spLocks noGrp="1"/>
+          </p:cNvSpPr>
+          <p:nvPr>
+            <p:ph idx="1"/>
+          </p:nvPr>
+        </p:nvSpPr>
+        <p:spPr>
+          <a:xfrm>
+            <a:off x="581191" y="1202436"/>
+            <a:ext cx="11029615" cy="1257300"/>
+          </a:xfrm>
+        </p:spPr>
+        <p:txBody>
+          <a:bodyPr/>
+          <a:lstStyle/>
+          <a:p>
+            <a:r>
+              <a:rPr lang="en-US" b="0" i="0" dirty="0">
+                <a:solidFill>
+                  <a:srgbClr val="1F1F1F"/>
+                </a:solidFill>
+                <a:effectLst/>
+                <a:latin typeface="ElsevierGulliver"/>
+              </a:rPr>
+              <a:t>An increased kurtosis (&gt;3) can be visualized as a thin “bell</a:t>
+            </a:r>
+            <a:r>
+              <a:rPr lang="en-US" dirty="0">
+                <a:solidFill>
+                  <a:schemeClr val="tx1"/>
+                </a:solidFill>
+                <a:latin typeface="ElsevierGulliver"/>
+              </a:rPr>
+              <a:t>” with a high peak whereas a decreased kurtosis corresponds to a broadening of the peak and “thickening” of the tails. </a:t>
+            </a:r>
+          </a:p>
+          <a:p>
+            <a:r>
+              <a:rPr lang="en-US" dirty="0">
+                <a:solidFill>
+                  <a:schemeClr val="tx1"/>
+                </a:solidFill>
+                <a:latin typeface="ElsevierGulliver"/>
+              </a:rPr>
+              <a:t>Kurtosis &gt; 3 is recognized as leptokurtic and &lt; 3 as platykurtic. </a:t>
+            </a:r>
+          </a:p>
+        </p:txBody>
+      </p:sp>
+      <p:pic>
+        <p:nvPicPr>
+          <p:cNvPr id="9" name="Picture 8">
+            <a:extLst>
+              <a:ext uri="{FF2B5EF4-FFF2-40B4-BE49-F238E27FC236}">
+                <a16:creationId xmlns:a16="http://schemas.microsoft.com/office/drawing/2014/main" id="{B7F82AB7-7FB2-5208-887D-2C3C0E3F3551}"/>
+              </a:ext>
+            </a:extLst>
+          </p:cNvPr>
+          <p:cNvPicPr>
+            <a:picLocks noChangeAspect="1"/>
+          </p:cNvPicPr>
+          <p:nvPr/>
+        </p:nvPicPr>
+        <p:blipFill>
+          <a:blip r:embed="rId2"/>
+          <a:stretch>
+            <a:fillRect/>
+          </a:stretch>
+        </p:blipFill>
+        <p:spPr>
+          <a:xfrm>
+            <a:off x="107583" y="3378454"/>
+            <a:ext cx="5729889" cy="3414575"/>
+          </a:xfrm>
+          <a:prstGeom prst="rect">
+            <a:avLst/>
+          </a:prstGeom>
+        </p:spPr>
+      </p:pic>
+      <p:pic>
+        <p:nvPicPr>
+          <p:cNvPr id="11" name="Picture 10">
+            <a:extLst>
+              <a:ext uri="{FF2B5EF4-FFF2-40B4-BE49-F238E27FC236}">
+                <a16:creationId xmlns:a16="http://schemas.microsoft.com/office/drawing/2014/main" id="{E47463A8-640E-73BF-5A4D-9C6BF272BD80}"/>
+              </a:ext>
+            </a:extLst>
+          </p:cNvPr>
+          <p:cNvPicPr>
+            <a:picLocks noChangeAspect="1"/>
+          </p:cNvPicPr>
+          <p:nvPr/>
+        </p:nvPicPr>
+        <p:blipFill>
+          <a:blip r:embed="rId3"/>
+          <a:stretch>
+            <a:fillRect/>
+          </a:stretch>
+        </p:blipFill>
+        <p:spPr>
+          <a:xfrm>
+            <a:off x="6354529" y="3429000"/>
+            <a:ext cx="5474920" cy="3264020"/>
+          </a:xfrm>
+          <a:prstGeom prst="rect">
+            <a:avLst/>
+          </a:prstGeom>
+        </p:spPr>
+      </p:pic>
+    </p:spTree>
+    <p:extLst>
+      <p:ext uri="{BB962C8B-B14F-4D97-AF65-F5344CB8AC3E}">
+        <p14:creationId xmlns:p14="http://schemas.microsoft.com/office/powerpoint/2010/main" val="3325189239"/>
+      </p:ext>
+    </p:extLst>
+  </p:cSld>
+  <p:clrMapOvr>
+    <a:masterClrMapping/>
+  </p:clrMapOvr>
+</p:sld>
+</file>
+
+<file path=ppt/slides/slide23.xml><?xml version="1.0" encoding="utf-8"?>
+<p:sld xmlns:a="http://schemas.openxmlformats.org/drawingml/2006/main" xmlns:r="http://schemas.openxmlformats.org/officeDocument/2006/relationships" xmlns:p="http://schemas.openxmlformats.org/presentationml/2006/main">
+  <p:cSld>
+    <p:spTree>
+      <p:nvGrpSpPr>
+        <p:cNvPr id="1" name=""/>
+        <p:cNvGrpSpPr/>
+        <p:nvPr/>
+      </p:nvGrpSpPr>
+      <p:grpSpPr>
+        <a:xfrm>
+          <a:off x="0" y="0"/>
+          <a:ext cx="0" cy="0"/>
+          <a:chOff x="0" y="0"/>
+          <a:chExt cx="0" cy="0"/>
+        </a:xfrm>
+      </p:grpSpPr>
+      <p:sp>
+        <p:nvSpPr>
+          <p:cNvPr id="2" name="Title 1">
+            <a:extLst>
+              <a:ext uri="{FF2B5EF4-FFF2-40B4-BE49-F238E27FC236}">
+                <a16:creationId xmlns:a16="http://schemas.microsoft.com/office/drawing/2014/main" id="{B11C9816-795B-B7AE-E218-25E3A50F6814}"/>
+              </a:ext>
+            </a:extLst>
+          </p:cNvPr>
+          <p:cNvSpPr>
+            <a:spLocks noGrp="1"/>
+          </p:cNvSpPr>
+          <p:nvPr>
+            <p:ph type="title"/>
+          </p:nvPr>
+        </p:nvSpPr>
+        <p:spPr>
+          <a:xfrm>
+            <a:off x="581192" y="586653"/>
+            <a:ext cx="11029616" cy="587148"/>
+          </a:xfrm>
+        </p:spPr>
+        <p:txBody>
+          <a:bodyPr/>
+          <a:lstStyle/>
+          <a:p>
+            <a:r>
+              <a:rPr lang="en-US" dirty="0"/>
+              <a:t>Scatterplot matrix</a:t>
+            </a:r>
+          </a:p>
+        </p:txBody>
+      </p:sp>
+      <p:sp>
+        <p:nvSpPr>
+          <p:cNvPr id="3" name="Content Placeholder 2">
+            <a:extLst>
+              <a:ext uri="{FF2B5EF4-FFF2-40B4-BE49-F238E27FC236}">
+                <a16:creationId xmlns:a16="http://schemas.microsoft.com/office/drawing/2014/main" id="{DA6DF99F-026C-89F4-53D8-6C21A136C5ED}"/>
+              </a:ext>
+            </a:extLst>
+          </p:cNvPr>
+          <p:cNvSpPr>
+            <a:spLocks noGrp="1"/>
+          </p:cNvSpPr>
+          <p:nvPr>
+            <p:ph idx="1"/>
+          </p:nvPr>
+        </p:nvSpPr>
+        <p:spPr>
+          <a:xfrm>
+            <a:off x="581192" y="1173801"/>
+            <a:ext cx="11029615" cy="907106"/>
+          </a:xfrm>
+        </p:spPr>
+        <p:txBody>
+          <a:bodyPr/>
+          <a:lstStyle/>
+          <a:p>
+            <a:r>
+              <a:rPr lang="en-US" dirty="0"/>
+              <a:t>A scatterplot matrix is a matrix of scatterplots that lets you understand the pairwise relationship between different variables in a dataset</a:t>
+            </a:r>
+          </a:p>
+        </p:txBody>
+      </p:sp>
+      <p:pic>
+        <p:nvPicPr>
+          <p:cNvPr id="6" name="Picture 5">
+            <a:extLst>
+              <a:ext uri="{FF2B5EF4-FFF2-40B4-BE49-F238E27FC236}">
+                <a16:creationId xmlns:a16="http://schemas.microsoft.com/office/drawing/2014/main" id="{54DAC414-F0F5-F6E6-555A-8282CC7F4E9F}"/>
+              </a:ext>
+            </a:extLst>
+          </p:cNvPr>
+          <p:cNvPicPr>
+            <a:picLocks noChangeAspect="1"/>
+          </p:cNvPicPr>
+          <p:nvPr/>
+        </p:nvPicPr>
+        <p:blipFill>
+          <a:blip r:embed="rId2"/>
+          <a:stretch>
+            <a:fillRect/>
+          </a:stretch>
+        </p:blipFill>
+        <p:spPr>
+          <a:xfrm>
+            <a:off x="2273566" y="1982786"/>
+            <a:ext cx="7981045" cy="4875214"/>
+          </a:xfrm>
+          <a:prstGeom prst="rect">
+            <a:avLst/>
+          </a:prstGeom>
+        </p:spPr>
+      </p:pic>
+    </p:spTree>
+    <p:extLst>
+      <p:ext uri="{BB962C8B-B14F-4D97-AF65-F5344CB8AC3E}">
+        <p14:creationId xmlns:p14="http://schemas.microsoft.com/office/powerpoint/2010/main" val="2063668012"/>
+      </p:ext>
+    </p:extLst>
+  </p:cSld>
+  <p:clrMapOvr>
+    <a:masterClrMapping/>
+  </p:clrMapOvr>
+</p:sld>
+</file>
+
+<file path=ppt/slides/slide24.xml><?xml version="1.0" encoding="utf-8"?>
+<p:sld xmlns:a="http://schemas.openxmlformats.org/drawingml/2006/main" xmlns:r="http://schemas.openxmlformats.org/officeDocument/2006/relationships" xmlns:p="http://schemas.openxmlformats.org/presentationml/2006/main">
+  <p:cSld>
+    <p:spTree>
+      <p:nvGrpSpPr>
+        <p:cNvPr id="1" name=""/>
+        <p:cNvGrpSpPr/>
+        <p:nvPr/>
+      </p:nvGrpSpPr>
+      <p:grpSpPr>
+        <a:xfrm>
+          <a:off x="0" y="0"/>
+          <a:ext cx="0" cy="0"/>
+          <a:chOff x="0" y="0"/>
+          <a:chExt cx="0" cy="0"/>
+        </a:xfrm>
+      </p:grpSpPr>
+      <p:sp>
+        <p:nvSpPr>
+          <p:cNvPr id="2" name="Title 1">
+            <a:extLst>
+              <a:ext uri="{FF2B5EF4-FFF2-40B4-BE49-F238E27FC236}">
+                <a16:creationId xmlns:a16="http://schemas.microsoft.com/office/drawing/2014/main" id="{45AC5C98-C6EF-460E-A4F9-D23994CC3687}"/>
+              </a:ext>
+            </a:extLst>
+          </p:cNvPr>
+          <p:cNvSpPr>
+            <a:spLocks noGrp="1"/>
+          </p:cNvSpPr>
+          <p:nvPr>
+            <p:ph type="title"/>
+          </p:nvPr>
+        </p:nvSpPr>
+        <p:spPr>
+          <a:xfrm>
+            <a:off x="581192" y="702156"/>
+            <a:ext cx="11029616" cy="623724"/>
+          </a:xfrm>
+        </p:spPr>
+        <p:txBody>
+          <a:bodyPr/>
+          <a:lstStyle/>
+          <a:p>
+            <a:r>
+              <a:rPr lang="en-US" dirty="0"/>
+              <a:t>A grid of scatterplot matrix</a:t>
+            </a:r>
+          </a:p>
+        </p:txBody>
+      </p:sp>
+      <p:pic>
+        <p:nvPicPr>
+          <p:cNvPr id="4" name="Picture 3">
+            <a:extLst>
+              <a:ext uri="{FF2B5EF4-FFF2-40B4-BE49-F238E27FC236}">
+                <a16:creationId xmlns:a16="http://schemas.microsoft.com/office/drawing/2014/main" id="{B1677C5C-B80A-E46C-FE10-76C870212B37}"/>
+              </a:ext>
+            </a:extLst>
+          </p:cNvPr>
+          <p:cNvPicPr>
+            <a:picLocks noChangeAspect="1"/>
+          </p:cNvPicPr>
+          <p:nvPr/>
+        </p:nvPicPr>
+        <p:blipFill>
+          <a:blip r:embed="rId2"/>
+          <a:stretch>
+            <a:fillRect/>
+          </a:stretch>
+        </p:blipFill>
+        <p:spPr>
+          <a:xfrm>
+            <a:off x="4045577" y="1325880"/>
+            <a:ext cx="7981045" cy="4875214"/>
+          </a:xfrm>
+          <a:prstGeom prst="rect">
+            <a:avLst/>
+          </a:prstGeom>
+        </p:spPr>
+      </p:pic>
+      <p:sp>
+        <p:nvSpPr>
+          <p:cNvPr id="5" name="Rectangle 1">
+            <a:extLst>
+              <a:ext uri="{FF2B5EF4-FFF2-40B4-BE49-F238E27FC236}">
+                <a16:creationId xmlns:a16="http://schemas.microsoft.com/office/drawing/2014/main" id="{6D7AC036-7733-131B-D94F-0223288CB27B}"/>
+              </a:ext>
+            </a:extLst>
+          </p:cNvPr>
+          <p:cNvSpPr>
+            <a:spLocks noGrp="1" noChangeArrowheads="1"/>
+          </p:cNvSpPr>
+          <p:nvPr>
+            <p:ph idx="1"/>
+          </p:nvPr>
+        </p:nvSpPr>
+        <p:spPr bwMode="auto">
+          <a:xfrm>
+            <a:off x="78105" y="2709455"/>
+            <a:ext cx="4201287" cy="2573012"/>
+          </a:xfrm>
+          <a:prstGeom prst="rect">
+            <a:avLst/>
+          </a:prstGeom>
+          <a:noFill/>
+          <a:ln>
+            <a:noFill/>
+          </a:ln>
+          <a:effectLst/>
+          <a:extLst>
+            <a:ext uri="{909E8E84-426E-40DD-AFC4-6F175D3DCCD1}">
+              <a14:hiddenFill xmlns:a14="http://schemas.microsoft.com/office/drawing/2010/main">
+                <a:solidFill>
+                  <a:schemeClr val="accent1"/>
+                </a:solidFill>
+              </a14:hiddenFill>
+            </a:ext>
+            <a:ext uri="{91240B29-F687-4F45-9708-019B960494DF}">
+              <a14:hiddenLine xmlns:a14="http://schemas.microsoft.com/office/drawing/2010/main" w="9525">
+                <a:solidFill>
+                  <a:schemeClr val="tx1"/>
+                </a:solidFill>
+                <a:miter lim="800000"/>
+                <a:headEnd/>
+                <a:tailEnd/>
+              </a14:hiddenLine>
+            </a:ext>
+            <a:ext uri="{AF507438-7753-43E0-B8FC-AC1667EBCBE1}">
+              <a14:hiddenEffects xmlns:a14="http://schemas.microsoft.com/office/drawing/2010/main">
+                <a:effectLst>
+                  <a:outerShdw dist="35921" dir="2700000" algn="ctr" rotWithShape="0">
+                    <a:schemeClr val="bg2"/>
+                  </a:outerShdw>
+                </a:effectLst>
+              </a14:hiddenEffects>
+            </a:ext>
+          </a:extLst>
+        </p:spPr>
+        <p:txBody>
+          <a:bodyPr vert="horz" wrap="square" lIns="91440" tIns="45720" rIns="91440" bIns="45720" numCol="1" anchor="ctr" anchorCtr="0" compatLnSpc="1">
+            <a:prstTxWarp prst="textNoShape">
+              <a:avLst/>
+            </a:prstTxWarp>
+            <a:spAutoFit/>
+          </a:bodyPr>
+          <a:lstStyle/>
+          <a:p>
+            <a:pPr marR="0" lvl="0" fontAlgn="base">
+              <a:tabLst/>
+            </a:pPr>
+            <a:r>
+              <a:rPr lang="en-US" altLang="en-US" dirty="0">
+                <a:solidFill>
+                  <a:schemeClr val="tx1"/>
+                </a:solidFill>
+              </a:rPr>
+              <a:t>Rows and column represent each variable.</a:t>
+            </a:r>
+          </a:p>
+          <a:p>
+            <a:pPr marR="0" lvl="0" fontAlgn="base">
+              <a:tabLst/>
+            </a:pPr>
+            <a:r>
+              <a:rPr lang="en-US" altLang="en-US" dirty="0">
+                <a:solidFill>
+                  <a:schemeClr val="tx1"/>
+                </a:solidFill>
+              </a:rPr>
+              <a:t>Each cell in the matrix shows a scatterplot of two variables (one on the x-axis, one on the y-axis).</a:t>
+            </a:r>
+          </a:p>
+          <a:p>
+            <a:pPr marR="0" lvl="0" fontAlgn="base">
+              <a:tabLst/>
+            </a:pPr>
+            <a:r>
+              <a:rPr lang="en-US" altLang="en-US" dirty="0">
+                <a:solidFill>
+                  <a:schemeClr val="tx1"/>
+                </a:solidFill>
+              </a:rPr>
+              <a:t>The diagonal cells typically contain the variable names or histograms of each variable. </a:t>
+            </a:r>
+          </a:p>
+        </p:txBody>
+      </p:sp>
+    </p:spTree>
+    <p:extLst>
+      <p:ext uri="{BB962C8B-B14F-4D97-AF65-F5344CB8AC3E}">
+        <p14:creationId xmlns:p14="http://schemas.microsoft.com/office/powerpoint/2010/main" val="3125040392"/>
+      </p:ext>
+    </p:extLst>
+  </p:cSld>
+  <p:clrMapOvr>
+    <a:masterClrMapping/>
+  </p:clrMapOvr>
+</p:sld>
+</file>
+
+<file path=ppt/slides/slide25.xml><?xml version="1.0" encoding="utf-8"?>
+<p:sld xmlns:a="http://schemas.openxmlformats.org/drawingml/2006/main" xmlns:r="http://schemas.openxmlformats.org/officeDocument/2006/relationships" xmlns:p="http://schemas.openxmlformats.org/presentationml/2006/main">
+  <p:cSld>
+    <p:spTree>
+      <p:nvGrpSpPr>
+        <p:cNvPr id="1" name=""/>
+        <p:cNvGrpSpPr/>
+        <p:nvPr/>
+      </p:nvGrpSpPr>
+      <p:grpSpPr>
+        <a:xfrm>
+          <a:off x="0" y="0"/>
+          <a:ext cx="0" cy="0"/>
+          <a:chOff x="0" y="0"/>
+          <a:chExt cx="0" cy="0"/>
+        </a:xfrm>
+      </p:grpSpPr>
+      <p:sp>
+        <p:nvSpPr>
+          <p:cNvPr id="2" name="Title 1">
+            <a:extLst>
+              <a:ext uri="{FF2B5EF4-FFF2-40B4-BE49-F238E27FC236}">
+                <a16:creationId xmlns:a16="http://schemas.microsoft.com/office/drawing/2014/main" id="{116CB820-BAB6-6191-FB4E-4564BBAFCE2F}"/>
+              </a:ext>
+            </a:extLst>
+          </p:cNvPr>
+          <p:cNvSpPr>
+            <a:spLocks noGrp="1"/>
+          </p:cNvSpPr>
+          <p:nvPr>
+            <p:ph type="title"/>
+          </p:nvPr>
+        </p:nvSpPr>
+        <p:spPr>
+          <a:xfrm>
+            <a:off x="581192" y="702156"/>
+            <a:ext cx="11029616" cy="541428"/>
+          </a:xfrm>
+        </p:spPr>
+        <p:txBody>
+          <a:bodyPr/>
+          <a:lstStyle/>
+          <a:p>
+            <a:r>
+              <a:rPr lang="en-US" dirty="0"/>
+              <a:t>Regression line </a:t>
+            </a:r>
+          </a:p>
+        </p:txBody>
+      </p:sp>
+      <p:sp>
+        <p:nvSpPr>
+          <p:cNvPr id="3" name="Content Placeholder 2">
+            <a:extLst>
+              <a:ext uri="{FF2B5EF4-FFF2-40B4-BE49-F238E27FC236}">
+                <a16:creationId xmlns:a16="http://schemas.microsoft.com/office/drawing/2014/main" id="{201A346B-8B45-A4A4-1AD2-38F45839D292}"/>
+              </a:ext>
+            </a:extLst>
+          </p:cNvPr>
+          <p:cNvSpPr>
+            <a:spLocks noGrp="1"/>
+          </p:cNvSpPr>
+          <p:nvPr>
+            <p:ph idx="1"/>
+          </p:nvPr>
+        </p:nvSpPr>
+        <p:spPr>
+          <a:xfrm>
+            <a:off x="581193" y="2340864"/>
+            <a:ext cx="2509480" cy="3273552"/>
+          </a:xfrm>
+        </p:spPr>
+        <p:txBody>
+          <a:bodyPr/>
+          <a:lstStyle/>
+          <a:p>
+            <a:r>
+              <a:rPr lang="en-US" dirty="0"/>
+              <a:t>The </a:t>
+            </a:r>
+            <a:r>
+              <a:rPr lang="en-US" b="1" dirty="0"/>
+              <a:t>green regression line</a:t>
+            </a:r>
+            <a:r>
+              <a:rPr lang="en-US" dirty="0"/>
+              <a:t> shows the </a:t>
+            </a:r>
+            <a:r>
+              <a:rPr lang="en-US" b="1" dirty="0"/>
+              <a:t>linear trend</a:t>
+            </a:r>
+            <a:r>
+              <a:rPr lang="en-US" dirty="0"/>
+              <a:t> (ordinary least squares).</a:t>
+            </a:r>
+          </a:p>
+        </p:txBody>
+      </p:sp>
+      <p:pic>
+        <p:nvPicPr>
+          <p:cNvPr id="4" name="Picture 3">
+            <a:extLst>
+              <a:ext uri="{FF2B5EF4-FFF2-40B4-BE49-F238E27FC236}">
+                <a16:creationId xmlns:a16="http://schemas.microsoft.com/office/drawing/2014/main" id="{CDBEEA02-00D8-4FF9-28E2-C14D675EE09C}"/>
+              </a:ext>
+            </a:extLst>
+          </p:cNvPr>
+          <p:cNvPicPr>
+            <a:picLocks noChangeAspect="1"/>
+          </p:cNvPicPr>
+          <p:nvPr/>
+        </p:nvPicPr>
+        <p:blipFill>
+          <a:blip r:embed="rId2"/>
+          <a:stretch>
+            <a:fillRect/>
+          </a:stretch>
+        </p:blipFill>
+        <p:spPr>
+          <a:xfrm>
+            <a:off x="4009001" y="1890876"/>
+            <a:ext cx="7981045" cy="4875214"/>
+          </a:xfrm>
+          <a:prstGeom prst="rect">
+            <a:avLst/>
+          </a:prstGeom>
+        </p:spPr>
+      </p:pic>
+    </p:spTree>
+    <p:extLst>
+      <p:ext uri="{BB962C8B-B14F-4D97-AF65-F5344CB8AC3E}">
+        <p14:creationId xmlns:p14="http://schemas.microsoft.com/office/powerpoint/2010/main" val="3850418709"/>
+      </p:ext>
+    </p:extLst>
+  </p:cSld>
+  <p:clrMapOvr>
+    <a:masterClrMapping/>
+  </p:clrMapOvr>
+</p:sld>
+</file>
+
+<file path=ppt/slides/slide26.xml><?xml version="1.0" encoding="utf-8"?>
+<p:sld xmlns:a="http://schemas.openxmlformats.org/drawingml/2006/main" xmlns:r="http://schemas.openxmlformats.org/officeDocument/2006/relationships" xmlns:p="http://schemas.openxmlformats.org/presentationml/2006/main">
+  <p:cSld>
+    <p:spTree>
+      <p:nvGrpSpPr>
+        <p:cNvPr id="1" name=""/>
+        <p:cNvGrpSpPr/>
+        <p:nvPr/>
+      </p:nvGrpSpPr>
+      <p:grpSpPr>
+        <a:xfrm>
+          <a:off x="0" y="0"/>
+          <a:ext cx="0" cy="0"/>
+          <a:chOff x="0" y="0"/>
+          <a:chExt cx="0" cy="0"/>
+        </a:xfrm>
+      </p:grpSpPr>
+      <p:sp>
+        <p:nvSpPr>
+          <p:cNvPr id="2" name="Title 1">
+            <a:extLst>
+              <a:ext uri="{FF2B5EF4-FFF2-40B4-BE49-F238E27FC236}">
+                <a16:creationId xmlns:a16="http://schemas.microsoft.com/office/drawing/2014/main" id="{39571B72-4371-71C2-5EDB-0C9B0593AD6F}"/>
+              </a:ext>
+            </a:extLst>
+          </p:cNvPr>
+          <p:cNvSpPr>
+            <a:spLocks noGrp="1"/>
+          </p:cNvSpPr>
+          <p:nvPr>
+            <p:ph type="title"/>
+          </p:nvPr>
+        </p:nvSpPr>
+        <p:spPr>
+          <a:xfrm>
+            <a:off x="581192" y="702156"/>
+            <a:ext cx="11029616" cy="623724"/>
+          </a:xfrm>
+        </p:spPr>
+        <p:txBody>
+          <a:bodyPr/>
+          <a:lstStyle/>
+          <a:p>
+            <a:r>
+              <a:rPr lang="en-US" dirty="0"/>
+              <a:t>Loess smooth line</a:t>
+            </a:r>
+          </a:p>
+        </p:txBody>
+      </p:sp>
+      <p:sp>
+        <p:nvSpPr>
+          <p:cNvPr id="3" name="Content Placeholder 2">
+            <a:extLst>
+              <a:ext uri="{FF2B5EF4-FFF2-40B4-BE49-F238E27FC236}">
+                <a16:creationId xmlns:a16="http://schemas.microsoft.com/office/drawing/2014/main" id="{5C3E0124-2669-670E-805D-C4F885144203}"/>
+              </a:ext>
+            </a:extLst>
+          </p:cNvPr>
+          <p:cNvSpPr>
+            <a:spLocks noGrp="1"/>
+          </p:cNvSpPr>
+          <p:nvPr>
+            <p:ph idx="1"/>
+          </p:nvPr>
+        </p:nvSpPr>
+        <p:spPr>
+          <a:xfrm>
+            <a:off x="94011" y="1794132"/>
+            <a:ext cx="3905846" cy="2626261"/>
+          </a:xfrm>
+        </p:spPr>
+        <p:txBody>
+          <a:bodyPr/>
+          <a:lstStyle/>
+          <a:p>
+            <a:r>
+              <a:rPr lang="en-US" dirty="0"/>
+              <a:t>The </a:t>
+            </a:r>
+            <a:r>
+              <a:rPr lang="en-US" b="1" dirty="0"/>
+              <a:t>red smooth line</a:t>
+            </a:r>
+            <a:r>
+              <a:rPr lang="en-US" dirty="0"/>
+              <a:t> shows a </a:t>
+            </a:r>
+            <a:r>
+              <a:rPr lang="en-US" b="1" dirty="0"/>
+              <a:t>non-linear trend</a:t>
+            </a:r>
+            <a:r>
+              <a:rPr lang="en-US" dirty="0"/>
+              <a:t> (LOESS curve) in the data.</a:t>
+            </a:r>
+          </a:p>
+        </p:txBody>
+      </p:sp>
+      <p:pic>
+        <p:nvPicPr>
+          <p:cNvPr id="4" name="Picture 3">
+            <a:extLst>
+              <a:ext uri="{FF2B5EF4-FFF2-40B4-BE49-F238E27FC236}">
+                <a16:creationId xmlns:a16="http://schemas.microsoft.com/office/drawing/2014/main" id="{3A03A25C-B2CF-5716-4A68-E76E5459AF70}"/>
+              </a:ext>
+            </a:extLst>
+          </p:cNvPr>
+          <p:cNvPicPr>
+            <a:picLocks noChangeAspect="1"/>
+          </p:cNvPicPr>
+          <p:nvPr/>
+        </p:nvPicPr>
+        <p:blipFill>
+          <a:blip r:embed="rId2"/>
+          <a:stretch>
+            <a:fillRect/>
+          </a:stretch>
+        </p:blipFill>
+        <p:spPr>
+          <a:xfrm>
+            <a:off x="3999857" y="1325880"/>
+            <a:ext cx="7981045" cy="5532120"/>
+          </a:xfrm>
+          <a:prstGeom prst="rect">
+            <a:avLst/>
+          </a:prstGeom>
+        </p:spPr>
+      </p:pic>
+      <p:pic>
+        <p:nvPicPr>
+          <p:cNvPr id="6" name="Picture 5">
+            <a:extLst>
+              <a:ext uri="{FF2B5EF4-FFF2-40B4-BE49-F238E27FC236}">
+                <a16:creationId xmlns:a16="http://schemas.microsoft.com/office/drawing/2014/main" id="{9C8B2C3F-F64A-E896-33AA-4661D13B2A27}"/>
+              </a:ext>
+            </a:extLst>
+          </p:cNvPr>
+          <p:cNvPicPr>
+            <a:picLocks noChangeAspect="1"/>
+          </p:cNvPicPr>
+          <p:nvPr/>
+        </p:nvPicPr>
+        <p:blipFill>
+          <a:blip r:embed="rId3"/>
+          <a:stretch>
+            <a:fillRect/>
+          </a:stretch>
+        </p:blipFill>
+        <p:spPr>
+          <a:xfrm>
+            <a:off x="94011" y="4420393"/>
+            <a:ext cx="3977476" cy="2149180"/>
+          </a:xfrm>
+          <a:prstGeom prst="rect">
+            <a:avLst/>
+          </a:prstGeom>
+        </p:spPr>
+      </p:pic>
+    </p:spTree>
+    <p:extLst>
+      <p:ext uri="{BB962C8B-B14F-4D97-AF65-F5344CB8AC3E}">
+        <p14:creationId xmlns:p14="http://schemas.microsoft.com/office/powerpoint/2010/main" val="370018378"/>
+      </p:ext>
+    </p:extLst>
+  </p:cSld>
+  <p:clrMapOvr>
+    <a:masterClrMapping/>
+  </p:clrMapOvr>
+</p:sld>
+</file>
+
+<file path=ppt/slides/slide27.xml><?xml version="1.0" encoding="utf-8"?>
+<p:sld xmlns:a="http://schemas.openxmlformats.org/drawingml/2006/main" xmlns:r="http://schemas.openxmlformats.org/officeDocument/2006/relationships" xmlns:p="http://schemas.openxmlformats.org/presentationml/2006/main">
+  <p:cSld>
     <p:bg>
       <p:bgPr>
         <a:solidFill>
@@ -12796,7 +14414,7 @@
 </p:sld>
 </file>
 
-<file path=ppt/slides/slide21.xml><?xml version="1.0" encoding="utf-8"?>
+<file path=ppt/slides/slide28.xml><?xml version="1.0" encoding="utf-8"?>
 <p:sld xmlns:a="http://schemas.openxmlformats.org/drawingml/2006/main" xmlns:r="http://schemas.openxmlformats.org/officeDocument/2006/relationships" xmlns:p="http://schemas.openxmlformats.org/presentationml/2006/main">
   <p:cSld>
     <p:spTree>
@@ -12818,7 +14436,7 @@
           <p:cNvPr id="2" name="Title 1">
             <a:extLst>
               <a:ext uri="{FF2B5EF4-FFF2-40B4-BE49-F238E27FC236}">
-                <a16:creationId xmlns:a16="http://schemas.microsoft.com/office/drawing/2014/main" id="{500C940B-9700-5266-D504-918ECF2D5A6E}"/>
+                <a16:creationId xmlns:a16="http://schemas.microsoft.com/office/drawing/2014/main" id="{CFD637FC-1F81-FB01-A1D5-771196D26A44}"/>
               </a:ext>
             </a:extLst>
           </p:cNvPr>
@@ -12832,7 +14450,7 @@
         <p:spPr>
           <a:xfrm>
             <a:off x="581192" y="702156"/>
-            <a:ext cx="11029616" cy="632868"/>
+            <a:ext cx="11029616" cy="578004"/>
           </a:xfrm>
         </p:spPr>
         <p:txBody>
@@ -12841,19 +14459,862 @@
           <a:p>
             <a:r>
               <a:rPr lang="en-US" dirty="0"/>
-              <a:t>DATA TRANSFORMATION</a:t>
-            </a:r>
-          </a:p>
-        </p:txBody>
-      </p:sp>
-      <mc:AlternateContent xmlns:mc="http://schemas.openxmlformats.org/markup-compatibility/2006">
-        <mc:Choice xmlns:a14="http://schemas.microsoft.com/office/drawing/2010/main" Requires="a14">
+              <a:t>Data transformation - standardization</a:t>
+            </a:r>
+          </a:p>
+        </p:txBody>
+      </p:sp>
+      <p:sp>
+        <p:nvSpPr>
+          <p:cNvPr id="3" name="Content Placeholder 2">
+            <a:extLst>
+              <a:ext uri="{FF2B5EF4-FFF2-40B4-BE49-F238E27FC236}">
+                <a16:creationId xmlns:a16="http://schemas.microsoft.com/office/drawing/2014/main" id="{2E4C9E17-6EE6-BC42-8021-2A0792ABE5D9}"/>
+              </a:ext>
+            </a:extLst>
+          </p:cNvPr>
+          <p:cNvSpPr>
+            <a:spLocks noGrp="1"/>
+          </p:cNvSpPr>
+          <p:nvPr>
+            <p:ph idx="1"/>
+          </p:nvPr>
+        </p:nvSpPr>
+        <p:spPr>
+          <a:xfrm>
+            <a:off x="581193" y="1453896"/>
+            <a:ext cx="11029615" cy="1124712"/>
+          </a:xfrm>
+        </p:spPr>
+        <p:txBody>
+          <a:bodyPr/>
+          <a:lstStyle/>
+          <a:p>
+            <a:pPr algn="l"/>
+            <a:r>
+              <a:rPr lang="en-US" sz="1800" b="1" i="0" u="none" strike="noStrike" baseline="0" dirty="0">
+                <a:latin typeface="MinionPro-Bold"/>
+              </a:rPr>
+              <a:t>Standardization </a:t>
+            </a:r>
+            <a:r>
+              <a:rPr lang="en-US" sz="1800" b="0" i="0" u="none" strike="noStrike" baseline="0" dirty="0">
+                <a:latin typeface="MinionPro-Regular"/>
+              </a:rPr>
+              <a:t>actually takes many forms, but the most commonly used is the z score or standard score.</a:t>
+            </a:r>
+          </a:p>
+          <a:p>
+            <a:pPr algn="l"/>
+            <a:r>
+              <a:rPr lang="en-US" dirty="0">
+                <a:latin typeface="MinionPro-Regular"/>
+              </a:rPr>
+              <a:t>Methods that require data standardizing, for example, Support Vector Machine, Principal Component Analysis</a:t>
+            </a:r>
+          </a:p>
+        </p:txBody>
+      </p:sp>
+      <p:pic>
+        <p:nvPicPr>
+          <p:cNvPr id="5" name="Picture 4">
+            <a:extLst>
+              <a:ext uri="{FF2B5EF4-FFF2-40B4-BE49-F238E27FC236}">
+                <a16:creationId xmlns:a16="http://schemas.microsoft.com/office/drawing/2014/main" id="{E5BA4BB2-2459-F41D-14DE-D9795CE09803}"/>
+              </a:ext>
+            </a:extLst>
+          </p:cNvPr>
+          <p:cNvPicPr>
+            <a:picLocks noChangeAspect="1"/>
+          </p:cNvPicPr>
+          <p:nvPr/>
+        </p:nvPicPr>
+        <p:blipFill>
+          <a:blip r:embed="rId2"/>
+          <a:stretch>
+            <a:fillRect/>
+          </a:stretch>
+        </p:blipFill>
+        <p:spPr>
+          <a:xfrm>
+            <a:off x="266880" y="2578608"/>
+            <a:ext cx="8401050" cy="4267200"/>
+          </a:xfrm>
+          <a:prstGeom prst="rect">
+            <a:avLst/>
+          </a:prstGeom>
+        </p:spPr>
+      </p:pic>
+      <mc:AlternateContent xmlns:mc="http://schemas.openxmlformats.org/markup-compatibility/2006" xmlns:a14="http://schemas.microsoft.com/office/drawing/2010/main">
+        <mc:Choice Requires="a14">
+          <p:sp>
+            <p:nvSpPr>
+              <p:cNvPr id="6" name="TextBox 5">
+                <a:extLst>
+                  <a:ext uri="{FF2B5EF4-FFF2-40B4-BE49-F238E27FC236}">
+                    <a16:creationId xmlns:a16="http://schemas.microsoft.com/office/drawing/2014/main" id="{E8D50374-A0B6-DFD5-AB01-F51A13640CBC}"/>
+                  </a:ext>
+                </a:extLst>
+              </p:cNvPr>
+              <p:cNvSpPr txBox="1"/>
+              <p:nvPr/>
+            </p:nvSpPr>
+            <p:spPr>
+              <a:xfrm>
+                <a:off x="8300346" y="5484475"/>
+                <a:ext cx="1410582" cy="369332"/>
+              </a:xfrm>
+              <a:prstGeom prst="rect">
+                <a:avLst/>
+              </a:prstGeom>
+              <a:noFill/>
+            </p:spPr>
+            <p:txBody>
+              <a:bodyPr wrap="square" rtlCol="0">
+                <a:spAutoFit/>
+              </a:bodyPr>
+              <a:lstStyle/>
+              <a:p>
+                <a:pPr/>
+                <a14:m>
+                  <m:oMathPara xmlns:m="http://schemas.openxmlformats.org/officeDocument/2006/math">
+                    <m:oMathParaPr>
+                      <m:jc m:val="centerGroup"/>
+                    </m:oMathParaPr>
+                    <m:oMath xmlns:m="http://schemas.openxmlformats.org/officeDocument/2006/math">
+                      <m:r>
+                        <a:rPr lang="en-US" b="0" i="1" smtClean="0">
+                          <a:latin typeface="Cambria Math" panose="02040503050406030204" pitchFamily="18" charset="0"/>
+                        </a:rPr>
+                        <m:t>𝑧</m:t>
+                      </m:r>
+                      <m:r>
+                        <a:rPr lang="en-US" b="0" i="1" smtClean="0">
+                          <a:latin typeface="Cambria Math" panose="02040503050406030204" pitchFamily="18" charset="0"/>
+                        </a:rPr>
+                        <m:t>=</m:t>
+                      </m:r>
+                      <m:r>
+                        <a:rPr lang="en-US" b="0" i="1" smtClean="0">
+                          <a:latin typeface="Cambria Math" panose="02040503050406030204" pitchFamily="18" charset="0"/>
+                        </a:rPr>
+                        <m:t>𝑁</m:t>
+                      </m:r>
+                      <m:r>
+                        <a:rPr lang="en-US" b="0" i="1" smtClean="0">
+                          <a:latin typeface="Cambria Math" panose="02040503050406030204" pitchFamily="18" charset="0"/>
+                        </a:rPr>
+                        <m:t>(0,1)</m:t>
+                      </m:r>
+                    </m:oMath>
+                  </m:oMathPara>
+                </a14:m>
+                <a:endParaRPr lang="en-US" dirty="0"/>
+              </a:p>
+            </p:txBody>
+          </p:sp>
+        </mc:Choice>
+        <mc:Fallback xmlns="">
+          <p:sp>
+            <p:nvSpPr>
+              <p:cNvPr id="6" name="TextBox 5">
+                <a:extLst>
+                  <a:ext uri="{FF2B5EF4-FFF2-40B4-BE49-F238E27FC236}">
+                    <a16:creationId xmlns:a16="http://schemas.microsoft.com/office/drawing/2014/main" id="{E8D50374-A0B6-DFD5-AB01-F51A13640CBC}"/>
+                  </a:ext>
+                </a:extLst>
+              </p:cNvPr>
+              <p:cNvSpPr txBox="1">
+                <a:spLocks noRot="1" noChangeAspect="1" noMove="1" noResize="1" noEditPoints="1" noAdjustHandles="1" noChangeArrowheads="1" noChangeShapeType="1" noTextEdit="1"/>
+              </p:cNvSpPr>
+              <p:nvPr/>
+            </p:nvSpPr>
+            <p:spPr>
+              <a:xfrm>
+                <a:off x="8300346" y="5484475"/>
+                <a:ext cx="1410582" cy="369332"/>
+              </a:xfrm>
+              <a:prstGeom prst="rect">
+                <a:avLst/>
+              </a:prstGeom>
+              <a:blipFill>
+                <a:blip r:embed="rId3"/>
+                <a:stretch>
+                  <a:fillRect b="-13333"/>
+                </a:stretch>
+              </a:blipFill>
+            </p:spPr>
+            <p:txBody>
+              <a:bodyPr/>
+              <a:lstStyle/>
+              <a:p>
+                <a:r>
+                  <a:rPr lang="en-US">
+                    <a:noFill/>
+                  </a:rPr>
+                  <a:t> </a:t>
+                </a:r>
+              </a:p>
+            </p:txBody>
+          </p:sp>
+        </mc:Fallback>
+      </mc:AlternateContent>
+    </p:spTree>
+    <p:extLst>
+      <p:ext uri="{BB962C8B-B14F-4D97-AF65-F5344CB8AC3E}">
+        <p14:creationId xmlns:p14="http://schemas.microsoft.com/office/powerpoint/2010/main" val="2396866056"/>
+      </p:ext>
+    </p:extLst>
+  </p:cSld>
+  <p:clrMapOvr>
+    <a:masterClrMapping/>
+  </p:clrMapOvr>
+</p:sld>
+</file>
+
+<file path=ppt/slides/slide29.xml><?xml version="1.0" encoding="utf-8"?>
+<p:sld xmlns:a="http://schemas.openxmlformats.org/drawingml/2006/main" xmlns:r="http://schemas.openxmlformats.org/officeDocument/2006/relationships" xmlns:p="http://schemas.openxmlformats.org/presentationml/2006/main">
+  <p:cSld>
+    <p:spTree>
+      <p:nvGrpSpPr>
+        <p:cNvPr id="1" name=""/>
+        <p:cNvGrpSpPr/>
+        <p:nvPr/>
+      </p:nvGrpSpPr>
+      <p:grpSpPr>
+        <a:xfrm>
+          <a:off x="0" y="0"/>
+          <a:ext cx="0" cy="0"/>
+          <a:chOff x="0" y="0"/>
+          <a:chExt cx="0" cy="0"/>
+        </a:xfrm>
+      </p:grpSpPr>
+      <p:sp>
+        <p:nvSpPr>
+          <p:cNvPr id="2" name="Title 1">
+            <a:extLst>
+              <a:ext uri="{FF2B5EF4-FFF2-40B4-BE49-F238E27FC236}">
+                <a16:creationId xmlns:a16="http://schemas.microsoft.com/office/drawing/2014/main" id="{44F8C3B5-D2C5-32D7-6C3A-3860571CC007}"/>
+              </a:ext>
+            </a:extLst>
+          </p:cNvPr>
+          <p:cNvSpPr>
+            <a:spLocks noGrp="1"/>
+          </p:cNvSpPr>
+          <p:nvPr>
+            <p:ph type="title"/>
+          </p:nvPr>
+        </p:nvSpPr>
+        <p:spPr>
+          <a:xfrm>
+            <a:off x="581192" y="702156"/>
+            <a:ext cx="11029616" cy="651156"/>
+          </a:xfrm>
+        </p:spPr>
+        <p:txBody>
+          <a:bodyPr/>
+          <a:lstStyle/>
+          <a:p>
+            <a:r>
+              <a:rPr lang="en-US" dirty="0"/>
+              <a:t>Z-score</a:t>
+            </a:r>
+          </a:p>
+        </p:txBody>
+      </p:sp>
+      <p:sp>
+        <p:nvSpPr>
+          <p:cNvPr id="3" name="Content Placeholder 2">
+            <a:extLst>
+              <a:ext uri="{FF2B5EF4-FFF2-40B4-BE49-F238E27FC236}">
+                <a16:creationId xmlns:a16="http://schemas.microsoft.com/office/drawing/2014/main" id="{D876A20B-97B7-AA87-AE07-1581C0E87091}"/>
+              </a:ext>
+            </a:extLst>
+          </p:cNvPr>
+          <p:cNvSpPr>
+            <a:spLocks noGrp="1"/>
+          </p:cNvSpPr>
+          <p:nvPr>
+            <p:ph idx="1"/>
+          </p:nvPr>
+        </p:nvSpPr>
+        <p:spPr>
+          <a:xfrm>
+            <a:off x="210312" y="1819656"/>
+            <a:ext cx="4850320" cy="3529584"/>
+          </a:xfrm>
+        </p:spPr>
+        <p:txBody>
+          <a:bodyPr>
+            <a:normAutofit/>
+          </a:bodyPr>
+          <a:lstStyle/>
+          <a:p>
+            <a:pPr algn="l"/>
+            <a:r>
+              <a:rPr lang="en-US" sz="1800" b="0" i="0" u="none" strike="noStrike" baseline="0" dirty="0">
+                <a:latin typeface="MinionPro-Regular"/>
+              </a:rPr>
+              <a:t>Values above or below zero indicate the observation’s difference from the variable mean in terms of standard deviations.</a:t>
+            </a:r>
+          </a:p>
+          <a:p>
+            <a:pPr marL="0" indent="0">
+              <a:lnSpc>
+                <a:spcPct val="110000"/>
+              </a:lnSpc>
+              <a:buNone/>
+            </a:pPr>
+            <a:endParaRPr lang="en-US" dirty="0">
+              <a:latin typeface="MinionPro-Regular"/>
+            </a:endParaRPr>
+          </a:p>
+          <a:p>
+            <a:pPr marL="0" indent="0">
+              <a:lnSpc>
+                <a:spcPct val="110000"/>
+              </a:lnSpc>
+              <a:buNone/>
+            </a:pPr>
+            <a:r>
+              <a:rPr lang="en-US" dirty="0">
+                <a:latin typeface="MinionPro-Regular"/>
+              </a:rPr>
+              <a:t>In a normal distribution, one observation has a z-score of 0.5 and another observation has a z-score of -1.2.</a:t>
+            </a:r>
+          </a:p>
+          <a:p>
+            <a:pPr marL="0" indent="0">
+              <a:lnSpc>
+                <a:spcPct val="110000"/>
+              </a:lnSpc>
+              <a:buNone/>
+            </a:pPr>
+            <a:br>
+              <a:rPr lang="en-US" dirty="0">
+                <a:latin typeface="MinionPro-Regular"/>
+              </a:rPr>
+            </a:br>
+            <a:r>
+              <a:rPr lang="en-US" dirty="0">
+                <a:latin typeface="MinionPro-Regular"/>
+              </a:rPr>
+              <a:t>Which observation is farther from the mean?</a:t>
+            </a:r>
+            <a:r>
+              <a:rPr lang="en-US" dirty="0"/>
+              <a:t> 🤔</a:t>
+            </a:r>
+            <a:endParaRPr lang="en-US" dirty="0">
+              <a:latin typeface="MinionPro-Regular"/>
+            </a:endParaRPr>
+          </a:p>
+        </p:txBody>
+      </p:sp>
+      <p:pic>
+        <p:nvPicPr>
+          <p:cNvPr id="5" name="Picture 4">
+            <a:extLst>
+              <a:ext uri="{FF2B5EF4-FFF2-40B4-BE49-F238E27FC236}">
+                <a16:creationId xmlns:a16="http://schemas.microsoft.com/office/drawing/2014/main" id="{03A081B2-E843-D179-DF6D-1AAD742E84C2}"/>
+              </a:ext>
+            </a:extLst>
+          </p:cNvPr>
+          <p:cNvPicPr>
+            <a:picLocks noChangeAspect="1"/>
+          </p:cNvPicPr>
+          <p:nvPr/>
+        </p:nvPicPr>
+        <p:blipFill>
+          <a:blip r:embed="rId2"/>
+          <a:stretch>
+            <a:fillRect/>
+          </a:stretch>
+        </p:blipFill>
+        <p:spPr>
+          <a:xfrm>
+            <a:off x="5060632" y="1426464"/>
+            <a:ext cx="6734175" cy="5417412"/>
+          </a:xfrm>
+          <a:prstGeom prst="rect">
+            <a:avLst/>
+          </a:prstGeom>
+        </p:spPr>
+      </p:pic>
+    </p:spTree>
+    <p:extLst>
+      <p:ext uri="{BB962C8B-B14F-4D97-AF65-F5344CB8AC3E}">
+        <p14:creationId xmlns:p14="http://schemas.microsoft.com/office/powerpoint/2010/main" val="434531166"/>
+      </p:ext>
+    </p:extLst>
+  </p:cSld>
+  <p:clrMapOvr>
+    <a:masterClrMapping/>
+  </p:clrMapOvr>
+</p:sld>
+</file>
+
+<file path=ppt/slides/slide3.xml><?xml version="1.0" encoding="utf-8"?>
+<p:sld xmlns:a="http://schemas.openxmlformats.org/drawingml/2006/main" xmlns:r="http://schemas.openxmlformats.org/officeDocument/2006/relationships" xmlns:p="http://schemas.openxmlformats.org/presentationml/2006/main">
+  <p:cSld>
+    <p:spTree>
+      <p:nvGrpSpPr>
+        <p:cNvPr id="1" name=""/>
+        <p:cNvGrpSpPr/>
+        <p:nvPr/>
+      </p:nvGrpSpPr>
+      <p:grpSpPr>
+        <a:xfrm>
+          <a:off x="0" y="0"/>
+          <a:ext cx="0" cy="0"/>
+          <a:chOff x="0" y="0"/>
+          <a:chExt cx="0" cy="0"/>
+        </a:xfrm>
+      </p:grpSpPr>
+      <p:sp>
+        <p:nvSpPr>
+          <p:cNvPr id="2" name="Title 1">
+            <a:extLst>
+              <a:ext uri="{FF2B5EF4-FFF2-40B4-BE49-F238E27FC236}">
+                <a16:creationId xmlns:a16="http://schemas.microsoft.com/office/drawing/2014/main" id="{72DB026E-3091-9B57-0C52-B3A1CA866BD6}"/>
+              </a:ext>
+            </a:extLst>
+          </p:cNvPr>
+          <p:cNvSpPr>
+            <a:spLocks noGrp="1"/>
+          </p:cNvSpPr>
+          <p:nvPr>
+            <p:ph type="title"/>
+          </p:nvPr>
+        </p:nvSpPr>
+        <p:spPr>
+          <a:xfrm>
+            <a:off x="581192" y="702156"/>
+            <a:ext cx="11029616" cy="541428"/>
+          </a:xfrm>
+        </p:spPr>
+        <p:txBody>
+          <a:bodyPr/>
+          <a:lstStyle/>
+          <a:p>
+            <a:r>
+              <a:rPr lang="en-US" dirty="0"/>
+              <a:t>Line graph</a:t>
+            </a:r>
+          </a:p>
+        </p:txBody>
+      </p:sp>
+      <p:sp>
+        <p:nvSpPr>
+          <p:cNvPr id="3" name="Content Placeholder 2">
+            <a:extLst>
+              <a:ext uri="{FF2B5EF4-FFF2-40B4-BE49-F238E27FC236}">
+                <a16:creationId xmlns:a16="http://schemas.microsoft.com/office/drawing/2014/main" id="{FF26CC3D-7F23-4311-16D2-F87EBF3EAEF6}"/>
+              </a:ext>
+            </a:extLst>
+          </p:cNvPr>
+          <p:cNvSpPr>
+            <a:spLocks noGrp="1"/>
+          </p:cNvSpPr>
+          <p:nvPr>
+            <p:ph idx="1"/>
+          </p:nvPr>
+        </p:nvSpPr>
+        <p:spPr>
+          <a:xfrm>
+            <a:off x="581191" y="1362456"/>
+            <a:ext cx="11029615" cy="1088136"/>
+          </a:xfrm>
+        </p:spPr>
+        <p:txBody>
+          <a:bodyPr/>
+          <a:lstStyle/>
+          <a:p>
+            <a:r>
+              <a:rPr lang="en-US" dirty="0"/>
+              <a:t>At its core, </a:t>
+            </a:r>
+            <a:r>
+              <a:rPr lang="en-US" b="1" dirty="0"/>
+              <a:t>data visualization is about turning numbers into stories</a:t>
+            </a:r>
+            <a:r>
+              <a:rPr lang="en-US" dirty="0"/>
+              <a:t> — stories that people can understand, remember, and act upon. It's the bridge between raw data and human perception.</a:t>
+            </a:r>
+          </a:p>
+        </p:txBody>
+      </p:sp>
+      <p:pic>
+        <p:nvPicPr>
+          <p:cNvPr id="5" name="Picture 4">
+            <a:extLst>
+              <a:ext uri="{FF2B5EF4-FFF2-40B4-BE49-F238E27FC236}">
+                <a16:creationId xmlns:a16="http://schemas.microsoft.com/office/drawing/2014/main" id="{7040447F-2210-699A-E14E-F626CC92E990}"/>
+              </a:ext>
+            </a:extLst>
+          </p:cNvPr>
+          <p:cNvPicPr>
+            <a:picLocks noChangeAspect="1"/>
+          </p:cNvPicPr>
+          <p:nvPr/>
+        </p:nvPicPr>
+        <p:blipFill>
+          <a:blip r:embed="rId2"/>
+          <a:stretch>
+            <a:fillRect/>
+          </a:stretch>
+        </p:blipFill>
+        <p:spPr>
+          <a:xfrm>
+            <a:off x="4883878" y="2654041"/>
+            <a:ext cx="7128450" cy="4203958"/>
+          </a:xfrm>
+          <a:prstGeom prst="rect">
+            <a:avLst/>
+          </a:prstGeom>
+        </p:spPr>
+      </p:pic>
+      <p:pic>
+        <p:nvPicPr>
+          <p:cNvPr id="7" name="Picture 6">
+            <a:extLst>
+              <a:ext uri="{FF2B5EF4-FFF2-40B4-BE49-F238E27FC236}">
+                <a16:creationId xmlns:a16="http://schemas.microsoft.com/office/drawing/2014/main" id="{342A759A-3848-91F8-544A-0A84B4E9AA7D}"/>
+              </a:ext>
+            </a:extLst>
+          </p:cNvPr>
+          <p:cNvPicPr>
+            <a:picLocks noChangeAspect="1"/>
+          </p:cNvPicPr>
+          <p:nvPr/>
+        </p:nvPicPr>
+        <p:blipFill>
+          <a:blip r:embed="rId3"/>
+          <a:stretch>
+            <a:fillRect/>
+          </a:stretch>
+        </p:blipFill>
+        <p:spPr>
+          <a:xfrm>
+            <a:off x="1119287" y="2776049"/>
+            <a:ext cx="2105175" cy="3959943"/>
+          </a:xfrm>
+          <a:prstGeom prst="rect">
+            <a:avLst/>
+          </a:prstGeom>
+        </p:spPr>
+      </p:pic>
+    </p:spTree>
+    <p:extLst>
+      <p:ext uri="{BB962C8B-B14F-4D97-AF65-F5344CB8AC3E}">
+        <p14:creationId xmlns:p14="http://schemas.microsoft.com/office/powerpoint/2010/main" val="551249904"/>
+      </p:ext>
+    </p:extLst>
+  </p:cSld>
+  <p:clrMapOvr>
+    <a:masterClrMapping/>
+  </p:clrMapOvr>
+</p:sld>
+</file>
+
+<file path=ppt/slides/slide30.xml><?xml version="1.0" encoding="utf-8"?>
+<p:sld xmlns:a="http://schemas.openxmlformats.org/drawingml/2006/main" xmlns:r="http://schemas.openxmlformats.org/officeDocument/2006/relationships" xmlns:p="http://schemas.openxmlformats.org/presentationml/2006/main">
+  <p:cSld>
+    <p:spTree>
+      <p:nvGrpSpPr>
+        <p:cNvPr id="1" name=""/>
+        <p:cNvGrpSpPr/>
+        <p:nvPr/>
+      </p:nvGrpSpPr>
+      <p:grpSpPr>
+        <a:xfrm>
+          <a:off x="0" y="0"/>
+          <a:ext cx="0" cy="0"/>
+          <a:chOff x="0" y="0"/>
+          <a:chExt cx="0" cy="0"/>
+        </a:xfrm>
+      </p:grpSpPr>
+      <p:sp>
+        <p:nvSpPr>
+          <p:cNvPr id="2" name="Title 1">
+            <a:extLst>
+              <a:ext uri="{FF2B5EF4-FFF2-40B4-BE49-F238E27FC236}">
+                <a16:creationId xmlns:a16="http://schemas.microsoft.com/office/drawing/2014/main" id="{F7874227-CB9C-2684-3BF3-D3A2C60B80DF}"/>
+              </a:ext>
+            </a:extLst>
+          </p:cNvPr>
+          <p:cNvSpPr>
+            <a:spLocks noGrp="1"/>
+          </p:cNvSpPr>
+          <p:nvPr>
+            <p:ph type="title"/>
+          </p:nvPr>
+        </p:nvSpPr>
+        <p:spPr>
+          <a:xfrm>
+            <a:off x="581192" y="702156"/>
+            <a:ext cx="11029616" cy="523140"/>
+          </a:xfrm>
+        </p:spPr>
+        <p:txBody>
+          <a:bodyPr/>
+          <a:lstStyle/>
+          <a:p>
+            <a:r>
+              <a:rPr lang="en-US" dirty="0"/>
+              <a:t>normalization</a:t>
+            </a:r>
+          </a:p>
+        </p:txBody>
+      </p:sp>
+      <p:sp>
+        <p:nvSpPr>
+          <p:cNvPr id="3" name="Content Placeholder 2">
+            <a:extLst>
+              <a:ext uri="{FF2B5EF4-FFF2-40B4-BE49-F238E27FC236}">
+                <a16:creationId xmlns:a16="http://schemas.microsoft.com/office/drawing/2014/main" id="{CD1432C6-F0BA-5BA5-4B39-68E3FE9B931A}"/>
+              </a:ext>
+            </a:extLst>
+          </p:cNvPr>
+          <p:cNvSpPr>
+            <a:spLocks noGrp="1"/>
+          </p:cNvSpPr>
+          <p:nvPr>
+            <p:ph idx="1"/>
+          </p:nvPr>
+        </p:nvSpPr>
+        <p:spPr>
+          <a:xfrm>
+            <a:off x="581191" y="1463040"/>
+            <a:ext cx="11029615" cy="4389120"/>
+          </a:xfrm>
+        </p:spPr>
+        <p:txBody>
+          <a:bodyPr>
+            <a:normAutofit/>
+          </a:bodyPr>
+          <a:lstStyle/>
+          <a:p>
+            <a:r>
+              <a:rPr lang="en-US" b="1" dirty="0"/>
+              <a:t>Normalization</a:t>
+            </a:r>
+            <a:r>
+              <a:rPr lang="en-US" dirty="0"/>
+              <a:t> is a technique used to </a:t>
+            </a:r>
+            <a:r>
+              <a:rPr lang="en-US" b="1" dirty="0"/>
+              <a:t>scale</a:t>
+            </a:r>
+            <a:r>
+              <a:rPr lang="en-US" dirty="0"/>
+              <a:t> the values of numerical features to ensure that all features contribute equally to a machine learning model. It helps improve </a:t>
+            </a:r>
+            <a:r>
+              <a:rPr lang="en-US" b="1" dirty="0"/>
+              <a:t>model performance, stability, and training speed</a:t>
+            </a:r>
+            <a:r>
+              <a:rPr lang="en-US" dirty="0"/>
+              <a:t>, especially for algorithms sensitive to the </a:t>
+            </a:r>
+            <a:r>
+              <a:rPr lang="en-US" b="1" dirty="0"/>
+              <a:t>magnitude and scale of input features</a:t>
+            </a:r>
+            <a:r>
+              <a:rPr lang="en-US" dirty="0"/>
+              <a:t>.</a:t>
+            </a:r>
+          </a:p>
+          <a:p>
+            <a:endParaRPr lang="en-US" dirty="0"/>
+          </a:p>
+          <a:p>
+            <a:pPr marL="0" indent="0">
+              <a:buNone/>
+            </a:pPr>
+            <a:r>
+              <a:rPr lang="en-US" dirty="0"/>
+              <a:t>Why normalize data?</a:t>
+            </a:r>
+          </a:p>
+          <a:p>
+            <a:r>
+              <a:rPr lang="en-US" b="1" dirty="0"/>
+              <a:t>Different Scales Cause Bias</a:t>
+            </a:r>
+            <a:br>
+              <a:rPr lang="en-US" dirty="0"/>
+            </a:br>
+            <a:r>
+              <a:rPr lang="en-US" dirty="0"/>
+              <a:t>In a dataset, different features may have </a:t>
+            </a:r>
+            <a:r>
+              <a:rPr lang="en-US" b="1" dirty="0"/>
+              <a:t>different ranges</a:t>
+            </a:r>
+            <a:r>
+              <a:rPr lang="en-US" dirty="0"/>
+              <a:t>. For example:</a:t>
+            </a:r>
+          </a:p>
+          <a:p>
+            <a:pPr lvl="1">
+              <a:buFont typeface="Arial" panose="020B0604020202020204" pitchFamily="34" charset="0"/>
+              <a:buChar char="•"/>
+            </a:pPr>
+            <a:r>
+              <a:rPr lang="en-US" b="1" dirty="0"/>
+              <a:t>Age</a:t>
+            </a:r>
+            <a:r>
+              <a:rPr lang="en-US" dirty="0"/>
+              <a:t> might range from </a:t>
+            </a:r>
+            <a:r>
+              <a:rPr lang="en-US" b="1" dirty="0"/>
+              <a:t>0 to 100</a:t>
+            </a:r>
+            <a:r>
+              <a:rPr lang="en-US" dirty="0"/>
+              <a:t>.</a:t>
+            </a:r>
+          </a:p>
+          <a:p>
+            <a:pPr lvl="1">
+              <a:buFont typeface="Arial" panose="020B0604020202020204" pitchFamily="34" charset="0"/>
+              <a:buChar char="•"/>
+            </a:pPr>
+            <a:r>
+              <a:rPr lang="en-US" b="1" dirty="0"/>
+              <a:t>Income</a:t>
+            </a:r>
+            <a:r>
+              <a:rPr lang="en-US" dirty="0"/>
+              <a:t> might range from </a:t>
+            </a:r>
+            <a:r>
+              <a:rPr lang="en-US" b="1" dirty="0"/>
+              <a:t>$30,000 to $100,000</a:t>
+            </a:r>
+            <a:r>
+              <a:rPr lang="en-US" dirty="0"/>
+              <a:t>.</a:t>
+            </a:r>
+          </a:p>
+          <a:p>
+            <a:r>
+              <a:rPr lang="en-US" dirty="0"/>
+              <a:t>Without normalization, machine learning models may </a:t>
+            </a:r>
+            <a:r>
+              <a:rPr lang="en-US" b="1" dirty="0"/>
+              <a:t>assign more importance to larger values</a:t>
+            </a:r>
+            <a:r>
+              <a:rPr lang="en-US" dirty="0"/>
+              <a:t>, leading to </a:t>
+            </a:r>
+            <a:r>
+              <a:rPr lang="en-US" b="1" dirty="0"/>
+              <a:t>biased results</a:t>
+            </a:r>
+            <a:r>
+              <a:rPr lang="en-US" dirty="0"/>
+              <a:t>.</a:t>
+            </a:r>
+          </a:p>
+          <a:p>
+            <a:pPr marL="0" indent="0">
+              <a:buNone/>
+            </a:pPr>
+            <a:endParaRPr lang="en-US" dirty="0"/>
+          </a:p>
+          <a:p>
+            <a:pPr marL="0" indent="0">
+              <a:buNone/>
+            </a:pPr>
+            <a:endParaRPr lang="en-US" dirty="0"/>
+          </a:p>
+        </p:txBody>
+      </p:sp>
+    </p:spTree>
+    <p:extLst>
+      <p:ext uri="{BB962C8B-B14F-4D97-AF65-F5344CB8AC3E}">
+        <p14:creationId xmlns:p14="http://schemas.microsoft.com/office/powerpoint/2010/main" val="2993750680"/>
+      </p:ext>
+    </p:extLst>
+  </p:cSld>
+  <p:clrMapOvr>
+    <a:masterClrMapping/>
+  </p:clrMapOvr>
+</p:sld>
+</file>
+
+<file path=ppt/slides/slide31.xml><?xml version="1.0" encoding="utf-8"?>
+<p:sld xmlns:a="http://schemas.openxmlformats.org/drawingml/2006/main" xmlns:r="http://schemas.openxmlformats.org/officeDocument/2006/relationships" xmlns:p="http://schemas.openxmlformats.org/presentationml/2006/main">
+  <p:cSld>
+    <p:spTree>
+      <p:nvGrpSpPr>
+        <p:cNvPr id="1" name=""/>
+        <p:cNvGrpSpPr/>
+        <p:nvPr/>
+      </p:nvGrpSpPr>
+      <p:grpSpPr>
+        <a:xfrm>
+          <a:off x="0" y="0"/>
+          <a:ext cx="0" cy="0"/>
+          <a:chOff x="0" y="0"/>
+          <a:chExt cx="0" cy="0"/>
+        </a:xfrm>
+      </p:grpSpPr>
+      <p:sp>
+        <p:nvSpPr>
+          <p:cNvPr id="2" name="Title 1">
+            <a:extLst>
+              <a:ext uri="{FF2B5EF4-FFF2-40B4-BE49-F238E27FC236}">
+                <a16:creationId xmlns:a16="http://schemas.microsoft.com/office/drawing/2014/main" id="{5CF3B33F-9FE7-F43A-081B-D4A003B7B9BD}"/>
+              </a:ext>
+            </a:extLst>
+          </p:cNvPr>
+          <p:cNvSpPr>
+            <a:spLocks noGrp="1"/>
+          </p:cNvSpPr>
+          <p:nvPr>
+            <p:ph type="title"/>
+          </p:nvPr>
+        </p:nvSpPr>
+        <p:spPr>
+          <a:xfrm>
+            <a:off x="581192" y="702156"/>
+            <a:ext cx="11029616" cy="495708"/>
+          </a:xfrm>
+        </p:spPr>
+        <p:txBody>
+          <a:bodyPr>
+            <a:normAutofit fontScale="90000"/>
+          </a:bodyPr>
+          <a:lstStyle/>
+          <a:p>
+            <a:r>
+              <a:rPr lang="en-US" dirty="0"/>
+              <a:t>normalization</a:t>
+            </a:r>
+          </a:p>
+        </p:txBody>
+      </p:sp>
+      <mc:AlternateContent xmlns:mc="http://schemas.openxmlformats.org/markup-compatibility/2006" xmlns:a14="http://schemas.microsoft.com/office/drawing/2010/main">
+        <mc:Choice Requires="a14">
           <p:sp>
             <p:nvSpPr>
               <p:cNvPr id="3" name="Content Placeholder 2">
                 <a:extLst>
                   <a:ext uri="{FF2B5EF4-FFF2-40B4-BE49-F238E27FC236}">
-                    <a16:creationId xmlns:a16="http://schemas.microsoft.com/office/drawing/2014/main" id="{46BA4C5A-36F8-1388-0471-2993FAFCA04F}"/>
+                    <a16:creationId xmlns:a16="http://schemas.microsoft.com/office/drawing/2014/main" id="{8E0CA289-68EE-0FD4-B9C2-12E2A857E935}"/>
                   </a:ext>
                 </a:extLst>
               </p:cNvPr>
@@ -12866,34 +15327,30 @@
             </p:nvSpPr>
             <p:spPr>
               <a:xfrm>
-                <a:off x="508040" y="1527048"/>
-                <a:ext cx="11029615" cy="3922776"/>
+                <a:off x="581193" y="1236372"/>
+                <a:ext cx="11029615" cy="1680564"/>
               </a:xfrm>
             </p:spPr>
             <p:txBody>
-              <a:bodyPr>
-                <a:normAutofit/>
-              </a:bodyPr>
+              <a:bodyPr/>
               <a:lstStyle/>
               <a:p>
                 <a:r>
-                  <a:rPr lang="en-US" dirty="0">
-                    <a:solidFill>
-                      <a:schemeClr val="tx1"/>
-                    </a:solidFill>
-                    <a:latin typeface="Arial" panose="020B0604020202020204" pitchFamily="34" charset="0"/>
-                  </a:rPr>
-                  <a:t>Data transformation is the application of a deterministic mathematical function to each point in a data set—that is, each data point </a:t>
+                  <a:rPr lang="en-US" dirty="0"/>
+                  <a:t>It is defined as:</a:t>
                 </a:r>
+              </a:p>
+              <a:p>
+                <a:pPr lvl="1">
+                  <a:buFont typeface="Wingdings" panose="05000000000000000000" pitchFamily="2" charset="2"/>
+                  <a:buChar char="Ø"/>
+                </a:pPr>
                 <a14:m>
                   <m:oMath xmlns:m="http://schemas.openxmlformats.org/officeDocument/2006/math">
                     <m:sSub>
                       <m:sSubPr>
                         <m:ctrlPr>
                           <a:rPr lang="en-US" b="0" i="1" smtClean="0">
-                            <a:solidFill>
-                              <a:schemeClr val="tx1"/>
-                            </a:solidFill>
                             <a:latin typeface="Cambria Math" panose="02040503050406030204" pitchFamily="18" charset="0"/>
                           </a:rPr>
                         </m:ctrlPr>
@@ -12901,232 +15358,149 @@
                       <m:e>
                         <m:r>
                           <a:rPr lang="en-US" b="0" i="1" smtClean="0">
-                            <a:solidFill>
-                              <a:schemeClr val="tx1"/>
-                            </a:solidFill>
                             <a:latin typeface="Cambria Math" panose="02040503050406030204" pitchFamily="18" charset="0"/>
                           </a:rPr>
-                          <m:t>𝑧</m:t>
+                          <m:t>𝑥</m:t>
                         </m:r>
                       </m:e>
                       <m:sub>
                         <m:r>
                           <a:rPr lang="en-US" b="0" i="1" smtClean="0">
-                            <a:solidFill>
-                              <a:schemeClr val="tx1"/>
-                            </a:solidFill>
                             <a:latin typeface="Cambria Math" panose="02040503050406030204" pitchFamily="18" charset="0"/>
                           </a:rPr>
-                          <m:t>𝑖</m:t>
-                        </m:r>
-                      </m:sub>
-                    </m:sSub>
-                  </m:oMath>
-                </a14:m>
-                <a:r>
-                  <a:rPr lang="en-US" dirty="0">
-                    <a:solidFill>
-                      <a:schemeClr val="tx1"/>
-                    </a:solidFill>
-                    <a:latin typeface="Arial" panose="020B0604020202020204" pitchFamily="34" charset="0"/>
-                  </a:rPr>
-                  <a:t> is replaced with the transformed value </a:t>
-                </a:r>
-                <a14:m>
-                  <m:oMath xmlns:m="http://schemas.openxmlformats.org/officeDocument/2006/math">
-                    <m:sSub>
-                      <m:sSubPr>
-                        <m:ctrlPr>
-                          <a:rPr lang="en-US" b="0" i="1" smtClean="0">
-                            <a:solidFill>
-                              <a:schemeClr val="tx1"/>
-                            </a:solidFill>
-                            <a:latin typeface="Cambria Math" panose="02040503050406030204" pitchFamily="18" charset="0"/>
-                          </a:rPr>
-                        </m:ctrlPr>
-                      </m:sSubPr>
-                      <m:e>
-                        <m:r>
-                          <a:rPr lang="en-US" b="0" i="1" smtClean="0">
-                            <a:solidFill>
-                              <a:schemeClr val="tx1"/>
-                            </a:solidFill>
-                            <a:latin typeface="Cambria Math" panose="02040503050406030204" pitchFamily="18" charset="0"/>
-                          </a:rPr>
-                          <m:t>𝑦</m:t>
-                        </m:r>
-                      </m:e>
-                      <m:sub>
-                        <m:r>
-                          <a:rPr lang="en-US" b="0" i="1" smtClean="0">
-                            <a:solidFill>
-                              <a:schemeClr val="tx1"/>
-                            </a:solidFill>
-                            <a:latin typeface="Cambria Math" panose="02040503050406030204" pitchFamily="18" charset="0"/>
-                          </a:rPr>
-                          <m:t>𝑖</m:t>
+                          <m:t>𝑛𝑜𝑟𝑚𝑎𝑙𝑖𝑧𝑒𝑑</m:t>
                         </m:r>
                       </m:sub>
                     </m:sSub>
                     <m:r>
                       <a:rPr lang="en-US" b="0" i="1" smtClean="0">
-                        <a:solidFill>
-                          <a:schemeClr val="tx1"/>
-                        </a:solidFill>
                         <a:latin typeface="Cambria Math" panose="02040503050406030204" pitchFamily="18" charset="0"/>
                       </a:rPr>
                       <m:t>=</m:t>
                     </m:r>
-                    <m:r>
-                      <a:rPr lang="en-US" b="0" i="1" smtClean="0">
-                        <a:solidFill>
-                          <a:schemeClr val="tx1"/>
-                        </a:solidFill>
-                        <a:latin typeface="Cambria Math" panose="02040503050406030204" pitchFamily="18" charset="0"/>
-                      </a:rPr>
-                      <m:t>𝑓</m:t>
-                    </m:r>
-                    <m:r>
-                      <a:rPr lang="en-US" b="0" i="1" smtClean="0">
-                        <a:solidFill>
-                          <a:schemeClr val="tx1"/>
-                        </a:solidFill>
-                        <a:latin typeface="Cambria Math" panose="02040503050406030204" pitchFamily="18" charset="0"/>
-                      </a:rPr>
-                      <m:t>(</m:t>
-                    </m:r>
-                    <m:sSub>
-                      <m:sSubPr>
+                    <m:f>
+                      <m:fPr>
                         <m:ctrlPr>
                           <a:rPr lang="en-US" b="0" i="1" smtClean="0">
-                            <a:solidFill>
-                              <a:schemeClr val="tx1"/>
-                            </a:solidFill>
                             <a:latin typeface="Cambria Math" panose="02040503050406030204" pitchFamily="18" charset="0"/>
                           </a:rPr>
                         </m:ctrlPr>
-                      </m:sSubPr>
-                      <m:e>
+                      </m:fPr>
+                      <m:num>
                         <m:r>
                           <a:rPr lang="en-US" b="0" i="1" smtClean="0">
-                            <a:solidFill>
-                              <a:schemeClr val="tx1"/>
-                            </a:solidFill>
                             <a:latin typeface="Cambria Math" panose="02040503050406030204" pitchFamily="18" charset="0"/>
                           </a:rPr>
-                          <m:t>𝑧</m:t>
+                          <m:t>𝑥</m:t>
                         </m:r>
-                      </m:e>
-                      <m:sub>
                         <m:r>
                           <a:rPr lang="en-US" b="0" i="1" smtClean="0">
-                            <a:solidFill>
-                              <a:schemeClr val="tx1"/>
-                            </a:solidFill>
                             <a:latin typeface="Cambria Math" panose="02040503050406030204" pitchFamily="18" charset="0"/>
                           </a:rPr>
-                          <m:t>𝑖</m:t>
+                          <m:t> −</m:t>
                         </m:r>
-                      </m:sub>
-                    </m:sSub>
-                    <m:r>
-                      <a:rPr lang="en-US" b="0" i="1" smtClean="0">
-                        <a:solidFill>
-                          <a:schemeClr val="tx1"/>
-                        </a:solidFill>
-                        <a:latin typeface="Cambria Math" panose="02040503050406030204" pitchFamily="18" charset="0"/>
-                      </a:rPr>
-                      <m:t>)</m:t>
-                    </m:r>
+                        <m:sSub>
+                          <m:sSubPr>
+                            <m:ctrlPr>
+                              <a:rPr lang="en-US" b="0" i="1" smtClean="0">
+                                <a:latin typeface="Cambria Math" panose="02040503050406030204" pitchFamily="18" charset="0"/>
+                              </a:rPr>
+                            </m:ctrlPr>
+                          </m:sSubPr>
+                          <m:e>
+                            <m:r>
+                              <a:rPr lang="en-US" b="0" i="1" smtClean="0">
+                                <a:latin typeface="Cambria Math" panose="02040503050406030204" pitchFamily="18" charset="0"/>
+                              </a:rPr>
+                              <m:t>𝑥</m:t>
+                            </m:r>
+                          </m:e>
+                          <m:sub>
+                            <m:r>
+                              <a:rPr lang="en-US" b="0" i="1" smtClean="0">
+                                <a:latin typeface="Cambria Math" panose="02040503050406030204" pitchFamily="18" charset="0"/>
+                              </a:rPr>
+                              <m:t>𝑚𝑖𝑛</m:t>
+                            </m:r>
+                          </m:sub>
+                        </m:sSub>
+                      </m:num>
+                      <m:den>
+                        <m:sSub>
+                          <m:sSubPr>
+                            <m:ctrlPr>
+                              <a:rPr lang="en-US" b="0" i="1" smtClean="0">
+                                <a:latin typeface="Cambria Math" panose="02040503050406030204" pitchFamily="18" charset="0"/>
+                              </a:rPr>
+                            </m:ctrlPr>
+                          </m:sSubPr>
+                          <m:e>
+                            <m:r>
+                              <a:rPr lang="en-US" b="0" i="1" smtClean="0">
+                                <a:latin typeface="Cambria Math" panose="02040503050406030204" pitchFamily="18" charset="0"/>
+                              </a:rPr>
+                              <m:t>𝑥</m:t>
+                            </m:r>
+                          </m:e>
+                          <m:sub>
+                            <m:r>
+                              <a:rPr lang="en-US" b="0" i="1" smtClean="0">
+                                <a:latin typeface="Cambria Math" panose="02040503050406030204" pitchFamily="18" charset="0"/>
+                              </a:rPr>
+                              <m:t>𝑚𝑎𝑥</m:t>
+                            </m:r>
+                          </m:sub>
+                        </m:sSub>
+                        <m:r>
+                          <a:rPr lang="en-US" b="0" i="1" smtClean="0">
+                            <a:latin typeface="Cambria Math" panose="02040503050406030204" pitchFamily="18" charset="0"/>
+                          </a:rPr>
+                          <m:t> −</m:t>
+                        </m:r>
+                        <m:sSub>
+                          <m:sSubPr>
+                            <m:ctrlPr>
+                              <a:rPr lang="en-US" b="0" i="1" smtClean="0">
+                                <a:latin typeface="Cambria Math" panose="02040503050406030204" pitchFamily="18" charset="0"/>
+                              </a:rPr>
+                            </m:ctrlPr>
+                          </m:sSubPr>
+                          <m:e>
+                            <m:r>
+                              <a:rPr lang="en-US" b="0" i="1" smtClean="0">
+                                <a:latin typeface="Cambria Math" panose="02040503050406030204" pitchFamily="18" charset="0"/>
+                              </a:rPr>
+                              <m:t>𝑥</m:t>
+                            </m:r>
+                          </m:e>
+                          <m:sub>
+                            <m:r>
+                              <a:rPr lang="en-US" b="0" i="1" smtClean="0">
+                                <a:latin typeface="Cambria Math" panose="02040503050406030204" pitchFamily="18" charset="0"/>
+                              </a:rPr>
+                              <m:t>𝑚𝑖𝑛</m:t>
+                            </m:r>
+                          </m:sub>
+                        </m:sSub>
+                      </m:den>
+                    </m:f>
                   </m:oMath>
                 </a14:m>
-                <a:r>
-                  <a:rPr lang="en-US" dirty="0">
-                    <a:solidFill>
-                      <a:schemeClr val="tx1"/>
-                    </a:solidFill>
-                    <a:latin typeface="Arial" panose="020B0604020202020204" pitchFamily="34" charset="0"/>
-                  </a:rPr>
-                  <a:t>, where f is a function.</a:t>
-                </a:r>
+                <a:endParaRPr lang="en-US" b="0" dirty="0"/>
               </a:p>
               <a:p>
-                <a:r>
-                  <a:rPr lang="en-US" dirty="0">
-                    <a:solidFill>
-                      <a:schemeClr val="tx1"/>
-                    </a:solidFill>
-                    <a:latin typeface="Arial" panose="020B0604020202020204" pitchFamily="34" charset="0"/>
-                  </a:rPr>
-                  <a:t>Better transformed method for Negatively skewed distribution:</a:t>
-                </a:r>
-              </a:p>
-              <a:p>
-                <a:pPr lvl="1">
-                  <a:buFont typeface="Wingdings" panose="05000000000000000000" pitchFamily="2" charset="2"/>
-                  <a:buChar char="Ø"/>
-                </a:pPr>
-                <a:r>
-                  <a:rPr lang="en-US" dirty="0">
-                    <a:solidFill>
-                      <a:schemeClr val="tx1"/>
-                    </a:solidFill>
-                    <a:latin typeface="Arial" panose="020B0604020202020204" pitchFamily="34" charset="0"/>
-                  </a:rPr>
-                  <a:t>Squared or cubed transformation</a:t>
-                </a:r>
-              </a:p>
-              <a:p>
-                <a:r>
-                  <a:rPr lang="en-US" dirty="0">
-                    <a:solidFill>
-                      <a:schemeClr val="tx1"/>
-                    </a:solidFill>
-                    <a:latin typeface="Arial" panose="020B0604020202020204" pitchFamily="34" charset="0"/>
-                  </a:rPr>
-                  <a:t>Better transformed method for positive skewed distribution:</a:t>
-                </a:r>
-              </a:p>
-              <a:p>
-                <a:pPr lvl="1">
-                  <a:buFont typeface="Wingdings" panose="05000000000000000000" pitchFamily="2" charset="2"/>
-                  <a:buChar char="Ø"/>
-                </a:pPr>
-                <a:r>
-                  <a:rPr lang="en-US" dirty="0">
-                    <a:solidFill>
-                      <a:schemeClr val="tx1"/>
-                    </a:solidFill>
-                    <a:latin typeface="Arial" panose="020B0604020202020204" pitchFamily="34" charset="0"/>
-                  </a:rPr>
-                  <a:t>Logarithm or square root transformation</a:t>
-                </a:r>
-              </a:p>
-              <a:p>
-                <a:pPr algn="l"/>
-                <a:r>
-                  <a:rPr lang="en-US" sz="1800" b="0" i="0" u="none" strike="noStrike" baseline="0" dirty="0">
-                    <a:latin typeface="MinionPro-Regular"/>
-                  </a:rPr>
-                  <a:t>In many instances, the researcher may apply all of the possible transformations and then select the most appropriate transformed variable</a:t>
-                </a:r>
-                <a:endParaRPr lang="en-US" dirty="0">
-                  <a:solidFill>
-                    <a:schemeClr val="tx1"/>
-                  </a:solidFill>
-                  <a:latin typeface="Arial" panose="020B0604020202020204" pitchFamily="34" charset="0"/>
-                </a:endParaRPr>
+                <a:endParaRPr lang="en-US" dirty="0"/>
               </a:p>
             </p:txBody>
           </p:sp>
         </mc:Choice>
-        <mc:Fallback>
+        <mc:Fallback xmlns="">
           <p:sp>
             <p:nvSpPr>
               <p:cNvPr id="3" name="Content Placeholder 2">
                 <a:extLst>
                   <a:ext uri="{FF2B5EF4-FFF2-40B4-BE49-F238E27FC236}">
-                    <a16:creationId xmlns:a16="http://schemas.microsoft.com/office/drawing/2014/main" id="{46BA4C5A-36F8-1388-0471-2993FAFCA04F}"/>
+                    <a16:creationId xmlns:a16="http://schemas.microsoft.com/office/drawing/2014/main" id="{8E0CA289-68EE-0FD4-B9C2-12E2A857E935}"/>
                   </a:ext>
                 </a:extLst>
               </p:cNvPr>
@@ -13139,8 +15513,8 @@
             </p:nvSpPr>
             <p:spPr>
               <a:xfrm>
-                <a:off x="508040" y="1527048"/>
-                <a:ext cx="11029615" cy="3922776"/>
+                <a:off x="581193" y="1236372"/>
+                <a:ext cx="11029615" cy="1680564"/>
               </a:xfrm>
               <a:blipFill>
                 <a:blip r:embed="rId2"/>
@@ -13164,10 +15538,189 @@
           </p:sp>
         </mc:Fallback>
       </mc:AlternateContent>
+      <p:sp>
+        <p:nvSpPr>
+          <p:cNvPr id="5" name="TextBox 4">
+            <a:extLst>
+              <a:ext uri="{FF2B5EF4-FFF2-40B4-BE49-F238E27FC236}">
+                <a16:creationId xmlns:a16="http://schemas.microsoft.com/office/drawing/2014/main" id="{3F1D2DC6-037C-CD68-095F-38DBA697F235}"/>
+              </a:ext>
+            </a:extLst>
+          </p:cNvPr>
+          <p:cNvSpPr txBox="1"/>
+          <p:nvPr/>
+        </p:nvSpPr>
+        <p:spPr>
+          <a:xfrm>
+            <a:off x="160401" y="3654028"/>
+            <a:ext cx="6094476" cy="2074414"/>
+          </a:xfrm>
+          <a:prstGeom prst="rect">
+            <a:avLst/>
+          </a:prstGeom>
+          <a:noFill/>
+        </p:spPr>
+        <p:txBody>
+          <a:bodyPr wrap="square">
+            <a:spAutoFit/>
+          </a:bodyPr>
+          <a:lstStyle/>
+          <a:p>
+            <a:r>
+              <a:rPr lang="en-US" dirty="0"/>
+              <a:t>What properties of data change after normalization, and what properties remain unchanged? 🤔</a:t>
+            </a:r>
+          </a:p>
+          <a:p>
+            <a:endParaRPr lang="en-US" dirty="0"/>
+          </a:p>
+          <a:p>
+            <a:pPr marL="800100" lvl="1" indent="-342900">
+              <a:spcBef>
+                <a:spcPct val="20000"/>
+              </a:spcBef>
+              <a:spcAft>
+                <a:spcPts val="600"/>
+              </a:spcAft>
+              <a:buClr>
+                <a:schemeClr val="accent1"/>
+              </a:buClr>
+              <a:buSzPct val="92000"/>
+              <a:buFont typeface="+mj-lt"/>
+              <a:buAutoNum type="alphaLcParenR"/>
+            </a:pPr>
+            <a:r>
+              <a:rPr lang="en-US" b="1" dirty="0">
+                <a:solidFill>
+                  <a:schemeClr val="tx1">
+                    <a:lumMod val="75000"/>
+                    <a:lumOff val="25000"/>
+                  </a:schemeClr>
+                </a:solidFill>
+              </a:rPr>
+              <a:t>Skewness</a:t>
+            </a:r>
+          </a:p>
+          <a:p>
+            <a:pPr marL="800100" lvl="1" indent="-342900">
+              <a:spcBef>
+                <a:spcPct val="20000"/>
+              </a:spcBef>
+              <a:spcAft>
+                <a:spcPts val="600"/>
+              </a:spcAft>
+              <a:buClr>
+                <a:schemeClr val="accent1"/>
+              </a:buClr>
+              <a:buSzPct val="92000"/>
+              <a:buFont typeface="+mj-lt"/>
+              <a:buAutoNum type="alphaLcParenR"/>
+            </a:pPr>
+            <a:r>
+              <a:rPr lang="en-US" b="1" dirty="0">
+                <a:solidFill>
+                  <a:schemeClr val="tx1">
+                    <a:lumMod val="75000"/>
+                    <a:lumOff val="25000"/>
+                  </a:schemeClr>
+                </a:solidFill>
+              </a:rPr>
+              <a:t>Scale (range)</a:t>
+            </a:r>
+          </a:p>
+          <a:p>
+            <a:pPr marL="800100" lvl="1" indent="-342900">
+              <a:spcBef>
+                <a:spcPct val="20000"/>
+              </a:spcBef>
+              <a:spcAft>
+                <a:spcPts val="600"/>
+              </a:spcAft>
+              <a:buClr>
+                <a:schemeClr val="accent1"/>
+              </a:buClr>
+              <a:buSzPct val="92000"/>
+              <a:buFont typeface="+mj-lt"/>
+              <a:buAutoNum type="alphaLcParenR"/>
+            </a:pPr>
+            <a:r>
+              <a:rPr lang="en-US" b="1" dirty="0">
+                <a:solidFill>
+                  <a:schemeClr val="tx1">
+                    <a:lumMod val="75000"/>
+                    <a:lumOff val="25000"/>
+                  </a:schemeClr>
+                </a:solidFill>
+              </a:rPr>
+              <a:t>Kurtosis</a:t>
+            </a:r>
+          </a:p>
+        </p:txBody>
+      </p:sp>
+      <p:pic>
+        <p:nvPicPr>
+          <p:cNvPr id="6" name="Picture 5">
+            <a:extLst>
+              <a:ext uri="{FF2B5EF4-FFF2-40B4-BE49-F238E27FC236}">
+                <a16:creationId xmlns:a16="http://schemas.microsoft.com/office/drawing/2014/main" id="{6942A0B2-EC81-8F37-8B0C-ACB0E00590E2}"/>
+              </a:ext>
+            </a:extLst>
+          </p:cNvPr>
+          <p:cNvPicPr>
+            <a:picLocks noChangeAspect="1"/>
+          </p:cNvPicPr>
+          <p:nvPr/>
+        </p:nvPicPr>
+        <p:blipFill>
+          <a:blip r:embed="rId3"/>
+          <a:stretch>
+            <a:fillRect/>
+          </a:stretch>
+        </p:blipFill>
+        <p:spPr>
+          <a:xfrm>
+            <a:off x="6254877" y="605945"/>
+            <a:ext cx="5211699" cy="3232820"/>
+          </a:xfrm>
+          <a:prstGeom prst="rect">
+            <a:avLst/>
+          </a:prstGeom>
+        </p:spPr>
+      </p:pic>
+      <p:pic>
+        <p:nvPicPr>
+          <p:cNvPr id="8" name="Picture 7">
+            <a:extLst>
+              <a:ext uri="{FF2B5EF4-FFF2-40B4-BE49-F238E27FC236}">
+                <a16:creationId xmlns:a16="http://schemas.microsoft.com/office/drawing/2014/main" id="{6BC2F12B-94B5-3B94-ADAE-C21975740C2A}"/>
+              </a:ext>
+            </a:extLst>
+          </p:cNvPr>
+          <p:cNvPicPr>
+            <a:picLocks noChangeAspect="1"/>
+          </p:cNvPicPr>
+          <p:nvPr/>
+        </p:nvPicPr>
+        <p:blipFill>
+          <a:blip r:embed="rId4"/>
+          <a:stretch>
+            <a:fillRect/>
+          </a:stretch>
+        </p:blipFill>
+        <p:spPr>
+          <a:xfrm>
+            <a:off x="6254877" y="3654028"/>
+            <a:ext cx="5117211" cy="2984012"/>
+          </a:xfrm>
+          <a:prstGeom prst="rect">
+            <a:avLst/>
+          </a:prstGeom>
+        </p:spPr>
+      </p:pic>
     </p:spTree>
     <p:extLst>
       <p:ext uri="{BB962C8B-B14F-4D97-AF65-F5344CB8AC3E}">
-        <p14:creationId xmlns:p14="http://schemas.microsoft.com/office/powerpoint/2010/main" val="1024856185"/>
+        <p14:creationId xmlns:p14="http://schemas.microsoft.com/office/powerpoint/2010/main" val="4240730212"/>
       </p:ext>
     </p:extLst>
   </p:cSld>
@@ -13177,7 +15730,7 @@
 </p:sld>
 </file>
 
-<file path=ppt/slides/slide22.xml><?xml version="1.0" encoding="utf-8"?>
+<file path=ppt/slides/slide32.xml><?xml version="1.0" encoding="utf-8"?>
 <p:sld xmlns:a="http://schemas.openxmlformats.org/drawingml/2006/main" xmlns:r="http://schemas.openxmlformats.org/officeDocument/2006/relationships" xmlns:p="http://schemas.openxmlformats.org/presentationml/2006/main">
   <p:cSld>
     <p:spTree>
@@ -13585,1048 +16138,6 @@
     <p:extLst>
       <p:ext uri="{BB962C8B-B14F-4D97-AF65-F5344CB8AC3E}">
         <p14:creationId xmlns:p14="http://schemas.microsoft.com/office/powerpoint/2010/main" val="121643133"/>
-      </p:ext>
-    </p:extLst>
-  </p:cSld>
-  <p:clrMapOvr>
-    <a:masterClrMapping/>
-  </p:clrMapOvr>
-</p:sld>
-</file>
-
-<file path=ppt/slides/slide23.xml><?xml version="1.0" encoding="utf-8"?>
-<p:sld xmlns:a="http://schemas.openxmlformats.org/drawingml/2006/main" xmlns:r="http://schemas.openxmlformats.org/officeDocument/2006/relationships" xmlns:p="http://schemas.openxmlformats.org/presentationml/2006/main">
-  <p:cSld>
-    <p:bg>
-      <p:bgPr>
-        <a:solidFill>
-          <a:schemeClr val="bg1"/>
-        </a:solidFill>
-        <a:effectLst/>
-      </p:bgPr>
-    </p:bg>
-    <p:spTree>
-      <p:nvGrpSpPr>
-        <p:cNvPr id="1" name="">
-          <a:extLst>
-            <a:ext uri="{FF2B5EF4-FFF2-40B4-BE49-F238E27FC236}">
-              <a16:creationId xmlns:a16="http://schemas.microsoft.com/office/drawing/2014/main" id="{7CF76537-05AE-301D-CEB2-297013921104}"/>
-            </a:ext>
-          </a:extLst>
-        </p:cNvPr>
-        <p:cNvGrpSpPr/>
-        <p:nvPr/>
-      </p:nvGrpSpPr>
-      <p:grpSpPr>
-        <a:xfrm>
-          <a:off x="0" y="0"/>
-          <a:ext cx="0" cy="0"/>
-          <a:chOff x="0" y="0"/>
-          <a:chExt cx="0" cy="0"/>
-        </a:xfrm>
-      </p:grpSpPr>
-      <p:sp>
-        <p:nvSpPr>
-          <p:cNvPr id="55" name="Rectangle 54">
-            <a:extLst>
-              <a:ext uri="{FF2B5EF4-FFF2-40B4-BE49-F238E27FC236}">
-                <a16:creationId xmlns:a16="http://schemas.microsoft.com/office/drawing/2014/main" id="{DCF4EB5C-ED25-4675-8255-2F5B12CFFCF0}"/>
-              </a:ext>
-              <a:ext uri="{C183D7F6-B498-43B3-948B-1728B52AA6E4}">
-                <adec:decorative xmlns:adec="http://schemas.microsoft.com/office/drawing/2017/decorative" val="1"/>
-              </a:ext>
-            </a:extLst>
-          </p:cNvPr>
-          <p:cNvSpPr>
-            <a:spLocks noGrp="1" noRot="1" noChangeAspect="1" noMove="1" noResize="1" noEditPoints="1" noAdjustHandles="1" noChangeArrowheads="1" noChangeShapeType="1" noTextEdit="1"/>
-          </p:cNvSpPr>
-          <p:nvPr>
-            <p:extLst>
-              <p:ext uri="{386F3935-93C4-4BCD-93E2-E3B085C9AB24}">
-                <p16:designElem xmlns:p16="http://schemas.microsoft.com/office/powerpoint/2015/main" val="1"/>
-              </p:ext>
-            </p:extLst>
-          </p:nvPr>
-        </p:nvSpPr>
-        <p:spPr>
-          <a:xfrm>
-            <a:off x="446534" y="457200"/>
-            <a:ext cx="3703320" cy="94997"/>
-          </a:xfrm>
-          <a:prstGeom prst="rect">
-            <a:avLst/>
-          </a:prstGeom>
-          <a:solidFill>
-            <a:srgbClr val="465359"/>
-          </a:solidFill>
-          <a:ln>
-            <a:noFill/>
-          </a:ln>
-          <a:effectLst/>
-        </p:spPr>
-        <p:style>
-          <a:lnRef idx="1">
-            <a:schemeClr val="accent1"/>
-          </a:lnRef>
-          <a:fillRef idx="3">
-            <a:schemeClr val="accent1"/>
-          </a:fillRef>
-          <a:effectRef idx="2">
-            <a:schemeClr val="accent1"/>
-          </a:effectRef>
-          <a:fontRef idx="minor">
-            <a:schemeClr val="lt1"/>
-          </a:fontRef>
-        </p:style>
-        <p:txBody>
-          <a:bodyPr/>
-          <a:lstStyle/>
-          <a:p>
-            <a:pPr marL="0" marR="0" lvl="0" indent="0" algn="l" defTabSz="457200" rtl="0" eaLnBrk="1" fontAlgn="auto" latinLnBrk="0" hangingPunct="1">
-              <a:lnSpc>
-                <a:spcPct val="100000"/>
-              </a:lnSpc>
-              <a:spcBef>
-                <a:spcPts val="0"/>
-              </a:spcBef>
-              <a:spcAft>
-                <a:spcPts val="0"/>
-              </a:spcAft>
-              <a:buClrTx/>
-              <a:buSzTx/>
-              <a:buFontTx/>
-              <a:buNone/>
-              <a:tabLst/>
-              <a:defRPr/>
-            </a:pPr>
-            <a:endParaRPr kumimoji="0" lang="en-US" sz="1800" b="0" i="0" u="none" strike="noStrike" kern="1200" cap="none" spc="0" normalizeH="0" baseline="0" noProof="0">
-              <a:ln>
-                <a:noFill/>
-              </a:ln>
-              <a:solidFill>
-                <a:srgbClr val="FFFFFF"/>
-              </a:solidFill>
-              <a:effectLst/>
-              <a:uLnTx/>
-              <a:uFillTx/>
-              <a:latin typeface="Calibri"/>
-              <a:ea typeface="+mn-ea"/>
-              <a:cs typeface="+mn-cs"/>
-            </a:endParaRPr>
-          </a:p>
-        </p:txBody>
-      </p:sp>
-      <p:sp>
-        <p:nvSpPr>
-          <p:cNvPr id="57" name="Rectangle 56">
-            <a:extLst>
-              <a:ext uri="{FF2B5EF4-FFF2-40B4-BE49-F238E27FC236}">
-                <a16:creationId xmlns:a16="http://schemas.microsoft.com/office/drawing/2014/main" id="{9514EC6E-A557-42A2-BCDC-3ABFFC5E564D}"/>
-              </a:ext>
-              <a:ext uri="{C183D7F6-B498-43B3-948B-1728B52AA6E4}">
-                <adec:decorative xmlns:adec="http://schemas.microsoft.com/office/drawing/2017/decorative" val="1"/>
-              </a:ext>
-            </a:extLst>
-          </p:cNvPr>
-          <p:cNvSpPr>
-            <a:spLocks noGrp="1" noRot="1" noChangeAspect="1" noMove="1" noResize="1" noEditPoints="1" noAdjustHandles="1" noChangeArrowheads="1" noChangeShapeType="1" noTextEdit="1"/>
-          </p:cNvSpPr>
-          <p:nvPr>
-            <p:extLst>
-              <p:ext uri="{386F3935-93C4-4BCD-93E2-E3B085C9AB24}">
-                <p16:designElem xmlns:p16="http://schemas.microsoft.com/office/powerpoint/2015/main" val="1"/>
-              </p:ext>
-            </p:extLst>
-          </p:nvPr>
-        </p:nvSpPr>
-        <p:spPr>
-          <a:xfrm>
-            <a:off x="8042147" y="453643"/>
-            <a:ext cx="3703320" cy="98554"/>
-          </a:xfrm>
-          <a:prstGeom prst="rect">
-            <a:avLst/>
-          </a:prstGeom>
-          <a:solidFill>
-            <a:srgbClr val="969FA7"/>
-          </a:solidFill>
-          <a:ln>
-            <a:noFill/>
-          </a:ln>
-          <a:effectLst/>
-        </p:spPr>
-        <p:style>
-          <a:lnRef idx="1">
-            <a:schemeClr val="accent1"/>
-          </a:lnRef>
-          <a:fillRef idx="3">
-            <a:schemeClr val="accent1"/>
-          </a:fillRef>
-          <a:effectRef idx="2">
-            <a:schemeClr val="accent1"/>
-          </a:effectRef>
-          <a:fontRef idx="minor">
-            <a:schemeClr val="lt1"/>
-          </a:fontRef>
-        </p:style>
-        <p:txBody>
-          <a:bodyPr/>
-          <a:lstStyle/>
-          <a:p>
-            <a:pPr marL="0" marR="0" lvl="0" indent="0" algn="l" defTabSz="457200" rtl="0" eaLnBrk="1" fontAlgn="auto" latinLnBrk="0" hangingPunct="1">
-              <a:lnSpc>
-                <a:spcPct val="100000"/>
-              </a:lnSpc>
-              <a:spcBef>
-                <a:spcPts val="0"/>
-              </a:spcBef>
-              <a:spcAft>
-                <a:spcPts val="0"/>
-              </a:spcAft>
-              <a:buClrTx/>
-              <a:buSzTx/>
-              <a:buFontTx/>
-              <a:buNone/>
-              <a:tabLst/>
-              <a:defRPr/>
-            </a:pPr>
-            <a:endParaRPr kumimoji="0" lang="en-US" sz="1800" b="0" i="0" u="none" strike="noStrike" kern="1200" cap="none" spc="0" normalizeH="0" baseline="0" noProof="0">
-              <a:ln>
-                <a:noFill/>
-              </a:ln>
-              <a:solidFill>
-                <a:srgbClr val="FFFFFF"/>
-              </a:solidFill>
-              <a:effectLst/>
-              <a:uLnTx/>
-              <a:uFillTx/>
-              <a:latin typeface="Calibri"/>
-              <a:ea typeface="+mn-ea"/>
-              <a:cs typeface="+mn-cs"/>
-            </a:endParaRPr>
-          </a:p>
-        </p:txBody>
-      </p:sp>
-      <p:sp>
-        <p:nvSpPr>
-          <p:cNvPr id="59" name="Rectangle 58">
-            <a:extLst>
-              <a:ext uri="{FF2B5EF4-FFF2-40B4-BE49-F238E27FC236}">
-                <a16:creationId xmlns:a16="http://schemas.microsoft.com/office/drawing/2014/main" id="{905482C9-EB42-4BFE-95BF-7FD661F07657}"/>
-              </a:ext>
-              <a:ext uri="{C183D7F6-B498-43B3-948B-1728B52AA6E4}">
-                <adec:decorative xmlns:adec="http://schemas.microsoft.com/office/drawing/2017/decorative" val="1"/>
-              </a:ext>
-            </a:extLst>
-          </p:cNvPr>
-          <p:cNvSpPr>
-            <a:spLocks noGrp="1" noRot="1" noChangeAspect="1" noMove="1" noResize="1" noEditPoints="1" noAdjustHandles="1" noChangeArrowheads="1" noChangeShapeType="1" noTextEdit="1"/>
-          </p:cNvSpPr>
-          <p:nvPr>
-            <p:extLst>
-              <p:ext uri="{386F3935-93C4-4BCD-93E2-E3B085C9AB24}">
-                <p16:designElem xmlns:p16="http://schemas.microsoft.com/office/powerpoint/2015/main" val="1"/>
-              </p:ext>
-            </p:extLst>
-          </p:nvPr>
-        </p:nvSpPr>
-        <p:spPr>
-          <a:xfrm>
-            <a:off x="4241830" y="457200"/>
-            <a:ext cx="3703320" cy="91440"/>
-          </a:xfrm>
-          <a:prstGeom prst="rect">
-            <a:avLst/>
-          </a:prstGeom>
-          <a:solidFill>
-            <a:schemeClr val="accent1"/>
-          </a:solidFill>
-          <a:ln>
-            <a:noFill/>
-          </a:ln>
-          <a:effectLst/>
-        </p:spPr>
-        <p:style>
-          <a:lnRef idx="1">
-            <a:schemeClr val="accent1"/>
-          </a:lnRef>
-          <a:fillRef idx="3">
-            <a:schemeClr val="accent1"/>
-          </a:fillRef>
-          <a:effectRef idx="2">
-            <a:schemeClr val="accent1"/>
-          </a:effectRef>
-          <a:fontRef idx="minor">
-            <a:schemeClr val="lt1"/>
-          </a:fontRef>
-        </p:style>
-        <p:txBody>
-          <a:bodyPr/>
-          <a:lstStyle/>
-          <a:p>
-            <a:pPr marL="0" marR="0" lvl="0" indent="0" algn="l" defTabSz="457200" rtl="0" eaLnBrk="1" fontAlgn="auto" latinLnBrk="0" hangingPunct="1">
-              <a:lnSpc>
-                <a:spcPct val="100000"/>
-              </a:lnSpc>
-              <a:spcBef>
-                <a:spcPts val="0"/>
-              </a:spcBef>
-              <a:spcAft>
-                <a:spcPts val="0"/>
-              </a:spcAft>
-              <a:buClrTx/>
-              <a:buSzTx/>
-              <a:buFontTx/>
-              <a:buNone/>
-              <a:tabLst/>
-              <a:defRPr/>
-            </a:pPr>
-            <a:endParaRPr kumimoji="0" lang="en-US" sz="1800" b="0" i="0" u="none" strike="noStrike" kern="1200" cap="none" spc="0" normalizeH="0" baseline="0" noProof="0">
-              <a:ln>
-                <a:noFill/>
-              </a:ln>
-              <a:solidFill>
-                <a:srgbClr val="FFFFFF"/>
-              </a:solidFill>
-              <a:effectLst/>
-              <a:uLnTx/>
-              <a:uFillTx/>
-              <a:latin typeface="Calibri"/>
-              <a:ea typeface="+mn-ea"/>
-              <a:cs typeface="+mn-cs"/>
-            </a:endParaRPr>
-          </a:p>
-        </p:txBody>
-      </p:sp>
-      <p:sp>
-        <p:nvSpPr>
-          <p:cNvPr id="61" name="Rectangle 60">
-            <a:extLst>
-              <a:ext uri="{FF2B5EF4-FFF2-40B4-BE49-F238E27FC236}">
-                <a16:creationId xmlns:a16="http://schemas.microsoft.com/office/drawing/2014/main" id="{7539E646-A625-4A26-86ED-BD90EDD329F7}"/>
-              </a:ext>
-              <a:ext uri="{C183D7F6-B498-43B3-948B-1728B52AA6E4}">
-                <adec:decorative xmlns:adec="http://schemas.microsoft.com/office/drawing/2017/decorative" val="1"/>
-              </a:ext>
-            </a:extLst>
-          </p:cNvPr>
-          <p:cNvSpPr>
-            <a:spLocks noGrp="1" noRot="1" noChangeAspect="1" noMove="1" noResize="1" noEditPoints="1" noAdjustHandles="1" noChangeArrowheads="1" noChangeShapeType="1" noTextEdit="1"/>
-          </p:cNvSpPr>
-          <p:nvPr>
-            <p:extLst>
-              <p:ext uri="{386F3935-93C4-4BCD-93E2-E3B085C9AB24}">
-                <p16:designElem xmlns:p16="http://schemas.microsoft.com/office/powerpoint/2015/main" val="1"/>
-              </p:ext>
-            </p:extLst>
-          </p:nvPr>
-        </p:nvSpPr>
-        <p:spPr>
-          <a:xfrm>
-            <a:off x="446534" y="3085764"/>
-            <a:ext cx="11298932" cy="3338149"/>
-          </a:xfrm>
-          <a:prstGeom prst="rect">
-            <a:avLst/>
-          </a:prstGeom>
-          <a:solidFill>
-            <a:srgbClr val="465359"/>
-          </a:solidFill>
-          <a:ln>
-            <a:noFill/>
-          </a:ln>
-          <a:effectLst/>
-        </p:spPr>
-        <p:style>
-          <a:lnRef idx="1">
-            <a:schemeClr val="accent1"/>
-          </a:lnRef>
-          <a:fillRef idx="3">
-            <a:schemeClr val="accent1"/>
-          </a:fillRef>
-          <a:effectRef idx="2">
-            <a:schemeClr val="accent1"/>
-          </a:effectRef>
-          <a:fontRef idx="minor">
-            <a:schemeClr val="lt1"/>
-          </a:fontRef>
-        </p:style>
-        <p:txBody>
-          <a:bodyPr/>
-          <a:lstStyle/>
-          <a:p>
-            <a:pPr marL="0" marR="0" lvl="0" indent="0" algn="l" defTabSz="457200" rtl="0" eaLnBrk="1" fontAlgn="auto" latinLnBrk="0" hangingPunct="1">
-              <a:lnSpc>
-                <a:spcPct val="100000"/>
-              </a:lnSpc>
-              <a:spcBef>
-                <a:spcPts val="0"/>
-              </a:spcBef>
-              <a:spcAft>
-                <a:spcPts val="0"/>
-              </a:spcAft>
-              <a:buClrTx/>
-              <a:buSzTx/>
-              <a:buFontTx/>
-              <a:buNone/>
-              <a:tabLst/>
-              <a:defRPr/>
-            </a:pPr>
-            <a:endParaRPr kumimoji="0" lang="en-US" sz="1800" b="0" i="0" u="none" strike="noStrike" kern="1200" cap="none" spc="0" normalizeH="0" baseline="0" noProof="0">
-              <a:ln>
-                <a:noFill/>
-              </a:ln>
-              <a:solidFill>
-                <a:srgbClr val="FFFFFF"/>
-              </a:solidFill>
-              <a:effectLst/>
-              <a:uLnTx/>
-              <a:uFillTx/>
-              <a:latin typeface="Calibri"/>
-              <a:ea typeface="+mn-ea"/>
-              <a:cs typeface="+mn-cs"/>
-            </a:endParaRPr>
-          </a:p>
-        </p:txBody>
-      </p:sp>
-      <p:sp useBgFill="1">
-        <p:nvSpPr>
-          <p:cNvPr id="63" name="Rectangle 62">
-            <a:extLst>
-              <a:ext uri="{FF2B5EF4-FFF2-40B4-BE49-F238E27FC236}">
-                <a16:creationId xmlns:a16="http://schemas.microsoft.com/office/drawing/2014/main" id="{9FE6175D-CE1B-4C8E-8FF8-7309F21F31C5}"/>
-              </a:ext>
-              <a:ext uri="{C183D7F6-B498-43B3-948B-1728B52AA6E4}">
-                <adec:decorative xmlns:adec="http://schemas.microsoft.com/office/drawing/2017/decorative" val="1"/>
-              </a:ext>
-            </a:extLst>
-          </p:cNvPr>
-          <p:cNvSpPr>
-            <a:spLocks noGrp="1" noRot="1" noChangeAspect="1" noMove="1" noResize="1" noEditPoints="1" noAdjustHandles="1" noChangeArrowheads="1" noChangeShapeType="1" noTextEdit="1"/>
-          </p:cNvSpPr>
-          <p:nvPr>
-            <p:extLst>
-              <p:ext uri="{386F3935-93C4-4BCD-93E2-E3B085C9AB24}">
-                <p16:designElem xmlns:p16="http://schemas.microsoft.com/office/powerpoint/2015/main" val="1"/>
-              </p:ext>
-            </p:extLst>
-          </p:nvPr>
-        </p:nvSpPr>
-        <p:spPr>
-          <a:xfrm>
-            <a:off x="0" y="0"/>
-            <a:ext cx="12192000" cy="6858000"/>
-          </a:xfrm>
-          <a:prstGeom prst="rect">
-            <a:avLst/>
-          </a:prstGeom>
-          <a:ln>
-            <a:noFill/>
-          </a:ln>
-        </p:spPr>
-        <p:style>
-          <a:lnRef idx="2">
-            <a:schemeClr val="accent1">
-              <a:shade val="50000"/>
-            </a:schemeClr>
-          </a:lnRef>
-          <a:fillRef idx="1">
-            <a:schemeClr val="accent1"/>
-          </a:fillRef>
-          <a:effectRef idx="0">
-            <a:schemeClr val="accent1"/>
-          </a:effectRef>
-          <a:fontRef idx="minor">
-            <a:schemeClr val="lt1"/>
-          </a:fontRef>
-        </p:style>
-        <p:txBody>
-          <a:bodyPr rtlCol="0" anchor="ctr"/>
-          <a:lstStyle/>
-          <a:p>
-            <a:pPr marL="0" marR="0" lvl="0" indent="0" algn="ctr" defTabSz="457200" rtl="0" eaLnBrk="1" fontAlgn="auto" latinLnBrk="0" hangingPunct="1">
-              <a:lnSpc>
-                <a:spcPct val="100000"/>
-              </a:lnSpc>
-              <a:spcBef>
-                <a:spcPts val="0"/>
-              </a:spcBef>
-              <a:spcAft>
-                <a:spcPts val="0"/>
-              </a:spcAft>
-              <a:buClrTx/>
-              <a:buSzTx/>
-              <a:buFontTx/>
-              <a:buNone/>
-              <a:tabLst/>
-              <a:defRPr/>
-            </a:pPr>
-            <a:endParaRPr kumimoji="0" lang="en-US" sz="1800" b="0" i="0" u="none" strike="noStrike" kern="1200" cap="none" spc="0" normalizeH="0" baseline="0" noProof="0">
-              <a:ln>
-                <a:noFill/>
-              </a:ln>
-              <a:solidFill>
-                <a:srgbClr val="FFFFFF"/>
-              </a:solidFill>
-              <a:effectLst/>
-              <a:uLnTx/>
-              <a:uFillTx/>
-              <a:latin typeface="Calibri"/>
-              <a:ea typeface="+mn-ea"/>
-              <a:cs typeface="+mn-cs"/>
-            </a:endParaRPr>
-          </a:p>
-        </p:txBody>
-      </p:sp>
-      <p:sp>
-        <p:nvSpPr>
-          <p:cNvPr id="2" name="Title 1">
-            <a:extLst>
-              <a:ext uri="{FF2B5EF4-FFF2-40B4-BE49-F238E27FC236}">
-                <a16:creationId xmlns:a16="http://schemas.microsoft.com/office/drawing/2014/main" id="{06E2D6A9-0F1B-4AF5-7E13-81A1ED31665A}"/>
-              </a:ext>
-            </a:extLst>
-          </p:cNvPr>
-          <p:cNvSpPr>
-            <a:spLocks noGrp="1"/>
-          </p:cNvSpPr>
-          <p:nvPr>
-            <p:ph type="title"/>
-          </p:nvPr>
-        </p:nvSpPr>
-        <p:spPr>
-          <a:xfrm>
-            <a:off x="4389121" y="863695"/>
-            <a:ext cx="7204036" cy="4947169"/>
-          </a:xfrm>
-        </p:spPr>
-        <p:txBody>
-          <a:bodyPr vert="horz" lIns="91440" tIns="45720" rIns="91440" bIns="45720" rtlCol="0" anchor="ctr">
-            <a:normAutofit/>
-          </a:bodyPr>
-          <a:lstStyle/>
-          <a:p>
-            <a:r>
-              <a:rPr lang="en-US" sz="4400" b="0" kern="1200" cap="all" dirty="0">
-                <a:solidFill>
-                  <a:schemeClr val="tx1">
-                    <a:lumMod val="85000"/>
-                    <a:lumOff val="15000"/>
-                  </a:schemeClr>
-                </a:solidFill>
-                <a:latin typeface="+mj-lt"/>
-                <a:ea typeface="+mj-ea"/>
-                <a:cs typeface="+mj-cs"/>
-              </a:rPr>
-              <a:t>2.2.1 task 1</a:t>
-            </a:r>
-          </a:p>
-        </p:txBody>
-      </p:sp>
-      <p:sp>
-        <p:nvSpPr>
-          <p:cNvPr id="65" name="Rectangle 64">
-            <a:extLst>
-              <a:ext uri="{FF2B5EF4-FFF2-40B4-BE49-F238E27FC236}">
-                <a16:creationId xmlns:a16="http://schemas.microsoft.com/office/drawing/2014/main" id="{0DF8C05A-3103-44B5-AFBC-A8FC5AF00AFD}"/>
-              </a:ext>
-              <a:ext uri="{C183D7F6-B498-43B3-948B-1728B52AA6E4}">
-                <adec:decorative xmlns:adec="http://schemas.microsoft.com/office/drawing/2017/decorative" val="1"/>
-              </a:ext>
-            </a:extLst>
-          </p:cNvPr>
-          <p:cNvSpPr>
-            <a:spLocks noGrp="1" noRot="1" noChangeAspect="1" noMove="1" noResize="1" noEditPoints="1" noAdjustHandles="1" noChangeArrowheads="1" noChangeShapeType="1" noTextEdit="1"/>
-          </p:cNvSpPr>
-          <p:nvPr>
-            <p:extLst>
-              <p:ext uri="{386F3935-93C4-4BCD-93E2-E3B085C9AB24}">
-                <p16:designElem xmlns:p16="http://schemas.microsoft.com/office/powerpoint/2015/main" val="1"/>
-              </p:ext>
-            </p:extLst>
-          </p:nvPr>
-        </p:nvSpPr>
-        <p:spPr>
-          <a:xfrm>
-            <a:off x="446534" y="457200"/>
-            <a:ext cx="3703320" cy="91440"/>
-          </a:xfrm>
-          <a:prstGeom prst="rect">
-            <a:avLst/>
-          </a:prstGeom>
-          <a:solidFill>
-            <a:schemeClr val="accent1"/>
-          </a:solidFill>
-          <a:ln>
-            <a:noFill/>
-          </a:ln>
-          <a:effectLst/>
-        </p:spPr>
-        <p:style>
-          <a:lnRef idx="1">
-            <a:schemeClr val="accent1"/>
-          </a:lnRef>
-          <a:fillRef idx="3">
-            <a:schemeClr val="accent1"/>
-          </a:fillRef>
-          <a:effectRef idx="2">
-            <a:schemeClr val="accent1"/>
-          </a:effectRef>
-          <a:fontRef idx="minor">
-            <a:schemeClr val="lt1"/>
-          </a:fontRef>
-        </p:style>
-        <p:txBody>
-          <a:bodyPr/>
-          <a:lstStyle/>
-          <a:p>
-            <a:pPr marL="0" marR="0" lvl="0" indent="0" algn="l" defTabSz="457200" rtl="0" eaLnBrk="1" fontAlgn="auto" latinLnBrk="0" hangingPunct="1">
-              <a:lnSpc>
-                <a:spcPct val="100000"/>
-              </a:lnSpc>
-              <a:spcBef>
-                <a:spcPts val="0"/>
-              </a:spcBef>
-              <a:spcAft>
-                <a:spcPts val="0"/>
-              </a:spcAft>
-              <a:buClrTx/>
-              <a:buSzTx/>
-              <a:buFontTx/>
-              <a:buNone/>
-              <a:tabLst/>
-              <a:defRPr/>
-            </a:pPr>
-            <a:endParaRPr kumimoji="0" lang="en-US" sz="1800" b="0" i="0" u="none" strike="noStrike" kern="1200" cap="none" spc="0" normalizeH="0" baseline="0" noProof="0">
-              <a:ln>
-                <a:noFill/>
-              </a:ln>
-              <a:solidFill>
-                <a:srgbClr val="FFFFFF"/>
-              </a:solidFill>
-              <a:effectLst/>
-              <a:uLnTx/>
-              <a:uFillTx/>
-              <a:latin typeface="Calibri"/>
-              <a:ea typeface="+mn-ea"/>
-              <a:cs typeface="+mn-cs"/>
-            </a:endParaRPr>
-          </a:p>
-        </p:txBody>
-      </p:sp>
-      <p:sp>
-        <p:nvSpPr>
-          <p:cNvPr id="67" name="Rectangle 66">
-            <a:extLst>
-              <a:ext uri="{FF2B5EF4-FFF2-40B4-BE49-F238E27FC236}">
-                <a16:creationId xmlns:a16="http://schemas.microsoft.com/office/drawing/2014/main" id="{0794EE00-AFAB-44F8-902F-E94445806663}"/>
-              </a:ext>
-              <a:ext uri="{C183D7F6-B498-43B3-948B-1728B52AA6E4}">
-                <adec:decorative xmlns:adec="http://schemas.microsoft.com/office/drawing/2017/decorative" val="1"/>
-              </a:ext>
-            </a:extLst>
-          </p:cNvPr>
-          <p:cNvSpPr>
-            <a:spLocks noGrp="1" noRot="1" noChangeAspect="1" noMove="1" noResize="1" noEditPoints="1" noAdjustHandles="1" noChangeArrowheads="1" noChangeShapeType="1" noTextEdit="1"/>
-          </p:cNvSpPr>
-          <p:nvPr>
-            <p:extLst>
-              <p:ext uri="{386F3935-93C4-4BCD-93E2-E3B085C9AB24}">
-                <p16:designElem xmlns:p16="http://schemas.microsoft.com/office/powerpoint/2015/main" val="1"/>
-              </p:ext>
-            </p:extLst>
-          </p:nvPr>
-        </p:nvSpPr>
-        <p:spPr>
-          <a:xfrm>
-            <a:off x="4241830" y="453643"/>
-            <a:ext cx="7503637" cy="94997"/>
-          </a:xfrm>
-          <a:prstGeom prst="rect">
-            <a:avLst/>
-          </a:prstGeom>
-          <a:solidFill>
-            <a:srgbClr val="465359"/>
-          </a:solidFill>
-          <a:ln>
-            <a:noFill/>
-          </a:ln>
-          <a:effectLst/>
-        </p:spPr>
-        <p:style>
-          <a:lnRef idx="1">
-            <a:schemeClr val="accent1"/>
-          </a:lnRef>
-          <a:fillRef idx="3">
-            <a:schemeClr val="accent1"/>
-          </a:fillRef>
-          <a:effectRef idx="2">
-            <a:schemeClr val="accent1"/>
-          </a:effectRef>
-          <a:fontRef idx="minor">
-            <a:schemeClr val="lt1"/>
-          </a:fontRef>
-        </p:style>
-        <p:txBody>
-          <a:bodyPr/>
-          <a:lstStyle/>
-          <a:p>
-            <a:pPr marL="0" marR="0" lvl="0" indent="0" algn="l" defTabSz="457200" rtl="0" eaLnBrk="1" fontAlgn="auto" latinLnBrk="0" hangingPunct="1">
-              <a:lnSpc>
-                <a:spcPct val="100000"/>
-              </a:lnSpc>
-              <a:spcBef>
-                <a:spcPts val="0"/>
-              </a:spcBef>
-              <a:spcAft>
-                <a:spcPts val="0"/>
-              </a:spcAft>
-              <a:buClrTx/>
-              <a:buSzTx/>
-              <a:buFontTx/>
-              <a:buNone/>
-              <a:tabLst/>
-              <a:defRPr/>
-            </a:pPr>
-            <a:endParaRPr kumimoji="0" lang="en-US" sz="1800" b="0" i="0" u="none" strike="noStrike" kern="1200" cap="none" spc="0" normalizeH="0" baseline="0" noProof="0">
-              <a:ln>
-                <a:noFill/>
-              </a:ln>
-              <a:solidFill>
-                <a:srgbClr val="FFFFFF"/>
-              </a:solidFill>
-              <a:effectLst/>
-              <a:uLnTx/>
-              <a:uFillTx/>
-              <a:latin typeface="Calibri"/>
-              <a:ea typeface="+mn-ea"/>
-              <a:cs typeface="+mn-cs"/>
-            </a:endParaRPr>
-          </a:p>
-        </p:txBody>
-      </p:sp>
-      <p:sp>
-        <p:nvSpPr>
-          <p:cNvPr id="69" name="Rectangle 68">
-            <a:extLst>
-              <a:ext uri="{FF2B5EF4-FFF2-40B4-BE49-F238E27FC236}">
-                <a16:creationId xmlns:a16="http://schemas.microsoft.com/office/drawing/2014/main" id="{95F12ABC-29DF-4D0F-9FE7-873B7F8E32DC}"/>
-              </a:ext>
-              <a:ext uri="{C183D7F6-B498-43B3-948B-1728B52AA6E4}">
-                <adec:decorative xmlns:adec="http://schemas.microsoft.com/office/drawing/2017/decorative" val="1"/>
-              </a:ext>
-            </a:extLst>
-          </p:cNvPr>
-          <p:cNvSpPr>
-            <a:spLocks noGrp="1" noRot="1" noChangeAspect="1" noMove="1" noResize="1" noEditPoints="1" noAdjustHandles="1" noChangeArrowheads="1" noChangeShapeType="1" noTextEdit="1"/>
-          </p:cNvSpPr>
-          <p:nvPr>
-            <p:extLst>
-              <p:ext uri="{386F3935-93C4-4BCD-93E2-E3B085C9AB24}">
-                <p16:designElem xmlns:p16="http://schemas.microsoft.com/office/powerpoint/2015/main" val="1"/>
-              </p:ext>
-            </p:extLst>
-          </p:nvPr>
-        </p:nvSpPr>
-        <p:spPr>
-          <a:xfrm>
-            <a:off x="446534" y="614044"/>
-            <a:ext cx="3703320" cy="5745836"/>
-          </a:xfrm>
-          <a:prstGeom prst="rect">
-            <a:avLst/>
-          </a:prstGeom>
-          <a:solidFill>
-            <a:schemeClr val="accent1"/>
-          </a:solidFill>
-          <a:ln>
-            <a:noFill/>
-          </a:ln>
-          <a:effectLst/>
-        </p:spPr>
-        <p:style>
-          <a:lnRef idx="1">
-            <a:schemeClr val="accent1"/>
-          </a:lnRef>
-          <a:fillRef idx="3">
-            <a:schemeClr val="accent1"/>
-          </a:fillRef>
-          <a:effectRef idx="2">
-            <a:schemeClr val="accent1"/>
-          </a:effectRef>
-          <a:fontRef idx="minor">
-            <a:schemeClr val="lt1"/>
-          </a:fontRef>
-        </p:style>
-        <p:txBody>
-          <a:bodyPr/>
-          <a:lstStyle/>
-          <a:p>
-            <a:pPr marL="0" marR="0" lvl="0" indent="0" algn="l" defTabSz="457200" rtl="0" eaLnBrk="1" fontAlgn="auto" latinLnBrk="0" hangingPunct="1">
-              <a:lnSpc>
-                <a:spcPct val="100000"/>
-              </a:lnSpc>
-              <a:spcBef>
-                <a:spcPts val="0"/>
-              </a:spcBef>
-              <a:spcAft>
-                <a:spcPts val="0"/>
-              </a:spcAft>
-              <a:buClrTx/>
-              <a:buSzTx/>
-              <a:buFontTx/>
-              <a:buNone/>
-              <a:tabLst/>
-              <a:defRPr/>
-            </a:pPr>
-            <a:endParaRPr kumimoji="0" lang="en-US" sz="1800" b="0" i="0" u="none" strike="noStrike" kern="1200" cap="none" spc="0" normalizeH="0" baseline="0" noProof="0">
-              <a:ln>
-                <a:noFill/>
-              </a:ln>
-              <a:solidFill>
-                <a:srgbClr val="FFFFFF"/>
-              </a:solidFill>
-              <a:effectLst/>
-              <a:uLnTx/>
-              <a:uFillTx/>
-              <a:latin typeface="Calibri"/>
-              <a:ea typeface="+mn-ea"/>
-              <a:cs typeface="+mn-cs"/>
-            </a:endParaRPr>
-          </a:p>
-        </p:txBody>
-      </p:sp>
-    </p:spTree>
-    <p:extLst>
-      <p:ext uri="{BB962C8B-B14F-4D97-AF65-F5344CB8AC3E}">
-        <p14:creationId xmlns:p14="http://schemas.microsoft.com/office/powerpoint/2010/main" val="1783749850"/>
-      </p:ext>
-    </p:extLst>
-  </p:cSld>
-  <p:clrMapOvr>
-    <a:masterClrMapping/>
-  </p:clrMapOvr>
-</p:sld>
-</file>
-
-<file path=ppt/slides/slide24.xml><?xml version="1.0" encoding="utf-8"?>
-<p:sld xmlns:a="http://schemas.openxmlformats.org/drawingml/2006/main" xmlns:r="http://schemas.openxmlformats.org/officeDocument/2006/relationships" xmlns:p="http://schemas.openxmlformats.org/presentationml/2006/main">
-  <p:cSld>
-    <p:spTree>
-      <p:nvGrpSpPr>
-        <p:cNvPr id="1" name=""/>
-        <p:cNvGrpSpPr/>
-        <p:nvPr/>
-      </p:nvGrpSpPr>
-      <p:grpSpPr>
-        <a:xfrm>
-          <a:off x="0" y="0"/>
-          <a:ext cx="0" cy="0"/>
-          <a:chOff x="0" y="0"/>
-          <a:chExt cx="0" cy="0"/>
-        </a:xfrm>
-      </p:grpSpPr>
-      <p:sp>
-        <p:nvSpPr>
-          <p:cNvPr id="2" name="Title 1">
-            <a:extLst>
-              <a:ext uri="{FF2B5EF4-FFF2-40B4-BE49-F238E27FC236}">
-                <a16:creationId xmlns:a16="http://schemas.microsoft.com/office/drawing/2014/main" id="{DBB91409-4B0B-F6CA-8AC4-A09AC9277A2E}"/>
-              </a:ext>
-            </a:extLst>
-          </p:cNvPr>
-          <p:cNvSpPr>
-            <a:spLocks noGrp="1"/>
-          </p:cNvSpPr>
-          <p:nvPr>
-            <p:ph type="title"/>
-          </p:nvPr>
-        </p:nvSpPr>
-        <p:spPr>
-          <a:xfrm>
-            <a:off x="581192" y="702156"/>
-            <a:ext cx="11029616" cy="660300"/>
-          </a:xfrm>
-        </p:spPr>
-        <p:txBody>
-          <a:bodyPr/>
-          <a:lstStyle/>
-          <a:p>
-            <a:r>
-              <a:rPr lang="en-US" dirty="0"/>
-              <a:t>Confidence interval</a:t>
-            </a:r>
-          </a:p>
-        </p:txBody>
-      </p:sp>
-    </p:spTree>
-    <p:extLst>
-      <p:ext uri="{BB962C8B-B14F-4D97-AF65-F5344CB8AC3E}">
-        <p14:creationId xmlns:p14="http://schemas.microsoft.com/office/powerpoint/2010/main" val="1337307238"/>
-      </p:ext>
-    </p:extLst>
-  </p:cSld>
-  <p:clrMapOvr>
-    <a:masterClrMapping/>
-  </p:clrMapOvr>
-</p:sld>
-</file>
-
-<file path=ppt/slides/slide3.xml><?xml version="1.0" encoding="utf-8"?>
-<p:sld xmlns:a="http://schemas.openxmlformats.org/drawingml/2006/main" xmlns:r="http://schemas.openxmlformats.org/officeDocument/2006/relationships" xmlns:p="http://schemas.openxmlformats.org/presentationml/2006/main">
-  <p:cSld>
-    <p:spTree>
-      <p:nvGrpSpPr>
-        <p:cNvPr id="1" name=""/>
-        <p:cNvGrpSpPr/>
-        <p:nvPr/>
-      </p:nvGrpSpPr>
-      <p:grpSpPr>
-        <a:xfrm>
-          <a:off x="0" y="0"/>
-          <a:ext cx="0" cy="0"/>
-          <a:chOff x="0" y="0"/>
-          <a:chExt cx="0" cy="0"/>
-        </a:xfrm>
-      </p:grpSpPr>
-      <p:sp>
-        <p:nvSpPr>
-          <p:cNvPr id="2" name="Title 1">
-            <a:extLst>
-              <a:ext uri="{FF2B5EF4-FFF2-40B4-BE49-F238E27FC236}">
-                <a16:creationId xmlns:a16="http://schemas.microsoft.com/office/drawing/2014/main" id="{72DB026E-3091-9B57-0C52-B3A1CA866BD6}"/>
-              </a:ext>
-            </a:extLst>
-          </p:cNvPr>
-          <p:cNvSpPr>
-            <a:spLocks noGrp="1"/>
-          </p:cNvSpPr>
-          <p:nvPr>
-            <p:ph type="title"/>
-          </p:nvPr>
-        </p:nvSpPr>
-        <p:spPr>
-          <a:xfrm>
-            <a:off x="581192" y="702156"/>
-            <a:ext cx="11029616" cy="541428"/>
-          </a:xfrm>
-        </p:spPr>
-        <p:txBody>
-          <a:bodyPr/>
-          <a:lstStyle/>
-          <a:p>
-            <a:r>
-              <a:rPr lang="en-US" dirty="0"/>
-              <a:t>Line graph</a:t>
-            </a:r>
-          </a:p>
-        </p:txBody>
-      </p:sp>
-      <p:sp>
-        <p:nvSpPr>
-          <p:cNvPr id="3" name="Content Placeholder 2">
-            <a:extLst>
-              <a:ext uri="{FF2B5EF4-FFF2-40B4-BE49-F238E27FC236}">
-                <a16:creationId xmlns:a16="http://schemas.microsoft.com/office/drawing/2014/main" id="{FF26CC3D-7F23-4311-16D2-F87EBF3EAEF6}"/>
-              </a:ext>
-            </a:extLst>
-          </p:cNvPr>
-          <p:cNvSpPr>
-            <a:spLocks noGrp="1"/>
-          </p:cNvSpPr>
-          <p:nvPr>
-            <p:ph idx="1"/>
-          </p:nvPr>
-        </p:nvSpPr>
-        <p:spPr>
-          <a:xfrm>
-            <a:off x="581191" y="1362456"/>
-            <a:ext cx="11029615" cy="1088136"/>
-          </a:xfrm>
-        </p:spPr>
-        <p:txBody>
-          <a:bodyPr/>
-          <a:lstStyle/>
-          <a:p>
-            <a:r>
-              <a:rPr lang="en-US" dirty="0"/>
-              <a:t>At its core, </a:t>
-            </a:r>
-            <a:r>
-              <a:rPr lang="en-US" b="1" dirty="0"/>
-              <a:t>data visualization is about turning numbers into stories</a:t>
-            </a:r>
-            <a:r>
-              <a:rPr lang="en-US" dirty="0"/>
-              <a:t> — stories that people can understand, remember, and act upon. It's the bridge between raw data and human perception.</a:t>
-            </a:r>
-          </a:p>
-        </p:txBody>
-      </p:sp>
-      <p:pic>
-        <p:nvPicPr>
-          <p:cNvPr id="5" name="Picture 4">
-            <a:extLst>
-              <a:ext uri="{FF2B5EF4-FFF2-40B4-BE49-F238E27FC236}">
-                <a16:creationId xmlns:a16="http://schemas.microsoft.com/office/drawing/2014/main" id="{7040447F-2210-699A-E14E-F626CC92E990}"/>
-              </a:ext>
-            </a:extLst>
-          </p:cNvPr>
-          <p:cNvPicPr>
-            <a:picLocks noChangeAspect="1"/>
-          </p:cNvPicPr>
-          <p:nvPr/>
-        </p:nvPicPr>
-        <p:blipFill>
-          <a:blip r:embed="rId2"/>
-          <a:stretch>
-            <a:fillRect/>
-          </a:stretch>
-        </p:blipFill>
-        <p:spPr>
-          <a:xfrm>
-            <a:off x="4883878" y="2654041"/>
-            <a:ext cx="7128450" cy="4203958"/>
-          </a:xfrm>
-          <a:prstGeom prst="rect">
-            <a:avLst/>
-          </a:prstGeom>
-        </p:spPr>
-      </p:pic>
-      <p:pic>
-        <p:nvPicPr>
-          <p:cNvPr id="7" name="Picture 6">
-            <a:extLst>
-              <a:ext uri="{FF2B5EF4-FFF2-40B4-BE49-F238E27FC236}">
-                <a16:creationId xmlns:a16="http://schemas.microsoft.com/office/drawing/2014/main" id="{342A759A-3848-91F8-544A-0A84B4E9AA7D}"/>
-              </a:ext>
-            </a:extLst>
-          </p:cNvPr>
-          <p:cNvPicPr>
-            <a:picLocks noChangeAspect="1"/>
-          </p:cNvPicPr>
-          <p:nvPr/>
-        </p:nvPicPr>
-        <p:blipFill>
-          <a:blip r:embed="rId3"/>
-          <a:stretch>
-            <a:fillRect/>
-          </a:stretch>
-        </p:blipFill>
-        <p:spPr>
-          <a:xfrm>
-            <a:off x="1119287" y="2776049"/>
-            <a:ext cx="2105175" cy="3959943"/>
-          </a:xfrm>
-          <a:prstGeom prst="rect">
-            <a:avLst/>
-          </a:prstGeom>
-        </p:spPr>
-      </p:pic>
-    </p:spTree>
-    <p:extLst>
-      <p:ext uri="{BB962C8B-B14F-4D97-AF65-F5344CB8AC3E}">
-        <p14:creationId xmlns:p14="http://schemas.microsoft.com/office/powerpoint/2010/main" val="551249904"/>
       </p:ext>
     </p:extLst>
   </p:cSld>
@@ -16302,4 +17813,319 @@
     </a:ext>
   </a:extLst>
 </a:theme>
+</file>
+
+<file path=ppt/theme/theme3.xml><?xml version="1.0" encoding="utf-8"?>
+<a:theme xmlns:a="http://schemas.openxmlformats.org/drawingml/2006/main" name="Office Theme">
+  <a:themeElements>
+    <a:clrScheme name="Office">
+      <a:dk1>
+        <a:sysClr val="windowText" lastClr="000000"/>
+      </a:dk1>
+      <a:lt1>
+        <a:sysClr val="window" lastClr="FFFFFF"/>
+      </a:lt1>
+      <a:dk2>
+        <a:srgbClr val="0E2841"/>
+      </a:dk2>
+      <a:lt2>
+        <a:srgbClr val="E8E8E8"/>
+      </a:lt2>
+      <a:accent1>
+        <a:srgbClr val="156082"/>
+      </a:accent1>
+      <a:accent2>
+        <a:srgbClr val="E97132"/>
+      </a:accent2>
+      <a:accent3>
+        <a:srgbClr val="196B24"/>
+      </a:accent3>
+      <a:accent4>
+        <a:srgbClr val="0F9ED5"/>
+      </a:accent4>
+      <a:accent5>
+        <a:srgbClr val="A02B93"/>
+      </a:accent5>
+      <a:accent6>
+        <a:srgbClr val="4EA72E"/>
+      </a:accent6>
+      <a:hlink>
+        <a:srgbClr val="467886"/>
+      </a:hlink>
+      <a:folHlink>
+        <a:srgbClr val="96607D"/>
+      </a:folHlink>
+    </a:clrScheme>
+    <a:fontScheme name="Office">
+      <a:majorFont>
+        <a:latin typeface="Aptos Display" panose="02110004020202020204"/>
+        <a:ea typeface=""/>
+        <a:cs typeface=""/>
+        <a:font script="Jpan" typeface="游ゴシック Light"/>
+        <a:font script="Hang" typeface="맑은 고딕"/>
+        <a:font script="Hans" typeface="等线 Light"/>
+        <a:font script="Hant" typeface="新細明體"/>
+        <a:font script="Arab" typeface="Times New Roman"/>
+        <a:font script="Hebr" typeface="Times New Roman"/>
+        <a:font script="Thai" typeface="Angsana New"/>
+        <a:font script="Ethi" typeface="Nyala"/>
+        <a:font script="Beng" typeface="Vrinda"/>
+        <a:font script="Gujr" typeface="Shruti"/>
+        <a:font script="Khmr" typeface="MoolBoran"/>
+        <a:font script="Knda" typeface="Tunga"/>
+        <a:font script="Guru" typeface="Raavi"/>
+        <a:font script="Cans" typeface="Euphemia"/>
+        <a:font script="Cher" typeface="Plantagenet Cherokee"/>
+        <a:font script="Yiii" typeface="Microsoft Yi Baiti"/>
+        <a:font script="Tibt" typeface="Microsoft Himalaya"/>
+        <a:font script="Thaa" typeface="MV Boli"/>
+        <a:font script="Deva" typeface="Mangal"/>
+        <a:font script="Telu" typeface="Gautami"/>
+        <a:font script="Taml" typeface="Latha"/>
+        <a:font script="Syrc" typeface="Estrangelo Edessa"/>
+        <a:font script="Orya" typeface="Kalinga"/>
+        <a:font script="Mlym" typeface="Kartika"/>
+        <a:font script="Laoo" typeface="DokChampa"/>
+        <a:font script="Sinh" typeface="Iskoola Pota"/>
+        <a:font script="Mong" typeface="Mongolian Baiti"/>
+        <a:font script="Viet" typeface="Times New Roman"/>
+        <a:font script="Uigh" typeface="Microsoft Uighur"/>
+        <a:font script="Geor" typeface="Sylfaen"/>
+        <a:font script="Armn" typeface="Arial"/>
+        <a:font script="Bugi" typeface="Leelawadee UI"/>
+        <a:font script="Bopo" typeface="Microsoft JhengHei"/>
+        <a:font script="Java" typeface="Javanese Text"/>
+        <a:font script="Lisu" typeface="Segoe UI"/>
+        <a:font script="Mymr" typeface="Myanmar Text"/>
+        <a:font script="Nkoo" typeface="Ebrima"/>
+        <a:font script="Olck" typeface="Nirmala UI"/>
+        <a:font script="Osma" typeface="Ebrima"/>
+        <a:font script="Phag" typeface="Phagspa"/>
+        <a:font script="Syrn" typeface="Estrangelo Edessa"/>
+        <a:font script="Syrj" typeface="Estrangelo Edessa"/>
+        <a:font script="Syre" typeface="Estrangelo Edessa"/>
+        <a:font script="Sora" typeface="Nirmala UI"/>
+        <a:font script="Tale" typeface="Microsoft Tai Le"/>
+        <a:font script="Talu" typeface="Microsoft New Tai Lue"/>
+        <a:font script="Tfng" typeface="Ebrima"/>
+      </a:majorFont>
+      <a:minorFont>
+        <a:latin typeface="Aptos" panose="02110004020202020204"/>
+        <a:ea typeface=""/>
+        <a:cs typeface=""/>
+        <a:font script="Jpan" typeface="游ゴシック"/>
+        <a:font script="Hang" typeface="맑은 고딕"/>
+        <a:font script="Hans" typeface="等线"/>
+        <a:font script="Hant" typeface="新細明體"/>
+        <a:font script="Arab" typeface="Arial"/>
+        <a:font script="Hebr" typeface="Arial"/>
+        <a:font script="Thai" typeface="Cordia New"/>
+        <a:font script="Ethi" typeface="Nyala"/>
+        <a:font script="Beng" typeface="Vrinda"/>
+        <a:font script="Gujr" typeface="Shruti"/>
+        <a:font script="Khmr" typeface="DaunPenh"/>
+        <a:font script="Knda" typeface="Tunga"/>
+        <a:font script="Guru" typeface="Raavi"/>
+        <a:font script="Cans" typeface="Euphemia"/>
+        <a:font script="Cher" typeface="Plantagenet Cherokee"/>
+        <a:font script="Yiii" typeface="Microsoft Yi Baiti"/>
+        <a:font script="Tibt" typeface="Microsoft Himalaya"/>
+        <a:font script="Thaa" typeface="MV Boli"/>
+        <a:font script="Deva" typeface="Mangal"/>
+        <a:font script="Telu" typeface="Gautami"/>
+        <a:font script="Taml" typeface="Latha"/>
+        <a:font script="Syrc" typeface="Estrangelo Edessa"/>
+        <a:font script="Orya" typeface="Kalinga"/>
+        <a:font script="Mlym" typeface="Kartika"/>
+        <a:font script="Laoo" typeface="DokChampa"/>
+        <a:font script="Sinh" typeface="Iskoola Pota"/>
+        <a:font script="Mong" typeface="Mongolian Baiti"/>
+        <a:font script="Viet" typeface="Arial"/>
+        <a:font script="Uigh" typeface="Microsoft Uighur"/>
+        <a:font script="Geor" typeface="Sylfaen"/>
+        <a:font script="Armn" typeface="Arial"/>
+        <a:font script="Bugi" typeface="Leelawadee UI"/>
+        <a:font script="Bopo" typeface="Microsoft JhengHei"/>
+        <a:font script="Java" typeface="Javanese Text"/>
+        <a:font script="Lisu" typeface="Segoe UI"/>
+        <a:font script="Mymr" typeface="Myanmar Text"/>
+        <a:font script="Nkoo" typeface="Ebrima"/>
+        <a:font script="Olck" typeface="Nirmala UI"/>
+        <a:font script="Osma" typeface="Ebrima"/>
+        <a:font script="Phag" typeface="Phagspa"/>
+        <a:font script="Syrn" typeface="Estrangelo Edessa"/>
+        <a:font script="Syrj" typeface="Estrangelo Edessa"/>
+        <a:font script="Syre" typeface="Estrangelo Edessa"/>
+        <a:font script="Sora" typeface="Nirmala UI"/>
+        <a:font script="Tale" typeface="Microsoft Tai Le"/>
+        <a:font script="Talu" typeface="Microsoft New Tai Lue"/>
+        <a:font script="Tfng" typeface="Ebrima"/>
+      </a:minorFont>
+    </a:fontScheme>
+    <a:fmtScheme name="Office">
+      <a:fillStyleLst>
+        <a:solidFill>
+          <a:schemeClr val="phClr"/>
+        </a:solidFill>
+        <a:gradFill rotWithShape="1">
+          <a:gsLst>
+            <a:gs pos="0">
+              <a:schemeClr val="phClr">
+                <a:lumMod val="110000"/>
+                <a:satMod val="105000"/>
+                <a:tint val="67000"/>
+              </a:schemeClr>
+            </a:gs>
+            <a:gs pos="50000">
+              <a:schemeClr val="phClr">
+                <a:lumMod val="105000"/>
+                <a:satMod val="103000"/>
+                <a:tint val="73000"/>
+              </a:schemeClr>
+            </a:gs>
+            <a:gs pos="100000">
+              <a:schemeClr val="phClr">
+                <a:lumMod val="105000"/>
+                <a:satMod val="109000"/>
+                <a:tint val="81000"/>
+              </a:schemeClr>
+            </a:gs>
+          </a:gsLst>
+          <a:lin ang="5400000" scaled="0"/>
+        </a:gradFill>
+        <a:gradFill rotWithShape="1">
+          <a:gsLst>
+            <a:gs pos="0">
+              <a:schemeClr val="phClr">
+                <a:satMod val="103000"/>
+                <a:lumMod val="102000"/>
+                <a:tint val="94000"/>
+              </a:schemeClr>
+            </a:gs>
+            <a:gs pos="50000">
+              <a:schemeClr val="phClr">
+                <a:satMod val="110000"/>
+                <a:lumMod val="100000"/>
+                <a:shade val="100000"/>
+              </a:schemeClr>
+            </a:gs>
+            <a:gs pos="100000">
+              <a:schemeClr val="phClr">
+                <a:lumMod val="99000"/>
+                <a:satMod val="120000"/>
+                <a:shade val="78000"/>
+              </a:schemeClr>
+            </a:gs>
+          </a:gsLst>
+          <a:lin ang="5400000" scaled="0"/>
+        </a:gradFill>
+      </a:fillStyleLst>
+      <a:lnStyleLst>
+        <a:ln w="12700" cap="flat" cmpd="sng" algn="ctr">
+          <a:solidFill>
+            <a:schemeClr val="phClr"/>
+          </a:solidFill>
+          <a:prstDash val="solid"/>
+          <a:miter lim="800000"/>
+        </a:ln>
+        <a:ln w="19050" cap="flat" cmpd="sng" algn="ctr">
+          <a:solidFill>
+            <a:schemeClr val="phClr"/>
+          </a:solidFill>
+          <a:prstDash val="solid"/>
+          <a:miter lim="800000"/>
+        </a:ln>
+        <a:ln w="25400" cap="flat" cmpd="sng" algn="ctr">
+          <a:solidFill>
+            <a:schemeClr val="phClr"/>
+          </a:solidFill>
+          <a:prstDash val="solid"/>
+          <a:miter lim="800000"/>
+        </a:ln>
+      </a:lnStyleLst>
+      <a:effectStyleLst>
+        <a:effectStyle>
+          <a:effectLst/>
+        </a:effectStyle>
+        <a:effectStyle>
+          <a:effectLst/>
+        </a:effectStyle>
+        <a:effectStyle>
+          <a:effectLst>
+            <a:outerShdw blurRad="57150" dist="19050" dir="5400000" algn="ctr" rotWithShape="0">
+              <a:srgbClr val="000000">
+                <a:alpha val="63000"/>
+              </a:srgbClr>
+            </a:outerShdw>
+          </a:effectLst>
+        </a:effectStyle>
+      </a:effectStyleLst>
+      <a:bgFillStyleLst>
+        <a:solidFill>
+          <a:schemeClr val="phClr"/>
+        </a:solidFill>
+        <a:solidFill>
+          <a:schemeClr val="phClr">
+            <a:tint val="95000"/>
+            <a:satMod val="170000"/>
+          </a:schemeClr>
+        </a:solidFill>
+        <a:gradFill rotWithShape="1">
+          <a:gsLst>
+            <a:gs pos="0">
+              <a:schemeClr val="phClr">
+                <a:tint val="93000"/>
+                <a:satMod val="150000"/>
+                <a:shade val="98000"/>
+                <a:lumMod val="102000"/>
+              </a:schemeClr>
+            </a:gs>
+            <a:gs pos="50000">
+              <a:schemeClr val="phClr">
+                <a:tint val="98000"/>
+                <a:satMod val="130000"/>
+                <a:shade val="90000"/>
+                <a:lumMod val="103000"/>
+              </a:schemeClr>
+            </a:gs>
+            <a:gs pos="100000">
+              <a:schemeClr val="phClr">
+                <a:shade val="63000"/>
+                <a:satMod val="120000"/>
+              </a:schemeClr>
+            </a:gs>
+          </a:gsLst>
+          <a:lin ang="5400000" scaled="0"/>
+        </a:gradFill>
+      </a:bgFillStyleLst>
+    </a:fmtScheme>
+  </a:themeElements>
+  <a:objectDefaults>
+    <a:lnDef>
+      <a:spPr/>
+      <a:bodyPr/>
+      <a:lstStyle/>
+      <a:style>
+        <a:lnRef idx="2">
+          <a:schemeClr val="accent1"/>
+        </a:lnRef>
+        <a:fillRef idx="0">
+          <a:schemeClr val="accent1"/>
+        </a:fillRef>
+        <a:effectRef idx="1">
+          <a:schemeClr val="accent1"/>
+        </a:effectRef>
+        <a:fontRef idx="minor">
+          <a:schemeClr val="tx1"/>
+        </a:fontRef>
+      </a:style>
+    </a:lnDef>
+  </a:objectDefaults>
+  <a:extraClrSchemeLst/>
+  <a:extLst>
+    <a:ext uri="{05A4C25C-085E-4340-85A3-A5531E510DB2}">
+      <thm15:themeFamily xmlns:thm15="http://schemas.microsoft.com/office/thememl/2012/main" name="Office Theme" id="{2E142A2C-CD16-42D6-873A-C26D2A0506FA}" vid="{1BDDFF52-6CD6-40A5-AB3C-68EB2F1E4D0A}"/>
+    </a:ext>
+  </a:extLst>
+</a:theme>
 </file>
--- a/docs/Lectures/Week03/Week03_DataExploration.pptx
+++ b/docs/Lectures/Week03/Week03_DataExploration.pptx
@@ -6,7 +6,7 @@
     <p:sldMasterId id="2147483686" r:id="rId2"/>
   </p:sldMasterIdLst>
   <p:notesMasterIdLst>
-    <p:notesMasterId r:id="rId35"/>
+    <p:notesMasterId r:id="rId36"/>
   </p:notesMasterIdLst>
   <p:sldIdLst>
     <p:sldId id="256" r:id="rId3"/>
@@ -29,18 +29,19 @@
     <p:sldId id="873" r:id="rId20"/>
     <p:sldId id="887" r:id="rId21"/>
     <p:sldId id="886" r:id="rId22"/>
-    <p:sldId id="882" r:id="rId23"/>
-    <p:sldId id="883" r:id="rId24"/>
-    <p:sldId id="875" r:id="rId25"/>
-    <p:sldId id="876" r:id="rId26"/>
-    <p:sldId id="877" r:id="rId27"/>
-    <p:sldId id="878" r:id="rId28"/>
-    <p:sldId id="853" r:id="rId29"/>
-    <p:sldId id="879" r:id="rId30"/>
-    <p:sldId id="880" r:id="rId31"/>
-    <p:sldId id="885" r:id="rId32"/>
-    <p:sldId id="888" r:id="rId33"/>
-    <p:sldId id="265" r:id="rId34"/>
+    <p:sldId id="889" r:id="rId23"/>
+    <p:sldId id="882" r:id="rId24"/>
+    <p:sldId id="883" r:id="rId25"/>
+    <p:sldId id="875" r:id="rId26"/>
+    <p:sldId id="876" r:id="rId27"/>
+    <p:sldId id="877" r:id="rId28"/>
+    <p:sldId id="878" r:id="rId29"/>
+    <p:sldId id="853" r:id="rId30"/>
+    <p:sldId id="879" r:id="rId31"/>
+    <p:sldId id="880" r:id="rId32"/>
+    <p:sldId id="885" r:id="rId33"/>
+    <p:sldId id="888" r:id="rId34"/>
+    <p:sldId id="265" r:id="rId35"/>
   </p:sldIdLst>
   <p:sldSz cx="12192000" cy="6858000"/>
   <p:notesSz cx="6858000" cy="9144000"/>
@@ -229,7 +230,7 @@
           <a:p>
             <a:fld id="{B696F2DA-24C0-4B85-B3DC-FA6F4BB684E2}" type="datetimeFigureOut">
               <a:rPr lang="en-US" smtClean="0"/>
-              <a:t>1/8/2025</a:t>
+              <a:t>1/25/2025</a:t>
             </a:fld>
             <a:endParaRPr lang="en-US"/>
           </a:p>
@@ -734,7 +735,7 @@
           <a:p>
             <a:fld id="{ED291B17-9318-49DB-B28B-6E5994AE9581}" type="datetime1">
               <a:rPr lang="en-US" smtClean="0"/>
-              <a:t>1/8/2025</a:t>
+              <a:t>1/25/2025</a:t>
             </a:fld>
             <a:endParaRPr lang="en-US" dirty="0"/>
           </a:p>
@@ -937,7 +938,7 @@
           <a:p>
             <a:fld id="{2CED4963-E985-44C4-B8C4-FDD613B7C2F8}" type="datetime1">
               <a:rPr lang="en-US" smtClean="0"/>
-              <a:t>1/8/2025</a:t>
+              <a:t>1/25/2025</a:t>
             </a:fld>
             <a:endParaRPr lang="en-US" dirty="0"/>
           </a:p>
@@ -1299,7 +1300,7 @@
           <a:p>
             <a:fld id="{ED291B17-9318-49DB-B28B-6E5994AE9581}" type="datetime1">
               <a:rPr lang="en-US" smtClean="0"/>
-              <a:t>1/8/2025</a:t>
+              <a:t>1/25/2025</a:t>
             </a:fld>
             <a:endParaRPr lang="en-US" dirty="0"/>
           </a:p>
@@ -1609,7 +1610,7 @@
           <a:p>
             <a:fld id="{ED291B17-9318-49DB-B28B-6E5994AE9581}" type="datetime1">
               <a:rPr lang="en-US" smtClean="0"/>
-              <a:t>1/8/2025</a:t>
+              <a:t>1/25/2025</a:t>
             </a:fld>
             <a:endParaRPr lang="en-US" dirty="0"/>
           </a:p>
@@ -1806,7 +1807,7 @@
           <a:p>
             <a:fld id="{78DD82B9-B8EE-4375-B6FF-88FA6ABB15D9}" type="datetime1">
               <a:rPr lang="en-US" smtClean="0"/>
-              <a:t>1/8/2025</a:t>
+              <a:t>1/25/2025</a:t>
             </a:fld>
             <a:endParaRPr lang="en-US" dirty="0"/>
           </a:p>
@@ -2117,7 +2118,7 @@
           <a:p>
             <a:fld id="{B2497495-0637-405E-AE64-5CC7506D51F5}" type="datetime1">
               <a:rPr lang="en-US" smtClean="0"/>
-              <a:t>1/8/2025</a:t>
+              <a:t>1/25/2025</a:t>
             </a:fld>
             <a:endParaRPr lang="en-US" dirty="0"/>
           </a:p>
@@ -2370,7 +2371,7 @@
           <a:p>
             <a:fld id="{7BFFD690-9426-415D-8B65-26881E07B2D4}" type="datetime1">
               <a:rPr lang="en-US" smtClean="0"/>
-              <a:t>1/8/2025</a:t>
+              <a:t>1/25/2025</a:t>
             </a:fld>
             <a:endParaRPr lang="en-US" dirty="0"/>
           </a:p>
@@ -2792,7 +2793,7 @@
           <a:p>
             <a:fld id="{04C4989A-474C-40DE-95B9-011C28B71673}" type="datetime1">
               <a:rPr lang="en-US" smtClean="0"/>
-              <a:t>1/8/2025</a:t>
+              <a:t>1/25/2025</a:t>
             </a:fld>
             <a:endParaRPr lang="en-US" dirty="0"/>
           </a:p>
@@ -2915,7 +2916,7 @@
           <a:p>
             <a:fld id="{5DB4ED54-5B5E-4A04-93D3-5772E3CE3818}" type="datetime1">
               <a:rPr lang="en-US" smtClean="0"/>
-              <a:t>1/8/2025</a:t>
+              <a:t>1/25/2025</a:t>
             </a:fld>
             <a:endParaRPr lang="en-US" dirty="0"/>
           </a:p>
@@ -3010,7 +3011,7 @@
           <a:p>
             <a:fld id="{4EDE50D6-574B-40AF-946F-D52A04ADE379}" type="datetime1">
               <a:rPr lang="en-US" smtClean="0"/>
-              <a:t>1/8/2025</a:t>
+              <a:t>1/25/2025</a:t>
             </a:fld>
             <a:endParaRPr lang="en-US" dirty="0"/>
           </a:p>
@@ -3386,7 +3387,7 @@
           <a:p>
             <a:fld id="{D82884F1-FFEA-405F-9602-3DCA865EDA4E}" type="datetime1">
               <a:rPr lang="en-US" smtClean="0"/>
-              <a:t>1/8/2025</a:t>
+              <a:t>1/25/2025</a:t>
             </a:fld>
             <a:endParaRPr lang="en-US" dirty="0"/>
           </a:p>
@@ -3593,7 +3594,7 @@
           <a:p>
             <a:fld id="{78DD82B9-B8EE-4375-B6FF-88FA6ABB15D9}" type="datetime1">
               <a:rPr lang="en-US" smtClean="0"/>
-              <a:t>1/8/2025</a:t>
+              <a:t>1/25/2025</a:t>
             </a:fld>
             <a:endParaRPr lang="en-US" dirty="0"/>
           </a:p>
@@ -3875,7 +3876,7 @@
           <a:p>
             <a:fld id="{7E18DB4A-8810-4A10-AD5C-D5E2C667F5B3}" type="datetime1">
               <a:rPr lang="en-US" smtClean="0"/>
-              <a:t>1/8/2025</a:t>
+              <a:t>1/25/2025</a:t>
             </a:fld>
             <a:endParaRPr lang="en-US" dirty="0"/>
           </a:p>
@@ -4067,7 +4068,7 @@
           <a:p>
             <a:fld id="{2CED4963-E985-44C4-B8C4-FDD613B7C2F8}" type="datetime1">
               <a:rPr lang="en-US" smtClean="0"/>
-              <a:t>1/8/2025</a:t>
+              <a:t>1/25/2025</a:t>
             </a:fld>
             <a:endParaRPr lang="en-US" dirty="0"/>
           </a:p>
@@ -4428,7 +4429,7 @@
           <a:p>
             <a:fld id="{ED291B17-9318-49DB-B28B-6E5994AE9581}" type="datetime1">
               <a:rPr lang="en-US" smtClean="0"/>
-              <a:t>1/8/2025</a:t>
+              <a:t>1/25/2025</a:t>
             </a:fld>
             <a:endParaRPr lang="en-US" dirty="0"/>
           </a:p>
@@ -4904,7 +4905,7 @@
           <a:p>
             <a:fld id="{B2497495-0637-405E-AE64-5CC7506D51F5}" type="datetime1">
               <a:rPr lang="en-US" smtClean="0"/>
-              <a:t>1/8/2025</a:t>
+              <a:t>1/25/2025</a:t>
             </a:fld>
             <a:endParaRPr lang="en-US" dirty="0"/>
           </a:p>
@@ -5155,7 +5156,7 @@
           <a:p>
             <a:fld id="{7BFFD690-9426-415D-8B65-26881E07B2D4}" type="datetime1">
               <a:rPr lang="en-US" smtClean="0"/>
-              <a:t>1/8/2025</a:t>
+              <a:t>1/25/2025</a:t>
             </a:fld>
             <a:endParaRPr lang="en-US" dirty="0"/>
           </a:p>
@@ -5575,7 +5576,7 @@
           <a:p>
             <a:fld id="{04C4989A-474C-40DE-95B9-011C28B71673}" type="datetime1">
               <a:rPr lang="en-US" smtClean="0"/>
-              <a:t>1/8/2025</a:t>
+              <a:t>1/25/2025</a:t>
             </a:fld>
             <a:endParaRPr lang="en-US" dirty="0"/>
           </a:p>
@@ -5698,7 +5699,7 @@
           <a:p>
             <a:fld id="{5DB4ED54-5B5E-4A04-93D3-5772E3CE3818}" type="datetime1">
               <a:rPr lang="en-US" smtClean="0"/>
-              <a:t>1/8/2025</a:t>
+              <a:t>1/25/2025</a:t>
             </a:fld>
             <a:endParaRPr lang="en-US" dirty="0"/>
           </a:p>
@@ -5793,7 +5794,7 @@
           <a:p>
             <a:fld id="{4EDE50D6-574B-40AF-946F-D52A04ADE379}" type="datetime1">
               <a:rPr lang="en-US" smtClean="0"/>
-              <a:t>1/8/2025</a:t>
+              <a:t>1/25/2025</a:t>
             </a:fld>
             <a:endParaRPr lang="en-US" dirty="0"/>
           </a:p>
@@ -6169,7 +6170,7 @@
           <a:p>
             <a:fld id="{D82884F1-FFEA-405F-9602-3DCA865EDA4E}" type="datetime1">
               <a:rPr lang="en-US" smtClean="0"/>
-              <a:t>1/8/2025</a:t>
+              <a:t>1/25/2025</a:t>
             </a:fld>
             <a:endParaRPr lang="en-US" dirty="0"/>
           </a:p>
@@ -6462,7 +6463,7 @@
           <a:p>
             <a:fld id="{7E18DB4A-8810-4A10-AD5C-D5E2C667F5B3}" type="datetime1">
               <a:rPr lang="en-US" smtClean="0"/>
-              <a:t>1/8/2025</a:t>
+              <a:t>1/25/2025</a:t>
             </a:fld>
             <a:endParaRPr lang="en-US" dirty="0"/>
           </a:p>
@@ -6677,7 +6678,7 @@
           <a:p>
             <a:fld id="{ED291B17-9318-49DB-B28B-6E5994AE9581}" type="datetime1">
               <a:rPr lang="en-US" smtClean="0"/>
-              <a:t>1/8/2025</a:t>
+              <a:t>1/25/2025</a:t>
             </a:fld>
             <a:endParaRPr lang="en-US" dirty="0"/>
           </a:p>
@@ -7456,7 +7457,7 @@
           <a:p>
             <a:fld id="{ED291B17-9318-49DB-B28B-6E5994AE9581}" type="datetime1">
               <a:rPr lang="en-US" smtClean="0"/>
-              <a:t>1/8/2025</a:t>
+              <a:t>1/25/2025</a:t>
             </a:fld>
             <a:endParaRPr lang="en-US" dirty="0"/>
           </a:p>
@@ -11188,6 +11189,34 @@
           </a:p>
         </p:txBody>
       </p:sp>
+      <p:sp>
+        <p:nvSpPr>
+          <p:cNvPr id="9" name="Footer Placeholder 8">
+            <a:extLst>
+              <a:ext uri="{FF2B5EF4-FFF2-40B4-BE49-F238E27FC236}">
+                <a16:creationId xmlns:a16="http://schemas.microsoft.com/office/drawing/2014/main" id="{C868B795-D0B4-FEC5-6883-74A799A34E30}"/>
+              </a:ext>
+            </a:extLst>
+          </p:cNvPr>
+          <p:cNvSpPr>
+            <a:spLocks noGrp="1"/>
+          </p:cNvSpPr>
+          <p:nvPr>
+            <p:ph type="ftr" sz="quarter" idx="11"/>
+          </p:nvPr>
+        </p:nvSpPr>
+        <p:spPr/>
+        <p:txBody>
+          <a:bodyPr/>
+          <a:lstStyle/>
+          <a:p>
+            <a:r>
+              <a:rPr lang="en-US" dirty="0"/>
+              <a:t>Code: Left-skewness; right-skewness</a:t>
+            </a:r>
+          </a:p>
+        </p:txBody>
+      </p:sp>
     </p:spTree>
     <p:extLst>
       <p:ext uri="{BB962C8B-B14F-4D97-AF65-F5344CB8AC3E}">
@@ -11269,19 +11298,19 @@
         </p:nvSpPr>
         <p:spPr>
           <a:xfrm>
-            <a:off x="581193" y="1380744"/>
-            <a:ext cx="11029615" cy="2660904"/>
+            <a:off x="581193" y="1380743"/>
+            <a:ext cx="11029615" cy="3886581"/>
           </a:xfrm>
         </p:spPr>
         <p:txBody>
           <a:bodyPr>
-            <a:normAutofit fontScale="92500" lnSpcReduction="10000"/>
+            <a:noAutofit/>
           </a:bodyPr>
           <a:lstStyle/>
           <a:p>
             <a:pPr algn="l"/>
             <a:r>
-              <a:rPr lang="en-US" sz="1800" b="0" i="0" u="none" strike="noStrike" baseline="0" dirty="0">
+              <a:rPr lang="en-US" sz="2000" b="0" i="0" u="none" strike="noStrike" baseline="0" dirty="0">
                 <a:latin typeface="MinionPro-Regular"/>
               </a:rPr>
               <a:t>Outliers are observations with a unique combination of characteristics indicating they are distinctly different from the other observations.</a:t>
@@ -11289,14 +11318,14 @@
           </a:p>
           <a:p>
             <a:pPr algn="l"/>
-            <a:endParaRPr lang="en-US" dirty="0">
+            <a:endParaRPr lang="en-US" sz="2000" dirty="0">
               <a:latin typeface="MinionPro-Regular"/>
             </a:endParaRPr>
           </a:p>
           <a:p>
             <a:pPr algn="l"/>
             <a:r>
-              <a:rPr lang="en-US" sz="1800" b="0" i="0" u="none" strike="noStrike" baseline="0" dirty="0">
+              <a:rPr lang="en-US" sz="2000" b="0" i="0" u="none" strike="noStrike" baseline="0" dirty="0">
                 <a:latin typeface="MinionPro-Regular"/>
               </a:rPr>
               <a:t>These differences can be on a single variable (univariate outlier), a relationship between two variables (bivariate outlier), or across an entire set of variables (multivariate outlier).</a:t>
@@ -11304,19 +11333,19 @@
           </a:p>
           <a:p>
             <a:pPr algn="l"/>
-            <a:endParaRPr lang="en-US" dirty="0">
+            <a:endParaRPr lang="en-US" sz="2000" dirty="0">
               <a:latin typeface="MinionPro-Regular"/>
             </a:endParaRPr>
           </a:p>
           <a:p>
             <a:pPr algn="l"/>
             <a:r>
-              <a:rPr lang="en-US" sz="1800" b="0" i="0" u="none" strike="noStrike" baseline="0" dirty="0">
+              <a:rPr lang="en-US" sz="2000" b="0" i="0" u="none" strike="noStrike" baseline="0" dirty="0">
                 <a:latin typeface="MinionPro-Regular"/>
               </a:rPr>
               <a:t>The univariate identification of outliers examines the distribution of observations for each variable in the analysis and selects as outliers those cases falling at the outer ranges (high or low) of the distribution.</a:t>
             </a:r>
-            <a:endParaRPr lang="en-US" dirty="0"/>
+            <a:endParaRPr lang="en-US" sz="2000" dirty="0"/>
           </a:p>
         </p:txBody>
       </p:sp>
@@ -12299,15 +12328,7 @@
           <a:p>
             <a:r>
               <a:rPr lang="en-US" dirty="0"/>
-              <a:t>Quantile-quantile(</a:t>
-            </a:r>
-            <a:r>
-              <a:rPr lang="en-US" dirty="0" err="1"/>
-              <a:t>qq</a:t>
-            </a:r>
-            <a:r>
-              <a:rPr lang="en-US" dirty="0"/>
-              <a:t>)-plot</a:t>
+              <a:t>Quantile-normal-plot</a:t>
             </a:r>
           </a:p>
         </p:txBody>
@@ -12346,7 +12367,7 @@
             </a:r>
             <a:r>
               <a:rPr lang="en-US" b="1" dirty="0"/>
-              <a:t>QQ plot (Quantile-Quantile plot)</a:t>
+              <a:t>QN plot (Quantile-Normal plot)</a:t>
             </a:r>
             <a:r>
               <a:rPr lang="en-US" dirty="0"/>
@@ -12389,10 +12410,10 @@
       </p:sp>
       <p:pic>
         <p:nvPicPr>
-          <p:cNvPr id="5" name="Picture 4">
+          <p:cNvPr id="7" name="Picture 6">
             <a:extLst>
               <a:ext uri="{FF2B5EF4-FFF2-40B4-BE49-F238E27FC236}">
-                <a16:creationId xmlns:a16="http://schemas.microsoft.com/office/drawing/2014/main" id="{8C9C81EE-556D-D10F-08C0-BD812ABA55FC}"/>
+                <a16:creationId xmlns:a16="http://schemas.microsoft.com/office/drawing/2014/main" id="{6BA67DEF-2210-EC5F-C6AC-6D7EFBDCF709}"/>
               </a:ext>
             </a:extLst>
           </p:cNvPr>
@@ -12409,20 +12430,49 @@
         </p:blipFill>
         <p:spPr>
           <a:xfrm>
-            <a:off x="3851168" y="2476500"/>
-            <a:ext cx="8096250" cy="4381500"/>
+            <a:off x="0" y="3924110"/>
+            <a:ext cx="3395353" cy="1781365"/>
           </a:xfrm>
           <a:prstGeom prst="rect">
             <a:avLst/>
           </a:prstGeom>
         </p:spPr>
       </p:pic>
+      <p:sp>
+        <p:nvSpPr>
+          <p:cNvPr id="4" name="Footer Placeholder 3">
+            <a:extLst>
+              <a:ext uri="{FF2B5EF4-FFF2-40B4-BE49-F238E27FC236}">
+                <a16:creationId xmlns:a16="http://schemas.microsoft.com/office/drawing/2014/main" id="{9DF90C6F-1096-79CF-840E-8E6A2E5377D3}"/>
+              </a:ext>
+            </a:extLst>
+          </p:cNvPr>
+          <p:cNvSpPr>
+            <a:spLocks noGrp="1"/>
+          </p:cNvSpPr>
+          <p:nvPr>
+            <p:ph type="ftr" sz="quarter" idx="11"/>
+          </p:nvPr>
+        </p:nvSpPr>
+        <p:spPr/>
+        <p:txBody>
+          <a:bodyPr/>
+          <a:lstStyle/>
+          <a:p>
+            <a:r>
+              <a:rPr lang="en-US"/>
+              <a:t>code: right-skewness</a:t>
+            </a:r>
+            <a:endParaRPr lang="en-US" dirty="0"/>
+          </a:p>
+        </p:txBody>
+      </p:sp>
       <p:pic>
         <p:nvPicPr>
-          <p:cNvPr id="7" name="Picture 6">
+          <p:cNvPr id="8" name="Picture 7">
             <a:extLst>
               <a:ext uri="{FF2B5EF4-FFF2-40B4-BE49-F238E27FC236}">
-                <a16:creationId xmlns:a16="http://schemas.microsoft.com/office/drawing/2014/main" id="{6BA67DEF-2210-EC5F-C6AC-6D7EFBDCF709}"/>
+                <a16:creationId xmlns:a16="http://schemas.microsoft.com/office/drawing/2014/main" id="{B4DCEB68-C6F2-115F-C3B3-6C7165016CF9}"/>
               </a:ext>
             </a:extLst>
           </p:cNvPr>
@@ -12439,8 +12489,8 @@
         </p:blipFill>
         <p:spPr>
           <a:xfrm>
-            <a:off x="0" y="5076635"/>
-            <a:ext cx="3395353" cy="1781365"/>
+            <a:off x="4403484" y="2295143"/>
+            <a:ext cx="7115883" cy="4168901"/>
           </a:xfrm>
           <a:prstGeom prst="rect">
             <a:avLst/>
@@ -12482,7 +12532,7 @@
           <p:cNvPr id="2" name="Title 1">
             <a:extLst>
               <a:ext uri="{FF2B5EF4-FFF2-40B4-BE49-F238E27FC236}">
-                <a16:creationId xmlns:a16="http://schemas.microsoft.com/office/drawing/2014/main" id="{533FCD2B-C804-2103-A24F-6942D23E9FF9}"/>
+                <a16:creationId xmlns:a16="http://schemas.microsoft.com/office/drawing/2014/main" id="{3E175DD6-14E6-5AD3-F862-4648B4A9BB3B}"/>
               </a:ext>
             </a:extLst>
           </p:cNvPr>
@@ -12495,160 +12545,27 @@
         </p:nvSpPr>
         <p:spPr>
           <a:xfrm>
-            <a:off x="581190" y="571092"/>
-            <a:ext cx="11029616" cy="587148"/>
-          </a:xfrm>
-        </p:spPr>
-        <p:txBody>
-          <a:bodyPr>
-            <a:normAutofit/>
-          </a:bodyPr>
+            <a:off x="457367" y="578331"/>
+            <a:ext cx="11029616" cy="659919"/>
+          </a:xfrm>
+        </p:spPr>
+        <p:txBody>
+          <a:bodyPr/>
           <a:lstStyle/>
           <a:p>
             <a:r>
               <a:rPr lang="en-US" dirty="0"/>
-              <a:t>kurtosis</a:t>
-            </a:r>
-          </a:p>
-        </p:txBody>
-      </p:sp>
-      <p:sp>
-        <p:nvSpPr>
-          <p:cNvPr id="3" name="Content Placeholder 2">
+              <a:t>Qn plot reflect distribution shape</a:t>
+            </a:r>
+          </a:p>
+        </p:txBody>
+      </p:sp>
+      <p:pic>
+        <p:nvPicPr>
+          <p:cNvPr id="5" name="Picture 4">
             <a:extLst>
               <a:ext uri="{FF2B5EF4-FFF2-40B4-BE49-F238E27FC236}">
-                <a16:creationId xmlns:a16="http://schemas.microsoft.com/office/drawing/2014/main" id="{F88AC6A0-4AFD-57A1-CB16-23AA4BB48E32}"/>
-              </a:ext>
-            </a:extLst>
-          </p:cNvPr>
-          <p:cNvSpPr>
-            <a:spLocks noGrp="1"/>
-          </p:cNvSpPr>
-          <p:nvPr>
-            <p:ph idx="1"/>
-          </p:nvPr>
-        </p:nvSpPr>
-        <p:spPr>
-          <a:xfrm>
-            <a:off x="581192" y="1263804"/>
-            <a:ext cx="11029615" cy="1664208"/>
-          </a:xfrm>
-        </p:spPr>
-        <p:txBody>
-          <a:bodyPr>
-            <a:normAutofit/>
-          </a:bodyPr>
-          <a:lstStyle/>
-          <a:p>
-            <a:r>
-              <a:rPr lang="en-US" b="0" i="0" dirty="0">
-                <a:solidFill>
-                  <a:schemeClr val="tx1"/>
-                </a:solidFill>
-                <a:effectLst/>
-                <a:latin typeface="ElsevierGulliver"/>
-              </a:rPr>
-              <a:t>Kurtosis is a measure of the “</a:t>
-            </a:r>
-            <a:r>
-              <a:rPr lang="en-US" b="0" i="0" dirty="0" err="1">
-                <a:solidFill>
-                  <a:schemeClr val="tx1"/>
-                </a:solidFill>
-                <a:effectLst/>
-                <a:latin typeface="ElsevierGulliver"/>
-              </a:rPr>
-              <a:t>tailedness</a:t>
-            </a:r>
-            <a:r>
-              <a:rPr lang="en-US" b="0" i="0" dirty="0">
-                <a:solidFill>
-                  <a:schemeClr val="tx1"/>
-                </a:solidFill>
-                <a:effectLst/>
-                <a:latin typeface="ElsevierGulliver"/>
-              </a:rPr>
-              <a:t>” of the probability distribution. A standard normal distribution has kurtosis of 3 and is recognized as mesokurtic </a:t>
-            </a:r>
-            <a:r>
-              <a:rPr lang="en-US" b="0" i="0" baseline="30000" dirty="0">
-                <a:solidFill>
-                  <a:schemeClr val="tx1"/>
-                </a:solidFill>
-                <a:effectLst/>
-                <a:latin typeface="ElsevierGulliver"/>
-              </a:rPr>
-              <a:t>1</a:t>
-            </a:r>
-            <a:r>
-              <a:rPr lang="en-US" dirty="0">
-                <a:solidFill>
-                  <a:schemeClr val="tx1"/>
-                </a:solidFill>
-                <a:latin typeface="ElsevierGulliver"/>
-              </a:rPr>
-              <a:t>. </a:t>
-            </a:r>
-          </a:p>
-          <a:p>
-            <a:r>
-              <a:rPr lang="en-US" dirty="0">
-                <a:solidFill>
-                  <a:schemeClr val="tx1"/>
-                </a:solidFill>
-                <a:latin typeface="ElsevierGulliver"/>
-              </a:rPr>
-              <a:t>Kurtosis is a measure of whether or not a distribution is heavy-tailed or light-tailed relative to a normal distribution. </a:t>
-            </a:r>
-          </a:p>
-          <a:p>
-            <a:endParaRPr lang="en-US" dirty="0">
-              <a:solidFill>
-                <a:schemeClr val="tx1"/>
-              </a:solidFill>
-              <a:latin typeface="ElsevierGulliver"/>
-            </a:endParaRPr>
-          </a:p>
-        </p:txBody>
-      </p:sp>
-      <p:sp>
-        <p:nvSpPr>
-          <p:cNvPr id="4" name="Footer Placeholder 3">
-            <a:extLst>
-              <a:ext uri="{FF2B5EF4-FFF2-40B4-BE49-F238E27FC236}">
-                <a16:creationId xmlns:a16="http://schemas.microsoft.com/office/drawing/2014/main" id="{5C0EFC70-BB53-5A31-27DF-481F8B820758}"/>
-              </a:ext>
-            </a:extLst>
-          </p:cNvPr>
-          <p:cNvSpPr>
-            <a:spLocks noGrp="1"/>
-          </p:cNvSpPr>
-          <p:nvPr>
-            <p:ph type="ftr" sz="quarter" idx="11"/>
-          </p:nvPr>
-        </p:nvSpPr>
-        <p:spPr/>
-        <p:txBody>
-          <a:bodyPr/>
-          <a:lstStyle/>
-          <a:p>
-            <a:r>
-              <a:rPr lang="en-US" sz="1050" baseline="30000" dirty="0"/>
-              <a:t>1</a:t>
-            </a:r>
-            <a:r>
-              <a:rPr lang="en-US" dirty="0"/>
-              <a:t> Laboratory statistics, handbook of formulas and terms. Chemistry International, 36(4), 23-23.</a:t>
-            </a:r>
-          </a:p>
-        </p:txBody>
-      </p:sp>
-      <p:pic>
-        <p:nvPicPr>
-          <p:cNvPr id="7" name="Picture 6">
-            <a:extLst>
-              <a:ext uri="{FF2B5EF4-FFF2-40B4-BE49-F238E27FC236}">
-                <a16:creationId xmlns:a16="http://schemas.microsoft.com/office/drawing/2014/main" id="{FED5D1B3-202D-F234-A099-F1D56933FBF2}"/>
+                <a16:creationId xmlns:a16="http://schemas.microsoft.com/office/drawing/2014/main" id="{87BAC8ED-6F71-3629-FC63-42A9984C008B}"/>
               </a:ext>
             </a:extLst>
           </p:cNvPr>
@@ -12665,8 +12582,158 @@
         </p:blipFill>
         <p:spPr>
           <a:xfrm>
-            <a:off x="2444496" y="2410983"/>
-            <a:ext cx="7650480" cy="4027536"/>
+            <a:off x="161624" y="2037298"/>
+            <a:ext cx="2951089" cy="1574102"/>
+          </a:xfrm>
+          <a:prstGeom prst="rect">
+            <a:avLst/>
+          </a:prstGeom>
+        </p:spPr>
+      </p:pic>
+      <p:pic>
+        <p:nvPicPr>
+          <p:cNvPr id="7" name="Picture 6">
+            <a:extLst>
+              <a:ext uri="{FF2B5EF4-FFF2-40B4-BE49-F238E27FC236}">
+                <a16:creationId xmlns:a16="http://schemas.microsoft.com/office/drawing/2014/main" id="{7D09DEDF-47AF-7352-CB39-EDE535992C0E}"/>
+              </a:ext>
+            </a:extLst>
+          </p:cNvPr>
+          <p:cNvPicPr>
+            <a:picLocks noChangeAspect="1"/>
+          </p:cNvPicPr>
+          <p:nvPr/>
+        </p:nvPicPr>
+        <p:blipFill>
+          <a:blip r:embed="rId3"/>
+          <a:stretch>
+            <a:fillRect/>
+          </a:stretch>
+        </p:blipFill>
+        <p:spPr>
+          <a:xfrm>
+            <a:off x="0" y="3932272"/>
+            <a:ext cx="3396101" cy="2501587"/>
+          </a:xfrm>
+          <a:prstGeom prst="rect">
+            <a:avLst/>
+          </a:prstGeom>
+        </p:spPr>
+      </p:pic>
+      <p:pic>
+        <p:nvPicPr>
+          <p:cNvPr id="9" name="Picture 8">
+            <a:extLst>
+              <a:ext uri="{FF2B5EF4-FFF2-40B4-BE49-F238E27FC236}">
+                <a16:creationId xmlns:a16="http://schemas.microsoft.com/office/drawing/2014/main" id="{9C5C6A38-3C28-58D5-02D5-E1503CA85767}"/>
+              </a:ext>
+            </a:extLst>
+          </p:cNvPr>
+          <p:cNvPicPr>
+            <a:picLocks noChangeAspect="1"/>
+          </p:cNvPicPr>
+          <p:nvPr/>
+        </p:nvPicPr>
+        <p:blipFill>
+          <a:blip r:embed="rId4"/>
+          <a:stretch>
+            <a:fillRect/>
+          </a:stretch>
+        </p:blipFill>
+        <p:spPr>
+          <a:xfrm>
+            <a:off x="3468053" y="1661167"/>
+            <a:ext cx="3693144" cy="1950233"/>
+          </a:xfrm>
+          <a:prstGeom prst="rect">
+            <a:avLst/>
+          </a:prstGeom>
+        </p:spPr>
+      </p:pic>
+      <p:pic>
+        <p:nvPicPr>
+          <p:cNvPr id="11" name="Picture 10">
+            <a:extLst>
+              <a:ext uri="{FF2B5EF4-FFF2-40B4-BE49-F238E27FC236}">
+                <a16:creationId xmlns:a16="http://schemas.microsoft.com/office/drawing/2014/main" id="{2A072B89-7D0E-2C1A-BA86-0DEFF6C09B0E}"/>
+              </a:ext>
+            </a:extLst>
+          </p:cNvPr>
+          <p:cNvPicPr>
+            <a:picLocks noChangeAspect="1"/>
+          </p:cNvPicPr>
+          <p:nvPr/>
+        </p:nvPicPr>
+        <p:blipFill>
+          <a:blip r:embed="rId5"/>
+          <a:stretch>
+            <a:fillRect/>
+          </a:stretch>
+        </p:blipFill>
+        <p:spPr>
+          <a:xfrm>
+            <a:off x="3564306" y="3910492"/>
+            <a:ext cx="3500638" cy="2440492"/>
+          </a:xfrm>
+          <a:prstGeom prst="rect">
+            <a:avLst/>
+          </a:prstGeom>
+        </p:spPr>
+      </p:pic>
+      <p:pic>
+        <p:nvPicPr>
+          <p:cNvPr id="13" name="Picture 12">
+            <a:extLst>
+              <a:ext uri="{FF2B5EF4-FFF2-40B4-BE49-F238E27FC236}">
+                <a16:creationId xmlns:a16="http://schemas.microsoft.com/office/drawing/2014/main" id="{3583EA70-C711-CBCF-C569-9F49DF283C3C}"/>
+              </a:ext>
+            </a:extLst>
+          </p:cNvPr>
+          <p:cNvPicPr>
+            <a:picLocks noChangeAspect="1"/>
+          </p:cNvPicPr>
+          <p:nvPr/>
+        </p:nvPicPr>
+        <p:blipFill>
+          <a:blip r:embed="rId6"/>
+          <a:stretch>
+            <a:fillRect/>
+          </a:stretch>
+        </p:blipFill>
+        <p:spPr>
+          <a:xfrm>
+            <a:off x="7516537" y="1682946"/>
+            <a:ext cx="3587265" cy="1928454"/>
+          </a:xfrm>
+          <a:prstGeom prst="rect">
+            <a:avLst/>
+          </a:prstGeom>
+        </p:spPr>
+      </p:pic>
+      <p:pic>
+        <p:nvPicPr>
+          <p:cNvPr id="15" name="Picture 14">
+            <a:extLst>
+              <a:ext uri="{FF2B5EF4-FFF2-40B4-BE49-F238E27FC236}">
+                <a16:creationId xmlns:a16="http://schemas.microsoft.com/office/drawing/2014/main" id="{7A6B3141-FEFE-B527-4BA2-83AE821671DC}"/>
+              </a:ext>
+            </a:extLst>
+          </p:cNvPr>
+          <p:cNvPicPr>
+            <a:picLocks noChangeAspect="1"/>
+          </p:cNvPicPr>
+          <p:nvPr/>
+        </p:nvPicPr>
+        <p:blipFill>
+          <a:blip r:embed="rId7"/>
+          <a:stretch>
+            <a:fillRect/>
+          </a:stretch>
+        </p:blipFill>
+        <p:spPr>
+          <a:xfrm>
+            <a:off x="7516537" y="3932272"/>
+            <a:ext cx="3840717" cy="2418712"/>
           </a:xfrm>
           <a:prstGeom prst="rect">
             <a:avLst/>
@@ -12676,7 +12743,7 @@
     </p:spTree>
     <p:extLst>
       <p:ext uri="{BB962C8B-B14F-4D97-AF65-F5344CB8AC3E}">
-        <p14:creationId xmlns:p14="http://schemas.microsoft.com/office/powerpoint/2010/main" val="806269378"/>
+        <p14:creationId xmlns:p14="http://schemas.microsoft.com/office/powerpoint/2010/main" val="3710237784"/>
       </p:ext>
     </p:extLst>
   </p:cSld>
@@ -12708,7 +12775,7 @@
           <p:cNvPr id="2" name="Title 1">
             <a:extLst>
               <a:ext uri="{FF2B5EF4-FFF2-40B4-BE49-F238E27FC236}">
-                <a16:creationId xmlns:a16="http://schemas.microsoft.com/office/drawing/2014/main" id="{2FE3F362-EB7D-7B32-8DE4-7BF307DAC2EB}"/>
+                <a16:creationId xmlns:a16="http://schemas.microsoft.com/office/drawing/2014/main" id="{533FCD2B-C804-2103-A24F-6942D23E9FF9}"/>
               </a:ext>
             </a:extLst>
           </p:cNvPr>
@@ -12721,17 +12788,19 @@
         </p:nvSpPr>
         <p:spPr>
           <a:xfrm>
-            <a:off x="581191" y="574140"/>
-            <a:ext cx="11029616" cy="550572"/>
-          </a:xfrm>
-        </p:spPr>
-        <p:txBody>
-          <a:bodyPr/>
+            <a:off x="581190" y="571092"/>
+            <a:ext cx="11029616" cy="587148"/>
+          </a:xfrm>
+        </p:spPr>
+        <p:txBody>
+          <a:bodyPr>
+            <a:normAutofit/>
+          </a:bodyPr>
           <a:lstStyle/>
           <a:p>
             <a:r>
               <a:rPr lang="en-US" dirty="0"/>
-              <a:t>LEPTOKURTIC &amp; PLATKURTIC</a:t>
+              <a:t>kurtosis</a:t>
             </a:r>
           </a:p>
         </p:txBody>
@@ -12741,7 +12810,7 @@
           <p:cNvPr id="3" name="Content Placeholder 2">
             <a:extLst>
               <a:ext uri="{FF2B5EF4-FFF2-40B4-BE49-F238E27FC236}">
-                <a16:creationId xmlns:a16="http://schemas.microsoft.com/office/drawing/2014/main" id="{EE24C01D-F703-7414-927D-E7ABCAEA932C}"/>
+                <a16:creationId xmlns:a16="http://schemas.microsoft.com/office/drawing/2014/main" id="{F88AC6A0-4AFD-57A1-CB16-23AA4BB48E32}"/>
               </a:ext>
             </a:extLst>
           </p:cNvPr>
@@ -12754,23 +12823,55 @@
         </p:nvSpPr>
         <p:spPr>
           <a:xfrm>
-            <a:off x="581191" y="1202436"/>
-            <a:ext cx="11029615" cy="1257300"/>
-          </a:xfrm>
-        </p:spPr>
-        <p:txBody>
-          <a:bodyPr/>
+            <a:off x="581192" y="1263804"/>
+            <a:ext cx="11029615" cy="1664208"/>
+          </a:xfrm>
+        </p:spPr>
+        <p:txBody>
+          <a:bodyPr>
+            <a:normAutofit/>
+          </a:bodyPr>
           <a:lstStyle/>
           <a:p>
             <a:r>
               <a:rPr lang="en-US" b="0" i="0" dirty="0">
                 <a:solidFill>
-                  <a:srgbClr val="1F1F1F"/>
+                  <a:schemeClr val="tx1"/>
                 </a:solidFill>
                 <a:effectLst/>
                 <a:latin typeface="ElsevierGulliver"/>
               </a:rPr>
-              <a:t>An increased kurtosis (&gt;3) can be visualized as a thin “bell</a:t>
+              <a:t>Kurtosis is a measure of the “</a:t>
+            </a:r>
+            <a:r>
+              <a:rPr lang="en-US" b="0" i="0" dirty="0" err="1">
+                <a:solidFill>
+                  <a:schemeClr val="tx1"/>
+                </a:solidFill>
+                <a:effectLst/>
+                <a:latin typeface="ElsevierGulliver"/>
+              </a:rPr>
+              <a:t>tailedness</a:t>
+            </a:r>
+            <a:r>
+              <a:rPr lang="en-US" b="0" i="0" dirty="0">
+                <a:solidFill>
+                  <a:schemeClr val="tx1"/>
+                </a:solidFill>
+                <a:effectLst/>
+                <a:latin typeface="ElsevierGulliver"/>
+              </a:rPr>
+              <a:t>” of the probability distribution. A standard normal distribution has kurtosis of 3 and is recognized as mesokurtic </a:t>
+            </a:r>
+            <a:r>
+              <a:rPr lang="en-US" b="0" i="0" baseline="30000" dirty="0">
+                <a:solidFill>
+                  <a:schemeClr val="tx1"/>
+                </a:solidFill>
+                <a:effectLst/>
+                <a:latin typeface="ElsevierGulliver"/>
+              </a:rPr>
+              <a:t>1</a:t>
             </a:r>
             <a:r>
               <a:rPr lang="en-US" dirty="0">
@@ -12779,7 +12880,7 @@
                 </a:solidFill>
                 <a:latin typeface="ElsevierGulliver"/>
               </a:rPr>
-              <a:t>” with a high peak whereas a decreased kurtosis corresponds to a broadening of the peak and “thickening” of the tails. </a:t>
+              <a:t>. </a:t>
             </a:r>
           </a:p>
           <a:p>
@@ -12790,17 +12891,57 @@
                 </a:solidFill>
                 <a:latin typeface="ElsevierGulliver"/>
               </a:rPr>
-              <a:t>Kurtosis &gt; 3 is recognized as leptokurtic and &lt; 3 as platykurtic. </a:t>
+              <a:t>Kurtosis is a measure of whether or not a distribution is heavy-tailed or light-tailed relative to a normal distribution. </a:t>
+            </a:r>
+          </a:p>
+          <a:p>
+            <a:endParaRPr lang="en-US" dirty="0">
+              <a:solidFill>
+                <a:schemeClr val="tx1"/>
+              </a:solidFill>
+              <a:latin typeface="ElsevierGulliver"/>
+            </a:endParaRPr>
+          </a:p>
+        </p:txBody>
+      </p:sp>
+      <p:sp>
+        <p:nvSpPr>
+          <p:cNvPr id="4" name="Footer Placeholder 3">
+            <a:extLst>
+              <a:ext uri="{FF2B5EF4-FFF2-40B4-BE49-F238E27FC236}">
+                <a16:creationId xmlns:a16="http://schemas.microsoft.com/office/drawing/2014/main" id="{5C0EFC70-BB53-5A31-27DF-481F8B820758}"/>
+              </a:ext>
+            </a:extLst>
+          </p:cNvPr>
+          <p:cNvSpPr>
+            <a:spLocks noGrp="1"/>
+          </p:cNvSpPr>
+          <p:nvPr>
+            <p:ph type="ftr" sz="quarter" idx="11"/>
+          </p:nvPr>
+        </p:nvSpPr>
+        <p:spPr/>
+        <p:txBody>
+          <a:bodyPr/>
+          <a:lstStyle/>
+          <a:p>
+            <a:r>
+              <a:rPr lang="en-US" sz="1050" baseline="30000" dirty="0"/>
+              <a:t>1</a:t>
+            </a:r>
+            <a:r>
+              <a:rPr lang="en-US" dirty="0"/>
+              <a:t> Laboratory statistics, handbook of formulas and terms. Chemistry International, 36(4), 23-23.</a:t>
             </a:r>
           </a:p>
         </p:txBody>
       </p:sp>
       <p:pic>
         <p:nvPicPr>
-          <p:cNvPr id="9" name="Picture 8">
+          <p:cNvPr id="7" name="Picture 6">
             <a:extLst>
               <a:ext uri="{FF2B5EF4-FFF2-40B4-BE49-F238E27FC236}">
-                <a16:creationId xmlns:a16="http://schemas.microsoft.com/office/drawing/2014/main" id="{B7F82AB7-7FB2-5208-887D-2C3C0E3F3551}"/>
+                <a16:creationId xmlns:a16="http://schemas.microsoft.com/office/drawing/2014/main" id="{FED5D1B3-202D-F234-A099-F1D56933FBF2}"/>
               </a:ext>
             </a:extLst>
           </p:cNvPr>
@@ -12817,38 +12958,8 @@
         </p:blipFill>
         <p:spPr>
           <a:xfrm>
-            <a:off x="107583" y="3378454"/>
-            <a:ext cx="5729889" cy="3414575"/>
-          </a:xfrm>
-          <a:prstGeom prst="rect">
-            <a:avLst/>
-          </a:prstGeom>
-        </p:spPr>
-      </p:pic>
-      <p:pic>
-        <p:nvPicPr>
-          <p:cNvPr id="11" name="Picture 10">
-            <a:extLst>
-              <a:ext uri="{FF2B5EF4-FFF2-40B4-BE49-F238E27FC236}">
-                <a16:creationId xmlns:a16="http://schemas.microsoft.com/office/drawing/2014/main" id="{E47463A8-640E-73BF-5A4D-9C6BF272BD80}"/>
-              </a:ext>
-            </a:extLst>
-          </p:cNvPr>
-          <p:cNvPicPr>
-            <a:picLocks noChangeAspect="1"/>
-          </p:cNvPicPr>
-          <p:nvPr/>
-        </p:nvPicPr>
-        <p:blipFill>
-          <a:blip r:embed="rId3"/>
-          <a:stretch>
-            <a:fillRect/>
-          </a:stretch>
-        </p:blipFill>
-        <p:spPr>
-          <a:xfrm>
-            <a:off x="6354529" y="3429000"/>
-            <a:ext cx="5474920" cy="3264020"/>
+            <a:off x="2444496" y="2410983"/>
+            <a:ext cx="7650480" cy="4027536"/>
           </a:xfrm>
           <a:prstGeom prst="rect">
             <a:avLst/>
@@ -12858,7 +12969,7 @@
     </p:spTree>
     <p:extLst>
       <p:ext uri="{BB962C8B-B14F-4D97-AF65-F5344CB8AC3E}">
-        <p14:creationId xmlns:p14="http://schemas.microsoft.com/office/powerpoint/2010/main" val="3325189239"/>
+        <p14:creationId xmlns:p14="http://schemas.microsoft.com/office/powerpoint/2010/main" val="806269378"/>
       </p:ext>
     </p:extLst>
   </p:cSld>
@@ -12890,6 +13001,188 @@
           <p:cNvPr id="2" name="Title 1">
             <a:extLst>
               <a:ext uri="{FF2B5EF4-FFF2-40B4-BE49-F238E27FC236}">
+                <a16:creationId xmlns:a16="http://schemas.microsoft.com/office/drawing/2014/main" id="{2FE3F362-EB7D-7B32-8DE4-7BF307DAC2EB}"/>
+              </a:ext>
+            </a:extLst>
+          </p:cNvPr>
+          <p:cNvSpPr>
+            <a:spLocks noGrp="1"/>
+          </p:cNvSpPr>
+          <p:nvPr>
+            <p:ph type="title"/>
+          </p:nvPr>
+        </p:nvSpPr>
+        <p:spPr>
+          <a:xfrm>
+            <a:off x="581191" y="574140"/>
+            <a:ext cx="11029616" cy="550572"/>
+          </a:xfrm>
+        </p:spPr>
+        <p:txBody>
+          <a:bodyPr/>
+          <a:lstStyle/>
+          <a:p>
+            <a:r>
+              <a:rPr lang="en-US" dirty="0"/>
+              <a:t>LEPTOKURTIC &amp; PLATKURTIC</a:t>
+            </a:r>
+          </a:p>
+        </p:txBody>
+      </p:sp>
+      <p:sp>
+        <p:nvSpPr>
+          <p:cNvPr id="3" name="Content Placeholder 2">
+            <a:extLst>
+              <a:ext uri="{FF2B5EF4-FFF2-40B4-BE49-F238E27FC236}">
+                <a16:creationId xmlns:a16="http://schemas.microsoft.com/office/drawing/2014/main" id="{EE24C01D-F703-7414-927D-E7ABCAEA932C}"/>
+              </a:ext>
+            </a:extLst>
+          </p:cNvPr>
+          <p:cNvSpPr>
+            <a:spLocks noGrp="1"/>
+          </p:cNvSpPr>
+          <p:nvPr>
+            <p:ph idx="1"/>
+          </p:nvPr>
+        </p:nvSpPr>
+        <p:spPr>
+          <a:xfrm>
+            <a:off x="581191" y="1202436"/>
+            <a:ext cx="11029615" cy="1257300"/>
+          </a:xfrm>
+        </p:spPr>
+        <p:txBody>
+          <a:bodyPr/>
+          <a:lstStyle/>
+          <a:p>
+            <a:r>
+              <a:rPr lang="en-US" b="0" i="0" dirty="0">
+                <a:solidFill>
+                  <a:srgbClr val="1F1F1F"/>
+                </a:solidFill>
+                <a:effectLst/>
+                <a:latin typeface="ElsevierGulliver"/>
+              </a:rPr>
+              <a:t>An increased kurtosis (&gt;3) can be visualized as a thin “bell</a:t>
+            </a:r>
+            <a:r>
+              <a:rPr lang="en-US" dirty="0">
+                <a:solidFill>
+                  <a:schemeClr val="tx1"/>
+                </a:solidFill>
+                <a:latin typeface="ElsevierGulliver"/>
+              </a:rPr>
+              <a:t>” with a high peak whereas a decreased kurtosis corresponds to a broadening of the peak and “thickening” of the tails. </a:t>
+            </a:r>
+          </a:p>
+          <a:p>
+            <a:r>
+              <a:rPr lang="en-US" dirty="0">
+                <a:solidFill>
+                  <a:schemeClr val="tx1"/>
+                </a:solidFill>
+                <a:latin typeface="ElsevierGulliver"/>
+              </a:rPr>
+              <a:t>Kurtosis &gt; 3 is recognized as leptokurtic and &lt; 3 as platykurtic. </a:t>
+            </a:r>
+          </a:p>
+        </p:txBody>
+      </p:sp>
+      <p:pic>
+        <p:nvPicPr>
+          <p:cNvPr id="9" name="Picture 8">
+            <a:extLst>
+              <a:ext uri="{FF2B5EF4-FFF2-40B4-BE49-F238E27FC236}">
+                <a16:creationId xmlns:a16="http://schemas.microsoft.com/office/drawing/2014/main" id="{B7F82AB7-7FB2-5208-887D-2C3C0E3F3551}"/>
+              </a:ext>
+            </a:extLst>
+          </p:cNvPr>
+          <p:cNvPicPr>
+            <a:picLocks noChangeAspect="1"/>
+          </p:cNvPicPr>
+          <p:nvPr/>
+        </p:nvPicPr>
+        <p:blipFill>
+          <a:blip r:embed="rId2"/>
+          <a:stretch>
+            <a:fillRect/>
+          </a:stretch>
+        </p:blipFill>
+        <p:spPr>
+          <a:xfrm>
+            <a:off x="107583" y="3378454"/>
+            <a:ext cx="5729889" cy="3414575"/>
+          </a:xfrm>
+          <a:prstGeom prst="rect">
+            <a:avLst/>
+          </a:prstGeom>
+        </p:spPr>
+      </p:pic>
+      <p:pic>
+        <p:nvPicPr>
+          <p:cNvPr id="11" name="Picture 10">
+            <a:extLst>
+              <a:ext uri="{FF2B5EF4-FFF2-40B4-BE49-F238E27FC236}">
+                <a16:creationId xmlns:a16="http://schemas.microsoft.com/office/drawing/2014/main" id="{E47463A8-640E-73BF-5A4D-9C6BF272BD80}"/>
+              </a:ext>
+            </a:extLst>
+          </p:cNvPr>
+          <p:cNvPicPr>
+            <a:picLocks noChangeAspect="1"/>
+          </p:cNvPicPr>
+          <p:nvPr/>
+        </p:nvPicPr>
+        <p:blipFill>
+          <a:blip r:embed="rId3"/>
+          <a:stretch>
+            <a:fillRect/>
+          </a:stretch>
+        </p:blipFill>
+        <p:spPr>
+          <a:xfrm>
+            <a:off x="6354529" y="3429000"/>
+            <a:ext cx="5474920" cy="3264020"/>
+          </a:xfrm>
+          <a:prstGeom prst="rect">
+            <a:avLst/>
+          </a:prstGeom>
+        </p:spPr>
+      </p:pic>
+    </p:spTree>
+    <p:extLst>
+      <p:ext uri="{BB962C8B-B14F-4D97-AF65-F5344CB8AC3E}">
+        <p14:creationId xmlns:p14="http://schemas.microsoft.com/office/powerpoint/2010/main" val="3325189239"/>
+      </p:ext>
+    </p:extLst>
+  </p:cSld>
+  <p:clrMapOvr>
+    <a:masterClrMapping/>
+  </p:clrMapOvr>
+</p:sld>
+</file>
+
+<file path=ppt/slides/slide24.xml><?xml version="1.0" encoding="utf-8"?>
+<p:sld xmlns:a="http://schemas.openxmlformats.org/drawingml/2006/main" xmlns:r="http://schemas.openxmlformats.org/officeDocument/2006/relationships" xmlns:p="http://schemas.openxmlformats.org/presentationml/2006/main">
+  <p:cSld>
+    <p:spTree>
+      <p:nvGrpSpPr>
+        <p:cNvPr id="1" name=""/>
+        <p:cNvGrpSpPr/>
+        <p:nvPr/>
+      </p:nvGrpSpPr>
+      <p:grpSpPr>
+        <a:xfrm>
+          <a:off x="0" y="0"/>
+          <a:ext cx="0" cy="0"/>
+          <a:chOff x="0" y="0"/>
+          <a:chExt cx="0" cy="0"/>
+        </a:xfrm>
+      </p:grpSpPr>
+      <p:sp>
+        <p:nvSpPr>
+          <p:cNvPr id="2" name="Title 1">
+            <a:extLst>
+              <a:ext uri="{FF2B5EF4-FFF2-40B4-BE49-F238E27FC236}">
                 <a16:creationId xmlns:a16="http://schemas.microsoft.com/office/drawing/2014/main" id="{B11C9816-795B-B7AE-E218-25E3A50F6814}"/>
               </a:ext>
             </a:extLst>
@@ -12994,7 +13287,7 @@
 </p:sld>
 </file>
 
-<file path=ppt/slides/slide24.xml><?xml version="1.0" encoding="utf-8"?>
+<file path=ppt/slides/slide25.xml><?xml version="1.0" encoding="utf-8"?>
 <p:sld xmlns:a="http://schemas.openxmlformats.org/drawingml/2006/main" xmlns:r="http://schemas.openxmlformats.org/officeDocument/2006/relationships" xmlns:p="http://schemas.openxmlformats.org/presentationml/2006/main">
   <p:cSld>
     <p:spTree>
@@ -13194,148 +13487,6 @@
 </p:sld>
 </file>
 
-<file path=ppt/slides/slide25.xml><?xml version="1.0" encoding="utf-8"?>
-<p:sld xmlns:a="http://schemas.openxmlformats.org/drawingml/2006/main" xmlns:r="http://schemas.openxmlformats.org/officeDocument/2006/relationships" xmlns:p="http://schemas.openxmlformats.org/presentationml/2006/main">
-  <p:cSld>
-    <p:spTree>
-      <p:nvGrpSpPr>
-        <p:cNvPr id="1" name=""/>
-        <p:cNvGrpSpPr/>
-        <p:nvPr/>
-      </p:nvGrpSpPr>
-      <p:grpSpPr>
-        <a:xfrm>
-          <a:off x="0" y="0"/>
-          <a:ext cx="0" cy="0"/>
-          <a:chOff x="0" y="0"/>
-          <a:chExt cx="0" cy="0"/>
-        </a:xfrm>
-      </p:grpSpPr>
-      <p:sp>
-        <p:nvSpPr>
-          <p:cNvPr id="2" name="Title 1">
-            <a:extLst>
-              <a:ext uri="{FF2B5EF4-FFF2-40B4-BE49-F238E27FC236}">
-                <a16:creationId xmlns:a16="http://schemas.microsoft.com/office/drawing/2014/main" id="{116CB820-BAB6-6191-FB4E-4564BBAFCE2F}"/>
-              </a:ext>
-            </a:extLst>
-          </p:cNvPr>
-          <p:cNvSpPr>
-            <a:spLocks noGrp="1"/>
-          </p:cNvSpPr>
-          <p:nvPr>
-            <p:ph type="title"/>
-          </p:nvPr>
-        </p:nvSpPr>
-        <p:spPr>
-          <a:xfrm>
-            <a:off x="581192" y="702156"/>
-            <a:ext cx="11029616" cy="541428"/>
-          </a:xfrm>
-        </p:spPr>
-        <p:txBody>
-          <a:bodyPr/>
-          <a:lstStyle/>
-          <a:p>
-            <a:r>
-              <a:rPr lang="en-US" dirty="0"/>
-              <a:t>Regression line </a:t>
-            </a:r>
-          </a:p>
-        </p:txBody>
-      </p:sp>
-      <p:sp>
-        <p:nvSpPr>
-          <p:cNvPr id="3" name="Content Placeholder 2">
-            <a:extLst>
-              <a:ext uri="{FF2B5EF4-FFF2-40B4-BE49-F238E27FC236}">
-                <a16:creationId xmlns:a16="http://schemas.microsoft.com/office/drawing/2014/main" id="{201A346B-8B45-A4A4-1AD2-38F45839D292}"/>
-              </a:ext>
-            </a:extLst>
-          </p:cNvPr>
-          <p:cNvSpPr>
-            <a:spLocks noGrp="1"/>
-          </p:cNvSpPr>
-          <p:nvPr>
-            <p:ph idx="1"/>
-          </p:nvPr>
-        </p:nvSpPr>
-        <p:spPr>
-          <a:xfrm>
-            <a:off x="581193" y="2340864"/>
-            <a:ext cx="2509480" cy="3273552"/>
-          </a:xfrm>
-        </p:spPr>
-        <p:txBody>
-          <a:bodyPr/>
-          <a:lstStyle/>
-          <a:p>
-            <a:r>
-              <a:rPr lang="en-US" dirty="0"/>
-              <a:t>The </a:t>
-            </a:r>
-            <a:r>
-              <a:rPr lang="en-US" b="1" dirty="0"/>
-              <a:t>green regression line</a:t>
-            </a:r>
-            <a:r>
-              <a:rPr lang="en-US" dirty="0"/>
-              <a:t> shows the </a:t>
-            </a:r>
-            <a:r>
-              <a:rPr lang="en-US" b="1" dirty="0"/>
-              <a:t>linear trend</a:t>
-            </a:r>
-            <a:r>
-              <a:rPr lang="en-US" dirty="0"/>
-              <a:t> (ordinary least squares).</a:t>
-            </a:r>
-          </a:p>
-        </p:txBody>
-      </p:sp>
-      <p:pic>
-        <p:nvPicPr>
-          <p:cNvPr id="4" name="Picture 3">
-            <a:extLst>
-              <a:ext uri="{FF2B5EF4-FFF2-40B4-BE49-F238E27FC236}">
-                <a16:creationId xmlns:a16="http://schemas.microsoft.com/office/drawing/2014/main" id="{CDBEEA02-00D8-4FF9-28E2-C14D675EE09C}"/>
-              </a:ext>
-            </a:extLst>
-          </p:cNvPr>
-          <p:cNvPicPr>
-            <a:picLocks noChangeAspect="1"/>
-          </p:cNvPicPr>
-          <p:nvPr/>
-        </p:nvPicPr>
-        <p:blipFill>
-          <a:blip r:embed="rId2"/>
-          <a:stretch>
-            <a:fillRect/>
-          </a:stretch>
-        </p:blipFill>
-        <p:spPr>
-          <a:xfrm>
-            <a:off x="4009001" y="1890876"/>
-            <a:ext cx="7981045" cy="4875214"/>
-          </a:xfrm>
-          <a:prstGeom prst="rect">
-            <a:avLst/>
-          </a:prstGeom>
-        </p:spPr>
-      </p:pic>
-    </p:spTree>
-    <p:extLst>
-      <p:ext uri="{BB962C8B-B14F-4D97-AF65-F5344CB8AC3E}">
-        <p14:creationId xmlns:p14="http://schemas.microsoft.com/office/powerpoint/2010/main" val="3850418709"/>
-      </p:ext>
-    </p:extLst>
-  </p:cSld>
-  <p:clrMapOvr>
-    <a:masterClrMapping/>
-  </p:clrMapOvr>
-</p:sld>
-</file>
-
 <file path=ppt/slides/slide26.xml><?xml version="1.0" encoding="utf-8"?>
 <p:sld xmlns:a="http://schemas.openxmlformats.org/drawingml/2006/main" xmlns:r="http://schemas.openxmlformats.org/officeDocument/2006/relationships" xmlns:p="http://schemas.openxmlformats.org/presentationml/2006/main">
   <p:cSld>
@@ -13358,7 +13509,7 @@
           <p:cNvPr id="2" name="Title 1">
             <a:extLst>
               <a:ext uri="{FF2B5EF4-FFF2-40B4-BE49-F238E27FC236}">
-                <a16:creationId xmlns:a16="http://schemas.microsoft.com/office/drawing/2014/main" id="{39571B72-4371-71C2-5EDB-0C9B0593AD6F}"/>
+                <a16:creationId xmlns:a16="http://schemas.microsoft.com/office/drawing/2014/main" id="{116CB820-BAB6-6191-FB4E-4564BBAFCE2F}"/>
               </a:ext>
             </a:extLst>
           </p:cNvPr>
@@ -13372,7 +13523,7 @@
         <p:spPr>
           <a:xfrm>
             <a:off x="581192" y="702156"/>
-            <a:ext cx="11029616" cy="623724"/>
+            <a:ext cx="11029616" cy="541428"/>
           </a:xfrm>
         </p:spPr>
         <p:txBody>
@@ -13381,7 +13532,7 @@
           <a:p>
             <a:r>
               <a:rPr lang="en-US" dirty="0"/>
-              <a:t>Loess smooth line</a:t>
+              <a:t>Regression line </a:t>
             </a:r>
           </a:p>
         </p:txBody>
@@ -13391,7 +13542,7 @@
           <p:cNvPr id="3" name="Content Placeholder 2">
             <a:extLst>
               <a:ext uri="{FF2B5EF4-FFF2-40B4-BE49-F238E27FC236}">
-                <a16:creationId xmlns:a16="http://schemas.microsoft.com/office/drawing/2014/main" id="{5C3E0124-2669-670E-805D-C4F885144203}"/>
+                <a16:creationId xmlns:a16="http://schemas.microsoft.com/office/drawing/2014/main" id="{201A346B-8B45-A4A4-1AD2-38F45839D292}"/>
               </a:ext>
             </a:extLst>
           </p:cNvPr>
@@ -13404,8 +13555,8 @@
         </p:nvSpPr>
         <p:spPr>
           <a:xfrm>
-            <a:off x="94011" y="1794132"/>
-            <a:ext cx="3905846" cy="2626261"/>
+            <a:off x="581193" y="2340864"/>
+            <a:ext cx="2509480" cy="3273552"/>
           </a:xfrm>
         </p:spPr>
         <p:txBody>
@@ -13418,19 +13569,19 @@
             </a:r>
             <a:r>
               <a:rPr lang="en-US" b="1" dirty="0"/>
-              <a:t>red smooth line</a:t>
+              <a:t>green regression line</a:t>
             </a:r>
             <a:r>
               <a:rPr lang="en-US" dirty="0"/>
-              <a:t> shows a </a:t>
+              <a:t> shows the </a:t>
             </a:r>
             <a:r>
               <a:rPr lang="en-US" b="1" dirty="0"/>
-              <a:t>non-linear trend</a:t>
+              <a:t>linear trend</a:t>
             </a:r>
             <a:r>
               <a:rPr lang="en-US" dirty="0"/>
-              <a:t> (LOESS curve) in the data.</a:t>
+              <a:t> (ordinary least squares).</a:t>
             </a:r>
           </a:p>
         </p:txBody>
@@ -13440,7 +13591,7 @@
           <p:cNvPr id="4" name="Picture 3">
             <a:extLst>
               <a:ext uri="{FF2B5EF4-FFF2-40B4-BE49-F238E27FC236}">
-                <a16:creationId xmlns:a16="http://schemas.microsoft.com/office/drawing/2014/main" id="{3A03A25C-B2CF-5716-4A68-E76E5459AF70}"/>
+                <a16:creationId xmlns:a16="http://schemas.microsoft.com/office/drawing/2014/main" id="{CDBEEA02-00D8-4FF9-28E2-C14D675EE09C}"/>
               </a:ext>
             </a:extLst>
           </p:cNvPr>
@@ -13457,6 +13608,148 @@
         </p:blipFill>
         <p:spPr>
           <a:xfrm>
+            <a:off x="4009001" y="1890876"/>
+            <a:ext cx="7981045" cy="4875214"/>
+          </a:xfrm>
+          <a:prstGeom prst="rect">
+            <a:avLst/>
+          </a:prstGeom>
+        </p:spPr>
+      </p:pic>
+    </p:spTree>
+    <p:extLst>
+      <p:ext uri="{BB962C8B-B14F-4D97-AF65-F5344CB8AC3E}">
+        <p14:creationId xmlns:p14="http://schemas.microsoft.com/office/powerpoint/2010/main" val="3850418709"/>
+      </p:ext>
+    </p:extLst>
+  </p:cSld>
+  <p:clrMapOvr>
+    <a:masterClrMapping/>
+  </p:clrMapOvr>
+</p:sld>
+</file>
+
+<file path=ppt/slides/slide27.xml><?xml version="1.0" encoding="utf-8"?>
+<p:sld xmlns:a="http://schemas.openxmlformats.org/drawingml/2006/main" xmlns:r="http://schemas.openxmlformats.org/officeDocument/2006/relationships" xmlns:p="http://schemas.openxmlformats.org/presentationml/2006/main">
+  <p:cSld>
+    <p:spTree>
+      <p:nvGrpSpPr>
+        <p:cNvPr id="1" name=""/>
+        <p:cNvGrpSpPr/>
+        <p:nvPr/>
+      </p:nvGrpSpPr>
+      <p:grpSpPr>
+        <a:xfrm>
+          <a:off x="0" y="0"/>
+          <a:ext cx="0" cy="0"/>
+          <a:chOff x="0" y="0"/>
+          <a:chExt cx="0" cy="0"/>
+        </a:xfrm>
+      </p:grpSpPr>
+      <p:sp>
+        <p:nvSpPr>
+          <p:cNvPr id="2" name="Title 1">
+            <a:extLst>
+              <a:ext uri="{FF2B5EF4-FFF2-40B4-BE49-F238E27FC236}">
+                <a16:creationId xmlns:a16="http://schemas.microsoft.com/office/drawing/2014/main" id="{39571B72-4371-71C2-5EDB-0C9B0593AD6F}"/>
+              </a:ext>
+            </a:extLst>
+          </p:cNvPr>
+          <p:cNvSpPr>
+            <a:spLocks noGrp="1"/>
+          </p:cNvSpPr>
+          <p:nvPr>
+            <p:ph type="title"/>
+          </p:nvPr>
+        </p:nvSpPr>
+        <p:spPr>
+          <a:xfrm>
+            <a:off x="581192" y="702156"/>
+            <a:ext cx="11029616" cy="623724"/>
+          </a:xfrm>
+        </p:spPr>
+        <p:txBody>
+          <a:bodyPr/>
+          <a:lstStyle/>
+          <a:p>
+            <a:r>
+              <a:rPr lang="en-US" dirty="0"/>
+              <a:t>Loess smooth line</a:t>
+            </a:r>
+          </a:p>
+        </p:txBody>
+      </p:sp>
+      <p:sp>
+        <p:nvSpPr>
+          <p:cNvPr id="3" name="Content Placeholder 2">
+            <a:extLst>
+              <a:ext uri="{FF2B5EF4-FFF2-40B4-BE49-F238E27FC236}">
+                <a16:creationId xmlns:a16="http://schemas.microsoft.com/office/drawing/2014/main" id="{5C3E0124-2669-670E-805D-C4F885144203}"/>
+              </a:ext>
+            </a:extLst>
+          </p:cNvPr>
+          <p:cNvSpPr>
+            <a:spLocks noGrp="1"/>
+          </p:cNvSpPr>
+          <p:nvPr>
+            <p:ph idx="1"/>
+          </p:nvPr>
+        </p:nvSpPr>
+        <p:spPr>
+          <a:xfrm>
+            <a:off x="94011" y="1794133"/>
+            <a:ext cx="3905846" cy="1444368"/>
+          </a:xfrm>
+        </p:spPr>
+        <p:txBody>
+          <a:bodyPr/>
+          <a:lstStyle/>
+          <a:p>
+            <a:r>
+              <a:rPr lang="en-US" dirty="0"/>
+              <a:t>The </a:t>
+            </a:r>
+            <a:r>
+              <a:rPr lang="en-US" b="1" dirty="0"/>
+              <a:t>red smooth line</a:t>
+            </a:r>
+            <a:r>
+              <a:rPr lang="en-US" dirty="0"/>
+              <a:t> shows a </a:t>
+            </a:r>
+            <a:r>
+              <a:rPr lang="en-US" b="1" dirty="0"/>
+              <a:t>non-linear trend</a:t>
+            </a:r>
+            <a:r>
+              <a:rPr lang="en-US" dirty="0"/>
+              <a:t> (LOESS curve) in the data.</a:t>
+            </a:r>
+          </a:p>
+        </p:txBody>
+      </p:sp>
+      <p:pic>
+        <p:nvPicPr>
+          <p:cNvPr id="4" name="Picture 3">
+            <a:extLst>
+              <a:ext uri="{FF2B5EF4-FFF2-40B4-BE49-F238E27FC236}">
+                <a16:creationId xmlns:a16="http://schemas.microsoft.com/office/drawing/2014/main" id="{3A03A25C-B2CF-5716-4A68-E76E5459AF70}"/>
+              </a:ext>
+            </a:extLst>
+          </p:cNvPr>
+          <p:cNvPicPr>
+            <a:picLocks noChangeAspect="1"/>
+          </p:cNvPicPr>
+          <p:nvPr/>
+        </p:nvPicPr>
+        <p:blipFill>
+          <a:blip r:embed="rId2"/>
+          <a:stretch>
+            <a:fillRect/>
+          </a:stretch>
+        </p:blipFill>
+        <p:spPr>
+          <a:xfrm>
             <a:off x="3999857" y="1325880"/>
             <a:ext cx="7981045" cy="5532120"/>
           </a:xfrm>
@@ -13487,7 +13780,7 @@
         </p:blipFill>
         <p:spPr>
           <a:xfrm>
-            <a:off x="94011" y="4420393"/>
+            <a:off x="94011" y="3315493"/>
             <a:ext cx="3977476" cy="2149180"/>
           </a:xfrm>
           <a:prstGeom prst="rect">
@@ -13495,6 +13788,44 @@
           </a:prstGeom>
         </p:spPr>
       </p:pic>
+      <p:sp>
+        <p:nvSpPr>
+          <p:cNvPr id="5" name="Footer Placeholder 4">
+            <a:extLst>
+              <a:ext uri="{FF2B5EF4-FFF2-40B4-BE49-F238E27FC236}">
+                <a16:creationId xmlns:a16="http://schemas.microsoft.com/office/drawing/2014/main" id="{11186AAC-CFCA-7C0F-CEE8-3A0FBB9931BB}"/>
+              </a:ext>
+            </a:extLst>
+          </p:cNvPr>
+          <p:cNvSpPr>
+            <a:spLocks noGrp="1"/>
+          </p:cNvSpPr>
+          <p:nvPr>
+            <p:ph type="ftr" sz="quarter" idx="11"/>
+          </p:nvPr>
+        </p:nvSpPr>
+        <p:spPr>
+          <a:xfrm>
+            <a:off x="211098" y="6348809"/>
+            <a:ext cx="6917210" cy="365125"/>
+          </a:xfrm>
+        </p:spPr>
+        <p:txBody>
+          <a:bodyPr/>
+          <a:lstStyle/>
+          <a:p>
+            <a:r>
+              <a:rPr lang="en-US" dirty="0"/>
+              <a:t>Code: </a:t>
+            </a:r>
+            <a:r>
+              <a:rPr lang="en-US" dirty="0" err="1"/>
+              <a:t>ScatterplotMatrix</a:t>
+            </a:r>
+            <a:endParaRPr lang="en-US" dirty="0"/>
+          </a:p>
+        </p:txBody>
+      </p:sp>
     </p:spTree>
     <p:extLst>
       <p:ext uri="{BB962C8B-B14F-4D97-AF65-F5344CB8AC3E}">
@@ -13508,7 +13839,7 @@
 </p:sld>
 </file>
 
-<file path=ppt/slides/slide27.xml><?xml version="1.0" encoding="utf-8"?>
+<file path=ppt/slides/slide28.xml><?xml version="1.0" encoding="utf-8"?>
 <p:sld xmlns:a="http://schemas.openxmlformats.org/drawingml/2006/main" xmlns:r="http://schemas.openxmlformats.org/officeDocument/2006/relationships" xmlns:p="http://schemas.openxmlformats.org/presentationml/2006/main">
   <p:cSld>
     <p:bg>
@@ -14414,7 +14745,7 @@
 </p:sld>
 </file>
 
-<file path=ppt/slides/slide28.xml><?xml version="1.0" encoding="utf-8"?>
+<file path=ppt/slides/slide29.xml><?xml version="1.0" encoding="utf-8"?>
 <p:sld xmlns:a="http://schemas.openxmlformats.org/drawingml/2006/main" xmlns:r="http://schemas.openxmlformats.org/officeDocument/2006/relationships" xmlns:p="http://schemas.openxmlformats.org/presentationml/2006/main">
   <p:cSld>
     <p:spTree>
@@ -14672,188 +15003,6 @@
 </p:sld>
 </file>
 
-<file path=ppt/slides/slide29.xml><?xml version="1.0" encoding="utf-8"?>
-<p:sld xmlns:a="http://schemas.openxmlformats.org/drawingml/2006/main" xmlns:r="http://schemas.openxmlformats.org/officeDocument/2006/relationships" xmlns:p="http://schemas.openxmlformats.org/presentationml/2006/main">
-  <p:cSld>
-    <p:spTree>
-      <p:nvGrpSpPr>
-        <p:cNvPr id="1" name=""/>
-        <p:cNvGrpSpPr/>
-        <p:nvPr/>
-      </p:nvGrpSpPr>
-      <p:grpSpPr>
-        <a:xfrm>
-          <a:off x="0" y="0"/>
-          <a:ext cx="0" cy="0"/>
-          <a:chOff x="0" y="0"/>
-          <a:chExt cx="0" cy="0"/>
-        </a:xfrm>
-      </p:grpSpPr>
-      <p:sp>
-        <p:nvSpPr>
-          <p:cNvPr id="2" name="Title 1">
-            <a:extLst>
-              <a:ext uri="{FF2B5EF4-FFF2-40B4-BE49-F238E27FC236}">
-                <a16:creationId xmlns:a16="http://schemas.microsoft.com/office/drawing/2014/main" id="{44F8C3B5-D2C5-32D7-6C3A-3860571CC007}"/>
-              </a:ext>
-            </a:extLst>
-          </p:cNvPr>
-          <p:cNvSpPr>
-            <a:spLocks noGrp="1"/>
-          </p:cNvSpPr>
-          <p:nvPr>
-            <p:ph type="title"/>
-          </p:nvPr>
-        </p:nvSpPr>
-        <p:spPr>
-          <a:xfrm>
-            <a:off x="581192" y="702156"/>
-            <a:ext cx="11029616" cy="651156"/>
-          </a:xfrm>
-        </p:spPr>
-        <p:txBody>
-          <a:bodyPr/>
-          <a:lstStyle/>
-          <a:p>
-            <a:r>
-              <a:rPr lang="en-US" dirty="0"/>
-              <a:t>Z-score</a:t>
-            </a:r>
-          </a:p>
-        </p:txBody>
-      </p:sp>
-      <p:sp>
-        <p:nvSpPr>
-          <p:cNvPr id="3" name="Content Placeholder 2">
-            <a:extLst>
-              <a:ext uri="{FF2B5EF4-FFF2-40B4-BE49-F238E27FC236}">
-                <a16:creationId xmlns:a16="http://schemas.microsoft.com/office/drawing/2014/main" id="{D876A20B-97B7-AA87-AE07-1581C0E87091}"/>
-              </a:ext>
-            </a:extLst>
-          </p:cNvPr>
-          <p:cNvSpPr>
-            <a:spLocks noGrp="1"/>
-          </p:cNvSpPr>
-          <p:nvPr>
-            <p:ph idx="1"/>
-          </p:nvPr>
-        </p:nvSpPr>
-        <p:spPr>
-          <a:xfrm>
-            <a:off x="210312" y="1819656"/>
-            <a:ext cx="4850320" cy="3529584"/>
-          </a:xfrm>
-        </p:spPr>
-        <p:txBody>
-          <a:bodyPr>
-            <a:normAutofit/>
-          </a:bodyPr>
-          <a:lstStyle/>
-          <a:p>
-            <a:pPr algn="l"/>
-            <a:r>
-              <a:rPr lang="en-US" sz="1800" b="0" i="0" u="none" strike="noStrike" baseline="0" dirty="0">
-                <a:latin typeface="MinionPro-Regular"/>
-              </a:rPr>
-              <a:t>Values above or below zero indicate the observation’s difference from the variable mean in terms of standard deviations.</a:t>
-            </a:r>
-          </a:p>
-          <a:p>
-            <a:pPr marL="0" indent="0">
-              <a:lnSpc>
-                <a:spcPct val="110000"/>
-              </a:lnSpc>
-              <a:buNone/>
-            </a:pPr>
-            <a:endParaRPr lang="en-US" dirty="0">
-              <a:latin typeface="MinionPro-Regular"/>
-            </a:endParaRPr>
-          </a:p>
-          <a:p>
-            <a:pPr marL="0" indent="0">
-              <a:lnSpc>
-                <a:spcPct val="110000"/>
-              </a:lnSpc>
-              <a:buNone/>
-            </a:pPr>
-            <a:r>
-              <a:rPr lang="en-US" dirty="0">
-                <a:latin typeface="MinionPro-Regular"/>
-              </a:rPr>
-              <a:t>In a normal distribution, one observation has a z-score of 0.5 and another observation has a z-score of -1.2.</a:t>
-            </a:r>
-          </a:p>
-          <a:p>
-            <a:pPr marL="0" indent="0">
-              <a:lnSpc>
-                <a:spcPct val="110000"/>
-              </a:lnSpc>
-              <a:buNone/>
-            </a:pPr>
-            <a:br>
-              <a:rPr lang="en-US" dirty="0">
-                <a:latin typeface="MinionPro-Regular"/>
-              </a:rPr>
-            </a:br>
-            <a:r>
-              <a:rPr lang="en-US" dirty="0">
-                <a:latin typeface="MinionPro-Regular"/>
-              </a:rPr>
-              <a:t>Which observation is farther from the mean?</a:t>
-            </a:r>
-            <a:r>
-              <a:rPr lang="en-US" dirty="0"/>
-              <a:t> 🤔</a:t>
-            </a:r>
-            <a:endParaRPr lang="en-US" dirty="0">
-              <a:latin typeface="MinionPro-Regular"/>
-            </a:endParaRPr>
-          </a:p>
-        </p:txBody>
-      </p:sp>
-      <p:pic>
-        <p:nvPicPr>
-          <p:cNvPr id="5" name="Picture 4">
-            <a:extLst>
-              <a:ext uri="{FF2B5EF4-FFF2-40B4-BE49-F238E27FC236}">
-                <a16:creationId xmlns:a16="http://schemas.microsoft.com/office/drawing/2014/main" id="{03A081B2-E843-D179-DF6D-1AAD742E84C2}"/>
-              </a:ext>
-            </a:extLst>
-          </p:cNvPr>
-          <p:cNvPicPr>
-            <a:picLocks noChangeAspect="1"/>
-          </p:cNvPicPr>
-          <p:nvPr/>
-        </p:nvPicPr>
-        <p:blipFill>
-          <a:blip r:embed="rId2"/>
-          <a:stretch>
-            <a:fillRect/>
-          </a:stretch>
-        </p:blipFill>
-        <p:spPr>
-          <a:xfrm>
-            <a:off x="5060632" y="1426464"/>
-            <a:ext cx="6734175" cy="5417412"/>
-          </a:xfrm>
-          <a:prstGeom prst="rect">
-            <a:avLst/>
-          </a:prstGeom>
-        </p:spPr>
-      </p:pic>
-    </p:spTree>
-    <p:extLst>
-      <p:ext uri="{BB962C8B-B14F-4D97-AF65-F5344CB8AC3E}">
-        <p14:creationId xmlns:p14="http://schemas.microsoft.com/office/powerpoint/2010/main" val="434531166"/>
-      </p:ext>
-    </p:extLst>
-  </p:cSld>
-  <p:clrMapOvr>
-    <a:masterClrMapping/>
-  </p:clrMapOvr>
-</p:sld>
-</file>
-
 <file path=ppt/slides/slide3.xml><?xml version="1.0" encoding="utf-8"?>
 <p:sld xmlns:a="http://schemas.openxmlformats.org/drawingml/2006/main" xmlns:r="http://schemas.openxmlformats.org/officeDocument/2006/relationships" xmlns:p="http://schemas.openxmlformats.org/presentationml/2006/main">
   <p:cSld>
@@ -14997,7 +15146,7 @@
         </p:blipFill>
         <p:spPr>
           <a:xfrm>
-            <a:off x="1119287" y="2776049"/>
+            <a:off x="1147862" y="2569464"/>
             <a:ext cx="2105175" cy="3959943"/>
           </a:xfrm>
           <a:prstGeom prst="rect">
@@ -15040,6 +15189,188 @@
           <p:cNvPr id="2" name="Title 1">
             <a:extLst>
               <a:ext uri="{FF2B5EF4-FFF2-40B4-BE49-F238E27FC236}">
+                <a16:creationId xmlns:a16="http://schemas.microsoft.com/office/drawing/2014/main" id="{44F8C3B5-D2C5-32D7-6C3A-3860571CC007}"/>
+              </a:ext>
+            </a:extLst>
+          </p:cNvPr>
+          <p:cNvSpPr>
+            <a:spLocks noGrp="1"/>
+          </p:cNvSpPr>
+          <p:nvPr>
+            <p:ph type="title"/>
+          </p:nvPr>
+        </p:nvSpPr>
+        <p:spPr>
+          <a:xfrm>
+            <a:off x="581192" y="702156"/>
+            <a:ext cx="11029616" cy="651156"/>
+          </a:xfrm>
+        </p:spPr>
+        <p:txBody>
+          <a:bodyPr/>
+          <a:lstStyle/>
+          <a:p>
+            <a:r>
+              <a:rPr lang="en-US" dirty="0"/>
+              <a:t>Z-score</a:t>
+            </a:r>
+          </a:p>
+        </p:txBody>
+      </p:sp>
+      <p:sp>
+        <p:nvSpPr>
+          <p:cNvPr id="3" name="Content Placeholder 2">
+            <a:extLst>
+              <a:ext uri="{FF2B5EF4-FFF2-40B4-BE49-F238E27FC236}">
+                <a16:creationId xmlns:a16="http://schemas.microsoft.com/office/drawing/2014/main" id="{D876A20B-97B7-AA87-AE07-1581C0E87091}"/>
+              </a:ext>
+            </a:extLst>
+          </p:cNvPr>
+          <p:cNvSpPr>
+            <a:spLocks noGrp="1"/>
+          </p:cNvSpPr>
+          <p:nvPr>
+            <p:ph idx="1"/>
+          </p:nvPr>
+        </p:nvSpPr>
+        <p:spPr>
+          <a:xfrm>
+            <a:off x="210312" y="1819656"/>
+            <a:ext cx="4850320" cy="3529584"/>
+          </a:xfrm>
+        </p:spPr>
+        <p:txBody>
+          <a:bodyPr>
+            <a:normAutofit/>
+          </a:bodyPr>
+          <a:lstStyle/>
+          <a:p>
+            <a:pPr algn="l"/>
+            <a:r>
+              <a:rPr lang="en-US" sz="1800" b="0" i="0" u="none" strike="noStrike" baseline="0" dirty="0">
+                <a:latin typeface="MinionPro-Regular"/>
+              </a:rPr>
+              <a:t>Values above or below zero indicate the observation’s difference from the variable mean in terms of standard deviations.</a:t>
+            </a:r>
+          </a:p>
+          <a:p>
+            <a:pPr marL="0" indent="0">
+              <a:lnSpc>
+                <a:spcPct val="110000"/>
+              </a:lnSpc>
+              <a:buNone/>
+            </a:pPr>
+            <a:endParaRPr lang="en-US" dirty="0">
+              <a:latin typeface="MinionPro-Regular"/>
+            </a:endParaRPr>
+          </a:p>
+          <a:p>
+            <a:pPr marL="0" indent="0">
+              <a:lnSpc>
+                <a:spcPct val="110000"/>
+              </a:lnSpc>
+              <a:buNone/>
+            </a:pPr>
+            <a:r>
+              <a:rPr lang="en-US" dirty="0">
+                <a:latin typeface="MinionPro-Regular"/>
+              </a:rPr>
+              <a:t>In a normal distribution, one observation has a z-score of 0.5 and another observation has a z-score of -1.2.</a:t>
+            </a:r>
+          </a:p>
+          <a:p>
+            <a:pPr marL="0" indent="0">
+              <a:lnSpc>
+                <a:spcPct val="110000"/>
+              </a:lnSpc>
+              <a:buNone/>
+            </a:pPr>
+            <a:br>
+              <a:rPr lang="en-US" dirty="0">
+                <a:latin typeface="MinionPro-Regular"/>
+              </a:rPr>
+            </a:br>
+            <a:r>
+              <a:rPr lang="en-US" dirty="0">
+                <a:latin typeface="MinionPro-Regular"/>
+              </a:rPr>
+              <a:t>Which observation is farther from the mean?</a:t>
+            </a:r>
+            <a:r>
+              <a:rPr lang="en-US" dirty="0"/>
+              <a:t> 🤔</a:t>
+            </a:r>
+            <a:endParaRPr lang="en-US" dirty="0">
+              <a:latin typeface="MinionPro-Regular"/>
+            </a:endParaRPr>
+          </a:p>
+        </p:txBody>
+      </p:sp>
+      <p:pic>
+        <p:nvPicPr>
+          <p:cNvPr id="5" name="Picture 4">
+            <a:extLst>
+              <a:ext uri="{FF2B5EF4-FFF2-40B4-BE49-F238E27FC236}">
+                <a16:creationId xmlns:a16="http://schemas.microsoft.com/office/drawing/2014/main" id="{03A081B2-E843-D179-DF6D-1AAD742E84C2}"/>
+              </a:ext>
+            </a:extLst>
+          </p:cNvPr>
+          <p:cNvPicPr>
+            <a:picLocks noChangeAspect="1"/>
+          </p:cNvPicPr>
+          <p:nvPr/>
+        </p:nvPicPr>
+        <p:blipFill>
+          <a:blip r:embed="rId2"/>
+          <a:stretch>
+            <a:fillRect/>
+          </a:stretch>
+        </p:blipFill>
+        <p:spPr>
+          <a:xfrm>
+            <a:off x="5060632" y="1426464"/>
+            <a:ext cx="6734175" cy="5417412"/>
+          </a:xfrm>
+          <a:prstGeom prst="rect">
+            <a:avLst/>
+          </a:prstGeom>
+        </p:spPr>
+      </p:pic>
+    </p:spTree>
+    <p:extLst>
+      <p:ext uri="{BB962C8B-B14F-4D97-AF65-F5344CB8AC3E}">
+        <p14:creationId xmlns:p14="http://schemas.microsoft.com/office/powerpoint/2010/main" val="434531166"/>
+      </p:ext>
+    </p:extLst>
+  </p:cSld>
+  <p:clrMapOvr>
+    <a:masterClrMapping/>
+  </p:clrMapOvr>
+</p:sld>
+</file>
+
+<file path=ppt/slides/slide31.xml><?xml version="1.0" encoding="utf-8"?>
+<p:sld xmlns:a="http://schemas.openxmlformats.org/drawingml/2006/main" xmlns:r="http://schemas.openxmlformats.org/officeDocument/2006/relationships" xmlns:p="http://schemas.openxmlformats.org/presentationml/2006/main">
+  <p:cSld>
+    <p:spTree>
+      <p:nvGrpSpPr>
+        <p:cNvPr id="1" name=""/>
+        <p:cNvGrpSpPr/>
+        <p:nvPr/>
+      </p:nvGrpSpPr>
+      <p:grpSpPr>
+        <a:xfrm>
+          <a:off x="0" y="0"/>
+          <a:ext cx="0" cy="0"/>
+          <a:chOff x="0" y="0"/>
+          <a:chExt cx="0" cy="0"/>
+        </a:xfrm>
+      </p:grpSpPr>
+      <p:sp>
+        <p:nvSpPr>
+          <p:cNvPr id="2" name="Title 1">
+            <a:extLst>
+              <a:ext uri="{FF2B5EF4-FFF2-40B4-BE49-F238E27FC236}">
                 <a16:creationId xmlns:a16="http://schemas.microsoft.com/office/drawing/2014/main" id="{F7874227-CB9C-2684-3BF3-D3A2C60B80DF}"/>
               </a:ext>
             </a:extLst>
@@ -15255,7 +15586,7 @@
 </p:sld>
 </file>
 
-<file path=ppt/slides/slide31.xml><?xml version="1.0" encoding="utf-8"?>
+<file path=ppt/slides/slide32.xml><?xml version="1.0" encoding="utf-8"?>
 <p:sld xmlns:a="http://schemas.openxmlformats.org/drawingml/2006/main" xmlns:r="http://schemas.openxmlformats.org/officeDocument/2006/relationships" xmlns:p="http://schemas.openxmlformats.org/presentationml/2006/main">
   <p:cSld>
     <p:spTree>
@@ -15730,7 +16061,7 @@
 </p:sld>
 </file>
 
-<file path=ppt/slides/slide32.xml><?xml version="1.0" encoding="utf-8"?>
+<file path=ppt/slides/slide33.xml><?xml version="1.0" encoding="utf-8"?>
 <p:sld xmlns:a="http://schemas.openxmlformats.org/drawingml/2006/main" xmlns:r="http://schemas.openxmlformats.org/officeDocument/2006/relationships" xmlns:p="http://schemas.openxmlformats.org/presentationml/2006/main">
   <p:cSld>
     <p:spTree>
@@ -16427,7 +16758,7 @@
         </p:spPr>
         <p:txBody>
           <a:bodyPr>
-            <a:normAutofit fontScale="90000"/>
+            <a:noAutofit/>
           </a:bodyPr>
           <a:lstStyle/>
           <a:p>
@@ -16456,7 +16787,7 @@
         </p:nvSpPr>
         <p:spPr>
           <a:xfrm>
-            <a:off x="581192" y="1207008"/>
+            <a:off x="581192" y="1321308"/>
             <a:ext cx="11029615" cy="4948836"/>
           </a:xfrm>
         </p:spPr>
@@ -16467,16 +16798,16 @@
           <a:lstStyle/>
           <a:p>
             <a:r>
-              <a:rPr lang="en-US" dirty="0"/>
+              <a:rPr lang="en-US" sz="2400" dirty="0"/>
               <a:t>A histogram displays data by grouping values into bins (ranges) and shows the frequency of values falling within each bin</a:t>
             </a:r>
           </a:p>
           <a:p>
-            <a:endParaRPr lang="en-US" dirty="0"/>
-          </a:p>
-          <a:p>
-            <a:r>
-              <a:rPr lang="en-US" dirty="0"/>
+            <a:endParaRPr lang="en-US" sz="2400" dirty="0"/>
+          </a:p>
+          <a:p>
+            <a:r>
+              <a:rPr lang="en-US" sz="2400" dirty="0"/>
               <a:t>Why Use a Histogram?</a:t>
             </a:r>
           </a:p>
@@ -16486,7 +16817,7 @@
               <a:buChar char="Ø"/>
             </a:pPr>
             <a:r>
-              <a:rPr lang="en-US" dirty="0"/>
+              <a:rPr lang="en-US" sz="1800" dirty="0"/>
               <a:t>Quickly understand the overall distribution of a dataset.</a:t>
             </a:r>
           </a:p>
@@ -16496,7 +16827,7 @@
               <a:buChar char="Ø"/>
             </a:pPr>
             <a:r>
-              <a:rPr lang="en-US" dirty="0"/>
+              <a:rPr lang="en-US" sz="1800" dirty="0"/>
               <a:t>Identify important characteristics, such as:</a:t>
             </a:r>
           </a:p>
@@ -16506,15 +16837,15 @@
               <a:buAutoNum type="alphaLcParenR"/>
             </a:pPr>
             <a:r>
-              <a:rPr lang="en-US" dirty="0"/>
+              <a:rPr lang="en-US" sz="1800" dirty="0"/>
               <a:t>Whether the data is </a:t>
             </a:r>
             <a:r>
-              <a:rPr lang="en-US" b="1" dirty="0"/>
+              <a:rPr lang="en-US" sz="1800" b="1" dirty="0"/>
               <a:t>normally distributed</a:t>
             </a:r>
             <a:r>
-              <a:rPr lang="en-US" dirty="0"/>
+              <a:rPr lang="en-US" sz="1800" dirty="0"/>
               <a:t>.</a:t>
             </a:r>
           </a:p>
@@ -16524,15 +16855,15 @@
               <a:buAutoNum type="alphaLcParenR"/>
             </a:pPr>
             <a:r>
-              <a:rPr lang="en-US" dirty="0"/>
+              <a:rPr lang="en-US" sz="1800" dirty="0"/>
               <a:t>If the data is </a:t>
             </a:r>
             <a:r>
-              <a:rPr lang="en-US" b="1" dirty="0"/>
+              <a:rPr lang="en-US" sz="1800" b="1" dirty="0"/>
               <a:t>skewed</a:t>
             </a:r>
             <a:r>
-              <a:rPr lang="en-US" dirty="0"/>
+              <a:rPr lang="en-US" sz="1800" dirty="0"/>
               <a:t> (left or right).</a:t>
             </a:r>
           </a:p>
@@ -16542,19 +16873,19 @@
               <a:buAutoNum type="alphaLcParenR"/>
             </a:pPr>
             <a:r>
-              <a:rPr lang="en-US" b="1" dirty="0"/>
+              <a:rPr lang="en-US" sz="1800" b="1" dirty="0"/>
               <a:t>Gaps</a:t>
             </a:r>
             <a:r>
-              <a:rPr lang="en-US" dirty="0"/>
+              <a:rPr lang="en-US" sz="1800" dirty="0"/>
               <a:t> or </a:t>
             </a:r>
             <a:r>
-              <a:rPr lang="en-US" b="1" dirty="0"/>
+              <a:rPr lang="en-US" sz="1800" b="1" dirty="0"/>
               <a:t>clusters</a:t>
             </a:r>
             <a:r>
-              <a:rPr lang="en-US" dirty="0"/>
+              <a:rPr lang="en-US" sz="1800" dirty="0"/>
               <a:t> in the data.</a:t>
             </a:r>
           </a:p>
@@ -16564,15 +16895,15 @@
               <a:buAutoNum type="alphaLcParenR"/>
             </a:pPr>
             <a:r>
-              <a:rPr lang="en-US" dirty="0"/>
+              <a:rPr lang="en-US" sz="1800" dirty="0"/>
               <a:t>The presence of </a:t>
             </a:r>
             <a:r>
-              <a:rPr lang="en-US" b="1" dirty="0"/>
+              <a:rPr lang="en-US" sz="1800" b="1" dirty="0"/>
               <a:t>outliers</a:t>
             </a:r>
             <a:r>
-              <a:rPr lang="en-US" dirty="0"/>
+              <a:rPr lang="en-US" sz="1800" dirty="0"/>
               <a:t>.</a:t>
             </a:r>
           </a:p>
@@ -16809,8 +17140,8 @@
         </p:nvSpPr>
         <p:spPr>
           <a:xfrm>
-            <a:off x="370880" y="1565298"/>
-            <a:ext cx="11029615" cy="1289304"/>
+            <a:off x="361355" y="1306048"/>
+            <a:ext cx="11029615" cy="1674253"/>
           </a:xfrm>
         </p:spPr>
         <p:txBody>
@@ -16820,7 +17151,7 @@
           <a:lstStyle/>
           <a:p>
             <a:r>
-              <a:rPr lang="en-US" dirty="0"/>
+              <a:rPr lang="en-US" sz="2400" dirty="0"/>
               <a:t>What does the distribution of variable tell us?</a:t>
             </a:r>
           </a:p>
@@ -16830,7 +17161,7 @@
               <a:buChar char="Ø"/>
             </a:pPr>
             <a:r>
-              <a:rPr lang="en-US" dirty="0"/>
+              <a:rPr lang="en-US" sz="2000" dirty="0"/>
               <a:t>The spread and central tendency of the distribution</a:t>
             </a:r>
           </a:p>
@@ -16840,7 +17171,7 @@
               <a:buChar char="Ø"/>
             </a:pPr>
             <a:r>
-              <a:rPr lang="en-US" dirty="0"/>
+              <a:rPr lang="en-US" sz="2000" dirty="0"/>
               <a:t>Is the histogram right skewed, left skewed, or symmetric?</a:t>
             </a:r>
           </a:p>
@@ -16952,7 +17283,7 @@
         </p:nvSpPr>
         <p:spPr>
           <a:xfrm>
-            <a:off x="581192" y="702156"/>
+            <a:off x="581192" y="592704"/>
             <a:ext cx="11029616" cy="550572"/>
           </a:xfrm>
           <a:prstGeom prst="rect">

--- a/docs/Lectures/Week03/Week03_DataExploration.pptx
+++ b/docs/Lectures/Week03/Week03_DataExploration.pptx
@@ -6,42 +6,44 @@
     <p:sldMasterId id="2147483686" r:id="rId2"/>
   </p:sldMasterIdLst>
   <p:notesMasterIdLst>
-    <p:notesMasterId r:id="rId36"/>
+    <p:notesMasterId r:id="rId38"/>
   </p:notesMasterIdLst>
   <p:sldIdLst>
     <p:sldId id="256" r:id="rId3"/>
     <p:sldId id="323" r:id="rId4"/>
     <p:sldId id="859" r:id="rId5"/>
     <p:sldId id="860" r:id="rId6"/>
-    <p:sldId id="861" r:id="rId7"/>
-    <p:sldId id="863" r:id="rId8"/>
-    <p:sldId id="864" r:id="rId9"/>
-    <p:sldId id="866" r:id="rId10"/>
-    <p:sldId id="862" r:id="rId11"/>
-    <p:sldId id="865" r:id="rId12"/>
-    <p:sldId id="867" r:id="rId13"/>
-    <p:sldId id="868" r:id="rId14"/>
-    <p:sldId id="849" r:id="rId15"/>
-    <p:sldId id="869" r:id="rId16"/>
-    <p:sldId id="870" r:id="rId17"/>
-    <p:sldId id="871" r:id="rId18"/>
-    <p:sldId id="872" r:id="rId19"/>
-    <p:sldId id="873" r:id="rId20"/>
-    <p:sldId id="887" r:id="rId21"/>
-    <p:sldId id="886" r:id="rId22"/>
-    <p:sldId id="889" r:id="rId23"/>
-    <p:sldId id="882" r:id="rId24"/>
-    <p:sldId id="883" r:id="rId25"/>
-    <p:sldId id="875" r:id="rId26"/>
-    <p:sldId id="876" r:id="rId27"/>
-    <p:sldId id="877" r:id="rId28"/>
-    <p:sldId id="878" r:id="rId29"/>
-    <p:sldId id="853" r:id="rId30"/>
-    <p:sldId id="879" r:id="rId31"/>
-    <p:sldId id="880" r:id="rId32"/>
-    <p:sldId id="885" r:id="rId33"/>
-    <p:sldId id="888" r:id="rId34"/>
-    <p:sldId id="265" r:id="rId35"/>
+    <p:sldId id="890" r:id="rId7"/>
+    <p:sldId id="861" r:id="rId8"/>
+    <p:sldId id="863" r:id="rId9"/>
+    <p:sldId id="864" r:id="rId10"/>
+    <p:sldId id="866" r:id="rId11"/>
+    <p:sldId id="862" r:id="rId12"/>
+    <p:sldId id="865" r:id="rId13"/>
+    <p:sldId id="867" r:id="rId14"/>
+    <p:sldId id="868" r:id="rId15"/>
+    <p:sldId id="849" r:id="rId16"/>
+    <p:sldId id="869" r:id="rId17"/>
+    <p:sldId id="870" r:id="rId18"/>
+    <p:sldId id="871" r:id="rId19"/>
+    <p:sldId id="872" r:id="rId20"/>
+    <p:sldId id="873" r:id="rId21"/>
+    <p:sldId id="887" r:id="rId22"/>
+    <p:sldId id="886" r:id="rId23"/>
+    <p:sldId id="889" r:id="rId24"/>
+    <p:sldId id="882" r:id="rId25"/>
+    <p:sldId id="883" r:id="rId26"/>
+    <p:sldId id="891" r:id="rId27"/>
+    <p:sldId id="875" r:id="rId28"/>
+    <p:sldId id="876" r:id="rId29"/>
+    <p:sldId id="877" r:id="rId30"/>
+    <p:sldId id="878" r:id="rId31"/>
+    <p:sldId id="853" r:id="rId32"/>
+    <p:sldId id="879" r:id="rId33"/>
+    <p:sldId id="880" r:id="rId34"/>
+    <p:sldId id="885" r:id="rId35"/>
+    <p:sldId id="888" r:id="rId36"/>
+    <p:sldId id="265" r:id="rId37"/>
   </p:sldIdLst>
   <p:sldSz cx="12192000" cy="6858000"/>
   <p:notesSz cx="6858000" cy="9144000"/>
@@ -230,7 +232,7 @@
           <a:p>
             <a:fld id="{B696F2DA-24C0-4B85-B3DC-FA6F4BB684E2}" type="datetimeFigureOut">
               <a:rPr lang="en-US" smtClean="0"/>
-              <a:t>1/25/2025</a:t>
+              <a:t>1/27/2025</a:t>
             </a:fld>
             <a:endParaRPr lang="en-US"/>
           </a:p>
@@ -735,7 +737,7 @@
           <a:p>
             <a:fld id="{ED291B17-9318-49DB-B28B-6E5994AE9581}" type="datetime1">
               <a:rPr lang="en-US" smtClean="0"/>
-              <a:t>1/25/2025</a:t>
+              <a:t>1/27/2025</a:t>
             </a:fld>
             <a:endParaRPr lang="en-US" dirty="0"/>
           </a:p>
@@ -938,7 +940,7 @@
           <a:p>
             <a:fld id="{2CED4963-E985-44C4-B8C4-FDD613B7C2F8}" type="datetime1">
               <a:rPr lang="en-US" smtClean="0"/>
-              <a:t>1/25/2025</a:t>
+              <a:t>1/27/2025</a:t>
             </a:fld>
             <a:endParaRPr lang="en-US" dirty="0"/>
           </a:p>
@@ -1300,7 +1302,7 @@
           <a:p>
             <a:fld id="{ED291B17-9318-49DB-B28B-6E5994AE9581}" type="datetime1">
               <a:rPr lang="en-US" smtClean="0"/>
-              <a:t>1/25/2025</a:t>
+              <a:t>1/27/2025</a:t>
             </a:fld>
             <a:endParaRPr lang="en-US" dirty="0"/>
           </a:p>
@@ -1610,7 +1612,7 @@
           <a:p>
             <a:fld id="{ED291B17-9318-49DB-B28B-6E5994AE9581}" type="datetime1">
               <a:rPr lang="en-US" smtClean="0"/>
-              <a:t>1/25/2025</a:t>
+              <a:t>1/27/2025</a:t>
             </a:fld>
             <a:endParaRPr lang="en-US" dirty="0"/>
           </a:p>
@@ -1807,7 +1809,7 @@
           <a:p>
             <a:fld id="{78DD82B9-B8EE-4375-B6FF-88FA6ABB15D9}" type="datetime1">
               <a:rPr lang="en-US" smtClean="0"/>
-              <a:t>1/25/2025</a:t>
+              <a:t>1/27/2025</a:t>
             </a:fld>
             <a:endParaRPr lang="en-US" dirty="0"/>
           </a:p>
@@ -2118,7 +2120,7 @@
           <a:p>
             <a:fld id="{B2497495-0637-405E-AE64-5CC7506D51F5}" type="datetime1">
               <a:rPr lang="en-US" smtClean="0"/>
-              <a:t>1/25/2025</a:t>
+              <a:t>1/27/2025</a:t>
             </a:fld>
             <a:endParaRPr lang="en-US" dirty="0"/>
           </a:p>
@@ -2371,7 +2373,7 @@
           <a:p>
             <a:fld id="{7BFFD690-9426-415D-8B65-26881E07B2D4}" type="datetime1">
               <a:rPr lang="en-US" smtClean="0"/>
-              <a:t>1/25/2025</a:t>
+              <a:t>1/27/2025</a:t>
             </a:fld>
             <a:endParaRPr lang="en-US" dirty="0"/>
           </a:p>
@@ -2793,7 +2795,7 @@
           <a:p>
             <a:fld id="{04C4989A-474C-40DE-95B9-011C28B71673}" type="datetime1">
               <a:rPr lang="en-US" smtClean="0"/>
-              <a:t>1/25/2025</a:t>
+              <a:t>1/27/2025</a:t>
             </a:fld>
             <a:endParaRPr lang="en-US" dirty="0"/>
           </a:p>
@@ -2916,7 +2918,7 @@
           <a:p>
             <a:fld id="{5DB4ED54-5B5E-4A04-93D3-5772E3CE3818}" type="datetime1">
               <a:rPr lang="en-US" smtClean="0"/>
-              <a:t>1/25/2025</a:t>
+              <a:t>1/27/2025</a:t>
             </a:fld>
             <a:endParaRPr lang="en-US" dirty="0"/>
           </a:p>
@@ -3011,7 +3013,7 @@
           <a:p>
             <a:fld id="{4EDE50D6-574B-40AF-946F-D52A04ADE379}" type="datetime1">
               <a:rPr lang="en-US" smtClean="0"/>
-              <a:t>1/25/2025</a:t>
+              <a:t>1/27/2025</a:t>
             </a:fld>
             <a:endParaRPr lang="en-US" dirty="0"/>
           </a:p>
@@ -3387,7 +3389,7 @@
           <a:p>
             <a:fld id="{D82884F1-FFEA-405F-9602-3DCA865EDA4E}" type="datetime1">
               <a:rPr lang="en-US" smtClean="0"/>
-              <a:t>1/25/2025</a:t>
+              <a:t>1/27/2025</a:t>
             </a:fld>
             <a:endParaRPr lang="en-US" dirty="0"/>
           </a:p>
@@ -3594,7 +3596,7 @@
           <a:p>
             <a:fld id="{78DD82B9-B8EE-4375-B6FF-88FA6ABB15D9}" type="datetime1">
               <a:rPr lang="en-US" smtClean="0"/>
-              <a:t>1/25/2025</a:t>
+              <a:t>1/27/2025</a:t>
             </a:fld>
             <a:endParaRPr lang="en-US" dirty="0"/>
           </a:p>
@@ -3876,7 +3878,7 @@
           <a:p>
             <a:fld id="{7E18DB4A-8810-4A10-AD5C-D5E2C667F5B3}" type="datetime1">
               <a:rPr lang="en-US" smtClean="0"/>
-              <a:t>1/25/2025</a:t>
+              <a:t>1/27/2025</a:t>
             </a:fld>
             <a:endParaRPr lang="en-US" dirty="0"/>
           </a:p>
@@ -4068,7 +4070,7 @@
           <a:p>
             <a:fld id="{2CED4963-E985-44C4-B8C4-FDD613B7C2F8}" type="datetime1">
               <a:rPr lang="en-US" smtClean="0"/>
-              <a:t>1/25/2025</a:t>
+              <a:t>1/27/2025</a:t>
             </a:fld>
             <a:endParaRPr lang="en-US" dirty="0"/>
           </a:p>
@@ -4429,7 +4431,7 @@
           <a:p>
             <a:fld id="{ED291B17-9318-49DB-B28B-6E5994AE9581}" type="datetime1">
               <a:rPr lang="en-US" smtClean="0"/>
-              <a:t>1/25/2025</a:t>
+              <a:t>1/27/2025</a:t>
             </a:fld>
             <a:endParaRPr lang="en-US" dirty="0"/>
           </a:p>
@@ -4905,7 +4907,7 @@
           <a:p>
             <a:fld id="{B2497495-0637-405E-AE64-5CC7506D51F5}" type="datetime1">
               <a:rPr lang="en-US" smtClean="0"/>
-              <a:t>1/25/2025</a:t>
+              <a:t>1/27/2025</a:t>
             </a:fld>
             <a:endParaRPr lang="en-US" dirty="0"/>
           </a:p>
@@ -5156,7 +5158,7 @@
           <a:p>
             <a:fld id="{7BFFD690-9426-415D-8B65-26881E07B2D4}" type="datetime1">
               <a:rPr lang="en-US" smtClean="0"/>
-              <a:t>1/25/2025</a:t>
+              <a:t>1/27/2025</a:t>
             </a:fld>
             <a:endParaRPr lang="en-US" dirty="0"/>
           </a:p>
@@ -5576,7 +5578,7 @@
           <a:p>
             <a:fld id="{04C4989A-474C-40DE-95B9-011C28B71673}" type="datetime1">
               <a:rPr lang="en-US" smtClean="0"/>
-              <a:t>1/25/2025</a:t>
+              <a:t>1/27/2025</a:t>
             </a:fld>
             <a:endParaRPr lang="en-US" dirty="0"/>
           </a:p>
@@ -5699,7 +5701,7 @@
           <a:p>
             <a:fld id="{5DB4ED54-5B5E-4A04-93D3-5772E3CE3818}" type="datetime1">
               <a:rPr lang="en-US" smtClean="0"/>
-              <a:t>1/25/2025</a:t>
+              <a:t>1/27/2025</a:t>
             </a:fld>
             <a:endParaRPr lang="en-US" dirty="0"/>
           </a:p>
@@ -5794,7 +5796,7 @@
           <a:p>
             <a:fld id="{4EDE50D6-574B-40AF-946F-D52A04ADE379}" type="datetime1">
               <a:rPr lang="en-US" smtClean="0"/>
-              <a:t>1/25/2025</a:t>
+              <a:t>1/27/2025</a:t>
             </a:fld>
             <a:endParaRPr lang="en-US" dirty="0"/>
           </a:p>
@@ -6170,7 +6172,7 @@
           <a:p>
             <a:fld id="{D82884F1-FFEA-405F-9602-3DCA865EDA4E}" type="datetime1">
               <a:rPr lang="en-US" smtClean="0"/>
-              <a:t>1/25/2025</a:t>
+              <a:t>1/27/2025</a:t>
             </a:fld>
             <a:endParaRPr lang="en-US" dirty="0"/>
           </a:p>
@@ -6463,7 +6465,7 @@
           <a:p>
             <a:fld id="{7E18DB4A-8810-4A10-AD5C-D5E2C667F5B3}" type="datetime1">
               <a:rPr lang="en-US" smtClean="0"/>
-              <a:t>1/25/2025</a:t>
+              <a:t>1/27/2025</a:t>
             </a:fld>
             <a:endParaRPr lang="en-US" dirty="0"/>
           </a:p>
@@ -6678,7 +6680,7 @@
           <a:p>
             <a:fld id="{ED291B17-9318-49DB-B28B-6E5994AE9581}" type="datetime1">
               <a:rPr lang="en-US" smtClean="0"/>
-              <a:t>1/25/2025</a:t>
+              <a:t>1/27/2025</a:t>
             </a:fld>
             <a:endParaRPr lang="en-US" dirty="0"/>
           </a:p>
@@ -7457,7 +7459,7 @@
           <a:p>
             <a:fld id="{ED291B17-9318-49DB-B28B-6E5994AE9581}" type="datetime1">
               <a:rPr lang="en-US" smtClean="0"/>
-              <a:t>1/25/2025</a:t>
+              <a:t>1/27/2025</a:t>
             </a:fld>
             <a:endParaRPr lang="en-US" dirty="0"/>
           </a:p>
@@ -8118,7 +8120,7 @@
                 <a16:creationId xmlns:a16="http://schemas.microsoft.com/office/drawing/2014/main" id="{875485B9-8EE1-447A-9C08-F7D6B532A8CF}"/>
               </a:ext>
               <a:ext uri="{C183D7F6-B498-43B3-948B-1728B52AA6E4}">
-                <adec:decorative xmlns:adec="http://schemas.microsoft.com/office/drawing/2017/decorative" val="1"/>
+                <adec:decorative xmlns:adec="http://schemas.microsoft.com/office/drawing/2017/decorative" xmlns="" val="1"/>
               </a:ext>
             </a:extLst>
           </p:cNvPr>
@@ -8207,7 +8209,7 @@
                 <a16:creationId xmlns:a16="http://schemas.microsoft.com/office/drawing/2014/main" id="{B963707F-B98C-4143-AFCF-D6B56C975C5A}"/>
               </a:ext>
               <a:ext uri="{C183D7F6-B498-43B3-948B-1728B52AA6E4}">
-                <adec:decorative xmlns:adec="http://schemas.microsoft.com/office/drawing/2017/decorative" val="1"/>
+                <adec:decorative xmlns:adec="http://schemas.microsoft.com/office/drawing/2017/decorative" xmlns="" val="1"/>
               </a:ext>
             </a:extLst>
           </p:cNvPr>
@@ -8268,7 +8270,7 @@
                 <a16:creationId xmlns:a16="http://schemas.microsoft.com/office/drawing/2014/main" id="{88D2DFBB-460D-4ECB-BD76-509C99DAD65A}"/>
               </a:ext>
               <a:ext uri="{C183D7F6-B498-43B3-948B-1728B52AA6E4}">
-                <adec:decorative xmlns:adec="http://schemas.microsoft.com/office/drawing/2017/decorative" val="1"/>
+                <adec:decorative xmlns:adec="http://schemas.microsoft.com/office/drawing/2017/decorative" xmlns="" val="1"/>
               </a:ext>
             </a:extLst>
           </p:cNvPr>
@@ -8503,7 +8505,7 @@
           <p:cNvPr id="2" name="Title 1">
             <a:extLst>
               <a:ext uri="{FF2B5EF4-FFF2-40B4-BE49-F238E27FC236}">
-                <a16:creationId xmlns:a16="http://schemas.microsoft.com/office/drawing/2014/main" id="{8FE5D236-4645-FB62-CECE-056B8820B84B}"/>
+                <a16:creationId xmlns:a16="http://schemas.microsoft.com/office/drawing/2014/main" id="{7DC595E3-6B00-7DFB-8B2D-6B3A7092B34C}"/>
               </a:ext>
             </a:extLst>
           </p:cNvPr>
@@ -8516,8 +8518,8 @@
         </p:nvSpPr>
         <p:spPr>
           <a:xfrm>
-            <a:off x="581190" y="583284"/>
-            <a:ext cx="11029616" cy="605436"/>
+            <a:off x="581192" y="702156"/>
+            <a:ext cx="11029616" cy="550572"/>
           </a:xfrm>
         </p:spPr>
         <p:txBody>
@@ -8526,7 +8528,7 @@
           <a:p>
             <a:r>
               <a:rPr lang="en-US" dirty="0"/>
-              <a:t>SIDE-BY-SIDE HISTOGRAM</a:t>
+              <a:t>Shape of distribution: outlier</a:t>
             </a:r>
           </a:p>
         </p:txBody>
@@ -8536,7 +8538,7 @@
           <p:cNvPr id="3" name="Content Placeholder 2">
             <a:extLst>
               <a:ext uri="{FF2B5EF4-FFF2-40B4-BE49-F238E27FC236}">
-                <a16:creationId xmlns:a16="http://schemas.microsoft.com/office/drawing/2014/main" id="{04A586D8-056A-0A4D-B0E7-FF2FDA68FEFC}"/>
+                <a16:creationId xmlns:a16="http://schemas.microsoft.com/office/drawing/2014/main" id="{8781A532-7B6F-34DB-5702-2DCAF6CC5C26}"/>
               </a:ext>
             </a:extLst>
           </p:cNvPr>
@@ -8549,50 +8551,34 @@
         </p:nvSpPr>
         <p:spPr>
           <a:xfrm>
-            <a:off x="581191" y="1188720"/>
-            <a:ext cx="11029615" cy="896112"/>
-          </a:xfrm>
-        </p:spPr>
-        <p:txBody>
-          <a:bodyPr>
-            <a:normAutofit/>
-          </a:bodyPr>
+            <a:off x="581191" y="1344168"/>
+            <a:ext cx="11029615" cy="1014984"/>
+          </a:xfrm>
+        </p:spPr>
+        <p:txBody>
+          <a:bodyPr/>
           <a:lstStyle/>
           <a:p>
             <a:r>
               <a:rPr lang="en-US" dirty="0"/>
-              <a:t>A </a:t>
-            </a:r>
-            <a:r>
-              <a:rPr lang="en-US" b="1" dirty="0"/>
-              <a:t>side-by-side graph</a:t>
-            </a:r>
+              <a:t>What does the distribution of variable tell us?</a:t>
+            </a:r>
+          </a:p>
+          <a:p>
+            <a:pPr lvl="1"/>
             <a:r>
               <a:rPr lang="en-US" dirty="0"/>
-              <a:t> is a comparative visualization technique used to display </a:t>
-            </a:r>
-            <a:r>
-              <a:rPr lang="en-US" b="1" dirty="0"/>
-              <a:t>two related data sets</a:t>
-            </a:r>
-            <a:r>
-              <a:rPr lang="en-US" dirty="0"/>
-              <a:t> next to each other, making it easier to </a:t>
-            </a:r>
-            <a:r>
-              <a:rPr lang="en-US" b="1" dirty="0"/>
-              <a:t>compare values across different categories or groups</a:t>
-            </a:r>
-            <a:endParaRPr lang="en-US" dirty="0"/>
+              <a:t>Detect outliers or unusual observations compared to the rest of the sample</a:t>
+            </a:r>
           </a:p>
         </p:txBody>
       </p:sp>
       <p:pic>
         <p:nvPicPr>
-          <p:cNvPr id="5" name="Picture 4">
+          <p:cNvPr id="15" name="Picture 14">
             <a:extLst>
               <a:ext uri="{FF2B5EF4-FFF2-40B4-BE49-F238E27FC236}">
-                <a16:creationId xmlns:a16="http://schemas.microsoft.com/office/drawing/2014/main" id="{D7A765A1-2C99-6E17-F61E-D05811F77ED3}"/>
+                <a16:creationId xmlns:a16="http://schemas.microsoft.com/office/drawing/2014/main" id="{435F3689-F475-A0B5-93F5-F88B54A8C4C9}"/>
               </a:ext>
             </a:extLst>
           </p:cNvPr>
@@ -8609,8 +8595,8 @@
         </p:blipFill>
         <p:spPr>
           <a:xfrm>
-            <a:off x="2656494" y="2165684"/>
-            <a:ext cx="7591280" cy="4692316"/>
+            <a:off x="2271522" y="2396572"/>
+            <a:ext cx="7119366" cy="4204553"/>
           </a:xfrm>
           <a:prstGeom prst="rect">
             <a:avLst/>
@@ -8620,7 +8606,7 @@
     </p:spTree>
     <p:extLst>
       <p:ext uri="{BB962C8B-B14F-4D97-AF65-F5344CB8AC3E}">
-        <p14:creationId xmlns:p14="http://schemas.microsoft.com/office/powerpoint/2010/main" val="3471289533"/>
+        <p14:creationId xmlns:p14="http://schemas.microsoft.com/office/powerpoint/2010/main" val="1987387741"/>
       </p:ext>
     </p:extLst>
   </p:cSld>
@@ -8652,7 +8638,7 @@
           <p:cNvPr id="2" name="Title 1">
             <a:extLst>
               <a:ext uri="{FF2B5EF4-FFF2-40B4-BE49-F238E27FC236}">
-                <a16:creationId xmlns:a16="http://schemas.microsoft.com/office/drawing/2014/main" id="{413FAB8F-70C9-126B-CA7F-7EEB09D7A1FA}"/>
+                <a16:creationId xmlns:a16="http://schemas.microsoft.com/office/drawing/2014/main" id="{8FE5D236-4645-FB62-CECE-056B8820B84B}"/>
               </a:ext>
             </a:extLst>
           </p:cNvPr>
@@ -8665,8 +8651,8 @@
         </p:nvSpPr>
         <p:spPr>
           <a:xfrm>
-            <a:off x="581192" y="702156"/>
-            <a:ext cx="11029616" cy="532284"/>
+            <a:off x="581190" y="583284"/>
+            <a:ext cx="11029616" cy="605436"/>
           </a:xfrm>
         </p:spPr>
         <p:txBody>
@@ -8675,7 +8661,7 @@
           <a:p>
             <a:r>
               <a:rPr lang="en-US" dirty="0"/>
-              <a:t>Spatial data</a:t>
+              <a:t>SIDE-BY-SIDE HISTOGRAM</a:t>
             </a:r>
           </a:p>
         </p:txBody>
@@ -8685,7 +8671,7 @@
           <p:cNvPr id="3" name="Content Placeholder 2">
             <a:extLst>
               <a:ext uri="{FF2B5EF4-FFF2-40B4-BE49-F238E27FC236}">
-                <a16:creationId xmlns:a16="http://schemas.microsoft.com/office/drawing/2014/main" id="{29EE9FA4-EE2F-D312-94AA-CF518BF9E447}"/>
+                <a16:creationId xmlns:a16="http://schemas.microsoft.com/office/drawing/2014/main" id="{04A586D8-056A-0A4D-B0E7-FF2FDA68FEFC}"/>
               </a:ext>
             </a:extLst>
           </p:cNvPr>
@@ -8698,18 +8684,41 @@
         </p:nvSpPr>
         <p:spPr>
           <a:xfrm>
-            <a:off x="581191" y="1371601"/>
-            <a:ext cx="11029615" cy="532284"/>
-          </a:xfrm>
-        </p:spPr>
-        <p:txBody>
-          <a:bodyPr/>
+            <a:off x="581191" y="1188720"/>
+            <a:ext cx="11029615" cy="896112"/>
+          </a:xfrm>
+        </p:spPr>
+        <p:txBody>
+          <a:bodyPr>
+            <a:normAutofit/>
+          </a:bodyPr>
           <a:lstStyle/>
           <a:p>
             <a:r>
               <a:rPr lang="en-US" dirty="0"/>
-              <a:t>Gradient continuous map theme</a:t>
-            </a:r>
+              <a:t>A </a:t>
+            </a:r>
+            <a:r>
+              <a:rPr lang="en-US" b="1" dirty="0"/>
+              <a:t>side-by-side graph</a:t>
+            </a:r>
+            <a:r>
+              <a:rPr lang="en-US" dirty="0"/>
+              <a:t> is a comparative visualization technique used to display </a:t>
+            </a:r>
+            <a:r>
+              <a:rPr lang="en-US" b="1" dirty="0"/>
+              <a:t>two related data sets</a:t>
+            </a:r>
+            <a:r>
+              <a:rPr lang="en-US" dirty="0"/>
+              <a:t> next to each other, making it easier to </a:t>
+            </a:r>
+            <a:r>
+              <a:rPr lang="en-US" b="1" dirty="0"/>
+              <a:t>compare values across different categories or groups</a:t>
+            </a:r>
+            <a:endParaRPr lang="en-US" dirty="0"/>
           </a:p>
         </p:txBody>
       </p:sp>
@@ -8718,7 +8727,7 @@
           <p:cNvPr id="5" name="Picture 4">
             <a:extLst>
               <a:ext uri="{FF2B5EF4-FFF2-40B4-BE49-F238E27FC236}">
-                <a16:creationId xmlns:a16="http://schemas.microsoft.com/office/drawing/2014/main" id="{24CA931F-7A02-64FE-6E7D-472E9E0FA78D}"/>
+                <a16:creationId xmlns:a16="http://schemas.microsoft.com/office/drawing/2014/main" id="{D7A765A1-2C99-6E17-F61E-D05811F77ED3}"/>
               </a:ext>
             </a:extLst>
           </p:cNvPr>
@@ -8735,8 +8744,8 @@
         </p:blipFill>
         <p:spPr>
           <a:xfrm>
-            <a:off x="2449620" y="1903885"/>
-            <a:ext cx="7618406" cy="4848137"/>
+            <a:off x="2656494" y="2165684"/>
+            <a:ext cx="7591280" cy="4692316"/>
           </a:xfrm>
           <a:prstGeom prst="rect">
             <a:avLst/>
@@ -8746,7 +8755,7 @@
     </p:spTree>
     <p:extLst>
       <p:ext uri="{BB962C8B-B14F-4D97-AF65-F5344CB8AC3E}">
-        <p14:creationId xmlns:p14="http://schemas.microsoft.com/office/powerpoint/2010/main" val="978442699"/>
+        <p14:creationId xmlns:p14="http://schemas.microsoft.com/office/powerpoint/2010/main" val="3471289533"/>
       </p:ext>
     </p:extLst>
   </p:cSld>
@@ -8778,6 +8787,132 @@
           <p:cNvPr id="2" name="Title 1">
             <a:extLst>
               <a:ext uri="{FF2B5EF4-FFF2-40B4-BE49-F238E27FC236}">
+                <a16:creationId xmlns:a16="http://schemas.microsoft.com/office/drawing/2014/main" id="{413FAB8F-70C9-126B-CA7F-7EEB09D7A1FA}"/>
+              </a:ext>
+            </a:extLst>
+          </p:cNvPr>
+          <p:cNvSpPr>
+            <a:spLocks noGrp="1"/>
+          </p:cNvSpPr>
+          <p:nvPr>
+            <p:ph type="title"/>
+          </p:nvPr>
+        </p:nvSpPr>
+        <p:spPr>
+          <a:xfrm>
+            <a:off x="581192" y="702156"/>
+            <a:ext cx="11029616" cy="532284"/>
+          </a:xfrm>
+        </p:spPr>
+        <p:txBody>
+          <a:bodyPr/>
+          <a:lstStyle/>
+          <a:p>
+            <a:r>
+              <a:rPr lang="en-US" dirty="0"/>
+              <a:t>Spatial data</a:t>
+            </a:r>
+          </a:p>
+        </p:txBody>
+      </p:sp>
+      <p:sp>
+        <p:nvSpPr>
+          <p:cNvPr id="3" name="Content Placeholder 2">
+            <a:extLst>
+              <a:ext uri="{FF2B5EF4-FFF2-40B4-BE49-F238E27FC236}">
+                <a16:creationId xmlns:a16="http://schemas.microsoft.com/office/drawing/2014/main" id="{29EE9FA4-EE2F-D312-94AA-CF518BF9E447}"/>
+              </a:ext>
+            </a:extLst>
+          </p:cNvPr>
+          <p:cNvSpPr>
+            <a:spLocks noGrp="1"/>
+          </p:cNvSpPr>
+          <p:nvPr>
+            <p:ph idx="1"/>
+          </p:nvPr>
+        </p:nvSpPr>
+        <p:spPr>
+          <a:xfrm>
+            <a:off x="581191" y="1371601"/>
+            <a:ext cx="11029615" cy="532284"/>
+          </a:xfrm>
+        </p:spPr>
+        <p:txBody>
+          <a:bodyPr/>
+          <a:lstStyle/>
+          <a:p>
+            <a:r>
+              <a:rPr lang="en-US" dirty="0"/>
+              <a:t>Gradient continuous map theme</a:t>
+            </a:r>
+          </a:p>
+        </p:txBody>
+      </p:sp>
+      <p:pic>
+        <p:nvPicPr>
+          <p:cNvPr id="5" name="Picture 4">
+            <a:extLst>
+              <a:ext uri="{FF2B5EF4-FFF2-40B4-BE49-F238E27FC236}">
+                <a16:creationId xmlns:a16="http://schemas.microsoft.com/office/drawing/2014/main" id="{24CA931F-7A02-64FE-6E7D-472E9E0FA78D}"/>
+              </a:ext>
+            </a:extLst>
+          </p:cNvPr>
+          <p:cNvPicPr>
+            <a:picLocks noChangeAspect="1"/>
+          </p:cNvPicPr>
+          <p:nvPr/>
+        </p:nvPicPr>
+        <p:blipFill>
+          <a:blip r:embed="rId2"/>
+          <a:stretch>
+            <a:fillRect/>
+          </a:stretch>
+        </p:blipFill>
+        <p:spPr>
+          <a:xfrm>
+            <a:off x="2449620" y="1903885"/>
+            <a:ext cx="7618406" cy="4848137"/>
+          </a:xfrm>
+          <a:prstGeom prst="rect">
+            <a:avLst/>
+          </a:prstGeom>
+        </p:spPr>
+      </p:pic>
+    </p:spTree>
+    <p:extLst>
+      <p:ext uri="{BB962C8B-B14F-4D97-AF65-F5344CB8AC3E}">
+        <p14:creationId xmlns:p14="http://schemas.microsoft.com/office/powerpoint/2010/main" val="978442699"/>
+      </p:ext>
+    </p:extLst>
+  </p:cSld>
+  <p:clrMapOvr>
+    <a:masterClrMapping/>
+  </p:clrMapOvr>
+</p:sld>
+</file>
+
+<file path=ppt/slides/slide13.xml><?xml version="1.0" encoding="utf-8"?>
+<p:sld xmlns:a="http://schemas.openxmlformats.org/drawingml/2006/main" xmlns:r="http://schemas.openxmlformats.org/officeDocument/2006/relationships" xmlns:p="http://schemas.openxmlformats.org/presentationml/2006/main">
+  <p:cSld>
+    <p:spTree>
+      <p:nvGrpSpPr>
+        <p:cNvPr id="1" name=""/>
+        <p:cNvGrpSpPr/>
+        <p:nvPr/>
+      </p:nvGrpSpPr>
+      <p:grpSpPr>
+        <a:xfrm>
+          <a:off x="0" y="0"/>
+          <a:ext cx="0" cy="0"/>
+          <a:chOff x="0" y="0"/>
+          <a:chExt cx="0" cy="0"/>
+        </a:xfrm>
+      </p:grpSpPr>
+      <p:sp>
+        <p:nvSpPr>
+          <p:cNvPr id="2" name="Title 1">
+            <a:extLst>
+              <a:ext uri="{FF2B5EF4-FFF2-40B4-BE49-F238E27FC236}">
                 <a16:creationId xmlns:a16="http://schemas.microsoft.com/office/drawing/2014/main" id="{8A750566-EFB6-4F9C-3F3B-E228F34DEFAE}"/>
               </a:ext>
             </a:extLst>
@@ -8882,7 +9017,7 @@
 </p:sld>
 </file>
 
-<file path=ppt/slides/slide13.xml><?xml version="1.0" encoding="utf-8"?>
+<file path=ppt/slides/slide14.xml><?xml version="1.0" encoding="utf-8"?>
 <p:sld xmlns:a="http://schemas.openxmlformats.org/drawingml/2006/main" xmlns:r="http://schemas.openxmlformats.org/officeDocument/2006/relationships" xmlns:p="http://schemas.openxmlformats.org/presentationml/2006/main">
   <p:cSld>
     <p:bg>
@@ -8921,7 +9056,7 @@
                 <a16:creationId xmlns:a16="http://schemas.microsoft.com/office/drawing/2014/main" id="{A112547E-198B-9E05-0675-1FBFFDF268DA}"/>
               </a:ext>
               <a:ext uri="{C183D7F6-B498-43B3-948B-1728B52AA6E4}">
-                <adec:decorative xmlns:adec="http://schemas.microsoft.com/office/drawing/2017/decorative" val="1"/>
+                <adec:decorative xmlns:adec="http://schemas.microsoft.com/office/drawing/2017/decorative" xmlns="" val="1"/>
               </a:ext>
             </a:extLst>
           </p:cNvPr>
@@ -9012,7 +9147,7 @@
                 <a16:creationId xmlns:a16="http://schemas.microsoft.com/office/drawing/2014/main" id="{A6C02608-FE1F-FD6B-9F6F-B4C30768B4C9}"/>
               </a:ext>
               <a:ext uri="{C183D7F6-B498-43B3-948B-1728B52AA6E4}">
-                <adec:decorative xmlns:adec="http://schemas.microsoft.com/office/drawing/2017/decorative" val="1"/>
+                <adec:decorative xmlns:adec="http://schemas.microsoft.com/office/drawing/2017/decorative" xmlns="" val="1"/>
               </a:ext>
             </a:extLst>
           </p:cNvPr>
@@ -9103,7 +9238,7 @@
                 <a16:creationId xmlns:a16="http://schemas.microsoft.com/office/drawing/2014/main" id="{12E9E75F-1C63-096E-7E14-9BE2D342A1ED}"/>
               </a:ext>
               <a:ext uri="{C183D7F6-B498-43B3-948B-1728B52AA6E4}">
-                <adec:decorative xmlns:adec="http://schemas.microsoft.com/office/drawing/2017/decorative" val="1"/>
+                <adec:decorative xmlns:adec="http://schemas.microsoft.com/office/drawing/2017/decorative" xmlns="" val="1"/>
               </a:ext>
             </a:extLst>
           </p:cNvPr>
@@ -9194,7 +9329,7 @@
                 <a16:creationId xmlns:a16="http://schemas.microsoft.com/office/drawing/2014/main" id="{183AF455-7B4F-55F8-D6B1-2B568C88E8E0}"/>
               </a:ext>
               <a:ext uri="{C183D7F6-B498-43B3-948B-1728B52AA6E4}">
-                <adec:decorative xmlns:adec="http://schemas.microsoft.com/office/drawing/2017/decorative" val="1"/>
+                <adec:decorative xmlns:adec="http://schemas.microsoft.com/office/drawing/2017/decorative" xmlns="" val="1"/>
               </a:ext>
             </a:extLst>
           </p:cNvPr>
@@ -9285,7 +9420,7 @@
                 <a16:creationId xmlns:a16="http://schemas.microsoft.com/office/drawing/2014/main" id="{A0756C1F-C446-CA3F-DAE7-152750B514F1}"/>
               </a:ext>
               <a:ext uri="{C183D7F6-B498-43B3-948B-1728B52AA6E4}">
-                <adec:decorative xmlns:adec="http://schemas.microsoft.com/office/drawing/2017/decorative" val="1"/>
+                <adec:decorative xmlns:adec="http://schemas.microsoft.com/office/drawing/2017/decorative" xmlns="" val="1"/>
               </a:ext>
             </a:extLst>
           </p:cNvPr>
@@ -9374,7 +9509,7 @@
                 <a16:creationId xmlns:a16="http://schemas.microsoft.com/office/drawing/2014/main" id="{220888DF-7DB4-1AEF-E4AF-3927999299BC}"/>
               </a:ext>
               <a:ext uri="{C183D7F6-B498-43B3-948B-1728B52AA6E4}">
-                <adec:decorative xmlns:adec="http://schemas.microsoft.com/office/drawing/2017/decorative" val="1"/>
+                <adec:decorative xmlns:adec="http://schemas.microsoft.com/office/drawing/2017/decorative" xmlns="" val="1"/>
               </a:ext>
             </a:extLst>
           </p:cNvPr>
@@ -9465,7 +9600,7 @@
                 <a16:creationId xmlns:a16="http://schemas.microsoft.com/office/drawing/2014/main" id="{3F390241-4877-3308-BA74-05531D4D2555}"/>
               </a:ext>
               <a:ext uri="{C183D7F6-B498-43B3-948B-1728B52AA6E4}">
-                <adec:decorative xmlns:adec="http://schemas.microsoft.com/office/drawing/2017/decorative" val="1"/>
+                <adec:decorative xmlns:adec="http://schemas.microsoft.com/office/drawing/2017/decorative" xmlns="" val="1"/>
               </a:ext>
             </a:extLst>
           </p:cNvPr>
@@ -9598,7 +9733,7 @@
                 <a16:creationId xmlns:a16="http://schemas.microsoft.com/office/drawing/2014/main" id="{0D6AF533-F0C8-5AC9-93C3-6606EF7122A9}"/>
               </a:ext>
               <a:ext uri="{C183D7F6-B498-43B3-948B-1728B52AA6E4}">
-                <adec:decorative xmlns:adec="http://schemas.microsoft.com/office/drawing/2017/decorative" val="1"/>
+                <adec:decorative xmlns:adec="http://schemas.microsoft.com/office/drawing/2017/decorative" xmlns="" val="1"/>
               </a:ext>
             </a:extLst>
           </p:cNvPr>
@@ -9788,158 +9923,6 @@
 </p:sld>
 </file>
 
-<file path=ppt/slides/slide14.xml><?xml version="1.0" encoding="utf-8"?>
-<p:sld xmlns:a="http://schemas.openxmlformats.org/drawingml/2006/main" xmlns:r="http://schemas.openxmlformats.org/officeDocument/2006/relationships" xmlns:p="http://schemas.openxmlformats.org/presentationml/2006/main">
-  <p:cSld>
-    <p:spTree>
-      <p:nvGrpSpPr>
-        <p:cNvPr id="1" name=""/>
-        <p:cNvGrpSpPr/>
-        <p:nvPr/>
-      </p:nvGrpSpPr>
-      <p:grpSpPr>
-        <a:xfrm>
-          <a:off x="0" y="0"/>
-          <a:ext cx="0" cy="0"/>
-          <a:chOff x="0" y="0"/>
-          <a:chExt cx="0" cy="0"/>
-        </a:xfrm>
-      </p:grpSpPr>
-      <p:sp>
-        <p:nvSpPr>
-          <p:cNvPr id="2" name="Title 1">
-            <a:extLst>
-              <a:ext uri="{FF2B5EF4-FFF2-40B4-BE49-F238E27FC236}">
-                <a16:creationId xmlns:a16="http://schemas.microsoft.com/office/drawing/2014/main" id="{BDF4D790-C068-F6D0-E6DC-BB410E051CC5}"/>
-              </a:ext>
-            </a:extLst>
-          </p:cNvPr>
-          <p:cNvSpPr>
-            <a:spLocks noGrp="1"/>
-          </p:cNvSpPr>
-          <p:nvPr>
-            <p:ph type="title"/>
-          </p:nvPr>
-        </p:nvSpPr>
-        <p:spPr>
-          <a:xfrm>
-            <a:off x="581192" y="702156"/>
-            <a:ext cx="11029616" cy="532284"/>
-          </a:xfrm>
-        </p:spPr>
-        <p:txBody>
-          <a:bodyPr/>
-          <a:lstStyle/>
-          <a:p>
-            <a:r>
-              <a:rPr lang="en-US" dirty="0"/>
-              <a:t>Data description</a:t>
-            </a:r>
-          </a:p>
-        </p:txBody>
-      </p:sp>
-      <p:sp>
-        <p:nvSpPr>
-          <p:cNvPr id="3" name="Content Placeholder 2">
-            <a:extLst>
-              <a:ext uri="{FF2B5EF4-FFF2-40B4-BE49-F238E27FC236}">
-                <a16:creationId xmlns:a16="http://schemas.microsoft.com/office/drawing/2014/main" id="{E87C3F84-867C-ADFB-9FB1-0AE3518F5760}"/>
-              </a:ext>
-            </a:extLst>
-          </p:cNvPr>
-          <p:cNvSpPr>
-            <a:spLocks noGrp="1"/>
-          </p:cNvSpPr>
-          <p:nvPr>
-            <p:ph idx="1"/>
-          </p:nvPr>
-        </p:nvSpPr>
-        <p:spPr>
-          <a:xfrm>
-            <a:off x="581193" y="1655064"/>
-            <a:ext cx="11029615" cy="4407408"/>
-          </a:xfrm>
-        </p:spPr>
-        <p:txBody>
-          <a:bodyPr>
-            <a:normAutofit/>
-          </a:bodyPr>
-          <a:lstStyle/>
-          <a:p>
-            <a:r>
-              <a:rPr lang="en-US" dirty="0"/>
-              <a:t>Describing the distributions of a variable is a very import steps of any data analysis. </a:t>
-            </a:r>
-          </a:p>
-          <a:p>
-            <a:r>
-              <a:rPr lang="en-US" dirty="0"/>
-              <a:t>The distribution or shape of a univariate distribution can have substantial impact on the outcome of statistical analysis. </a:t>
-            </a:r>
-          </a:p>
-          <a:p>
-            <a:r>
-              <a:rPr lang="en-US" dirty="0"/>
-              <a:t>For example, skewness data may influence the outcome of statistical analysis and parameter estimations. </a:t>
-            </a:r>
-          </a:p>
-          <a:p>
-            <a:r>
-              <a:rPr lang="en-US" dirty="0"/>
-              <a:t>Most methods assume the variables are symmetric and normally distributed. </a:t>
-            </a:r>
-          </a:p>
-          <a:p>
-            <a:r>
-              <a:rPr lang="en-US" dirty="0"/>
-              <a:t>Why do normal distribution matter?</a:t>
-            </a:r>
-          </a:p>
-          <a:p>
-            <a:pPr lvl="1">
-              <a:buFont typeface="Wingdings" panose="05000000000000000000" pitchFamily="2" charset="2"/>
-              <a:buChar char="Ø"/>
-            </a:pPr>
-            <a:r>
-              <a:rPr lang="en-US" dirty="0"/>
-              <a:t>Parameter estimation: Most parametric models estimate parameters (mean, variance) based on the assumption that the data follows a normal distribution.</a:t>
-            </a:r>
-          </a:p>
-          <a:p>
-            <a:pPr lvl="1">
-              <a:buFont typeface="Wingdings" panose="05000000000000000000" pitchFamily="2" charset="2"/>
-              <a:buChar char="Ø"/>
-            </a:pPr>
-            <a:r>
-              <a:rPr lang="en-US" dirty="0"/>
-              <a:t>Hypothesis testing: Tests like t-tests and ANOVA require normal distribution to calculate valid p-values.</a:t>
-            </a:r>
-          </a:p>
-          <a:p>
-            <a:pPr lvl="1">
-              <a:buFont typeface="Wingdings" panose="05000000000000000000" pitchFamily="2" charset="2"/>
-              <a:buChar char="Ø"/>
-            </a:pPr>
-            <a:r>
-              <a:rPr lang="en-US" dirty="0"/>
-              <a:t>Inference: For methods like linear regression, normally distributed residuals are important for making accurate predictions.</a:t>
-            </a:r>
-          </a:p>
-        </p:txBody>
-      </p:sp>
-    </p:spTree>
-    <p:extLst>
-      <p:ext uri="{BB962C8B-B14F-4D97-AF65-F5344CB8AC3E}">
-        <p14:creationId xmlns:p14="http://schemas.microsoft.com/office/powerpoint/2010/main" val="2642976971"/>
-      </p:ext>
-    </p:extLst>
-  </p:cSld>
-  <p:clrMapOvr>
-    <a:masterClrMapping/>
-  </p:clrMapOvr>
-</p:sld>
-</file>
-
 <file path=ppt/slides/slide15.xml><?xml version="1.0" encoding="utf-8"?>
 <p:sld xmlns:a="http://schemas.openxmlformats.org/drawingml/2006/main" xmlns:r="http://schemas.openxmlformats.org/officeDocument/2006/relationships" xmlns:p="http://schemas.openxmlformats.org/presentationml/2006/main">
   <p:cSld>
@@ -9962,7 +9945,7 @@
           <p:cNvPr id="2" name="Title 1">
             <a:extLst>
               <a:ext uri="{FF2B5EF4-FFF2-40B4-BE49-F238E27FC236}">
-                <a16:creationId xmlns:a16="http://schemas.microsoft.com/office/drawing/2014/main" id="{F9FC271B-465F-DF0C-D0D3-381410A109F1}"/>
+                <a16:creationId xmlns:a16="http://schemas.microsoft.com/office/drawing/2014/main" id="{BDF4D790-C068-F6D0-E6DC-BB410E051CC5}"/>
               </a:ext>
             </a:extLst>
           </p:cNvPr>
@@ -9975,8 +9958,8 @@
         </p:nvSpPr>
         <p:spPr>
           <a:xfrm>
-            <a:off x="581193" y="619860"/>
-            <a:ext cx="11029616" cy="541428"/>
+            <a:off x="581192" y="702156"/>
+            <a:ext cx="11029616" cy="532284"/>
           </a:xfrm>
         </p:spPr>
         <p:txBody>
@@ -9985,7 +9968,7 @@
           <a:p>
             <a:r>
               <a:rPr lang="en-US" dirty="0"/>
-              <a:t>normality</a:t>
+              <a:t>Data description</a:t>
             </a:r>
           </a:p>
         </p:txBody>
@@ -9995,7 +9978,7 @@
           <p:cNvPr id="3" name="Content Placeholder 2">
             <a:extLst>
               <a:ext uri="{FF2B5EF4-FFF2-40B4-BE49-F238E27FC236}">
-                <a16:creationId xmlns:a16="http://schemas.microsoft.com/office/drawing/2014/main" id="{765A1464-7859-0D93-6826-52432B72F371}"/>
+                <a16:creationId xmlns:a16="http://schemas.microsoft.com/office/drawing/2014/main" id="{E87C3F84-867C-ADFB-9FB1-0AE3518F5760}"/>
               </a:ext>
             </a:extLst>
           </p:cNvPr>
@@ -10008,8 +9991,8 @@
         </p:nvSpPr>
         <p:spPr>
           <a:xfrm>
-            <a:off x="581193" y="1344168"/>
-            <a:ext cx="11029615" cy="2560320"/>
+            <a:off x="581193" y="1655064"/>
+            <a:ext cx="11029615" cy="3875298"/>
           </a:xfrm>
         </p:spPr>
         <p:txBody>
@@ -10020,19 +10003,61 @@
           <a:p>
             <a:r>
               <a:rPr lang="en-US" dirty="0"/>
-              <a:t>The normal distribution is a bell-shaped curve that represents a continuous probability distribution with the highest density of observations clustered around the mean. </a:t>
+              <a:t>Describing the distributions of a variable is a very import steps of any data analysis. </a:t>
             </a:r>
           </a:p>
           <a:p>
             <a:r>
               <a:rPr lang="en-US" dirty="0"/>
-              <a:t>As you move farther from the mean in either direction, the frequency of observations gradually decreases, resulting in symmetry about the center. </a:t>
+              <a:t>The distribution or shape of a univariate distribution can have substantial impact on the outcome of statistical analysis. </a:t>
             </a:r>
           </a:p>
           <a:p>
             <a:r>
               <a:rPr lang="en-US" dirty="0"/>
-              <a:t>The distribution is fully characterized by two parameters: the mean (μ), which determines the central location of the curve, and the standard deviation (σ), which controls the spread or dispersion of the data.</a:t>
+              <a:t>For example, skewness data may influence the outcome of statistical analysis and parameter estimations. </a:t>
+            </a:r>
+          </a:p>
+          <a:p>
+            <a:r>
+              <a:rPr lang="en-US" dirty="0"/>
+              <a:t>Most methods assume the variables are symmetric and normally distributed. </a:t>
+            </a:r>
+          </a:p>
+          <a:p>
+            <a:r>
+              <a:rPr lang="en-US" dirty="0"/>
+              <a:t>Why do normal distribution matter?</a:t>
+            </a:r>
+          </a:p>
+          <a:p>
+            <a:pPr lvl="1">
+              <a:buFont typeface="Wingdings" panose="05000000000000000000" pitchFamily="2" charset="2"/>
+              <a:buChar char="Ø"/>
+            </a:pPr>
+            <a:r>
+              <a:rPr lang="en-US" dirty="0"/>
+              <a:t>Parameter estimation: Most parametric models estimate parameters (mean, variance) based on the assumption that the data follows a normal distribution.</a:t>
+            </a:r>
+          </a:p>
+          <a:p>
+            <a:pPr lvl="1">
+              <a:buFont typeface="Wingdings" panose="05000000000000000000" pitchFamily="2" charset="2"/>
+              <a:buChar char="Ø"/>
+            </a:pPr>
+            <a:r>
+              <a:rPr lang="en-US" dirty="0"/>
+              <a:t>Hypothesis testing: Tests like t-tests and ANOVA require normal distribution to calculate valid p-values.</a:t>
+            </a:r>
+          </a:p>
+          <a:p>
+            <a:pPr lvl="1">
+              <a:buFont typeface="Wingdings" panose="05000000000000000000" pitchFamily="2" charset="2"/>
+              <a:buChar char="Ø"/>
+            </a:pPr>
+            <a:r>
+              <a:rPr lang="en-US" dirty="0"/>
+              <a:t>Inference: For methods like linear regression, normally distributed residuals are important for making accurate predictions.</a:t>
             </a:r>
           </a:p>
         </p:txBody>
@@ -10040,7 +10065,7 @@
     </p:spTree>
     <p:extLst>
       <p:ext uri="{BB962C8B-B14F-4D97-AF65-F5344CB8AC3E}">
-        <p14:creationId xmlns:p14="http://schemas.microsoft.com/office/powerpoint/2010/main" val="3380085749"/>
+        <p14:creationId xmlns:p14="http://schemas.microsoft.com/office/powerpoint/2010/main" val="2642976971"/>
       </p:ext>
     </p:extLst>
   </p:cSld>
@@ -10069,10 +10094,43 @@
       </p:grpSpPr>
       <p:sp>
         <p:nvSpPr>
+          <p:cNvPr id="2" name="Title 1">
+            <a:extLst>
+              <a:ext uri="{FF2B5EF4-FFF2-40B4-BE49-F238E27FC236}">
+                <a16:creationId xmlns:a16="http://schemas.microsoft.com/office/drawing/2014/main" id="{F9FC271B-465F-DF0C-D0D3-381410A109F1}"/>
+              </a:ext>
+            </a:extLst>
+          </p:cNvPr>
+          <p:cNvSpPr>
+            <a:spLocks noGrp="1"/>
+          </p:cNvSpPr>
+          <p:nvPr>
+            <p:ph type="title"/>
+          </p:nvPr>
+        </p:nvSpPr>
+        <p:spPr>
+          <a:xfrm>
+            <a:off x="581193" y="619860"/>
+            <a:ext cx="11029616" cy="541428"/>
+          </a:xfrm>
+        </p:spPr>
+        <p:txBody>
+          <a:bodyPr/>
+          <a:lstStyle/>
+          <a:p>
+            <a:r>
+              <a:rPr lang="en-US" dirty="0"/>
+              <a:t>normality</a:t>
+            </a:r>
+          </a:p>
+        </p:txBody>
+      </p:sp>
+      <p:sp>
+        <p:nvSpPr>
           <p:cNvPr id="3" name="Content Placeholder 2">
             <a:extLst>
               <a:ext uri="{FF2B5EF4-FFF2-40B4-BE49-F238E27FC236}">
-                <a16:creationId xmlns:a16="http://schemas.microsoft.com/office/drawing/2014/main" id="{0120D5B9-CABF-7E21-0319-7F4CA0F6F5C7}"/>
+                <a16:creationId xmlns:a16="http://schemas.microsoft.com/office/drawing/2014/main" id="{765A1464-7859-0D93-6826-52432B72F371}"/>
               </a:ext>
             </a:extLst>
           </p:cNvPr>
@@ -10085,8 +10143,8 @@
         </p:nvSpPr>
         <p:spPr>
           <a:xfrm>
-            <a:off x="436813" y="954826"/>
-            <a:ext cx="11029615" cy="1248878"/>
+            <a:off x="581193" y="1344168"/>
+            <a:ext cx="11029615" cy="2560320"/>
           </a:xfrm>
         </p:spPr>
         <p:txBody>
@@ -10097,81 +10155,27 @@
           <a:p>
             <a:r>
               <a:rPr lang="en-US" dirty="0"/>
-              <a:t>Which graph shows curves with the same mean but different standard deviations?</a:t>
+              <a:t>The normal distribution is a bell-shaped curve that represents a continuous probability distribution with the highest density of observations clustered around the mean. </a:t>
             </a:r>
           </a:p>
           <a:p>
             <a:r>
               <a:rPr lang="en-US" dirty="0"/>
-              <a:t>Which graph shows curves with the same standard deviation but different means? 🤔</a:t>
-            </a:r>
-          </a:p>
-        </p:txBody>
-      </p:sp>
-      <p:pic>
-        <p:nvPicPr>
-          <p:cNvPr id="5" name="Picture 4">
-            <a:extLst>
-              <a:ext uri="{FF2B5EF4-FFF2-40B4-BE49-F238E27FC236}">
-                <a16:creationId xmlns:a16="http://schemas.microsoft.com/office/drawing/2014/main" id="{E50ABFB0-D2CF-33B7-54A6-115048BCA82F}"/>
-              </a:ext>
-            </a:extLst>
-          </p:cNvPr>
-          <p:cNvPicPr>
-            <a:picLocks noChangeAspect="1"/>
-          </p:cNvPicPr>
-          <p:nvPr/>
-        </p:nvPicPr>
-        <p:blipFill>
-          <a:blip r:embed="rId2"/>
-          <a:stretch>
-            <a:fillRect/>
-          </a:stretch>
-        </p:blipFill>
-        <p:spPr>
-          <a:xfrm>
-            <a:off x="253365" y="2660904"/>
-            <a:ext cx="5916429" cy="4143375"/>
-          </a:xfrm>
-          <a:prstGeom prst="rect">
-            <a:avLst/>
-          </a:prstGeom>
-        </p:spPr>
-      </p:pic>
-      <p:pic>
-        <p:nvPicPr>
-          <p:cNvPr id="7" name="Picture 6">
-            <a:extLst>
-              <a:ext uri="{FF2B5EF4-FFF2-40B4-BE49-F238E27FC236}">
-                <a16:creationId xmlns:a16="http://schemas.microsoft.com/office/drawing/2014/main" id="{76317797-6A91-4105-9C4E-697C08A7A82E}"/>
-              </a:ext>
-            </a:extLst>
-          </p:cNvPr>
-          <p:cNvPicPr>
-            <a:picLocks noChangeAspect="1"/>
-          </p:cNvPicPr>
-          <p:nvPr/>
-        </p:nvPicPr>
-        <p:blipFill>
-          <a:blip r:embed="rId3"/>
-          <a:stretch>
-            <a:fillRect/>
-          </a:stretch>
-        </p:blipFill>
-        <p:spPr>
-          <a:xfrm>
-            <a:off x="6169794" y="2634435"/>
-            <a:ext cx="5994384" cy="4133850"/>
-          </a:xfrm>
-          <a:prstGeom prst="rect">
-            <a:avLst/>
-          </a:prstGeom>
-        </p:spPr>
-      </p:pic>
+              <a:t>As you move farther from the mean in either direction, the frequency of observations gradually decreases, resulting in symmetry about the center. </a:t>
+            </a:r>
+          </a:p>
+          <a:p>
+            <a:r>
+              <a:rPr lang="en-US" dirty="0"/>
+              <a:t>The distribution is fully characterized by two parameters: the mean (μ), which determines the central location of the curve, and the standard deviation (σ), which controls the spread or dispersion of the data.</a:t>
+            </a:r>
+          </a:p>
+        </p:txBody>
+      </p:sp>
     </p:spTree>
     <p:extLst>
       <p:ext uri="{BB962C8B-B14F-4D97-AF65-F5344CB8AC3E}">
-        <p14:creationId xmlns:p14="http://schemas.microsoft.com/office/powerpoint/2010/main" val="2133335298"/>
+        <p14:creationId xmlns:p14="http://schemas.microsoft.com/office/powerpoint/2010/main" val="3380085749"/>
       </p:ext>
     </p:extLst>
   </p:cSld>
@@ -10200,6 +10204,137 @@
       </p:grpSpPr>
       <p:sp>
         <p:nvSpPr>
+          <p:cNvPr id="3" name="Content Placeholder 2">
+            <a:extLst>
+              <a:ext uri="{FF2B5EF4-FFF2-40B4-BE49-F238E27FC236}">
+                <a16:creationId xmlns:a16="http://schemas.microsoft.com/office/drawing/2014/main" id="{0120D5B9-CABF-7E21-0319-7F4CA0F6F5C7}"/>
+              </a:ext>
+            </a:extLst>
+          </p:cNvPr>
+          <p:cNvSpPr>
+            <a:spLocks noGrp="1"/>
+          </p:cNvSpPr>
+          <p:nvPr>
+            <p:ph idx="1"/>
+          </p:nvPr>
+        </p:nvSpPr>
+        <p:spPr>
+          <a:xfrm>
+            <a:off x="436813" y="954826"/>
+            <a:ext cx="11029615" cy="1248878"/>
+          </a:xfrm>
+        </p:spPr>
+        <p:txBody>
+          <a:bodyPr>
+            <a:normAutofit/>
+          </a:bodyPr>
+          <a:lstStyle/>
+          <a:p>
+            <a:r>
+              <a:rPr lang="en-US" dirty="0"/>
+              <a:t>Which graph shows curves with the same mean but different standard deviations?</a:t>
+            </a:r>
+          </a:p>
+          <a:p>
+            <a:r>
+              <a:rPr lang="en-US" dirty="0"/>
+              <a:t>Which graph shows curves with the same standard deviation but different means? 🤔</a:t>
+            </a:r>
+          </a:p>
+        </p:txBody>
+      </p:sp>
+      <p:pic>
+        <p:nvPicPr>
+          <p:cNvPr id="5" name="Picture 4">
+            <a:extLst>
+              <a:ext uri="{FF2B5EF4-FFF2-40B4-BE49-F238E27FC236}">
+                <a16:creationId xmlns:a16="http://schemas.microsoft.com/office/drawing/2014/main" id="{E50ABFB0-D2CF-33B7-54A6-115048BCA82F}"/>
+              </a:ext>
+            </a:extLst>
+          </p:cNvPr>
+          <p:cNvPicPr>
+            <a:picLocks noChangeAspect="1"/>
+          </p:cNvPicPr>
+          <p:nvPr/>
+        </p:nvPicPr>
+        <p:blipFill>
+          <a:blip r:embed="rId2"/>
+          <a:stretch>
+            <a:fillRect/>
+          </a:stretch>
+        </p:blipFill>
+        <p:spPr>
+          <a:xfrm>
+            <a:off x="253365" y="2660904"/>
+            <a:ext cx="5916429" cy="4143375"/>
+          </a:xfrm>
+          <a:prstGeom prst="rect">
+            <a:avLst/>
+          </a:prstGeom>
+        </p:spPr>
+      </p:pic>
+      <p:pic>
+        <p:nvPicPr>
+          <p:cNvPr id="7" name="Picture 6">
+            <a:extLst>
+              <a:ext uri="{FF2B5EF4-FFF2-40B4-BE49-F238E27FC236}">
+                <a16:creationId xmlns:a16="http://schemas.microsoft.com/office/drawing/2014/main" id="{76317797-6A91-4105-9C4E-697C08A7A82E}"/>
+              </a:ext>
+            </a:extLst>
+          </p:cNvPr>
+          <p:cNvPicPr>
+            <a:picLocks noChangeAspect="1"/>
+          </p:cNvPicPr>
+          <p:nvPr/>
+        </p:nvPicPr>
+        <p:blipFill>
+          <a:blip r:embed="rId3"/>
+          <a:stretch>
+            <a:fillRect/>
+          </a:stretch>
+        </p:blipFill>
+        <p:spPr>
+          <a:xfrm>
+            <a:off x="6169794" y="2634435"/>
+            <a:ext cx="5994384" cy="4133850"/>
+          </a:xfrm>
+          <a:prstGeom prst="rect">
+            <a:avLst/>
+          </a:prstGeom>
+        </p:spPr>
+      </p:pic>
+    </p:spTree>
+    <p:extLst>
+      <p:ext uri="{BB962C8B-B14F-4D97-AF65-F5344CB8AC3E}">
+        <p14:creationId xmlns:p14="http://schemas.microsoft.com/office/powerpoint/2010/main" val="2133335298"/>
+      </p:ext>
+    </p:extLst>
+  </p:cSld>
+  <p:clrMapOvr>
+    <a:masterClrMapping/>
+  </p:clrMapOvr>
+</p:sld>
+</file>
+
+<file path=ppt/slides/slide18.xml><?xml version="1.0" encoding="utf-8"?>
+<p:sld xmlns:a="http://schemas.openxmlformats.org/drawingml/2006/main" xmlns:r="http://schemas.openxmlformats.org/officeDocument/2006/relationships" xmlns:p="http://schemas.openxmlformats.org/presentationml/2006/main">
+  <p:cSld>
+    <p:spTree>
+      <p:nvGrpSpPr>
+        <p:cNvPr id="1" name=""/>
+        <p:cNvGrpSpPr/>
+        <p:nvPr/>
+      </p:nvGrpSpPr>
+      <p:grpSpPr>
+        <a:xfrm>
+          <a:off x="0" y="0"/>
+          <a:ext cx="0" cy="0"/>
+          <a:chOff x="0" y="0"/>
+          <a:chExt cx="0" cy="0"/>
+        </a:xfrm>
+      </p:grpSpPr>
+      <p:sp>
+        <p:nvSpPr>
           <p:cNvPr id="2" name="Title 1">
             <a:extLst>
               <a:ext uri="{FF2B5EF4-FFF2-40B4-BE49-F238E27FC236}">
@@ -10583,7 +10718,7 @@
 </p:sld>
 </file>
 
-<file path=ppt/slides/slide18.xml><?xml version="1.0" encoding="utf-8"?>
+<file path=ppt/slides/slide19.xml><?xml version="1.0" encoding="utf-8"?>
 <p:sld xmlns:a="http://schemas.openxmlformats.org/drawingml/2006/main" xmlns:r="http://schemas.openxmlformats.org/officeDocument/2006/relationships" xmlns:p="http://schemas.openxmlformats.org/presentationml/2006/main">
   <p:cSld>
     <p:spTree>
@@ -11230,138 +11365,6 @@
 </p:sld>
 </file>
 
-<file path=ppt/slides/slide19.xml><?xml version="1.0" encoding="utf-8"?>
-<p:sld xmlns:a="http://schemas.openxmlformats.org/drawingml/2006/main" xmlns:r="http://schemas.openxmlformats.org/officeDocument/2006/relationships" xmlns:p="http://schemas.openxmlformats.org/presentationml/2006/main">
-  <p:cSld>
-    <p:spTree>
-      <p:nvGrpSpPr>
-        <p:cNvPr id="1" name=""/>
-        <p:cNvGrpSpPr/>
-        <p:nvPr/>
-      </p:nvGrpSpPr>
-      <p:grpSpPr>
-        <a:xfrm>
-          <a:off x="0" y="0"/>
-          <a:ext cx="0" cy="0"/>
-          <a:chOff x="0" y="0"/>
-          <a:chExt cx="0" cy="0"/>
-        </a:xfrm>
-      </p:grpSpPr>
-      <p:sp>
-        <p:nvSpPr>
-          <p:cNvPr id="2" name="Title 1">
-            <a:extLst>
-              <a:ext uri="{FF2B5EF4-FFF2-40B4-BE49-F238E27FC236}">
-                <a16:creationId xmlns:a16="http://schemas.microsoft.com/office/drawing/2014/main" id="{D48ADCC1-9FDF-4850-BE21-3232C04B5FA6}"/>
-              </a:ext>
-            </a:extLst>
-          </p:cNvPr>
-          <p:cNvSpPr>
-            <a:spLocks noGrp="1"/>
-          </p:cNvSpPr>
-          <p:nvPr>
-            <p:ph type="title"/>
-          </p:nvPr>
-        </p:nvSpPr>
-        <p:spPr>
-          <a:xfrm>
-            <a:off x="581192" y="702156"/>
-            <a:ext cx="11029616" cy="532284"/>
-          </a:xfrm>
-        </p:spPr>
-        <p:txBody>
-          <a:bodyPr/>
-          <a:lstStyle/>
-          <a:p>
-            <a:r>
-              <a:rPr lang="en-US" dirty="0"/>
-              <a:t>OUTLIER IN UNIVARIATE</a:t>
-            </a:r>
-          </a:p>
-        </p:txBody>
-      </p:sp>
-      <p:sp>
-        <p:nvSpPr>
-          <p:cNvPr id="3" name="Content Placeholder 2">
-            <a:extLst>
-              <a:ext uri="{FF2B5EF4-FFF2-40B4-BE49-F238E27FC236}">
-                <a16:creationId xmlns:a16="http://schemas.microsoft.com/office/drawing/2014/main" id="{200FE3C0-3A0B-EA6E-725F-E68C39928911}"/>
-              </a:ext>
-            </a:extLst>
-          </p:cNvPr>
-          <p:cNvSpPr>
-            <a:spLocks noGrp="1"/>
-          </p:cNvSpPr>
-          <p:nvPr>
-            <p:ph idx="1"/>
-          </p:nvPr>
-        </p:nvSpPr>
-        <p:spPr>
-          <a:xfrm>
-            <a:off x="581193" y="1380743"/>
-            <a:ext cx="11029615" cy="3886581"/>
-          </a:xfrm>
-        </p:spPr>
-        <p:txBody>
-          <a:bodyPr>
-            <a:noAutofit/>
-          </a:bodyPr>
-          <a:lstStyle/>
-          <a:p>
-            <a:pPr algn="l"/>
-            <a:r>
-              <a:rPr lang="en-US" sz="2000" b="0" i="0" u="none" strike="noStrike" baseline="0" dirty="0">
-                <a:latin typeface="MinionPro-Regular"/>
-              </a:rPr>
-              <a:t>Outliers are observations with a unique combination of characteristics indicating they are distinctly different from the other observations.</a:t>
-            </a:r>
-          </a:p>
-          <a:p>
-            <a:pPr algn="l"/>
-            <a:endParaRPr lang="en-US" sz="2000" dirty="0">
-              <a:latin typeface="MinionPro-Regular"/>
-            </a:endParaRPr>
-          </a:p>
-          <a:p>
-            <a:pPr algn="l"/>
-            <a:r>
-              <a:rPr lang="en-US" sz="2000" b="0" i="0" u="none" strike="noStrike" baseline="0" dirty="0">
-                <a:latin typeface="MinionPro-Regular"/>
-              </a:rPr>
-              <a:t>These differences can be on a single variable (univariate outlier), a relationship between two variables (bivariate outlier), or across an entire set of variables (multivariate outlier).</a:t>
-            </a:r>
-          </a:p>
-          <a:p>
-            <a:pPr algn="l"/>
-            <a:endParaRPr lang="en-US" sz="2000" dirty="0">
-              <a:latin typeface="MinionPro-Regular"/>
-            </a:endParaRPr>
-          </a:p>
-          <a:p>
-            <a:pPr algn="l"/>
-            <a:r>
-              <a:rPr lang="en-US" sz="2000" b="0" i="0" u="none" strike="noStrike" baseline="0" dirty="0">
-                <a:latin typeface="MinionPro-Regular"/>
-              </a:rPr>
-              <a:t>The univariate identification of outliers examines the distribution of observations for each variable in the analysis and selects as outliers those cases falling at the outer ranges (high or low) of the distribution.</a:t>
-            </a:r>
-            <a:endParaRPr lang="en-US" sz="2000" dirty="0"/>
-          </a:p>
-        </p:txBody>
-      </p:sp>
-    </p:spTree>
-    <p:extLst>
-      <p:ext uri="{BB962C8B-B14F-4D97-AF65-F5344CB8AC3E}">
-        <p14:creationId xmlns:p14="http://schemas.microsoft.com/office/powerpoint/2010/main" val="3655396524"/>
-      </p:ext>
-    </p:extLst>
-  </p:cSld>
-  <p:clrMapOvr>
-    <a:masterClrMapping/>
-  </p:clrMapOvr>
-</p:sld>
-</file>
-
 <file path=ppt/slides/slide2.xml><?xml version="1.0" encoding="utf-8"?>
 <p:sld xmlns:a="http://schemas.openxmlformats.org/drawingml/2006/main" xmlns:r="http://schemas.openxmlformats.org/officeDocument/2006/relationships" xmlns:p="http://schemas.openxmlformats.org/presentationml/2006/main">
   <p:cSld>
@@ -11395,7 +11398,7 @@
                 <a16:creationId xmlns:a16="http://schemas.microsoft.com/office/drawing/2014/main" id="{DCF4EB5C-ED25-4675-8255-2F5B12CFFCF0}"/>
               </a:ext>
               <a:ext uri="{C183D7F6-B498-43B3-948B-1728B52AA6E4}">
-                <adec:decorative xmlns:adec="http://schemas.microsoft.com/office/drawing/2017/decorative" val="1"/>
+                <adec:decorative xmlns:adec="http://schemas.microsoft.com/office/drawing/2017/decorative" xmlns="" val="1"/>
               </a:ext>
             </a:extLst>
           </p:cNvPr>
@@ -11486,7 +11489,7 @@
                 <a16:creationId xmlns:a16="http://schemas.microsoft.com/office/drawing/2014/main" id="{9514EC6E-A557-42A2-BCDC-3ABFFC5E564D}"/>
               </a:ext>
               <a:ext uri="{C183D7F6-B498-43B3-948B-1728B52AA6E4}">
-                <adec:decorative xmlns:adec="http://schemas.microsoft.com/office/drawing/2017/decorative" val="1"/>
+                <adec:decorative xmlns:adec="http://schemas.microsoft.com/office/drawing/2017/decorative" xmlns="" val="1"/>
               </a:ext>
             </a:extLst>
           </p:cNvPr>
@@ -11577,7 +11580,7 @@
                 <a16:creationId xmlns:a16="http://schemas.microsoft.com/office/drawing/2014/main" id="{905482C9-EB42-4BFE-95BF-7FD661F07657}"/>
               </a:ext>
               <a:ext uri="{C183D7F6-B498-43B3-948B-1728B52AA6E4}">
-                <adec:decorative xmlns:adec="http://schemas.microsoft.com/office/drawing/2017/decorative" val="1"/>
+                <adec:decorative xmlns:adec="http://schemas.microsoft.com/office/drawing/2017/decorative" xmlns="" val="1"/>
               </a:ext>
             </a:extLst>
           </p:cNvPr>
@@ -11668,7 +11671,7 @@
                 <a16:creationId xmlns:a16="http://schemas.microsoft.com/office/drawing/2014/main" id="{7539E646-A625-4A26-86ED-BD90EDD329F7}"/>
               </a:ext>
               <a:ext uri="{C183D7F6-B498-43B3-948B-1728B52AA6E4}">
-                <adec:decorative xmlns:adec="http://schemas.microsoft.com/office/drawing/2017/decorative" val="1"/>
+                <adec:decorative xmlns:adec="http://schemas.microsoft.com/office/drawing/2017/decorative" xmlns="" val="1"/>
               </a:ext>
             </a:extLst>
           </p:cNvPr>
@@ -11759,7 +11762,7 @@
                 <a16:creationId xmlns:a16="http://schemas.microsoft.com/office/drawing/2014/main" id="{39171204-6A50-40E1-B631-84CEDFC9396A}"/>
               </a:ext>
               <a:ext uri="{C183D7F6-B498-43B3-948B-1728B52AA6E4}">
-                <adec:decorative xmlns:adec="http://schemas.microsoft.com/office/drawing/2017/decorative" val="1"/>
+                <adec:decorative xmlns:adec="http://schemas.microsoft.com/office/drawing/2017/decorative" xmlns="" val="1"/>
               </a:ext>
             </a:extLst>
           </p:cNvPr>
@@ -11848,7 +11851,7 @@
                 <a16:creationId xmlns:a16="http://schemas.microsoft.com/office/drawing/2014/main" id="{06C973F6-5187-412F-AACC-6E3FF8A6A12C}"/>
               </a:ext>
               <a:ext uri="{C183D7F6-B498-43B3-948B-1728B52AA6E4}">
-                <adec:decorative xmlns:adec="http://schemas.microsoft.com/office/drawing/2017/decorative" val="1"/>
+                <adec:decorative xmlns:adec="http://schemas.microsoft.com/office/drawing/2017/decorative" xmlns="" val="1"/>
               </a:ext>
             </a:extLst>
           </p:cNvPr>
@@ -11939,7 +11942,7 @@
                 <a16:creationId xmlns:a16="http://schemas.microsoft.com/office/drawing/2014/main" id="{D11AE14F-1B7E-41E6-B579-2F71D135036C}"/>
               </a:ext>
               <a:ext uri="{C183D7F6-B498-43B3-948B-1728B52AA6E4}">
-                <adec:decorative xmlns:adec="http://schemas.microsoft.com/office/drawing/2017/decorative" val="1"/>
+                <adec:decorative xmlns:adec="http://schemas.microsoft.com/office/drawing/2017/decorative" xmlns="" val="1"/>
               </a:ext>
             </a:extLst>
           </p:cNvPr>
@@ -12093,7 +12096,7 @@
                 <a16:creationId xmlns:a16="http://schemas.microsoft.com/office/drawing/2014/main" id="{752BB805-F7B7-4B80-A1C5-385D4DAF74D0}"/>
               </a:ext>
               <a:ext uri="{C183D7F6-B498-43B3-948B-1728B52AA6E4}">
-                <adec:decorative xmlns:adec="http://schemas.microsoft.com/office/drawing/2017/decorative" val="1"/>
+                <adec:decorative xmlns:adec="http://schemas.microsoft.com/office/drawing/2017/decorative" xmlns="" val="1"/>
               </a:ext>
             </a:extLst>
           </p:cNvPr>
@@ -12305,7 +12308,7 @@
           <p:cNvPr id="2" name="Title 1">
             <a:extLst>
               <a:ext uri="{FF2B5EF4-FFF2-40B4-BE49-F238E27FC236}">
-                <a16:creationId xmlns:a16="http://schemas.microsoft.com/office/drawing/2014/main" id="{32F606B9-556D-4BA5-FA5C-43E5744571CF}"/>
+                <a16:creationId xmlns:a16="http://schemas.microsoft.com/office/drawing/2014/main" id="{D48ADCC1-9FDF-4850-BE21-3232C04B5FA6}"/>
               </a:ext>
             </a:extLst>
           </p:cNvPr>
@@ -12319,7 +12322,7 @@
         <p:spPr>
           <a:xfrm>
             <a:off x="581192" y="702156"/>
-            <a:ext cx="11029616" cy="587148"/>
+            <a:ext cx="11029616" cy="532284"/>
           </a:xfrm>
         </p:spPr>
         <p:txBody>
@@ -12328,7 +12331,7 @@
           <a:p>
             <a:r>
               <a:rPr lang="en-US" dirty="0"/>
-              <a:t>Quantile-normal-plot</a:t>
+              <a:t>OUTLIER IN UNIVARIATE</a:t>
             </a:r>
           </a:p>
         </p:txBody>
@@ -12338,7 +12341,7 @@
           <p:cNvPr id="3" name="Content Placeholder 2">
             <a:extLst>
               <a:ext uri="{FF2B5EF4-FFF2-40B4-BE49-F238E27FC236}">
-                <a16:creationId xmlns:a16="http://schemas.microsoft.com/office/drawing/2014/main" id="{3E0F2543-07D1-D650-DA2D-A6C375CDDAA7}"/>
+                <a16:creationId xmlns:a16="http://schemas.microsoft.com/office/drawing/2014/main" id="{200FE3C0-3A0B-EA6E-725F-E68C39928911}"/>
               </a:ext>
             </a:extLst>
           </p:cNvPr>
@@ -12351,156 +12354,61 @@
         </p:nvSpPr>
         <p:spPr>
           <a:xfrm>
-            <a:off x="489752" y="1409618"/>
-            <a:ext cx="11029615" cy="885525"/>
+            <a:off x="581193" y="1380743"/>
+            <a:ext cx="11029615" cy="3886581"/>
           </a:xfrm>
         </p:spPr>
         <p:txBody>
           <a:bodyPr>
-            <a:normAutofit lnSpcReduction="10000"/>
+            <a:noAutofit/>
           </a:bodyPr>
           <a:lstStyle/>
           <a:p>
-            <a:r>
-              <a:rPr lang="en-US" dirty="0"/>
-              <a:t>A </a:t>
-            </a:r>
-            <a:r>
-              <a:rPr lang="en-US" b="1" dirty="0"/>
-              <a:t>QN plot (Quantile-Normal plot)</a:t>
-            </a:r>
-            <a:r>
-              <a:rPr lang="en-US" dirty="0"/>
-              <a:t> is a graphical tool used to </a:t>
-            </a:r>
-            <a:r>
-              <a:rPr lang="en-US" b="1" dirty="0"/>
-              <a:t>compare the distribution of a dataset</a:t>
-            </a:r>
-            <a:r>
-              <a:rPr lang="en-US" dirty="0"/>
-              <a:t> to a </a:t>
-            </a:r>
-            <a:r>
-              <a:rPr lang="en-US" b="1" dirty="0"/>
-              <a:t>theoretical distribution</a:t>
-            </a:r>
-            <a:r>
-              <a:rPr lang="en-US" dirty="0"/>
-              <a:t> (usually a normal distribution). It helps to </a:t>
-            </a:r>
-            <a:r>
-              <a:rPr lang="en-US" b="1" dirty="0"/>
-              <a:t>identify deviations</a:t>
-            </a:r>
-            <a:r>
-              <a:rPr lang="en-US" dirty="0"/>
-              <a:t> from normality and </a:t>
-            </a:r>
-            <a:r>
-              <a:rPr lang="en-US" b="1" dirty="0"/>
-              <a:t>spot potential outliers</a:t>
-            </a:r>
-            <a:r>
-              <a:rPr lang="en-US" dirty="0"/>
-              <a:t>.</a:t>
-            </a:r>
-          </a:p>
-        </p:txBody>
-      </p:sp>
-      <p:pic>
-        <p:nvPicPr>
-          <p:cNvPr id="7" name="Picture 6">
-            <a:extLst>
-              <a:ext uri="{FF2B5EF4-FFF2-40B4-BE49-F238E27FC236}">
-                <a16:creationId xmlns:a16="http://schemas.microsoft.com/office/drawing/2014/main" id="{6BA67DEF-2210-EC5F-C6AC-6D7EFBDCF709}"/>
-              </a:ext>
-            </a:extLst>
-          </p:cNvPr>
-          <p:cNvPicPr>
-            <a:picLocks noChangeAspect="1"/>
-          </p:cNvPicPr>
-          <p:nvPr/>
-        </p:nvPicPr>
-        <p:blipFill>
-          <a:blip r:embed="rId2"/>
-          <a:stretch>
-            <a:fillRect/>
-          </a:stretch>
-        </p:blipFill>
-        <p:spPr>
-          <a:xfrm>
-            <a:off x="0" y="3924110"/>
-            <a:ext cx="3395353" cy="1781365"/>
-          </a:xfrm>
-          <a:prstGeom prst="rect">
-            <a:avLst/>
-          </a:prstGeom>
-        </p:spPr>
-      </p:pic>
-      <p:sp>
-        <p:nvSpPr>
-          <p:cNvPr id="4" name="Footer Placeholder 3">
-            <a:extLst>
-              <a:ext uri="{FF2B5EF4-FFF2-40B4-BE49-F238E27FC236}">
-                <a16:creationId xmlns:a16="http://schemas.microsoft.com/office/drawing/2014/main" id="{9DF90C6F-1096-79CF-840E-8E6A2E5377D3}"/>
-              </a:ext>
-            </a:extLst>
-          </p:cNvPr>
-          <p:cNvSpPr>
-            <a:spLocks noGrp="1"/>
-          </p:cNvSpPr>
-          <p:nvPr>
-            <p:ph type="ftr" sz="quarter" idx="11"/>
-          </p:nvPr>
-        </p:nvSpPr>
-        <p:spPr/>
-        <p:txBody>
-          <a:bodyPr/>
-          <a:lstStyle/>
-          <a:p>
-            <a:r>
-              <a:rPr lang="en-US"/>
-              <a:t>code: right-skewness</a:t>
-            </a:r>
-            <a:endParaRPr lang="en-US" dirty="0"/>
-          </a:p>
-        </p:txBody>
-      </p:sp>
-      <p:pic>
-        <p:nvPicPr>
-          <p:cNvPr id="8" name="Picture 7">
-            <a:extLst>
-              <a:ext uri="{FF2B5EF4-FFF2-40B4-BE49-F238E27FC236}">
-                <a16:creationId xmlns:a16="http://schemas.microsoft.com/office/drawing/2014/main" id="{B4DCEB68-C6F2-115F-C3B3-6C7165016CF9}"/>
-              </a:ext>
-            </a:extLst>
-          </p:cNvPr>
-          <p:cNvPicPr>
-            <a:picLocks noChangeAspect="1"/>
-          </p:cNvPicPr>
-          <p:nvPr/>
-        </p:nvPicPr>
-        <p:blipFill>
-          <a:blip r:embed="rId3"/>
-          <a:stretch>
-            <a:fillRect/>
-          </a:stretch>
-        </p:blipFill>
-        <p:spPr>
-          <a:xfrm>
-            <a:off x="4403484" y="2295143"/>
-            <a:ext cx="7115883" cy="4168901"/>
-          </a:xfrm>
-          <a:prstGeom prst="rect">
-            <a:avLst/>
-          </a:prstGeom>
-        </p:spPr>
-      </p:pic>
+            <a:pPr algn="l"/>
+            <a:r>
+              <a:rPr lang="en-US" sz="2000" b="0" i="0" u="none" strike="noStrike" baseline="0" dirty="0">
+                <a:latin typeface="MinionPro-Regular"/>
+              </a:rPr>
+              <a:t>Outliers are observations with a unique combination of characteristics indicating they are distinctly different from the other observations.</a:t>
+            </a:r>
+          </a:p>
+          <a:p>
+            <a:pPr algn="l"/>
+            <a:endParaRPr lang="en-US" sz="2000" dirty="0">
+              <a:latin typeface="MinionPro-Regular"/>
+            </a:endParaRPr>
+          </a:p>
+          <a:p>
+            <a:pPr algn="l"/>
+            <a:r>
+              <a:rPr lang="en-US" sz="2000" b="0" i="0" u="none" strike="noStrike" baseline="0" dirty="0">
+                <a:latin typeface="MinionPro-Regular"/>
+              </a:rPr>
+              <a:t>These differences can be on a single variable (univariate outlier), a relationship between two variables (bivariate outlier), or across an entire set of variables (multivariate outlier).</a:t>
+            </a:r>
+          </a:p>
+          <a:p>
+            <a:pPr algn="l"/>
+            <a:endParaRPr lang="en-US" sz="2000" dirty="0">
+              <a:latin typeface="MinionPro-Regular"/>
+            </a:endParaRPr>
+          </a:p>
+          <a:p>
+            <a:pPr algn="l"/>
+            <a:r>
+              <a:rPr lang="en-US" sz="2000" b="0" i="0" u="none" strike="noStrike" baseline="0" dirty="0">
+                <a:latin typeface="MinionPro-Regular"/>
+              </a:rPr>
+              <a:t>The univariate identification of outliers examines the distribution of observations for each variable in the analysis and selects as outliers those cases falling at the outer ranges (high or low) of the distribution.</a:t>
+            </a:r>
+            <a:endParaRPr lang="en-US" sz="2000" dirty="0"/>
+          </a:p>
+        </p:txBody>
+      </p:sp>
     </p:spTree>
     <p:extLst>
       <p:ext uri="{BB962C8B-B14F-4D97-AF65-F5344CB8AC3E}">
-        <p14:creationId xmlns:p14="http://schemas.microsoft.com/office/powerpoint/2010/main" val="512672216"/>
+        <p14:creationId xmlns:p14="http://schemas.microsoft.com/office/powerpoint/2010/main" val="3655396524"/>
       </p:ext>
     </p:extLst>
   </p:cSld>
@@ -12532,7 +12440,7 @@
           <p:cNvPr id="2" name="Title 1">
             <a:extLst>
               <a:ext uri="{FF2B5EF4-FFF2-40B4-BE49-F238E27FC236}">
-                <a16:creationId xmlns:a16="http://schemas.microsoft.com/office/drawing/2014/main" id="{3E175DD6-14E6-5AD3-F862-4648B4A9BB3B}"/>
+                <a16:creationId xmlns:a16="http://schemas.microsoft.com/office/drawing/2014/main" id="{32F606B9-556D-4BA5-FA5C-43E5744571CF}"/>
               </a:ext>
             </a:extLst>
           </p:cNvPr>
@@ -12545,8 +12453,8 @@
         </p:nvSpPr>
         <p:spPr>
           <a:xfrm>
-            <a:off x="457367" y="578331"/>
-            <a:ext cx="11029616" cy="659919"/>
+            <a:off x="581192" y="702156"/>
+            <a:ext cx="11029616" cy="587148"/>
           </a:xfrm>
         </p:spPr>
         <p:txBody>
@@ -12555,17 +12463,92 @@
           <a:p>
             <a:r>
               <a:rPr lang="en-US" dirty="0"/>
-              <a:t>Qn plot reflect distribution shape</a:t>
+              <a:t>Quantile-normal-plot</a:t>
+            </a:r>
+          </a:p>
+        </p:txBody>
+      </p:sp>
+      <p:sp>
+        <p:nvSpPr>
+          <p:cNvPr id="3" name="Content Placeholder 2">
+            <a:extLst>
+              <a:ext uri="{FF2B5EF4-FFF2-40B4-BE49-F238E27FC236}">
+                <a16:creationId xmlns:a16="http://schemas.microsoft.com/office/drawing/2014/main" id="{3E0F2543-07D1-D650-DA2D-A6C375CDDAA7}"/>
+              </a:ext>
+            </a:extLst>
+          </p:cNvPr>
+          <p:cNvSpPr>
+            <a:spLocks noGrp="1"/>
+          </p:cNvSpPr>
+          <p:nvPr>
+            <p:ph idx="1"/>
+          </p:nvPr>
+        </p:nvSpPr>
+        <p:spPr>
+          <a:xfrm>
+            <a:off x="489752" y="1409618"/>
+            <a:ext cx="11029615" cy="885525"/>
+          </a:xfrm>
+        </p:spPr>
+        <p:txBody>
+          <a:bodyPr>
+            <a:normAutofit lnSpcReduction="10000"/>
+          </a:bodyPr>
+          <a:lstStyle/>
+          <a:p>
+            <a:r>
+              <a:rPr lang="en-US" dirty="0"/>
+              <a:t>A </a:t>
+            </a:r>
+            <a:r>
+              <a:rPr lang="en-US" b="1" dirty="0"/>
+              <a:t>QN plot (Quantile-Normal plot)</a:t>
+            </a:r>
+            <a:r>
+              <a:rPr lang="en-US" dirty="0"/>
+              <a:t> is a graphical tool used to </a:t>
+            </a:r>
+            <a:r>
+              <a:rPr lang="en-US" b="1" dirty="0"/>
+              <a:t>compare the distribution of a dataset</a:t>
+            </a:r>
+            <a:r>
+              <a:rPr lang="en-US" dirty="0"/>
+              <a:t> to a </a:t>
+            </a:r>
+            <a:r>
+              <a:rPr lang="en-US" b="1" dirty="0"/>
+              <a:t>theoretical distribution</a:t>
+            </a:r>
+            <a:r>
+              <a:rPr lang="en-US" dirty="0"/>
+              <a:t> (usually a normal distribution). It helps to </a:t>
+            </a:r>
+            <a:r>
+              <a:rPr lang="en-US" b="1" dirty="0"/>
+              <a:t>identify deviations</a:t>
+            </a:r>
+            <a:r>
+              <a:rPr lang="en-US" dirty="0"/>
+              <a:t> from normality and </a:t>
+            </a:r>
+            <a:r>
+              <a:rPr lang="en-US" b="1" dirty="0"/>
+              <a:t>spot potential outliers</a:t>
+            </a:r>
+            <a:r>
+              <a:rPr lang="en-US" dirty="0"/>
+              <a:t>.</a:t>
             </a:r>
           </a:p>
         </p:txBody>
       </p:sp>
       <p:pic>
         <p:nvPicPr>
-          <p:cNvPr id="5" name="Picture 4">
+          <p:cNvPr id="7" name="Picture 6">
             <a:extLst>
               <a:ext uri="{FF2B5EF4-FFF2-40B4-BE49-F238E27FC236}">
-                <a16:creationId xmlns:a16="http://schemas.microsoft.com/office/drawing/2014/main" id="{87BAC8ED-6F71-3629-FC63-42A9984C008B}"/>
+                <a16:creationId xmlns:a16="http://schemas.microsoft.com/office/drawing/2014/main" id="{6BA67DEF-2210-EC5F-C6AC-6D7EFBDCF709}"/>
               </a:ext>
             </a:extLst>
           </p:cNvPr>
@@ -12582,20 +12565,49 @@
         </p:blipFill>
         <p:spPr>
           <a:xfrm>
-            <a:off x="161624" y="2037298"/>
-            <a:ext cx="2951089" cy="1574102"/>
+            <a:off x="0" y="3924110"/>
+            <a:ext cx="3395353" cy="1781365"/>
           </a:xfrm>
           <a:prstGeom prst="rect">
             <a:avLst/>
           </a:prstGeom>
         </p:spPr>
       </p:pic>
+      <p:sp>
+        <p:nvSpPr>
+          <p:cNvPr id="4" name="Footer Placeholder 3">
+            <a:extLst>
+              <a:ext uri="{FF2B5EF4-FFF2-40B4-BE49-F238E27FC236}">
+                <a16:creationId xmlns:a16="http://schemas.microsoft.com/office/drawing/2014/main" id="{9DF90C6F-1096-79CF-840E-8E6A2E5377D3}"/>
+              </a:ext>
+            </a:extLst>
+          </p:cNvPr>
+          <p:cNvSpPr>
+            <a:spLocks noGrp="1"/>
+          </p:cNvSpPr>
+          <p:nvPr>
+            <p:ph type="ftr" sz="quarter" idx="11"/>
+          </p:nvPr>
+        </p:nvSpPr>
+        <p:spPr/>
+        <p:txBody>
+          <a:bodyPr/>
+          <a:lstStyle/>
+          <a:p>
+            <a:r>
+              <a:rPr lang="en-US"/>
+              <a:t>code: right-skewness</a:t>
+            </a:r>
+            <a:endParaRPr lang="en-US" dirty="0"/>
+          </a:p>
+        </p:txBody>
+      </p:sp>
       <p:pic>
         <p:nvPicPr>
-          <p:cNvPr id="7" name="Picture 6">
+          <p:cNvPr id="8" name="Picture 7">
             <a:extLst>
               <a:ext uri="{FF2B5EF4-FFF2-40B4-BE49-F238E27FC236}">
-                <a16:creationId xmlns:a16="http://schemas.microsoft.com/office/drawing/2014/main" id="{7D09DEDF-47AF-7352-CB39-EDE535992C0E}"/>
+                <a16:creationId xmlns:a16="http://schemas.microsoft.com/office/drawing/2014/main" id="{B4DCEB68-C6F2-115F-C3B3-6C7165016CF9}"/>
               </a:ext>
             </a:extLst>
           </p:cNvPr>
@@ -12612,128 +12624,8 @@
         </p:blipFill>
         <p:spPr>
           <a:xfrm>
-            <a:off x="0" y="3932272"/>
-            <a:ext cx="3396101" cy="2501587"/>
-          </a:xfrm>
-          <a:prstGeom prst="rect">
-            <a:avLst/>
-          </a:prstGeom>
-        </p:spPr>
-      </p:pic>
-      <p:pic>
-        <p:nvPicPr>
-          <p:cNvPr id="9" name="Picture 8">
-            <a:extLst>
-              <a:ext uri="{FF2B5EF4-FFF2-40B4-BE49-F238E27FC236}">
-                <a16:creationId xmlns:a16="http://schemas.microsoft.com/office/drawing/2014/main" id="{9C5C6A38-3C28-58D5-02D5-E1503CA85767}"/>
-              </a:ext>
-            </a:extLst>
-          </p:cNvPr>
-          <p:cNvPicPr>
-            <a:picLocks noChangeAspect="1"/>
-          </p:cNvPicPr>
-          <p:nvPr/>
-        </p:nvPicPr>
-        <p:blipFill>
-          <a:blip r:embed="rId4"/>
-          <a:stretch>
-            <a:fillRect/>
-          </a:stretch>
-        </p:blipFill>
-        <p:spPr>
-          <a:xfrm>
-            <a:off x="3468053" y="1661167"/>
-            <a:ext cx="3693144" cy="1950233"/>
-          </a:xfrm>
-          <a:prstGeom prst="rect">
-            <a:avLst/>
-          </a:prstGeom>
-        </p:spPr>
-      </p:pic>
-      <p:pic>
-        <p:nvPicPr>
-          <p:cNvPr id="11" name="Picture 10">
-            <a:extLst>
-              <a:ext uri="{FF2B5EF4-FFF2-40B4-BE49-F238E27FC236}">
-                <a16:creationId xmlns:a16="http://schemas.microsoft.com/office/drawing/2014/main" id="{2A072B89-7D0E-2C1A-BA86-0DEFF6C09B0E}"/>
-              </a:ext>
-            </a:extLst>
-          </p:cNvPr>
-          <p:cNvPicPr>
-            <a:picLocks noChangeAspect="1"/>
-          </p:cNvPicPr>
-          <p:nvPr/>
-        </p:nvPicPr>
-        <p:blipFill>
-          <a:blip r:embed="rId5"/>
-          <a:stretch>
-            <a:fillRect/>
-          </a:stretch>
-        </p:blipFill>
-        <p:spPr>
-          <a:xfrm>
-            <a:off x="3564306" y="3910492"/>
-            <a:ext cx="3500638" cy="2440492"/>
-          </a:xfrm>
-          <a:prstGeom prst="rect">
-            <a:avLst/>
-          </a:prstGeom>
-        </p:spPr>
-      </p:pic>
-      <p:pic>
-        <p:nvPicPr>
-          <p:cNvPr id="13" name="Picture 12">
-            <a:extLst>
-              <a:ext uri="{FF2B5EF4-FFF2-40B4-BE49-F238E27FC236}">
-                <a16:creationId xmlns:a16="http://schemas.microsoft.com/office/drawing/2014/main" id="{3583EA70-C711-CBCF-C569-9F49DF283C3C}"/>
-              </a:ext>
-            </a:extLst>
-          </p:cNvPr>
-          <p:cNvPicPr>
-            <a:picLocks noChangeAspect="1"/>
-          </p:cNvPicPr>
-          <p:nvPr/>
-        </p:nvPicPr>
-        <p:blipFill>
-          <a:blip r:embed="rId6"/>
-          <a:stretch>
-            <a:fillRect/>
-          </a:stretch>
-        </p:blipFill>
-        <p:spPr>
-          <a:xfrm>
-            <a:off x="7516537" y="1682946"/>
-            <a:ext cx="3587265" cy="1928454"/>
-          </a:xfrm>
-          <a:prstGeom prst="rect">
-            <a:avLst/>
-          </a:prstGeom>
-        </p:spPr>
-      </p:pic>
-      <p:pic>
-        <p:nvPicPr>
-          <p:cNvPr id="15" name="Picture 14">
-            <a:extLst>
-              <a:ext uri="{FF2B5EF4-FFF2-40B4-BE49-F238E27FC236}">
-                <a16:creationId xmlns:a16="http://schemas.microsoft.com/office/drawing/2014/main" id="{7A6B3141-FEFE-B527-4BA2-83AE821671DC}"/>
-              </a:ext>
-            </a:extLst>
-          </p:cNvPr>
-          <p:cNvPicPr>
-            <a:picLocks noChangeAspect="1"/>
-          </p:cNvPicPr>
-          <p:nvPr/>
-        </p:nvPicPr>
-        <p:blipFill>
-          <a:blip r:embed="rId7"/>
-          <a:stretch>
-            <a:fillRect/>
-          </a:stretch>
-        </p:blipFill>
-        <p:spPr>
-          <a:xfrm>
-            <a:off x="7516537" y="3932272"/>
-            <a:ext cx="3840717" cy="2418712"/>
+            <a:off x="4403484" y="2295143"/>
+            <a:ext cx="7115883" cy="4168901"/>
           </a:xfrm>
           <a:prstGeom prst="rect">
             <a:avLst/>
@@ -12743,7 +12635,7 @@
     </p:spTree>
     <p:extLst>
       <p:ext uri="{BB962C8B-B14F-4D97-AF65-F5344CB8AC3E}">
-        <p14:creationId xmlns:p14="http://schemas.microsoft.com/office/powerpoint/2010/main" val="3710237784"/>
+        <p14:creationId xmlns:p14="http://schemas.microsoft.com/office/powerpoint/2010/main" val="512672216"/>
       </p:ext>
     </p:extLst>
   </p:cSld>
@@ -12775,7 +12667,7 @@
           <p:cNvPr id="2" name="Title 1">
             <a:extLst>
               <a:ext uri="{FF2B5EF4-FFF2-40B4-BE49-F238E27FC236}">
-                <a16:creationId xmlns:a16="http://schemas.microsoft.com/office/drawing/2014/main" id="{533FCD2B-C804-2103-A24F-6942D23E9FF9}"/>
+                <a16:creationId xmlns:a16="http://schemas.microsoft.com/office/drawing/2014/main" id="{3E175DD6-14E6-5AD3-F862-4648B4A9BB3B}"/>
               </a:ext>
             </a:extLst>
           </p:cNvPr>
@@ -12788,160 +12680,27 @@
         </p:nvSpPr>
         <p:spPr>
           <a:xfrm>
-            <a:off x="581190" y="571092"/>
-            <a:ext cx="11029616" cy="587148"/>
-          </a:xfrm>
-        </p:spPr>
-        <p:txBody>
-          <a:bodyPr>
-            <a:normAutofit/>
-          </a:bodyPr>
+            <a:off x="457367" y="578331"/>
+            <a:ext cx="11029616" cy="659919"/>
+          </a:xfrm>
+        </p:spPr>
+        <p:txBody>
+          <a:bodyPr/>
           <a:lstStyle/>
           <a:p>
             <a:r>
               <a:rPr lang="en-US" dirty="0"/>
-              <a:t>kurtosis</a:t>
-            </a:r>
-          </a:p>
-        </p:txBody>
-      </p:sp>
-      <p:sp>
-        <p:nvSpPr>
-          <p:cNvPr id="3" name="Content Placeholder 2">
+              <a:t>Qn plot reflect distribution shape</a:t>
+            </a:r>
+          </a:p>
+        </p:txBody>
+      </p:sp>
+      <p:pic>
+        <p:nvPicPr>
+          <p:cNvPr id="5" name="Picture 4">
             <a:extLst>
               <a:ext uri="{FF2B5EF4-FFF2-40B4-BE49-F238E27FC236}">
-                <a16:creationId xmlns:a16="http://schemas.microsoft.com/office/drawing/2014/main" id="{F88AC6A0-4AFD-57A1-CB16-23AA4BB48E32}"/>
-              </a:ext>
-            </a:extLst>
-          </p:cNvPr>
-          <p:cNvSpPr>
-            <a:spLocks noGrp="1"/>
-          </p:cNvSpPr>
-          <p:nvPr>
-            <p:ph idx="1"/>
-          </p:nvPr>
-        </p:nvSpPr>
-        <p:spPr>
-          <a:xfrm>
-            <a:off x="581192" y="1263804"/>
-            <a:ext cx="11029615" cy="1664208"/>
-          </a:xfrm>
-        </p:spPr>
-        <p:txBody>
-          <a:bodyPr>
-            <a:normAutofit/>
-          </a:bodyPr>
-          <a:lstStyle/>
-          <a:p>
-            <a:r>
-              <a:rPr lang="en-US" b="0" i="0" dirty="0">
-                <a:solidFill>
-                  <a:schemeClr val="tx1"/>
-                </a:solidFill>
-                <a:effectLst/>
-                <a:latin typeface="ElsevierGulliver"/>
-              </a:rPr>
-              <a:t>Kurtosis is a measure of the “</a:t>
-            </a:r>
-            <a:r>
-              <a:rPr lang="en-US" b="0" i="0" dirty="0" err="1">
-                <a:solidFill>
-                  <a:schemeClr val="tx1"/>
-                </a:solidFill>
-                <a:effectLst/>
-                <a:latin typeface="ElsevierGulliver"/>
-              </a:rPr>
-              <a:t>tailedness</a:t>
-            </a:r>
-            <a:r>
-              <a:rPr lang="en-US" b="0" i="0" dirty="0">
-                <a:solidFill>
-                  <a:schemeClr val="tx1"/>
-                </a:solidFill>
-                <a:effectLst/>
-                <a:latin typeface="ElsevierGulliver"/>
-              </a:rPr>
-              <a:t>” of the probability distribution. A standard normal distribution has kurtosis of 3 and is recognized as mesokurtic </a:t>
-            </a:r>
-            <a:r>
-              <a:rPr lang="en-US" b="0" i="0" baseline="30000" dirty="0">
-                <a:solidFill>
-                  <a:schemeClr val="tx1"/>
-                </a:solidFill>
-                <a:effectLst/>
-                <a:latin typeface="ElsevierGulliver"/>
-              </a:rPr>
-              <a:t>1</a:t>
-            </a:r>
-            <a:r>
-              <a:rPr lang="en-US" dirty="0">
-                <a:solidFill>
-                  <a:schemeClr val="tx1"/>
-                </a:solidFill>
-                <a:latin typeface="ElsevierGulliver"/>
-              </a:rPr>
-              <a:t>. </a:t>
-            </a:r>
-          </a:p>
-          <a:p>
-            <a:r>
-              <a:rPr lang="en-US" dirty="0">
-                <a:solidFill>
-                  <a:schemeClr val="tx1"/>
-                </a:solidFill>
-                <a:latin typeface="ElsevierGulliver"/>
-              </a:rPr>
-              <a:t>Kurtosis is a measure of whether or not a distribution is heavy-tailed or light-tailed relative to a normal distribution. </a:t>
-            </a:r>
-          </a:p>
-          <a:p>
-            <a:endParaRPr lang="en-US" dirty="0">
-              <a:solidFill>
-                <a:schemeClr val="tx1"/>
-              </a:solidFill>
-              <a:latin typeface="ElsevierGulliver"/>
-            </a:endParaRPr>
-          </a:p>
-        </p:txBody>
-      </p:sp>
-      <p:sp>
-        <p:nvSpPr>
-          <p:cNvPr id="4" name="Footer Placeholder 3">
-            <a:extLst>
-              <a:ext uri="{FF2B5EF4-FFF2-40B4-BE49-F238E27FC236}">
-                <a16:creationId xmlns:a16="http://schemas.microsoft.com/office/drawing/2014/main" id="{5C0EFC70-BB53-5A31-27DF-481F8B820758}"/>
-              </a:ext>
-            </a:extLst>
-          </p:cNvPr>
-          <p:cNvSpPr>
-            <a:spLocks noGrp="1"/>
-          </p:cNvSpPr>
-          <p:nvPr>
-            <p:ph type="ftr" sz="quarter" idx="11"/>
-          </p:nvPr>
-        </p:nvSpPr>
-        <p:spPr/>
-        <p:txBody>
-          <a:bodyPr/>
-          <a:lstStyle/>
-          <a:p>
-            <a:r>
-              <a:rPr lang="en-US" sz="1050" baseline="30000" dirty="0"/>
-              <a:t>1</a:t>
-            </a:r>
-            <a:r>
-              <a:rPr lang="en-US" dirty="0"/>
-              <a:t> Laboratory statistics, handbook of formulas and terms. Chemistry International, 36(4), 23-23.</a:t>
-            </a:r>
-          </a:p>
-        </p:txBody>
-      </p:sp>
-      <p:pic>
-        <p:nvPicPr>
-          <p:cNvPr id="7" name="Picture 6">
-            <a:extLst>
-              <a:ext uri="{FF2B5EF4-FFF2-40B4-BE49-F238E27FC236}">
-                <a16:creationId xmlns:a16="http://schemas.microsoft.com/office/drawing/2014/main" id="{FED5D1B3-202D-F234-A099-F1D56933FBF2}"/>
+                <a16:creationId xmlns:a16="http://schemas.microsoft.com/office/drawing/2014/main" id="{87BAC8ED-6F71-3629-FC63-42A9984C008B}"/>
               </a:ext>
             </a:extLst>
           </p:cNvPr>
@@ -12958,8 +12717,158 @@
         </p:blipFill>
         <p:spPr>
           <a:xfrm>
-            <a:off x="2444496" y="2410983"/>
-            <a:ext cx="7650480" cy="4027536"/>
+            <a:off x="161624" y="2037298"/>
+            <a:ext cx="2951089" cy="1574102"/>
+          </a:xfrm>
+          <a:prstGeom prst="rect">
+            <a:avLst/>
+          </a:prstGeom>
+        </p:spPr>
+      </p:pic>
+      <p:pic>
+        <p:nvPicPr>
+          <p:cNvPr id="7" name="Picture 6">
+            <a:extLst>
+              <a:ext uri="{FF2B5EF4-FFF2-40B4-BE49-F238E27FC236}">
+                <a16:creationId xmlns:a16="http://schemas.microsoft.com/office/drawing/2014/main" id="{7D09DEDF-47AF-7352-CB39-EDE535992C0E}"/>
+              </a:ext>
+            </a:extLst>
+          </p:cNvPr>
+          <p:cNvPicPr>
+            <a:picLocks noChangeAspect="1"/>
+          </p:cNvPicPr>
+          <p:nvPr/>
+        </p:nvPicPr>
+        <p:blipFill>
+          <a:blip r:embed="rId3"/>
+          <a:stretch>
+            <a:fillRect/>
+          </a:stretch>
+        </p:blipFill>
+        <p:spPr>
+          <a:xfrm>
+            <a:off x="0" y="3932272"/>
+            <a:ext cx="3396101" cy="2501587"/>
+          </a:xfrm>
+          <a:prstGeom prst="rect">
+            <a:avLst/>
+          </a:prstGeom>
+        </p:spPr>
+      </p:pic>
+      <p:pic>
+        <p:nvPicPr>
+          <p:cNvPr id="9" name="Picture 8">
+            <a:extLst>
+              <a:ext uri="{FF2B5EF4-FFF2-40B4-BE49-F238E27FC236}">
+                <a16:creationId xmlns:a16="http://schemas.microsoft.com/office/drawing/2014/main" id="{9C5C6A38-3C28-58D5-02D5-E1503CA85767}"/>
+              </a:ext>
+            </a:extLst>
+          </p:cNvPr>
+          <p:cNvPicPr>
+            <a:picLocks noChangeAspect="1"/>
+          </p:cNvPicPr>
+          <p:nvPr/>
+        </p:nvPicPr>
+        <p:blipFill>
+          <a:blip r:embed="rId4"/>
+          <a:stretch>
+            <a:fillRect/>
+          </a:stretch>
+        </p:blipFill>
+        <p:spPr>
+          <a:xfrm>
+            <a:off x="3468053" y="1661167"/>
+            <a:ext cx="3693144" cy="1950233"/>
+          </a:xfrm>
+          <a:prstGeom prst="rect">
+            <a:avLst/>
+          </a:prstGeom>
+        </p:spPr>
+      </p:pic>
+      <p:pic>
+        <p:nvPicPr>
+          <p:cNvPr id="11" name="Picture 10">
+            <a:extLst>
+              <a:ext uri="{FF2B5EF4-FFF2-40B4-BE49-F238E27FC236}">
+                <a16:creationId xmlns:a16="http://schemas.microsoft.com/office/drawing/2014/main" id="{2A072B89-7D0E-2C1A-BA86-0DEFF6C09B0E}"/>
+              </a:ext>
+            </a:extLst>
+          </p:cNvPr>
+          <p:cNvPicPr>
+            <a:picLocks noChangeAspect="1"/>
+          </p:cNvPicPr>
+          <p:nvPr/>
+        </p:nvPicPr>
+        <p:blipFill>
+          <a:blip r:embed="rId5"/>
+          <a:stretch>
+            <a:fillRect/>
+          </a:stretch>
+        </p:blipFill>
+        <p:spPr>
+          <a:xfrm>
+            <a:off x="3564306" y="3910492"/>
+            <a:ext cx="3500638" cy="2440492"/>
+          </a:xfrm>
+          <a:prstGeom prst="rect">
+            <a:avLst/>
+          </a:prstGeom>
+        </p:spPr>
+      </p:pic>
+      <p:pic>
+        <p:nvPicPr>
+          <p:cNvPr id="13" name="Picture 12">
+            <a:extLst>
+              <a:ext uri="{FF2B5EF4-FFF2-40B4-BE49-F238E27FC236}">
+                <a16:creationId xmlns:a16="http://schemas.microsoft.com/office/drawing/2014/main" id="{3583EA70-C711-CBCF-C569-9F49DF283C3C}"/>
+              </a:ext>
+            </a:extLst>
+          </p:cNvPr>
+          <p:cNvPicPr>
+            <a:picLocks noChangeAspect="1"/>
+          </p:cNvPicPr>
+          <p:nvPr/>
+        </p:nvPicPr>
+        <p:blipFill>
+          <a:blip r:embed="rId6"/>
+          <a:stretch>
+            <a:fillRect/>
+          </a:stretch>
+        </p:blipFill>
+        <p:spPr>
+          <a:xfrm>
+            <a:off x="7516537" y="1682946"/>
+            <a:ext cx="3587265" cy="1928454"/>
+          </a:xfrm>
+          <a:prstGeom prst="rect">
+            <a:avLst/>
+          </a:prstGeom>
+        </p:spPr>
+      </p:pic>
+      <p:pic>
+        <p:nvPicPr>
+          <p:cNvPr id="15" name="Picture 14">
+            <a:extLst>
+              <a:ext uri="{FF2B5EF4-FFF2-40B4-BE49-F238E27FC236}">
+                <a16:creationId xmlns:a16="http://schemas.microsoft.com/office/drawing/2014/main" id="{7A6B3141-FEFE-B527-4BA2-83AE821671DC}"/>
+              </a:ext>
+            </a:extLst>
+          </p:cNvPr>
+          <p:cNvPicPr>
+            <a:picLocks noChangeAspect="1"/>
+          </p:cNvPicPr>
+          <p:nvPr/>
+        </p:nvPicPr>
+        <p:blipFill>
+          <a:blip r:embed="rId7"/>
+          <a:stretch>
+            <a:fillRect/>
+          </a:stretch>
+        </p:blipFill>
+        <p:spPr>
+          <a:xfrm>
+            <a:off x="7516537" y="3932272"/>
+            <a:ext cx="3840717" cy="2418712"/>
           </a:xfrm>
           <a:prstGeom prst="rect">
             <a:avLst/>
@@ -12969,7 +12878,7 @@
     </p:spTree>
     <p:extLst>
       <p:ext uri="{BB962C8B-B14F-4D97-AF65-F5344CB8AC3E}">
-        <p14:creationId xmlns:p14="http://schemas.microsoft.com/office/powerpoint/2010/main" val="806269378"/>
+        <p14:creationId xmlns:p14="http://schemas.microsoft.com/office/powerpoint/2010/main" val="3710237784"/>
       </p:ext>
     </p:extLst>
   </p:cSld>
@@ -13001,7 +12910,7 @@
           <p:cNvPr id="2" name="Title 1">
             <a:extLst>
               <a:ext uri="{FF2B5EF4-FFF2-40B4-BE49-F238E27FC236}">
-                <a16:creationId xmlns:a16="http://schemas.microsoft.com/office/drawing/2014/main" id="{2FE3F362-EB7D-7B32-8DE4-7BF307DAC2EB}"/>
+                <a16:creationId xmlns:a16="http://schemas.microsoft.com/office/drawing/2014/main" id="{533FCD2B-C804-2103-A24F-6942D23E9FF9}"/>
               </a:ext>
             </a:extLst>
           </p:cNvPr>
@@ -13014,17 +12923,19 @@
         </p:nvSpPr>
         <p:spPr>
           <a:xfrm>
-            <a:off x="581191" y="574140"/>
-            <a:ext cx="11029616" cy="550572"/>
-          </a:xfrm>
-        </p:spPr>
-        <p:txBody>
-          <a:bodyPr/>
+            <a:off x="581190" y="571092"/>
+            <a:ext cx="11029616" cy="587148"/>
+          </a:xfrm>
+        </p:spPr>
+        <p:txBody>
+          <a:bodyPr>
+            <a:normAutofit/>
+          </a:bodyPr>
           <a:lstStyle/>
           <a:p>
             <a:r>
               <a:rPr lang="en-US" dirty="0"/>
-              <a:t>LEPTOKURTIC &amp; PLATKURTIC</a:t>
+              <a:t>kurtosis</a:t>
             </a:r>
           </a:p>
         </p:txBody>
@@ -13034,7 +12945,7 @@
           <p:cNvPr id="3" name="Content Placeholder 2">
             <a:extLst>
               <a:ext uri="{FF2B5EF4-FFF2-40B4-BE49-F238E27FC236}">
-                <a16:creationId xmlns:a16="http://schemas.microsoft.com/office/drawing/2014/main" id="{EE24C01D-F703-7414-927D-E7ABCAEA932C}"/>
+                <a16:creationId xmlns:a16="http://schemas.microsoft.com/office/drawing/2014/main" id="{F88AC6A0-4AFD-57A1-CB16-23AA4BB48E32}"/>
               </a:ext>
             </a:extLst>
           </p:cNvPr>
@@ -13047,23 +12958,55 @@
         </p:nvSpPr>
         <p:spPr>
           <a:xfrm>
-            <a:off x="581191" y="1202436"/>
-            <a:ext cx="11029615" cy="1257300"/>
-          </a:xfrm>
-        </p:spPr>
-        <p:txBody>
-          <a:bodyPr/>
+            <a:off x="581192" y="1263804"/>
+            <a:ext cx="11029615" cy="1664208"/>
+          </a:xfrm>
+        </p:spPr>
+        <p:txBody>
+          <a:bodyPr>
+            <a:normAutofit/>
+          </a:bodyPr>
           <a:lstStyle/>
           <a:p>
             <a:r>
               <a:rPr lang="en-US" b="0" i="0" dirty="0">
                 <a:solidFill>
-                  <a:srgbClr val="1F1F1F"/>
+                  <a:schemeClr val="tx1"/>
                 </a:solidFill>
                 <a:effectLst/>
                 <a:latin typeface="ElsevierGulliver"/>
               </a:rPr>
-              <a:t>An increased kurtosis (&gt;3) can be visualized as a thin “bell</a:t>
+              <a:t>Kurtosis is a measure of the “</a:t>
+            </a:r>
+            <a:r>
+              <a:rPr lang="en-US" b="0" i="0" dirty="0" err="1">
+                <a:solidFill>
+                  <a:schemeClr val="tx1"/>
+                </a:solidFill>
+                <a:effectLst/>
+                <a:latin typeface="ElsevierGulliver"/>
+              </a:rPr>
+              <a:t>tailedness</a:t>
+            </a:r>
+            <a:r>
+              <a:rPr lang="en-US" b="0" i="0" dirty="0">
+                <a:solidFill>
+                  <a:schemeClr val="tx1"/>
+                </a:solidFill>
+                <a:effectLst/>
+                <a:latin typeface="ElsevierGulliver"/>
+              </a:rPr>
+              <a:t>” of the probability distribution. A standard normal distribution has kurtosis of 3 and is recognized as mesokurtic </a:t>
+            </a:r>
+            <a:r>
+              <a:rPr lang="en-US" b="0" i="0" baseline="30000" dirty="0">
+                <a:solidFill>
+                  <a:schemeClr val="tx1"/>
+                </a:solidFill>
+                <a:effectLst/>
+                <a:latin typeface="ElsevierGulliver"/>
+              </a:rPr>
+              <a:t>1</a:t>
             </a:r>
             <a:r>
               <a:rPr lang="en-US" dirty="0">
@@ -13072,7 +13015,7 @@
                 </a:solidFill>
                 <a:latin typeface="ElsevierGulliver"/>
               </a:rPr>
-              <a:t>” with a high peak whereas a decreased kurtosis corresponds to a broadening of the peak and “thickening” of the tails. </a:t>
+              <a:t>. </a:t>
             </a:r>
           </a:p>
           <a:p>
@@ -13083,17 +13026,57 @@
                 </a:solidFill>
                 <a:latin typeface="ElsevierGulliver"/>
               </a:rPr>
-              <a:t>Kurtosis &gt; 3 is recognized as leptokurtic and &lt; 3 as platykurtic. </a:t>
+              <a:t>Kurtosis is a measure of whether or not a distribution is heavy-tailed or light-tailed relative to a normal distribution. </a:t>
+            </a:r>
+          </a:p>
+          <a:p>
+            <a:endParaRPr lang="en-US" dirty="0">
+              <a:solidFill>
+                <a:schemeClr val="tx1"/>
+              </a:solidFill>
+              <a:latin typeface="ElsevierGulliver"/>
+            </a:endParaRPr>
+          </a:p>
+        </p:txBody>
+      </p:sp>
+      <p:sp>
+        <p:nvSpPr>
+          <p:cNvPr id="4" name="Footer Placeholder 3">
+            <a:extLst>
+              <a:ext uri="{FF2B5EF4-FFF2-40B4-BE49-F238E27FC236}">
+                <a16:creationId xmlns:a16="http://schemas.microsoft.com/office/drawing/2014/main" id="{5C0EFC70-BB53-5A31-27DF-481F8B820758}"/>
+              </a:ext>
+            </a:extLst>
+          </p:cNvPr>
+          <p:cNvSpPr>
+            <a:spLocks noGrp="1"/>
+          </p:cNvSpPr>
+          <p:nvPr>
+            <p:ph type="ftr" sz="quarter" idx="11"/>
+          </p:nvPr>
+        </p:nvSpPr>
+        <p:spPr/>
+        <p:txBody>
+          <a:bodyPr/>
+          <a:lstStyle/>
+          <a:p>
+            <a:r>
+              <a:rPr lang="en-US" sz="1050" baseline="30000" dirty="0"/>
+              <a:t>1</a:t>
+            </a:r>
+            <a:r>
+              <a:rPr lang="en-US" dirty="0"/>
+              <a:t> Laboratory statistics, handbook of formulas and terms. Chemistry International, 36(4), 23-23.</a:t>
             </a:r>
           </a:p>
         </p:txBody>
       </p:sp>
       <p:pic>
         <p:nvPicPr>
-          <p:cNvPr id="9" name="Picture 8">
+          <p:cNvPr id="7" name="Picture 6">
             <a:extLst>
               <a:ext uri="{FF2B5EF4-FFF2-40B4-BE49-F238E27FC236}">
-                <a16:creationId xmlns:a16="http://schemas.microsoft.com/office/drawing/2014/main" id="{B7F82AB7-7FB2-5208-887D-2C3C0E3F3551}"/>
+                <a16:creationId xmlns:a16="http://schemas.microsoft.com/office/drawing/2014/main" id="{FED5D1B3-202D-F234-A099-F1D56933FBF2}"/>
               </a:ext>
             </a:extLst>
           </p:cNvPr>
@@ -13110,38 +13093,8 @@
         </p:blipFill>
         <p:spPr>
           <a:xfrm>
-            <a:off x="107583" y="3378454"/>
-            <a:ext cx="5729889" cy="3414575"/>
-          </a:xfrm>
-          <a:prstGeom prst="rect">
-            <a:avLst/>
-          </a:prstGeom>
-        </p:spPr>
-      </p:pic>
-      <p:pic>
-        <p:nvPicPr>
-          <p:cNvPr id="11" name="Picture 10">
-            <a:extLst>
-              <a:ext uri="{FF2B5EF4-FFF2-40B4-BE49-F238E27FC236}">
-                <a16:creationId xmlns:a16="http://schemas.microsoft.com/office/drawing/2014/main" id="{E47463A8-640E-73BF-5A4D-9C6BF272BD80}"/>
-              </a:ext>
-            </a:extLst>
-          </p:cNvPr>
-          <p:cNvPicPr>
-            <a:picLocks noChangeAspect="1"/>
-          </p:cNvPicPr>
-          <p:nvPr/>
-        </p:nvPicPr>
-        <p:blipFill>
-          <a:blip r:embed="rId3"/>
-          <a:stretch>
-            <a:fillRect/>
-          </a:stretch>
-        </p:blipFill>
-        <p:spPr>
-          <a:xfrm>
-            <a:off x="6354529" y="3429000"/>
-            <a:ext cx="5474920" cy="3264020"/>
+            <a:off x="2444496" y="2410983"/>
+            <a:ext cx="7650480" cy="4027536"/>
           </a:xfrm>
           <a:prstGeom prst="rect">
             <a:avLst/>
@@ -13151,7 +13104,7 @@
     </p:spTree>
     <p:extLst>
       <p:ext uri="{BB962C8B-B14F-4D97-AF65-F5344CB8AC3E}">
-        <p14:creationId xmlns:p14="http://schemas.microsoft.com/office/powerpoint/2010/main" val="3325189239"/>
+        <p14:creationId xmlns:p14="http://schemas.microsoft.com/office/powerpoint/2010/main" val="806269378"/>
       </p:ext>
     </p:extLst>
   </p:cSld>
@@ -13183,6 +13136,1124 @@
           <p:cNvPr id="2" name="Title 1">
             <a:extLst>
               <a:ext uri="{FF2B5EF4-FFF2-40B4-BE49-F238E27FC236}">
+                <a16:creationId xmlns:a16="http://schemas.microsoft.com/office/drawing/2014/main" id="{2FE3F362-EB7D-7B32-8DE4-7BF307DAC2EB}"/>
+              </a:ext>
+            </a:extLst>
+          </p:cNvPr>
+          <p:cNvSpPr>
+            <a:spLocks noGrp="1"/>
+          </p:cNvSpPr>
+          <p:nvPr>
+            <p:ph type="title"/>
+          </p:nvPr>
+        </p:nvSpPr>
+        <p:spPr>
+          <a:xfrm>
+            <a:off x="581191" y="574140"/>
+            <a:ext cx="11029616" cy="550572"/>
+          </a:xfrm>
+        </p:spPr>
+        <p:txBody>
+          <a:bodyPr/>
+          <a:lstStyle/>
+          <a:p>
+            <a:r>
+              <a:rPr lang="en-US" dirty="0"/>
+              <a:t>LEPTOKURTIC &amp; PLATKURTIC</a:t>
+            </a:r>
+          </a:p>
+        </p:txBody>
+      </p:sp>
+      <p:sp>
+        <p:nvSpPr>
+          <p:cNvPr id="3" name="Content Placeholder 2">
+            <a:extLst>
+              <a:ext uri="{FF2B5EF4-FFF2-40B4-BE49-F238E27FC236}">
+                <a16:creationId xmlns:a16="http://schemas.microsoft.com/office/drawing/2014/main" id="{EE24C01D-F703-7414-927D-E7ABCAEA932C}"/>
+              </a:ext>
+            </a:extLst>
+          </p:cNvPr>
+          <p:cNvSpPr>
+            <a:spLocks noGrp="1"/>
+          </p:cNvSpPr>
+          <p:nvPr>
+            <p:ph idx="1"/>
+          </p:nvPr>
+        </p:nvSpPr>
+        <p:spPr>
+          <a:xfrm>
+            <a:off x="581191" y="1202436"/>
+            <a:ext cx="11029615" cy="1257300"/>
+          </a:xfrm>
+        </p:spPr>
+        <p:txBody>
+          <a:bodyPr/>
+          <a:lstStyle/>
+          <a:p>
+            <a:r>
+              <a:rPr lang="en-US" b="0" i="0" dirty="0">
+                <a:solidFill>
+                  <a:srgbClr val="1F1F1F"/>
+                </a:solidFill>
+                <a:effectLst/>
+                <a:latin typeface="ElsevierGulliver"/>
+              </a:rPr>
+              <a:t>An increased kurtosis (&gt;3) can be visualized as a thin “bell</a:t>
+            </a:r>
+            <a:r>
+              <a:rPr lang="en-US" dirty="0">
+                <a:solidFill>
+                  <a:schemeClr val="tx1"/>
+                </a:solidFill>
+                <a:latin typeface="ElsevierGulliver"/>
+              </a:rPr>
+              <a:t>” with a high peak whereas a decreased kurtosis corresponds to a broadening of the peak and “thickening” of the tails. </a:t>
+            </a:r>
+          </a:p>
+          <a:p>
+            <a:r>
+              <a:rPr lang="en-US" dirty="0">
+                <a:solidFill>
+                  <a:schemeClr val="tx1"/>
+                </a:solidFill>
+                <a:latin typeface="ElsevierGulliver"/>
+              </a:rPr>
+              <a:t>Kurtosis &gt; 3 is recognized as leptokurtic and &lt; 3 as platykurtic. </a:t>
+            </a:r>
+          </a:p>
+        </p:txBody>
+      </p:sp>
+      <p:pic>
+        <p:nvPicPr>
+          <p:cNvPr id="9" name="Picture 8">
+            <a:extLst>
+              <a:ext uri="{FF2B5EF4-FFF2-40B4-BE49-F238E27FC236}">
+                <a16:creationId xmlns:a16="http://schemas.microsoft.com/office/drawing/2014/main" id="{B7F82AB7-7FB2-5208-887D-2C3C0E3F3551}"/>
+              </a:ext>
+            </a:extLst>
+          </p:cNvPr>
+          <p:cNvPicPr>
+            <a:picLocks noChangeAspect="1"/>
+          </p:cNvPicPr>
+          <p:nvPr/>
+        </p:nvPicPr>
+        <p:blipFill>
+          <a:blip r:embed="rId2"/>
+          <a:stretch>
+            <a:fillRect/>
+          </a:stretch>
+        </p:blipFill>
+        <p:spPr>
+          <a:xfrm>
+            <a:off x="107583" y="3378454"/>
+            <a:ext cx="5729889" cy="3414575"/>
+          </a:xfrm>
+          <a:prstGeom prst="rect">
+            <a:avLst/>
+          </a:prstGeom>
+        </p:spPr>
+      </p:pic>
+      <p:pic>
+        <p:nvPicPr>
+          <p:cNvPr id="11" name="Picture 10">
+            <a:extLst>
+              <a:ext uri="{FF2B5EF4-FFF2-40B4-BE49-F238E27FC236}">
+                <a16:creationId xmlns:a16="http://schemas.microsoft.com/office/drawing/2014/main" id="{E47463A8-640E-73BF-5A4D-9C6BF272BD80}"/>
+              </a:ext>
+            </a:extLst>
+          </p:cNvPr>
+          <p:cNvPicPr>
+            <a:picLocks noChangeAspect="1"/>
+          </p:cNvPicPr>
+          <p:nvPr/>
+        </p:nvPicPr>
+        <p:blipFill>
+          <a:blip r:embed="rId3"/>
+          <a:stretch>
+            <a:fillRect/>
+          </a:stretch>
+        </p:blipFill>
+        <p:spPr>
+          <a:xfrm>
+            <a:off x="6354529" y="3429000"/>
+            <a:ext cx="5474920" cy="3264020"/>
+          </a:xfrm>
+          <a:prstGeom prst="rect">
+            <a:avLst/>
+          </a:prstGeom>
+        </p:spPr>
+      </p:pic>
+    </p:spTree>
+    <p:extLst>
+      <p:ext uri="{BB962C8B-B14F-4D97-AF65-F5344CB8AC3E}">
+        <p14:creationId xmlns:p14="http://schemas.microsoft.com/office/powerpoint/2010/main" val="3325189239"/>
+      </p:ext>
+    </p:extLst>
+  </p:cSld>
+  <p:clrMapOvr>
+    <a:masterClrMapping/>
+  </p:clrMapOvr>
+</p:sld>
+</file>
+
+<file path=ppt/slides/slide25.xml><?xml version="1.0" encoding="utf-8"?>
+<p:sld xmlns:a="http://schemas.openxmlformats.org/drawingml/2006/main" xmlns:r="http://schemas.openxmlformats.org/officeDocument/2006/relationships" xmlns:p="http://schemas.openxmlformats.org/presentationml/2006/main">
+  <p:cSld>
+    <p:bg>
+      <p:bgPr>
+        <a:solidFill>
+          <a:schemeClr val="bg1"/>
+        </a:solidFill>
+        <a:effectLst/>
+      </p:bgPr>
+    </p:bg>
+    <p:spTree>
+      <p:nvGrpSpPr>
+        <p:cNvPr id="1" name="">
+          <a:extLst>
+            <a:ext uri="{FF2B5EF4-FFF2-40B4-BE49-F238E27FC236}">
+              <a16:creationId xmlns:a16="http://schemas.microsoft.com/office/drawing/2014/main" id="{D755CF61-D8B2-213D-60A5-F6C5125D2AE9}"/>
+            </a:ext>
+          </a:extLst>
+        </p:cNvPr>
+        <p:cNvGrpSpPr/>
+        <p:nvPr/>
+      </p:nvGrpSpPr>
+      <p:grpSpPr>
+        <a:xfrm>
+          <a:off x="0" y="0"/>
+          <a:ext cx="0" cy="0"/>
+          <a:chOff x="0" y="0"/>
+          <a:chExt cx="0" cy="0"/>
+        </a:xfrm>
+      </p:grpSpPr>
+      <p:sp>
+        <p:nvSpPr>
+          <p:cNvPr id="36" name="Rectangle 35">
+            <a:extLst>
+              <a:ext uri="{FF2B5EF4-FFF2-40B4-BE49-F238E27FC236}">
+                <a16:creationId xmlns:a16="http://schemas.microsoft.com/office/drawing/2014/main" id="{A112547E-198B-9E05-0675-1FBFFDF268DA}"/>
+              </a:ext>
+              <a:ext uri="{C183D7F6-B498-43B3-948B-1728B52AA6E4}">
+                <adec:decorative xmlns:adec="http://schemas.microsoft.com/office/drawing/2017/decorative" xmlns="" val="1"/>
+              </a:ext>
+            </a:extLst>
+          </p:cNvPr>
+          <p:cNvSpPr>
+            <a:spLocks noGrp="1" noRot="1" noChangeAspect="1" noMove="1" noResize="1" noEditPoints="1" noAdjustHandles="1" noChangeArrowheads="1" noChangeShapeType="1" noTextEdit="1"/>
+          </p:cNvSpPr>
+          <p:nvPr>
+            <p:extLst>
+              <p:ext uri="{386F3935-93C4-4BCD-93E2-E3B085C9AB24}">
+                <p16:designElem xmlns:p16="http://schemas.microsoft.com/office/powerpoint/2015/main" val="1"/>
+              </p:ext>
+            </p:extLst>
+          </p:nvPr>
+        </p:nvSpPr>
+        <p:spPr>
+          <a:xfrm>
+            <a:off x="446534" y="457200"/>
+            <a:ext cx="3703320" cy="94997"/>
+          </a:xfrm>
+          <a:prstGeom prst="rect">
+            <a:avLst/>
+          </a:prstGeom>
+          <a:solidFill>
+            <a:srgbClr val="465359"/>
+          </a:solidFill>
+          <a:ln>
+            <a:noFill/>
+          </a:ln>
+          <a:effectLst/>
+        </p:spPr>
+        <p:style>
+          <a:lnRef idx="1">
+            <a:schemeClr val="accent1"/>
+          </a:lnRef>
+          <a:fillRef idx="3">
+            <a:schemeClr val="accent1"/>
+          </a:fillRef>
+          <a:effectRef idx="2">
+            <a:schemeClr val="accent1"/>
+          </a:effectRef>
+          <a:fontRef idx="minor">
+            <a:schemeClr val="lt1"/>
+          </a:fontRef>
+        </p:style>
+        <p:txBody>
+          <a:bodyPr/>
+          <a:lstStyle/>
+          <a:p>
+            <a:pPr marL="0" marR="0" lvl="0" indent="0" algn="l" defTabSz="457200" rtl="0" eaLnBrk="1" fontAlgn="auto" latinLnBrk="0" hangingPunct="1">
+              <a:lnSpc>
+                <a:spcPct val="100000"/>
+              </a:lnSpc>
+              <a:spcBef>
+                <a:spcPts val="0"/>
+              </a:spcBef>
+              <a:spcAft>
+                <a:spcPts val="0"/>
+              </a:spcAft>
+              <a:buClrTx/>
+              <a:buSzTx/>
+              <a:buFontTx/>
+              <a:buNone/>
+              <a:tabLst/>
+              <a:defRPr/>
+            </a:pPr>
+            <a:endParaRPr kumimoji="0" lang="en-US" sz="1800" b="0" i="0" u="none" strike="noStrike" kern="1200" cap="none" spc="0" normalizeH="0" baseline="0" noProof="0">
+              <a:ln>
+                <a:noFill/>
+              </a:ln>
+              <a:solidFill>
+                <a:srgbClr val="FFFFFF"/>
+              </a:solidFill>
+              <a:effectLst/>
+              <a:uLnTx/>
+              <a:uFillTx/>
+              <a:latin typeface="Calibri"/>
+              <a:ea typeface="+mn-ea"/>
+              <a:cs typeface="+mn-cs"/>
+            </a:endParaRPr>
+          </a:p>
+        </p:txBody>
+      </p:sp>
+      <p:sp>
+        <p:nvSpPr>
+          <p:cNvPr id="38" name="Rectangle 37">
+            <a:extLst>
+              <a:ext uri="{FF2B5EF4-FFF2-40B4-BE49-F238E27FC236}">
+                <a16:creationId xmlns:a16="http://schemas.microsoft.com/office/drawing/2014/main" id="{A6C02608-FE1F-FD6B-9F6F-B4C30768B4C9}"/>
+              </a:ext>
+              <a:ext uri="{C183D7F6-B498-43B3-948B-1728B52AA6E4}">
+                <adec:decorative xmlns:adec="http://schemas.microsoft.com/office/drawing/2017/decorative" xmlns="" val="1"/>
+              </a:ext>
+            </a:extLst>
+          </p:cNvPr>
+          <p:cNvSpPr>
+            <a:spLocks noGrp="1" noRot="1" noChangeAspect="1" noMove="1" noResize="1" noEditPoints="1" noAdjustHandles="1" noChangeArrowheads="1" noChangeShapeType="1" noTextEdit="1"/>
+          </p:cNvSpPr>
+          <p:nvPr>
+            <p:extLst>
+              <p:ext uri="{386F3935-93C4-4BCD-93E2-E3B085C9AB24}">
+                <p16:designElem xmlns:p16="http://schemas.microsoft.com/office/powerpoint/2015/main" val="1"/>
+              </p:ext>
+            </p:extLst>
+          </p:nvPr>
+        </p:nvSpPr>
+        <p:spPr>
+          <a:xfrm>
+            <a:off x="8042147" y="453643"/>
+            <a:ext cx="3703320" cy="98554"/>
+          </a:xfrm>
+          <a:prstGeom prst="rect">
+            <a:avLst/>
+          </a:prstGeom>
+          <a:solidFill>
+            <a:srgbClr val="969FA7"/>
+          </a:solidFill>
+          <a:ln>
+            <a:noFill/>
+          </a:ln>
+          <a:effectLst/>
+        </p:spPr>
+        <p:style>
+          <a:lnRef idx="1">
+            <a:schemeClr val="accent1"/>
+          </a:lnRef>
+          <a:fillRef idx="3">
+            <a:schemeClr val="accent1"/>
+          </a:fillRef>
+          <a:effectRef idx="2">
+            <a:schemeClr val="accent1"/>
+          </a:effectRef>
+          <a:fontRef idx="minor">
+            <a:schemeClr val="lt1"/>
+          </a:fontRef>
+        </p:style>
+        <p:txBody>
+          <a:bodyPr/>
+          <a:lstStyle/>
+          <a:p>
+            <a:pPr marL="0" marR="0" lvl="0" indent="0" algn="l" defTabSz="457200" rtl="0" eaLnBrk="1" fontAlgn="auto" latinLnBrk="0" hangingPunct="1">
+              <a:lnSpc>
+                <a:spcPct val="100000"/>
+              </a:lnSpc>
+              <a:spcBef>
+                <a:spcPts val="0"/>
+              </a:spcBef>
+              <a:spcAft>
+                <a:spcPts val="0"/>
+              </a:spcAft>
+              <a:buClrTx/>
+              <a:buSzTx/>
+              <a:buFontTx/>
+              <a:buNone/>
+              <a:tabLst/>
+              <a:defRPr/>
+            </a:pPr>
+            <a:endParaRPr kumimoji="0" lang="en-US" sz="1800" b="0" i="0" u="none" strike="noStrike" kern="1200" cap="none" spc="0" normalizeH="0" baseline="0" noProof="0">
+              <a:ln>
+                <a:noFill/>
+              </a:ln>
+              <a:solidFill>
+                <a:srgbClr val="FFFFFF"/>
+              </a:solidFill>
+              <a:effectLst/>
+              <a:uLnTx/>
+              <a:uFillTx/>
+              <a:latin typeface="Calibri"/>
+              <a:ea typeface="+mn-ea"/>
+              <a:cs typeface="+mn-cs"/>
+            </a:endParaRPr>
+          </a:p>
+        </p:txBody>
+      </p:sp>
+      <p:sp>
+        <p:nvSpPr>
+          <p:cNvPr id="40" name="Rectangle 39">
+            <a:extLst>
+              <a:ext uri="{FF2B5EF4-FFF2-40B4-BE49-F238E27FC236}">
+                <a16:creationId xmlns:a16="http://schemas.microsoft.com/office/drawing/2014/main" id="{12E9E75F-1C63-096E-7E14-9BE2D342A1ED}"/>
+              </a:ext>
+              <a:ext uri="{C183D7F6-B498-43B3-948B-1728B52AA6E4}">
+                <adec:decorative xmlns:adec="http://schemas.microsoft.com/office/drawing/2017/decorative" xmlns="" val="1"/>
+              </a:ext>
+            </a:extLst>
+          </p:cNvPr>
+          <p:cNvSpPr>
+            <a:spLocks noGrp="1" noRot="1" noChangeAspect="1" noMove="1" noResize="1" noEditPoints="1" noAdjustHandles="1" noChangeArrowheads="1" noChangeShapeType="1" noTextEdit="1"/>
+          </p:cNvSpPr>
+          <p:nvPr>
+            <p:extLst>
+              <p:ext uri="{386F3935-93C4-4BCD-93E2-E3B085C9AB24}">
+                <p16:designElem xmlns:p16="http://schemas.microsoft.com/office/powerpoint/2015/main" val="1"/>
+              </p:ext>
+            </p:extLst>
+          </p:nvPr>
+        </p:nvSpPr>
+        <p:spPr>
+          <a:xfrm>
+            <a:off x="4241830" y="457200"/>
+            <a:ext cx="3703320" cy="91440"/>
+          </a:xfrm>
+          <a:prstGeom prst="rect">
+            <a:avLst/>
+          </a:prstGeom>
+          <a:solidFill>
+            <a:schemeClr val="accent1"/>
+          </a:solidFill>
+          <a:ln>
+            <a:noFill/>
+          </a:ln>
+          <a:effectLst/>
+        </p:spPr>
+        <p:style>
+          <a:lnRef idx="1">
+            <a:schemeClr val="accent1"/>
+          </a:lnRef>
+          <a:fillRef idx="3">
+            <a:schemeClr val="accent1"/>
+          </a:fillRef>
+          <a:effectRef idx="2">
+            <a:schemeClr val="accent1"/>
+          </a:effectRef>
+          <a:fontRef idx="minor">
+            <a:schemeClr val="lt1"/>
+          </a:fontRef>
+        </p:style>
+        <p:txBody>
+          <a:bodyPr/>
+          <a:lstStyle/>
+          <a:p>
+            <a:pPr marL="0" marR="0" lvl="0" indent="0" algn="l" defTabSz="457200" rtl="0" eaLnBrk="1" fontAlgn="auto" latinLnBrk="0" hangingPunct="1">
+              <a:lnSpc>
+                <a:spcPct val="100000"/>
+              </a:lnSpc>
+              <a:spcBef>
+                <a:spcPts val="0"/>
+              </a:spcBef>
+              <a:spcAft>
+                <a:spcPts val="0"/>
+              </a:spcAft>
+              <a:buClrTx/>
+              <a:buSzTx/>
+              <a:buFontTx/>
+              <a:buNone/>
+              <a:tabLst/>
+              <a:defRPr/>
+            </a:pPr>
+            <a:endParaRPr kumimoji="0" lang="en-US" sz="1800" b="0" i="0" u="none" strike="noStrike" kern="1200" cap="none" spc="0" normalizeH="0" baseline="0" noProof="0">
+              <a:ln>
+                <a:noFill/>
+              </a:ln>
+              <a:solidFill>
+                <a:srgbClr val="FFFFFF"/>
+              </a:solidFill>
+              <a:effectLst/>
+              <a:uLnTx/>
+              <a:uFillTx/>
+              <a:latin typeface="Calibri"/>
+              <a:ea typeface="+mn-ea"/>
+              <a:cs typeface="+mn-cs"/>
+            </a:endParaRPr>
+          </a:p>
+        </p:txBody>
+      </p:sp>
+      <p:sp>
+        <p:nvSpPr>
+          <p:cNvPr id="42" name="Rectangle 41">
+            <a:extLst>
+              <a:ext uri="{FF2B5EF4-FFF2-40B4-BE49-F238E27FC236}">
+                <a16:creationId xmlns:a16="http://schemas.microsoft.com/office/drawing/2014/main" id="{183AF455-7B4F-55F8-D6B1-2B568C88E8E0}"/>
+              </a:ext>
+              <a:ext uri="{C183D7F6-B498-43B3-948B-1728B52AA6E4}">
+                <adec:decorative xmlns:adec="http://schemas.microsoft.com/office/drawing/2017/decorative" xmlns="" val="1"/>
+              </a:ext>
+            </a:extLst>
+          </p:cNvPr>
+          <p:cNvSpPr>
+            <a:spLocks noGrp="1" noRot="1" noChangeAspect="1" noMove="1" noResize="1" noEditPoints="1" noAdjustHandles="1" noChangeArrowheads="1" noChangeShapeType="1" noTextEdit="1"/>
+          </p:cNvSpPr>
+          <p:nvPr>
+            <p:extLst>
+              <p:ext uri="{386F3935-93C4-4BCD-93E2-E3B085C9AB24}">
+                <p16:designElem xmlns:p16="http://schemas.microsoft.com/office/powerpoint/2015/main" val="1"/>
+              </p:ext>
+            </p:extLst>
+          </p:nvPr>
+        </p:nvSpPr>
+        <p:spPr>
+          <a:xfrm>
+            <a:off x="446534" y="3085764"/>
+            <a:ext cx="11298932" cy="3338149"/>
+          </a:xfrm>
+          <a:prstGeom prst="rect">
+            <a:avLst/>
+          </a:prstGeom>
+          <a:solidFill>
+            <a:srgbClr val="465359"/>
+          </a:solidFill>
+          <a:ln>
+            <a:noFill/>
+          </a:ln>
+          <a:effectLst/>
+        </p:spPr>
+        <p:style>
+          <a:lnRef idx="1">
+            <a:schemeClr val="accent1"/>
+          </a:lnRef>
+          <a:fillRef idx="3">
+            <a:schemeClr val="accent1"/>
+          </a:fillRef>
+          <a:effectRef idx="2">
+            <a:schemeClr val="accent1"/>
+          </a:effectRef>
+          <a:fontRef idx="minor">
+            <a:schemeClr val="lt1"/>
+          </a:fontRef>
+        </p:style>
+        <p:txBody>
+          <a:bodyPr/>
+          <a:lstStyle/>
+          <a:p>
+            <a:pPr marL="0" marR="0" lvl="0" indent="0" algn="l" defTabSz="457200" rtl="0" eaLnBrk="1" fontAlgn="auto" latinLnBrk="0" hangingPunct="1">
+              <a:lnSpc>
+                <a:spcPct val="100000"/>
+              </a:lnSpc>
+              <a:spcBef>
+                <a:spcPts val="0"/>
+              </a:spcBef>
+              <a:spcAft>
+                <a:spcPts val="0"/>
+              </a:spcAft>
+              <a:buClrTx/>
+              <a:buSzTx/>
+              <a:buFontTx/>
+              <a:buNone/>
+              <a:tabLst/>
+              <a:defRPr/>
+            </a:pPr>
+            <a:endParaRPr kumimoji="0" lang="en-US" sz="1800" b="0" i="0" u="none" strike="noStrike" kern="1200" cap="none" spc="0" normalizeH="0" baseline="0" noProof="0">
+              <a:ln>
+                <a:noFill/>
+              </a:ln>
+              <a:solidFill>
+                <a:srgbClr val="FFFFFF"/>
+              </a:solidFill>
+              <a:effectLst/>
+              <a:uLnTx/>
+              <a:uFillTx/>
+              <a:latin typeface="Calibri"/>
+              <a:ea typeface="+mn-ea"/>
+              <a:cs typeface="+mn-cs"/>
+            </a:endParaRPr>
+          </a:p>
+        </p:txBody>
+      </p:sp>
+      <p:sp useBgFill="1">
+        <p:nvSpPr>
+          <p:cNvPr id="44" name="Rectangle 43">
+            <a:extLst>
+              <a:ext uri="{FF2B5EF4-FFF2-40B4-BE49-F238E27FC236}">
+                <a16:creationId xmlns:a16="http://schemas.microsoft.com/office/drawing/2014/main" id="{A0756C1F-C446-CA3F-DAE7-152750B514F1}"/>
+              </a:ext>
+              <a:ext uri="{C183D7F6-B498-43B3-948B-1728B52AA6E4}">
+                <adec:decorative xmlns:adec="http://schemas.microsoft.com/office/drawing/2017/decorative" xmlns="" val="1"/>
+              </a:ext>
+            </a:extLst>
+          </p:cNvPr>
+          <p:cNvSpPr>
+            <a:spLocks noGrp="1" noRot="1" noChangeAspect="1" noMove="1" noResize="1" noEditPoints="1" noAdjustHandles="1" noChangeArrowheads="1" noChangeShapeType="1" noTextEdit="1"/>
+          </p:cNvSpPr>
+          <p:nvPr>
+            <p:extLst>
+              <p:ext uri="{386F3935-93C4-4BCD-93E2-E3B085C9AB24}">
+                <p16:designElem xmlns:p16="http://schemas.microsoft.com/office/powerpoint/2015/main" val="1"/>
+              </p:ext>
+            </p:extLst>
+          </p:nvPr>
+        </p:nvSpPr>
+        <p:spPr>
+          <a:xfrm>
+            <a:off x="0" y="0"/>
+            <a:ext cx="12192000" cy="6858000"/>
+          </a:xfrm>
+          <a:prstGeom prst="rect">
+            <a:avLst/>
+          </a:prstGeom>
+          <a:ln>
+            <a:noFill/>
+          </a:ln>
+        </p:spPr>
+        <p:style>
+          <a:lnRef idx="2">
+            <a:schemeClr val="accent1">
+              <a:shade val="50000"/>
+            </a:schemeClr>
+          </a:lnRef>
+          <a:fillRef idx="1">
+            <a:schemeClr val="accent1"/>
+          </a:fillRef>
+          <a:effectRef idx="0">
+            <a:schemeClr val="accent1"/>
+          </a:effectRef>
+          <a:fontRef idx="minor">
+            <a:schemeClr val="lt1"/>
+          </a:fontRef>
+        </p:style>
+        <p:txBody>
+          <a:bodyPr rtlCol="0" anchor="ctr"/>
+          <a:lstStyle/>
+          <a:p>
+            <a:pPr marL="0" marR="0" lvl="0" indent="0" algn="ctr" defTabSz="457200" rtl="0" eaLnBrk="1" fontAlgn="auto" latinLnBrk="0" hangingPunct="1">
+              <a:lnSpc>
+                <a:spcPct val="100000"/>
+              </a:lnSpc>
+              <a:spcBef>
+                <a:spcPts val="0"/>
+              </a:spcBef>
+              <a:spcAft>
+                <a:spcPts val="0"/>
+              </a:spcAft>
+              <a:buClrTx/>
+              <a:buSzTx/>
+              <a:buFontTx/>
+              <a:buNone/>
+              <a:tabLst/>
+              <a:defRPr/>
+            </a:pPr>
+            <a:endParaRPr kumimoji="0" lang="en-US" sz="1800" b="0" i="0" u="none" strike="noStrike" kern="1200" cap="none" spc="0" normalizeH="0" baseline="0" noProof="0">
+              <a:ln>
+                <a:noFill/>
+              </a:ln>
+              <a:solidFill>
+                <a:srgbClr val="FFFFFF"/>
+              </a:solidFill>
+              <a:effectLst/>
+              <a:uLnTx/>
+              <a:uFillTx/>
+              <a:latin typeface="Calibri"/>
+              <a:ea typeface="+mn-ea"/>
+              <a:cs typeface="+mn-cs"/>
+            </a:endParaRPr>
+          </a:p>
+        </p:txBody>
+      </p:sp>
+      <p:sp>
+        <p:nvSpPr>
+          <p:cNvPr id="46" name="Rectangle 45">
+            <a:extLst>
+              <a:ext uri="{FF2B5EF4-FFF2-40B4-BE49-F238E27FC236}">
+                <a16:creationId xmlns:a16="http://schemas.microsoft.com/office/drawing/2014/main" id="{220888DF-7DB4-1AEF-E4AF-3927999299BC}"/>
+              </a:ext>
+              <a:ext uri="{C183D7F6-B498-43B3-948B-1728B52AA6E4}">
+                <adec:decorative xmlns:adec="http://schemas.microsoft.com/office/drawing/2017/decorative" xmlns="" val="1"/>
+              </a:ext>
+            </a:extLst>
+          </p:cNvPr>
+          <p:cNvSpPr>
+            <a:spLocks noGrp="1" noRot="1" noChangeAspect="1" noMove="1" noResize="1" noEditPoints="1" noAdjustHandles="1" noChangeArrowheads="1" noChangeShapeType="1" noTextEdit="1"/>
+          </p:cNvSpPr>
+          <p:nvPr>
+            <p:extLst>
+              <p:ext uri="{386F3935-93C4-4BCD-93E2-E3B085C9AB24}">
+                <p16:designElem xmlns:p16="http://schemas.microsoft.com/office/powerpoint/2015/main" val="1"/>
+              </p:ext>
+            </p:extLst>
+          </p:nvPr>
+        </p:nvSpPr>
+        <p:spPr>
+          <a:xfrm>
+            <a:off x="509628" y="496959"/>
+            <a:ext cx="1106164" cy="5859735"/>
+          </a:xfrm>
+          <a:prstGeom prst="rect">
+            <a:avLst/>
+          </a:prstGeom>
+          <a:solidFill>
+            <a:srgbClr val="465359"/>
+          </a:solidFill>
+          <a:ln>
+            <a:noFill/>
+          </a:ln>
+          <a:effectLst/>
+        </p:spPr>
+        <p:style>
+          <a:lnRef idx="1">
+            <a:schemeClr val="accent1"/>
+          </a:lnRef>
+          <a:fillRef idx="3">
+            <a:schemeClr val="accent1"/>
+          </a:fillRef>
+          <a:effectRef idx="2">
+            <a:schemeClr val="accent1"/>
+          </a:effectRef>
+          <a:fontRef idx="minor">
+            <a:schemeClr val="lt1"/>
+          </a:fontRef>
+        </p:style>
+        <p:txBody>
+          <a:bodyPr/>
+          <a:lstStyle/>
+          <a:p>
+            <a:pPr marL="0" marR="0" lvl="0" indent="0" algn="l" defTabSz="457200" rtl="0" eaLnBrk="1" fontAlgn="auto" latinLnBrk="0" hangingPunct="1">
+              <a:lnSpc>
+                <a:spcPct val="100000"/>
+              </a:lnSpc>
+              <a:spcBef>
+                <a:spcPts val="0"/>
+              </a:spcBef>
+              <a:spcAft>
+                <a:spcPts val="0"/>
+              </a:spcAft>
+              <a:buClrTx/>
+              <a:buSzTx/>
+              <a:buFontTx/>
+              <a:buNone/>
+              <a:tabLst/>
+              <a:defRPr/>
+            </a:pPr>
+            <a:endParaRPr kumimoji="0" lang="en-US" sz="1800" b="0" i="0" u="none" strike="noStrike" kern="1200" cap="none" spc="0" normalizeH="0" baseline="0" noProof="0">
+              <a:ln>
+                <a:noFill/>
+              </a:ln>
+              <a:solidFill>
+                <a:srgbClr val="FFFFFF"/>
+              </a:solidFill>
+              <a:effectLst/>
+              <a:uLnTx/>
+              <a:uFillTx/>
+              <a:latin typeface="Calibri"/>
+              <a:ea typeface="+mn-ea"/>
+              <a:cs typeface="+mn-cs"/>
+            </a:endParaRPr>
+          </a:p>
+        </p:txBody>
+      </p:sp>
+      <p:sp>
+        <p:nvSpPr>
+          <p:cNvPr id="48" name="Rectangle 47">
+            <a:extLst>
+              <a:ext uri="{FF2B5EF4-FFF2-40B4-BE49-F238E27FC236}">
+                <a16:creationId xmlns:a16="http://schemas.microsoft.com/office/drawing/2014/main" id="{3F390241-4877-3308-BA74-05531D4D2555}"/>
+              </a:ext>
+              <a:ext uri="{C183D7F6-B498-43B3-948B-1728B52AA6E4}">
+                <adec:decorative xmlns:adec="http://schemas.microsoft.com/office/drawing/2017/decorative" xmlns="" val="1"/>
+              </a:ext>
+            </a:extLst>
+          </p:cNvPr>
+          <p:cNvSpPr>
+            <a:spLocks noGrp="1" noRot="1" noChangeAspect="1" noMove="1" noResize="1" noEditPoints="1" noAdjustHandles="1" noChangeArrowheads="1" noChangeShapeType="1" noTextEdit="1"/>
+          </p:cNvSpPr>
+          <p:nvPr>
+            <p:extLst>
+              <p:ext uri="{386F3935-93C4-4BCD-93E2-E3B085C9AB24}">
+                <p16:designElem xmlns:p16="http://schemas.microsoft.com/office/powerpoint/2015/main" val="1"/>
+              </p:ext>
+            </p:extLst>
+          </p:nvPr>
+        </p:nvSpPr>
+        <p:spPr>
+          <a:xfrm>
+            <a:off x="1712856" y="496958"/>
+            <a:ext cx="9961047" cy="3678072"/>
+          </a:xfrm>
+          <a:prstGeom prst="rect">
+            <a:avLst/>
+          </a:prstGeom>
+          <a:solidFill>
+            <a:schemeClr val="accent1"/>
+          </a:solidFill>
+          <a:ln>
+            <a:noFill/>
+          </a:ln>
+          <a:effectLst/>
+        </p:spPr>
+        <p:style>
+          <a:lnRef idx="1">
+            <a:schemeClr val="accent1"/>
+          </a:lnRef>
+          <a:fillRef idx="3">
+            <a:schemeClr val="accent1"/>
+          </a:fillRef>
+          <a:effectRef idx="2">
+            <a:schemeClr val="accent1"/>
+          </a:effectRef>
+          <a:fontRef idx="minor">
+            <a:schemeClr val="lt1"/>
+          </a:fontRef>
+        </p:style>
+        <p:txBody>
+          <a:bodyPr/>
+          <a:lstStyle/>
+          <a:p>
+            <a:pPr marL="0" marR="0" lvl="0" indent="0" algn="l" defTabSz="457200" rtl="0" eaLnBrk="1" fontAlgn="auto" latinLnBrk="0" hangingPunct="1">
+              <a:lnSpc>
+                <a:spcPct val="100000"/>
+              </a:lnSpc>
+              <a:spcBef>
+                <a:spcPts val="0"/>
+              </a:spcBef>
+              <a:spcAft>
+                <a:spcPts val="0"/>
+              </a:spcAft>
+              <a:buClrTx/>
+              <a:buSzTx/>
+              <a:buFontTx/>
+              <a:buNone/>
+              <a:tabLst/>
+              <a:defRPr/>
+            </a:pPr>
+            <a:endParaRPr kumimoji="0" lang="en-US" sz="1800" b="0" i="0" u="none" strike="noStrike" kern="1200" cap="none" spc="0" normalizeH="0" baseline="0" noProof="0">
+              <a:ln>
+                <a:noFill/>
+              </a:ln>
+              <a:solidFill>
+                <a:srgbClr val="FFFFFF"/>
+              </a:solidFill>
+              <a:effectLst/>
+              <a:uLnTx/>
+              <a:uFillTx/>
+              <a:latin typeface="Calibri"/>
+              <a:ea typeface="+mn-ea"/>
+              <a:cs typeface="+mn-cs"/>
+            </a:endParaRPr>
+          </a:p>
+        </p:txBody>
+      </p:sp>
+      <p:sp>
+        <p:nvSpPr>
+          <p:cNvPr id="2" name="Title 1">
+            <a:extLst>
+              <a:ext uri="{FF2B5EF4-FFF2-40B4-BE49-F238E27FC236}">
+                <a16:creationId xmlns:a16="http://schemas.microsoft.com/office/drawing/2014/main" id="{7338F3B3-23E6-0472-6772-EE953D6D53EC}"/>
+              </a:ext>
+            </a:extLst>
+          </p:cNvPr>
+          <p:cNvSpPr>
+            <a:spLocks noGrp="1"/>
+          </p:cNvSpPr>
+          <p:nvPr>
+            <p:ph type="title"/>
+          </p:nvPr>
+        </p:nvSpPr>
+        <p:spPr>
+          <a:xfrm>
+            <a:off x="1893715" y="708498"/>
+            <a:ext cx="9691733" cy="3330055"/>
+          </a:xfrm>
+        </p:spPr>
+        <p:txBody>
+          <a:bodyPr vert="horz" lIns="91440" tIns="45720" rIns="91440" bIns="45720" rtlCol="0" anchor="ctr">
+            <a:normAutofit/>
+          </a:bodyPr>
+          <a:lstStyle/>
+          <a:p>
+            <a:r>
+              <a:rPr lang="en-US" sz="6000" b="0" kern="1200" cap="all" dirty="0">
+                <a:solidFill>
+                  <a:srgbClr val="FFFFFF"/>
+                </a:solidFill>
+                <a:latin typeface="+mj-lt"/>
+                <a:ea typeface="+mj-ea"/>
+                <a:cs typeface="+mj-cs"/>
+              </a:rPr>
+              <a:t>2.1.2 </a:t>
+            </a:r>
+            <a:r>
+              <a:rPr lang="en-US" sz="6000" dirty="0" smtClean="0">
+                <a:solidFill>
+                  <a:srgbClr val="FFFFFF"/>
+                </a:solidFill>
+              </a:rPr>
+              <a:t>bi</a:t>
+            </a:r>
+            <a:r>
+              <a:rPr lang="en-US" sz="6000" b="0" kern="1200" cap="all" dirty="0" smtClean="0">
+                <a:solidFill>
+                  <a:srgbClr val="FFFFFF"/>
+                </a:solidFill>
+                <a:latin typeface="+mj-lt"/>
+                <a:ea typeface="+mj-ea"/>
+                <a:cs typeface="+mj-cs"/>
+              </a:rPr>
+              <a:t>variate </a:t>
+            </a:r>
+            <a:r>
+              <a:rPr lang="en-US" sz="6000" b="0" kern="1200" cap="all" dirty="0">
+                <a:solidFill>
+                  <a:srgbClr val="FFFFFF"/>
+                </a:solidFill>
+                <a:latin typeface="+mj-lt"/>
+                <a:ea typeface="+mj-ea"/>
+                <a:cs typeface="+mj-cs"/>
+              </a:rPr>
+              <a:t>variable distributions</a:t>
+            </a:r>
+          </a:p>
+        </p:txBody>
+      </p:sp>
+      <p:sp>
+        <p:nvSpPr>
+          <p:cNvPr id="50" name="Rectangle 49">
+            <a:extLst>
+              <a:ext uri="{FF2B5EF4-FFF2-40B4-BE49-F238E27FC236}">
+                <a16:creationId xmlns:a16="http://schemas.microsoft.com/office/drawing/2014/main" id="{0D6AF533-F0C8-5AC9-93C3-6606EF7122A9}"/>
+              </a:ext>
+              <a:ext uri="{C183D7F6-B498-43B3-948B-1728B52AA6E4}">
+                <adec:decorative xmlns:adec="http://schemas.microsoft.com/office/drawing/2017/decorative" xmlns="" val="1"/>
+              </a:ext>
+            </a:extLst>
+          </p:cNvPr>
+          <p:cNvSpPr>
+            <a:spLocks noGrp="1" noRot="1" noChangeAspect="1" noMove="1" noResize="1" noEditPoints="1" noAdjustHandles="1" noChangeArrowheads="1" noChangeShapeType="1" noTextEdit="1"/>
+          </p:cNvSpPr>
+          <p:nvPr>
+            <p:extLst>
+              <p:ext uri="{386F3935-93C4-4BCD-93E2-E3B085C9AB24}">
+                <p16:designElem xmlns:p16="http://schemas.microsoft.com/office/powerpoint/2015/main" val="1"/>
+              </p:ext>
+            </p:extLst>
+          </p:nvPr>
+        </p:nvSpPr>
+        <p:spPr>
+          <a:xfrm>
+            <a:off x="1712789" y="4284212"/>
+            <a:ext cx="9961115" cy="2072481"/>
+          </a:xfrm>
+          <a:prstGeom prst="rect">
+            <a:avLst/>
+          </a:prstGeom>
+          <a:solidFill>
+            <a:srgbClr val="6C7781">
+              <a:alpha val="80000"/>
+            </a:srgbClr>
+          </a:solidFill>
+          <a:ln>
+            <a:noFill/>
+          </a:ln>
+          <a:effectLst/>
+        </p:spPr>
+        <p:style>
+          <a:lnRef idx="1">
+            <a:schemeClr val="accent1"/>
+          </a:lnRef>
+          <a:fillRef idx="3">
+            <a:schemeClr val="accent1"/>
+          </a:fillRef>
+          <a:effectRef idx="2">
+            <a:schemeClr val="accent1"/>
+          </a:effectRef>
+          <a:fontRef idx="minor">
+            <a:schemeClr val="lt1"/>
+          </a:fontRef>
+        </p:style>
+        <p:txBody>
+          <a:bodyPr/>
+          <a:lstStyle/>
+          <a:p>
+            <a:pPr marL="0" marR="0" lvl="0" indent="0" algn="l" defTabSz="457200" rtl="0" eaLnBrk="1" fontAlgn="auto" latinLnBrk="0" hangingPunct="1">
+              <a:lnSpc>
+                <a:spcPct val="100000"/>
+              </a:lnSpc>
+              <a:spcBef>
+                <a:spcPts val="0"/>
+              </a:spcBef>
+              <a:spcAft>
+                <a:spcPts val="0"/>
+              </a:spcAft>
+              <a:buClrTx/>
+              <a:buSzTx/>
+              <a:buFontTx/>
+              <a:buNone/>
+              <a:tabLst/>
+              <a:defRPr/>
+            </a:pPr>
+            <a:endParaRPr kumimoji="0" lang="en-US" sz="1800" b="0" i="0" u="none" strike="noStrike" kern="1200" cap="none" spc="0" normalizeH="0" baseline="0" noProof="0">
+              <a:ln>
+                <a:noFill/>
+              </a:ln>
+              <a:solidFill>
+                <a:srgbClr val="FFFFFF"/>
+              </a:solidFill>
+              <a:effectLst/>
+              <a:uLnTx/>
+              <a:uFillTx/>
+              <a:latin typeface="Calibri"/>
+              <a:ea typeface="+mn-ea"/>
+              <a:cs typeface="+mn-cs"/>
+            </a:endParaRPr>
+          </a:p>
+        </p:txBody>
+      </p:sp>
+    </p:spTree>
+    <p:extLst>
+      <p:ext uri="{BB962C8B-B14F-4D97-AF65-F5344CB8AC3E}">
+        <p14:creationId xmlns:p14="http://schemas.microsoft.com/office/powerpoint/2010/main" val="1279921383"/>
+      </p:ext>
+    </p:extLst>
+  </p:cSld>
+  <p:clrMapOvr>
+    <a:masterClrMapping/>
+  </p:clrMapOvr>
+  <p:timing>
+    <p:tnLst>
+      <p:par>
+        <p:cTn id="1" dur="indefinite" restart="never" nodeType="tmRoot">
+          <p:childTnLst>
+            <p:seq concurrent="1" nextAc="seek">
+              <p:cTn id="2" dur="indefinite" nodeType="mainSeq">
+                <p:childTnLst>
+                  <p:par>
+                    <p:cTn id="3" fill="hold">
+                      <p:stCondLst>
+                        <p:cond delay="indefinite"/>
+                        <p:cond evt="onBegin" delay="0">
+                          <p:tn val="2"/>
+                        </p:cond>
+                      </p:stCondLst>
+                      <p:childTnLst>
+                        <p:par>
+                          <p:cTn id="4" fill="hold">
+                            <p:stCondLst>
+                              <p:cond delay="0"/>
+                            </p:stCondLst>
+                            <p:childTnLst>
+                              <p:par>
+                                <p:cTn id="5" presetID="10" presetClass="entr" presetSubtype="0" fill="hold" grpId="0" nodeType="withEffect">
+                                  <p:stCondLst>
+                                    <p:cond delay="500"/>
+                                  </p:stCondLst>
+                                  <p:iterate type="wd">
+                                    <p:tmPct val="15000"/>
+                                  </p:iterate>
+                                  <p:childTnLst>
+                                    <p:set>
+                                      <p:cBhvr>
+                                        <p:cTn id="6" dur="1" fill="hold">
+                                          <p:stCondLst>
+                                            <p:cond delay="0"/>
+                                          </p:stCondLst>
+                                        </p:cTn>
+                                        <p:tgtEl>
+                                          <p:spTgt spid="2"/>
+                                        </p:tgtEl>
+                                        <p:attrNameLst>
+                                          <p:attrName>style.visibility</p:attrName>
+                                        </p:attrNameLst>
+                                      </p:cBhvr>
+                                      <p:to>
+                                        <p:strVal val="visible"/>
+                                      </p:to>
+                                    </p:set>
+                                    <p:animEffect transition="in" filter="fade">
+                                      <p:cBhvr>
+                                        <p:cTn id="7" dur="1000"/>
+                                        <p:tgtEl>
+                                          <p:spTgt spid="2"/>
+                                        </p:tgtEl>
+                                      </p:cBhvr>
+                                    </p:animEffect>
+                                  </p:childTnLst>
+                                </p:cTn>
+                              </p:par>
+                            </p:childTnLst>
+                          </p:cTn>
+                        </p:par>
+                      </p:childTnLst>
+                    </p:cTn>
+                  </p:par>
+                </p:childTnLst>
+              </p:cTn>
+              <p:prevCondLst>
+                <p:cond evt="onPrev" delay="0">
+                  <p:tgtEl>
+                    <p:sldTgt/>
+                  </p:tgtEl>
+                </p:cond>
+              </p:prevCondLst>
+              <p:nextCondLst>
+                <p:cond evt="onNext" delay="0">
+                  <p:tgtEl>
+                    <p:sldTgt/>
+                  </p:tgtEl>
+                </p:cond>
+              </p:nextCondLst>
+            </p:seq>
+          </p:childTnLst>
+        </p:cTn>
+      </p:par>
+    </p:tnLst>
+    <p:bldLst>
+      <p:bldP spid="2" grpId="0"/>
+    </p:bldLst>
+  </p:timing>
+</p:sld>
+</file>
+
+<file path=ppt/slides/slide26.xml><?xml version="1.0" encoding="utf-8"?>
+<p:sld xmlns:a="http://schemas.openxmlformats.org/drawingml/2006/main" xmlns:r="http://schemas.openxmlformats.org/officeDocument/2006/relationships" xmlns:p="http://schemas.openxmlformats.org/presentationml/2006/main">
+  <p:cSld>
+    <p:spTree>
+      <p:nvGrpSpPr>
+        <p:cNvPr id="1" name=""/>
+        <p:cNvGrpSpPr/>
+        <p:nvPr/>
+      </p:nvGrpSpPr>
+      <p:grpSpPr>
+        <a:xfrm>
+          <a:off x="0" y="0"/>
+          <a:ext cx="0" cy="0"/>
+          <a:chOff x="0" y="0"/>
+          <a:chExt cx="0" cy="0"/>
+        </a:xfrm>
+      </p:grpSpPr>
+      <p:sp>
+        <p:nvSpPr>
+          <p:cNvPr id="2" name="Title 1">
+            <a:extLst>
+              <a:ext uri="{FF2B5EF4-FFF2-40B4-BE49-F238E27FC236}">
                 <a16:creationId xmlns:a16="http://schemas.microsoft.com/office/drawing/2014/main" id="{B11C9816-795B-B7AE-E218-25E3A50F6814}"/>
               </a:ext>
             </a:extLst>
@@ -13287,7 +14358,7 @@
 </p:sld>
 </file>
 
-<file path=ppt/slides/slide25.xml><?xml version="1.0" encoding="utf-8"?>
+<file path=ppt/slides/slide27.xml><?xml version="1.0" encoding="utf-8"?>
 <p:sld xmlns:a="http://schemas.openxmlformats.org/drawingml/2006/main" xmlns:r="http://schemas.openxmlformats.org/officeDocument/2006/relationships" xmlns:p="http://schemas.openxmlformats.org/presentationml/2006/main">
   <p:cSld>
     <p:spTree>
@@ -13487,7 +14558,7 @@
 </p:sld>
 </file>
 
-<file path=ppt/slides/slide26.xml><?xml version="1.0" encoding="utf-8"?>
+<file path=ppt/slides/slide28.xml><?xml version="1.0" encoding="utf-8"?>
 <p:sld xmlns:a="http://schemas.openxmlformats.org/drawingml/2006/main" xmlns:r="http://schemas.openxmlformats.org/officeDocument/2006/relationships" xmlns:p="http://schemas.openxmlformats.org/presentationml/2006/main">
   <p:cSld>
     <p:spTree>
@@ -13629,7 +14700,7 @@
 </p:sld>
 </file>
 
-<file path=ppt/slides/slide27.xml><?xml version="1.0" encoding="utf-8"?>
+<file path=ppt/slides/slide29.xml><?xml version="1.0" encoding="utf-8"?>
 <p:sld xmlns:a="http://schemas.openxmlformats.org/drawingml/2006/main" xmlns:r="http://schemas.openxmlformats.org/officeDocument/2006/relationships" xmlns:p="http://schemas.openxmlformats.org/presentationml/2006/main">
   <p:cSld>
     <p:spTree>
@@ -13839,7 +14910,171 @@
 </p:sld>
 </file>
 
-<file path=ppt/slides/slide28.xml><?xml version="1.0" encoding="utf-8"?>
+<file path=ppt/slides/slide3.xml><?xml version="1.0" encoding="utf-8"?>
+<p:sld xmlns:a="http://schemas.openxmlformats.org/drawingml/2006/main" xmlns:r="http://schemas.openxmlformats.org/officeDocument/2006/relationships" xmlns:p="http://schemas.openxmlformats.org/presentationml/2006/main">
+  <p:cSld>
+    <p:spTree>
+      <p:nvGrpSpPr>
+        <p:cNvPr id="1" name=""/>
+        <p:cNvGrpSpPr/>
+        <p:nvPr/>
+      </p:nvGrpSpPr>
+      <p:grpSpPr>
+        <a:xfrm>
+          <a:off x="0" y="0"/>
+          <a:ext cx="0" cy="0"/>
+          <a:chOff x="0" y="0"/>
+          <a:chExt cx="0" cy="0"/>
+        </a:xfrm>
+      </p:grpSpPr>
+      <p:sp>
+        <p:nvSpPr>
+          <p:cNvPr id="2" name="Title 1">
+            <a:extLst>
+              <a:ext uri="{FF2B5EF4-FFF2-40B4-BE49-F238E27FC236}">
+                <a16:creationId xmlns:a16="http://schemas.microsoft.com/office/drawing/2014/main" id="{72DB026E-3091-9B57-0C52-B3A1CA866BD6}"/>
+              </a:ext>
+            </a:extLst>
+          </p:cNvPr>
+          <p:cNvSpPr>
+            <a:spLocks noGrp="1"/>
+          </p:cNvSpPr>
+          <p:nvPr>
+            <p:ph type="title"/>
+          </p:nvPr>
+        </p:nvSpPr>
+        <p:spPr>
+          <a:xfrm>
+            <a:off x="581192" y="702156"/>
+            <a:ext cx="11029616" cy="541428"/>
+          </a:xfrm>
+        </p:spPr>
+        <p:txBody>
+          <a:bodyPr/>
+          <a:lstStyle/>
+          <a:p>
+            <a:r>
+              <a:rPr lang="en-US" dirty="0"/>
+              <a:t>Line graph</a:t>
+            </a:r>
+          </a:p>
+        </p:txBody>
+      </p:sp>
+      <p:sp>
+        <p:nvSpPr>
+          <p:cNvPr id="3" name="Content Placeholder 2">
+            <a:extLst>
+              <a:ext uri="{FF2B5EF4-FFF2-40B4-BE49-F238E27FC236}">
+                <a16:creationId xmlns:a16="http://schemas.microsoft.com/office/drawing/2014/main" id="{FF26CC3D-7F23-4311-16D2-F87EBF3EAEF6}"/>
+              </a:ext>
+            </a:extLst>
+          </p:cNvPr>
+          <p:cNvSpPr>
+            <a:spLocks noGrp="1"/>
+          </p:cNvSpPr>
+          <p:nvPr>
+            <p:ph idx="1"/>
+          </p:nvPr>
+        </p:nvSpPr>
+        <p:spPr>
+          <a:xfrm>
+            <a:off x="581191" y="1362456"/>
+            <a:ext cx="11029615" cy="1088136"/>
+          </a:xfrm>
+        </p:spPr>
+        <p:txBody>
+          <a:bodyPr/>
+          <a:lstStyle/>
+          <a:p>
+            <a:r>
+              <a:rPr lang="en-US" dirty="0"/>
+              <a:t>At its core, </a:t>
+            </a:r>
+            <a:r>
+              <a:rPr lang="en-US" b="1" dirty="0"/>
+              <a:t>data visualization is about turning numbers into stories</a:t>
+            </a:r>
+            <a:r>
+              <a:rPr lang="en-US" dirty="0"/>
+              <a:t> — stories that people can understand, remember, and act upon. It's the bridge between raw data and human perception.</a:t>
+            </a:r>
+          </a:p>
+        </p:txBody>
+      </p:sp>
+      <p:pic>
+        <p:nvPicPr>
+          <p:cNvPr id="5" name="Picture 4">
+            <a:extLst>
+              <a:ext uri="{FF2B5EF4-FFF2-40B4-BE49-F238E27FC236}">
+                <a16:creationId xmlns:a16="http://schemas.microsoft.com/office/drawing/2014/main" id="{7040447F-2210-699A-E14E-F626CC92E990}"/>
+              </a:ext>
+            </a:extLst>
+          </p:cNvPr>
+          <p:cNvPicPr>
+            <a:picLocks noChangeAspect="1"/>
+          </p:cNvPicPr>
+          <p:nvPr/>
+        </p:nvPicPr>
+        <p:blipFill>
+          <a:blip r:embed="rId2"/>
+          <a:stretch>
+            <a:fillRect/>
+          </a:stretch>
+        </p:blipFill>
+        <p:spPr>
+          <a:xfrm>
+            <a:off x="4883878" y="2654041"/>
+            <a:ext cx="7128450" cy="4203958"/>
+          </a:xfrm>
+          <a:prstGeom prst="rect">
+            <a:avLst/>
+          </a:prstGeom>
+        </p:spPr>
+      </p:pic>
+      <p:pic>
+        <p:nvPicPr>
+          <p:cNvPr id="7" name="Picture 6">
+            <a:extLst>
+              <a:ext uri="{FF2B5EF4-FFF2-40B4-BE49-F238E27FC236}">
+                <a16:creationId xmlns:a16="http://schemas.microsoft.com/office/drawing/2014/main" id="{342A759A-3848-91F8-544A-0A84B4E9AA7D}"/>
+              </a:ext>
+            </a:extLst>
+          </p:cNvPr>
+          <p:cNvPicPr>
+            <a:picLocks noChangeAspect="1"/>
+          </p:cNvPicPr>
+          <p:nvPr/>
+        </p:nvPicPr>
+        <p:blipFill>
+          <a:blip r:embed="rId3"/>
+          <a:stretch>
+            <a:fillRect/>
+          </a:stretch>
+        </p:blipFill>
+        <p:spPr>
+          <a:xfrm>
+            <a:off x="1147862" y="2569464"/>
+            <a:ext cx="2105175" cy="3959943"/>
+          </a:xfrm>
+          <a:prstGeom prst="rect">
+            <a:avLst/>
+          </a:prstGeom>
+        </p:spPr>
+      </p:pic>
+    </p:spTree>
+    <p:extLst>
+      <p:ext uri="{BB962C8B-B14F-4D97-AF65-F5344CB8AC3E}">
+        <p14:creationId xmlns:p14="http://schemas.microsoft.com/office/powerpoint/2010/main" val="551249904"/>
+      </p:ext>
+    </p:extLst>
+  </p:cSld>
+  <p:clrMapOvr>
+    <a:masterClrMapping/>
+  </p:clrMapOvr>
+</p:sld>
+</file>
+
+<file path=ppt/slides/slide30.xml><?xml version="1.0" encoding="utf-8"?>
 <p:sld xmlns:a="http://schemas.openxmlformats.org/drawingml/2006/main" xmlns:r="http://schemas.openxmlformats.org/officeDocument/2006/relationships" xmlns:p="http://schemas.openxmlformats.org/presentationml/2006/main">
   <p:cSld>
     <p:bg>
@@ -13878,7 +15113,7 @@
                 <a16:creationId xmlns:a16="http://schemas.microsoft.com/office/drawing/2014/main" id="{B6C43044-361C-219A-C061-6323BD36CA1A}"/>
               </a:ext>
               <a:ext uri="{C183D7F6-B498-43B3-948B-1728B52AA6E4}">
-                <adec:decorative xmlns:adec="http://schemas.microsoft.com/office/drawing/2017/decorative" val="1"/>
+                <adec:decorative xmlns:adec="http://schemas.microsoft.com/office/drawing/2017/decorative" xmlns="" val="1"/>
               </a:ext>
             </a:extLst>
           </p:cNvPr>
@@ -13969,7 +15204,7 @@
                 <a16:creationId xmlns:a16="http://schemas.microsoft.com/office/drawing/2014/main" id="{AD073451-463F-3B7E-B0BA-530F3E0F6CEC}"/>
               </a:ext>
               <a:ext uri="{C183D7F6-B498-43B3-948B-1728B52AA6E4}">
-                <adec:decorative xmlns:adec="http://schemas.microsoft.com/office/drawing/2017/decorative" val="1"/>
+                <adec:decorative xmlns:adec="http://schemas.microsoft.com/office/drawing/2017/decorative" xmlns="" val="1"/>
               </a:ext>
             </a:extLst>
           </p:cNvPr>
@@ -14060,7 +15295,7 @@
                 <a16:creationId xmlns:a16="http://schemas.microsoft.com/office/drawing/2014/main" id="{BBABCD27-CFAB-E2DE-9E8D-FA99686BF6C7}"/>
               </a:ext>
               <a:ext uri="{C183D7F6-B498-43B3-948B-1728B52AA6E4}">
-                <adec:decorative xmlns:adec="http://schemas.microsoft.com/office/drawing/2017/decorative" val="1"/>
+                <adec:decorative xmlns:adec="http://schemas.microsoft.com/office/drawing/2017/decorative" xmlns="" val="1"/>
               </a:ext>
             </a:extLst>
           </p:cNvPr>
@@ -14151,7 +15386,7 @@
                 <a16:creationId xmlns:a16="http://schemas.microsoft.com/office/drawing/2014/main" id="{CE2D3D5A-EBD9-BEB2-AD86-D7C93505DE0C}"/>
               </a:ext>
               <a:ext uri="{C183D7F6-B498-43B3-948B-1728B52AA6E4}">
-                <adec:decorative xmlns:adec="http://schemas.microsoft.com/office/drawing/2017/decorative" val="1"/>
+                <adec:decorative xmlns:adec="http://schemas.microsoft.com/office/drawing/2017/decorative" xmlns="" val="1"/>
               </a:ext>
             </a:extLst>
           </p:cNvPr>
@@ -14242,7 +15477,7 @@
                 <a16:creationId xmlns:a16="http://schemas.microsoft.com/office/drawing/2014/main" id="{E9208CB4-8B8E-AAF5-570B-6FB36772F455}"/>
               </a:ext>
               <a:ext uri="{C183D7F6-B498-43B3-948B-1728B52AA6E4}">
-                <adec:decorative xmlns:adec="http://schemas.microsoft.com/office/drawing/2017/decorative" val="1"/>
+                <adec:decorative xmlns:adec="http://schemas.microsoft.com/office/drawing/2017/decorative" xmlns="" val="1"/>
               </a:ext>
             </a:extLst>
           </p:cNvPr>
@@ -14331,7 +15566,7 @@
                 <a16:creationId xmlns:a16="http://schemas.microsoft.com/office/drawing/2014/main" id="{EDB67913-CF45-5205-D2F7-20034A319254}"/>
               </a:ext>
               <a:ext uri="{C183D7F6-B498-43B3-948B-1728B52AA6E4}">
-                <adec:decorative xmlns:adec="http://schemas.microsoft.com/office/drawing/2017/decorative" val="1"/>
+                <adec:decorative xmlns:adec="http://schemas.microsoft.com/office/drawing/2017/decorative" xmlns="" val="1"/>
               </a:ext>
             </a:extLst>
           </p:cNvPr>
@@ -14422,7 +15657,7 @@
                 <a16:creationId xmlns:a16="http://schemas.microsoft.com/office/drawing/2014/main" id="{78F5C4C6-8ADE-7DD0-C518-C988313AD944}"/>
               </a:ext>
               <a:ext uri="{C183D7F6-B498-43B3-948B-1728B52AA6E4}">
-                <adec:decorative xmlns:adec="http://schemas.microsoft.com/office/drawing/2017/decorative" val="1"/>
+                <adec:decorative xmlns:adec="http://schemas.microsoft.com/office/drawing/2017/decorative" xmlns="" val="1"/>
               </a:ext>
             </a:extLst>
           </p:cNvPr>
@@ -14555,7 +15790,7 @@
                 <a16:creationId xmlns:a16="http://schemas.microsoft.com/office/drawing/2014/main" id="{D20B62D5-0439-5A91-CB0E-6C26D80D1BF1}"/>
               </a:ext>
               <a:ext uri="{C183D7F6-B498-43B3-948B-1728B52AA6E4}">
-                <adec:decorative xmlns:adec="http://schemas.microsoft.com/office/drawing/2017/decorative" val="1"/>
+                <adec:decorative xmlns:adec="http://schemas.microsoft.com/office/drawing/2017/decorative" xmlns="" val="1"/>
               </a:ext>
             </a:extLst>
           </p:cNvPr>
@@ -14745,7 +15980,7 @@
 </p:sld>
 </file>
 
-<file path=ppt/slides/slide29.xml><?xml version="1.0" encoding="utf-8"?>
+<file path=ppt/slides/slide31.xml><?xml version="1.0" encoding="utf-8"?>
 <p:sld xmlns:a="http://schemas.openxmlformats.org/drawingml/2006/main" xmlns:r="http://schemas.openxmlformats.org/officeDocument/2006/relationships" xmlns:p="http://schemas.openxmlformats.org/presentationml/2006/main">
   <p:cSld>
     <p:spTree>
@@ -14818,7 +16053,9 @@
           </a:xfrm>
         </p:spPr>
         <p:txBody>
-          <a:bodyPr/>
+          <a:bodyPr>
+            <a:normAutofit fontScale="92500"/>
+          </a:bodyPr>
           <a:lstStyle/>
           <a:p>
             <a:pPr algn="l"/>
@@ -15003,7 +16240,7 @@
 </p:sld>
 </file>
 
-<file path=ppt/slides/slide3.xml><?xml version="1.0" encoding="utf-8"?>
+<file path=ppt/slides/slide32.xml><?xml version="1.0" encoding="utf-8"?>
 <p:sld xmlns:a="http://schemas.openxmlformats.org/drawingml/2006/main" xmlns:r="http://schemas.openxmlformats.org/officeDocument/2006/relationships" xmlns:p="http://schemas.openxmlformats.org/presentationml/2006/main">
   <p:cSld>
     <p:spTree>
@@ -15025,7 +16262,7 @@
           <p:cNvPr id="2" name="Title 1">
             <a:extLst>
               <a:ext uri="{FF2B5EF4-FFF2-40B4-BE49-F238E27FC236}">
-                <a16:creationId xmlns:a16="http://schemas.microsoft.com/office/drawing/2014/main" id="{72DB026E-3091-9B57-0C52-B3A1CA866BD6}"/>
+                <a16:creationId xmlns:a16="http://schemas.microsoft.com/office/drawing/2014/main" id="{44F8C3B5-D2C5-32D7-6C3A-3860571CC007}"/>
               </a:ext>
             </a:extLst>
           </p:cNvPr>
@@ -15039,7 +16276,7 @@
         <p:spPr>
           <a:xfrm>
             <a:off x="581192" y="702156"/>
-            <a:ext cx="11029616" cy="541428"/>
+            <a:ext cx="11029616" cy="651156"/>
           </a:xfrm>
         </p:spPr>
         <p:txBody>
@@ -15048,7 +16285,7 @@
           <a:p>
             <a:r>
               <a:rPr lang="en-US" dirty="0"/>
-              <a:t>Line graph</a:t>
+              <a:t>Z-score</a:t>
             </a:r>
           </a:p>
         </p:txBody>
@@ -15058,7 +16295,7 @@
           <p:cNvPr id="3" name="Content Placeholder 2">
             <a:extLst>
               <a:ext uri="{FF2B5EF4-FFF2-40B4-BE49-F238E27FC236}">
-                <a16:creationId xmlns:a16="http://schemas.microsoft.com/office/drawing/2014/main" id="{FF26CC3D-7F23-4311-16D2-F87EBF3EAEF6}"/>
+                <a16:creationId xmlns:a16="http://schemas.microsoft.com/office/drawing/2014/main" id="{D876A20B-97B7-AA87-AE07-1581C0E87091}"/>
               </a:ext>
             </a:extLst>
           </p:cNvPr>
@@ -15071,26 +16308,80 @@
         </p:nvSpPr>
         <p:spPr>
           <a:xfrm>
-            <a:off x="581191" y="1362456"/>
-            <a:ext cx="11029615" cy="1088136"/>
-          </a:xfrm>
-        </p:spPr>
-        <p:txBody>
-          <a:bodyPr/>
-          <a:lstStyle/>
-          <a:p>
+            <a:off x="210312" y="1819656"/>
+            <a:ext cx="4850320" cy="3529584"/>
+          </a:xfrm>
+        </p:spPr>
+        <p:txBody>
+          <a:bodyPr>
+            <a:normAutofit/>
+          </a:bodyPr>
+          <a:lstStyle/>
+          <a:p>
+            <a:pPr algn="l"/>
+            <a:r>
+              <a:rPr lang="en-US" sz="1800" b="0" i="0" u="none" strike="noStrike" baseline="0" dirty="0">
+                <a:latin typeface="MinionPro-Regular"/>
+              </a:rPr>
+              <a:t>Values above or below zero indicate the observation’s difference from the variable mean in terms of standard deviations.</a:t>
+            </a:r>
+          </a:p>
+          <a:p>
+            <a:pPr marL="0" indent="0">
+              <a:lnSpc>
+                <a:spcPct val="110000"/>
+              </a:lnSpc>
+              <a:buNone/>
+            </a:pPr>
+            <a:endParaRPr lang="en-US" dirty="0">
+              <a:latin typeface="MinionPro-Regular"/>
+            </a:endParaRPr>
+          </a:p>
+          <a:p>
+            <a:pPr marL="0" indent="0">
+              <a:lnSpc>
+                <a:spcPct val="110000"/>
+              </a:lnSpc>
+              <a:buNone/>
+            </a:pPr>
+            <a:r>
+              <a:rPr lang="en-US" dirty="0">
+                <a:latin typeface="MinionPro-Regular"/>
+              </a:rPr>
+              <a:t>In a normal distribution, one observation has a z-score of 0.5 and another observation has a z-score of -1.2.</a:t>
+            </a:r>
+          </a:p>
+          <a:p>
+            <a:pPr marL="0" indent="0">
+              <a:lnSpc>
+                <a:spcPct val="110000"/>
+              </a:lnSpc>
+              <a:buNone/>
+            </a:pPr>
+            <a:r>
+              <a:rPr lang="en-US" dirty="0">
+                <a:latin typeface="MinionPro-Regular"/>
+              </a:rPr>
+              <a:t/>
+            </a:r>
+            <a:br>
+              <a:rPr lang="en-US" dirty="0">
+                <a:latin typeface="MinionPro-Regular"/>
+              </a:rPr>
+            </a:br>
+            <a:r>
+              <a:rPr lang="en-US" dirty="0">
+                <a:latin typeface="MinionPro-Regular"/>
+              </a:rPr>
+              <a:t>Which observation is farther from the mean?</a:t>
+            </a:r>
             <a:r>
               <a:rPr lang="en-US" dirty="0"/>
-              <a:t>At its core, </a:t>
-            </a:r>
-            <a:r>
-              <a:rPr lang="en-US" b="1" dirty="0"/>
-              <a:t>data visualization is about turning numbers into stories</a:t>
-            </a:r>
-            <a:r>
-              <a:rPr lang="en-US" dirty="0"/>
-              <a:t> — stories that people can understand, remember, and act upon. It's the bridge between raw data and human perception.</a:t>
-            </a:r>
+              <a:t> 🤔</a:t>
+            </a:r>
+            <a:endParaRPr lang="en-US" dirty="0">
+              <a:latin typeface="MinionPro-Regular"/>
+            </a:endParaRPr>
           </a:p>
         </p:txBody>
       </p:sp>
@@ -15099,7 +16390,7 @@
           <p:cNvPr id="5" name="Picture 4">
             <a:extLst>
               <a:ext uri="{FF2B5EF4-FFF2-40B4-BE49-F238E27FC236}">
-                <a16:creationId xmlns:a16="http://schemas.microsoft.com/office/drawing/2014/main" id="{7040447F-2210-699A-E14E-F626CC92E990}"/>
+                <a16:creationId xmlns:a16="http://schemas.microsoft.com/office/drawing/2014/main" id="{03A081B2-E843-D179-DF6D-1AAD742E84C2}"/>
               </a:ext>
             </a:extLst>
           </p:cNvPr>
@@ -15116,38 +16407,8 @@
         </p:blipFill>
         <p:spPr>
           <a:xfrm>
-            <a:off x="4883878" y="2654041"/>
-            <a:ext cx="7128450" cy="4203958"/>
-          </a:xfrm>
-          <a:prstGeom prst="rect">
-            <a:avLst/>
-          </a:prstGeom>
-        </p:spPr>
-      </p:pic>
-      <p:pic>
-        <p:nvPicPr>
-          <p:cNvPr id="7" name="Picture 6">
-            <a:extLst>
-              <a:ext uri="{FF2B5EF4-FFF2-40B4-BE49-F238E27FC236}">
-                <a16:creationId xmlns:a16="http://schemas.microsoft.com/office/drawing/2014/main" id="{342A759A-3848-91F8-544A-0A84B4E9AA7D}"/>
-              </a:ext>
-            </a:extLst>
-          </p:cNvPr>
-          <p:cNvPicPr>
-            <a:picLocks noChangeAspect="1"/>
-          </p:cNvPicPr>
-          <p:nvPr/>
-        </p:nvPicPr>
-        <p:blipFill>
-          <a:blip r:embed="rId3"/>
-          <a:stretch>
-            <a:fillRect/>
-          </a:stretch>
-        </p:blipFill>
-        <p:spPr>
-          <a:xfrm>
-            <a:off x="1147862" y="2569464"/>
-            <a:ext cx="2105175" cy="3959943"/>
+            <a:off x="5060632" y="1426464"/>
+            <a:ext cx="6734175" cy="5417412"/>
           </a:xfrm>
           <a:prstGeom prst="rect">
             <a:avLst/>
@@ -15157,7 +16418,7 @@
     </p:spTree>
     <p:extLst>
       <p:ext uri="{BB962C8B-B14F-4D97-AF65-F5344CB8AC3E}">
-        <p14:creationId xmlns:p14="http://schemas.microsoft.com/office/powerpoint/2010/main" val="551249904"/>
+        <p14:creationId xmlns:p14="http://schemas.microsoft.com/office/powerpoint/2010/main" val="434531166"/>
       </p:ext>
     </p:extLst>
   </p:cSld>
@@ -15167,7 +16428,7 @@
 </p:sld>
 </file>
 
-<file path=ppt/slides/slide30.xml><?xml version="1.0" encoding="utf-8"?>
+<file path=ppt/slides/slide33.xml><?xml version="1.0" encoding="utf-8"?>
 <p:sld xmlns:a="http://schemas.openxmlformats.org/drawingml/2006/main" xmlns:r="http://schemas.openxmlformats.org/officeDocument/2006/relationships" xmlns:p="http://schemas.openxmlformats.org/presentationml/2006/main">
   <p:cSld>
     <p:spTree>
@@ -15189,188 +16450,6 @@
           <p:cNvPr id="2" name="Title 1">
             <a:extLst>
               <a:ext uri="{FF2B5EF4-FFF2-40B4-BE49-F238E27FC236}">
-                <a16:creationId xmlns:a16="http://schemas.microsoft.com/office/drawing/2014/main" id="{44F8C3B5-D2C5-32D7-6C3A-3860571CC007}"/>
-              </a:ext>
-            </a:extLst>
-          </p:cNvPr>
-          <p:cNvSpPr>
-            <a:spLocks noGrp="1"/>
-          </p:cNvSpPr>
-          <p:nvPr>
-            <p:ph type="title"/>
-          </p:nvPr>
-        </p:nvSpPr>
-        <p:spPr>
-          <a:xfrm>
-            <a:off x="581192" y="702156"/>
-            <a:ext cx="11029616" cy="651156"/>
-          </a:xfrm>
-        </p:spPr>
-        <p:txBody>
-          <a:bodyPr/>
-          <a:lstStyle/>
-          <a:p>
-            <a:r>
-              <a:rPr lang="en-US" dirty="0"/>
-              <a:t>Z-score</a:t>
-            </a:r>
-          </a:p>
-        </p:txBody>
-      </p:sp>
-      <p:sp>
-        <p:nvSpPr>
-          <p:cNvPr id="3" name="Content Placeholder 2">
-            <a:extLst>
-              <a:ext uri="{FF2B5EF4-FFF2-40B4-BE49-F238E27FC236}">
-                <a16:creationId xmlns:a16="http://schemas.microsoft.com/office/drawing/2014/main" id="{D876A20B-97B7-AA87-AE07-1581C0E87091}"/>
-              </a:ext>
-            </a:extLst>
-          </p:cNvPr>
-          <p:cNvSpPr>
-            <a:spLocks noGrp="1"/>
-          </p:cNvSpPr>
-          <p:nvPr>
-            <p:ph idx="1"/>
-          </p:nvPr>
-        </p:nvSpPr>
-        <p:spPr>
-          <a:xfrm>
-            <a:off x="210312" y="1819656"/>
-            <a:ext cx="4850320" cy="3529584"/>
-          </a:xfrm>
-        </p:spPr>
-        <p:txBody>
-          <a:bodyPr>
-            <a:normAutofit/>
-          </a:bodyPr>
-          <a:lstStyle/>
-          <a:p>
-            <a:pPr algn="l"/>
-            <a:r>
-              <a:rPr lang="en-US" sz="1800" b="0" i="0" u="none" strike="noStrike" baseline="0" dirty="0">
-                <a:latin typeface="MinionPro-Regular"/>
-              </a:rPr>
-              <a:t>Values above or below zero indicate the observation’s difference from the variable mean in terms of standard deviations.</a:t>
-            </a:r>
-          </a:p>
-          <a:p>
-            <a:pPr marL="0" indent="0">
-              <a:lnSpc>
-                <a:spcPct val="110000"/>
-              </a:lnSpc>
-              <a:buNone/>
-            </a:pPr>
-            <a:endParaRPr lang="en-US" dirty="0">
-              <a:latin typeface="MinionPro-Regular"/>
-            </a:endParaRPr>
-          </a:p>
-          <a:p>
-            <a:pPr marL="0" indent="0">
-              <a:lnSpc>
-                <a:spcPct val="110000"/>
-              </a:lnSpc>
-              <a:buNone/>
-            </a:pPr>
-            <a:r>
-              <a:rPr lang="en-US" dirty="0">
-                <a:latin typeface="MinionPro-Regular"/>
-              </a:rPr>
-              <a:t>In a normal distribution, one observation has a z-score of 0.5 and another observation has a z-score of -1.2.</a:t>
-            </a:r>
-          </a:p>
-          <a:p>
-            <a:pPr marL="0" indent="0">
-              <a:lnSpc>
-                <a:spcPct val="110000"/>
-              </a:lnSpc>
-              <a:buNone/>
-            </a:pPr>
-            <a:br>
-              <a:rPr lang="en-US" dirty="0">
-                <a:latin typeface="MinionPro-Regular"/>
-              </a:rPr>
-            </a:br>
-            <a:r>
-              <a:rPr lang="en-US" dirty="0">
-                <a:latin typeface="MinionPro-Regular"/>
-              </a:rPr>
-              <a:t>Which observation is farther from the mean?</a:t>
-            </a:r>
-            <a:r>
-              <a:rPr lang="en-US" dirty="0"/>
-              <a:t> 🤔</a:t>
-            </a:r>
-            <a:endParaRPr lang="en-US" dirty="0">
-              <a:latin typeface="MinionPro-Regular"/>
-            </a:endParaRPr>
-          </a:p>
-        </p:txBody>
-      </p:sp>
-      <p:pic>
-        <p:nvPicPr>
-          <p:cNvPr id="5" name="Picture 4">
-            <a:extLst>
-              <a:ext uri="{FF2B5EF4-FFF2-40B4-BE49-F238E27FC236}">
-                <a16:creationId xmlns:a16="http://schemas.microsoft.com/office/drawing/2014/main" id="{03A081B2-E843-D179-DF6D-1AAD742E84C2}"/>
-              </a:ext>
-            </a:extLst>
-          </p:cNvPr>
-          <p:cNvPicPr>
-            <a:picLocks noChangeAspect="1"/>
-          </p:cNvPicPr>
-          <p:nvPr/>
-        </p:nvPicPr>
-        <p:blipFill>
-          <a:blip r:embed="rId2"/>
-          <a:stretch>
-            <a:fillRect/>
-          </a:stretch>
-        </p:blipFill>
-        <p:spPr>
-          <a:xfrm>
-            <a:off x="5060632" y="1426464"/>
-            <a:ext cx="6734175" cy="5417412"/>
-          </a:xfrm>
-          <a:prstGeom prst="rect">
-            <a:avLst/>
-          </a:prstGeom>
-        </p:spPr>
-      </p:pic>
-    </p:spTree>
-    <p:extLst>
-      <p:ext uri="{BB962C8B-B14F-4D97-AF65-F5344CB8AC3E}">
-        <p14:creationId xmlns:p14="http://schemas.microsoft.com/office/powerpoint/2010/main" val="434531166"/>
-      </p:ext>
-    </p:extLst>
-  </p:cSld>
-  <p:clrMapOvr>
-    <a:masterClrMapping/>
-  </p:clrMapOvr>
-</p:sld>
-</file>
-
-<file path=ppt/slides/slide31.xml><?xml version="1.0" encoding="utf-8"?>
-<p:sld xmlns:a="http://schemas.openxmlformats.org/drawingml/2006/main" xmlns:r="http://schemas.openxmlformats.org/officeDocument/2006/relationships" xmlns:p="http://schemas.openxmlformats.org/presentationml/2006/main">
-  <p:cSld>
-    <p:spTree>
-      <p:nvGrpSpPr>
-        <p:cNvPr id="1" name=""/>
-        <p:cNvGrpSpPr/>
-        <p:nvPr/>
-      </p:nvGrpSpPr>
-      <p:grpSpPr>
-        <a:xfrm>
-          <a:off x="0" y="0"/>
-          <a:ext cx="0" cy="0"/>
-          <a:chOff x="0" y="0"/>
-          <a:chExt cx="0" cy="0"/>
-        </a:xfrm>
-      </p:grpSpPr>
-      <p:sp>
-        <p:nvSpPr>
-          <p:cNvPr id="2" name="Title 1">
-            <a:extLst>
-              <a:ext uri="{FF2B5EF4-FFF2-40B4-BE49-F238E27FC236}">
                 <a16:creationId xmlns:a16="http://schemas.microsoft.com/office/drawing/2014/main" id="{F7874227-CB9C-2684-3BF3-D3A2C60B80DF}"/>
               </a:ext>
             </a:extLst>
@@ -15476,6 +16555,10 @@
             <a:r>
               <a:rPr lang="en-US" b="1" dirty="0"/>
               <a:t>Different Scales Cause Bias</a:t>
+            </a:r>
+            <a:r>
+              <a:rPr lang="en-US" dirty="0"/>
+              <a:t/>
             </a:r>
             <a:br>
               <a:rPr lang="en-US" dirty="0"/>
@@ -15586,7 +16669,7 @@
 </p:sld>
 </file>
 
-<file path=ppt/slides/slide32.xml><?xml version="1.0" encoding="utf-8"?>
+<file path=ppt/slides/slide34.xml><?xml version="1.0" encoding="utf-8"?>
 <p:sld xmlns:a="http://schemas.openxmlformats.org/drawingml/2006/main" xmlns:r="http://schemas.openxmlformats.org/officeDocument/2006/relationships" xmlns:p="http://schemas.openxmlformats.org/presentationml/2006/main">
   <p:cSld>
     <p:spTree>
@@ -16061,7 +17144,7 @@
 </p:sld>
 </file>
 
-<file path=ppt/slides/slide33.xml><?xml version="1.0" encoding="utf-8"?>
+<file path=ppt/slides/slide35.xml><?xml version="1.0" encoding="utf-8"?>
 <p:sld xmlns:a="http://schemas.openxmlformats.org/drawingml/2006/main" xmlns:r="http://schemas.openxmlformats.org/officeDocument/2006/relationships" xmlns:p="http://schemas.openxmlformats.org/presentationml/2006/main">
   <p:cSld>
     <p:spTree>
@@ -16156,6 +17239,14 @@
                 </a:solidFill>
               </a:rPr>
             </a:br>
+            <a:r>
+              <a:rPr lang="en-US" sz="4000" dirty="0">
+                <a:solidFill>
+                  <a:srgbClr val="FFFFFF"/>
+                </a:solidFill>
+              </a:rPr>
+              <a:t/>
+            </a:r>
             <a:br>
               <a:rPr lang="en-US" sz="4000" dirty="0">
                 <a:solidFill>
@@ -16736,13 +17827,7 @@
       </p:grpSpPr>
       <p:sp>
         <p:nvSpPr>
-          <p:cNvPr id="2" name="Title 1">
-            <a:extLst>
-              <a:ext uri="{FF2B5EF4-FFF2-40B4-BE49-F238E27FC236}">
-                <a16:creationId xmlns:a16="http://schemas.microsoft.com/office/drawing/2014/main" id="{143AFF65-D5C4-B007-B5A3-E5FB42CE9AB3}"/>
-              </a:ext>
-            </a:extLst>
-          </p:cNvPr>
+          <p:cNvPr id="2" name="Title 1"/>
           <p:cNvSpPr>
             <a:spLocks noGrp="1"/>
           </p:cNvSpPr>
@@ -16752,162 +17837,69 @@
         </p:nvSpPr>
         <p:spPr>
           <a:xfrm>
-            <a:off x="581192" y="702156"/>
-            <a:ext cx="11029616" cy="504852"/>
+            <a:off x="572399" y="631818"/>
+            <a:ext cx="11029616" cy="467220"/>
           </a:xfrm>
         </p:spPr>
         <p:txBody>
           <a:bodyPr>
-            <a:noAutofit/>
+            <a:normAutofit fontScale="90000"/>
           </a:bodyPr>
           <a:lstStyle/>
           <a:p>
             <a:r>
-              <a:rPr lang="en-US" dirty="0"/>
-              <a:t>histogram</a:t>
-            </a:r>
-          </a:p>
-        </p:txBody>
-      </p:sp>
-      <p:sp>
-        <p:nvSpPr>
-          <p:cNvPr id="3" name="Content Placeholder 2">
-            <a:extLst>
-              <a:ext uri="{FF2B5EF4-FFF2-40B4-BE49-F238E27FC236}">
-                <a16:creationId xmlns:a16="http://schemas.microsoft.com/office/drawing/2014/main" id="{3CABF390-2D74-DC0C-2845-CA9A2E405DCB}"/>
-              </a:ext>
-            </a:extLst>
-          </p:cNvPr>
+              <a:rPr lang="en-US" dirty="0" smtClean="0"/>
+              <a:t>boxplot</a:t>
+            </a:r>
+            <a:endParaRPr lang="en-US" dirty="0"/>
+          </a:p>
+        </p:txBody>
+      </p:sp>
+      <p:pic>
+        <p:nvPicPr>
+          <p:cNvPr id="4" name="Content Placeholder 3"/>
+          <p:cNvPicPr>
+            <a:picLocks noGrp="1" noChangeAspect="1"/>
+          </p:cNvPicPr>
+          <p:nvPr>
+            <p:ph idx="1"/>
+          </p:nvPr>
+        </p:nvPicPr>
+        <p:blipFill>
+          <a:blip r:embed="rId2"/>
+          <a:stretch>
+            <a:fillRect/>
+          </a:stretch>
+        </p:blipFill>
+        <p:spPr>
+          <a:xfrm>
+            <a:off x="2097455" y="1099038"/>
+            <a:ext cx="8470899" cy="4947955"/>
+          </a:xfrm>
+          <a:prstGeom prst="rect">
+            <a:avLst/>
+          </a:prstGeom>
+        </p:spPr>
+      </p:pic>
+      <p:sp>
+        <p:nvSpPr>
+          <p:cNvPr id="5" name="Footer Placeholder 4"/>
           <p:cNvSpPr>
             <a:spLocks noGrp="1"/>
           </p:cNvSpPr>
           <p:nvPr>
-            <p:ph idx="1"/>
-          </p:nvPr>
-        </p:nvSpPr>
-        <p:spPr>
-          <a:xfrm>
-            <a:off x="581192" y="1321308"/>
-            <a:ext cx="11029615" cy="4948836"/>
-          </a:xfrm>
-        </p:spPr>
-        <p:txBody>
-          <a:bodyPr>
-            <a:normAutofit/>
-          </a:bodyPr>
-          <a:lstStyle/>
-          <a:p>
-            <a:r>
-              <a:rPr lang="en-US" sz="2400" dirty="0"/>
-              <a:t>A histogram displays data by grouping values into bins (ranges) and shows the frequency of values falling within each bin</a:t>
-            </a:r>
-          </a:p>
-          <a:p>
-            <a:endParaRPr lang="en-US" sz="2400" dirty="0"/>
-          </a:p>
-          <a:p>
-            <a:r>
-              <a:rPr lang="en-US" sz="2400" dirty="0"/>
-              <a:t>Why Use a Histogram?</a:t>
-            </a:r>
-          </a:p>
-          <a:p>
-            <a:pPr lvl="1">
-              <a:buFont typeface="Wingdings" panose="05000000000000000000" pitchFamily="2" charset="2"/>
-              <a:buChar char="Ø"/>
-            </a:pPr>
-            <a:r>
-              <a:rPr lang="en-US" sz="1800" dirty="0"/>
-              <a:t>Quickly understand the overall distribution of a dataset.</a:t>
-            </a:r>
-          </a:p>
-          <a:p>
-            <a:pPr lvl="1">
-              <a:buFont typeface="Wingdings" panose="05000000000000000000" pitchFamily="2" charset="2"/>
-              <a:buChar char="Ø"/>
-            </a:pPr>
-            <a:r>
-              <a:rPr lang="en-US" sz="1800" dirty="0"/>
-              <a:t>Identify important characteristics, such as:</a:t>
-            </a:r>
-          </a:p>
-          <a:p>
-            <a:pPr marL="1070100" lvl="2" indent="-342900">
-              <a:buFont typeface="+mj-lt"/>
-              <a:buAutoNum type="alphaLcParenR"/>
-            </a:pPr>
-            <a:r>
-              <a:rPr lang="en-US" sz="1800" dirty="0"/>
-              <a:t>Whether the data is </a:t>
-            </a:r>
-            <a:r>
-              <a:rPr lang="en-US" sz="1800" b="1" dirty="0"/>
-              <a:t>normally distributed</a:t>
-            </a:r>
-            <a:r>
-              <a:rPr lang="en-US" sz="1800" dirty="0"/>
-              <a:t>.</a:t>
-            </a:r>
-          </a:p>
-          <a:p>
-            <a:pPr marL="1070100" lvl="2" indent="-342900">
-              <a:buFont typeface="+mj-lt"/>
-              <a:buAutoNum type="alphaLcParenR"/>
-            </a:pPr>
-            <a:r>
-              <a:rPr lang="en-US" sz="1800" dirty="0"/>
-              <a:t>If the data is </a:t>
-            </a:r>
-            <a:r>
-              <a:rPr lang="en-US" sz="1800" b="1" dirty="0"/>
-              <a:t>skewed</a:t>
-            </a:r>
-            <a:r>
-              <a:rPr lang="en-US" sz="1800" dirty="0"/>
-              <a:t> (left or right).</a:t>
-            </a:r>
-          </a:p>
-          <a:p>
-            <a:pPr marL="1070100" lvl="2" indent="-342900">
-              <a:buFont typeface="+mj-lt"/>
-              <a:buAutoNum type="alphaLcParenR"/>
-            </a:pPr>
-            <a:r>
-              <a:rPr lang="en-US" sz="1800" b="1" dirty="0"/>
-              <a:t>Gaps</a:t>
-            </a:r>
-            <a:r>
-              <a:rPr lang="en-US" sz="1800" dirty="0"/>
-              <a:t> or </a:t>
-            </a:r>
-            <a:r>
-              <a:rPr lang="en-US" sz="1800" b="1" dirty="0"/>
-              <a:t>clusters</a:t>
-            </a:r>
-            <a:r>
-              <a:rPr lang="en-US" sz="1800" dirty="0"/>
-              <a:t> in the data.</a:t>
-            </a:r>
-          </a:p>
-          <a:p>
-            <a:pPr marL="1070100" lvl="2" indent="-342900">
-              <a:buFont typeface="+mj-lt"/>
-              <a:buAutoNum type="alphaLcParenR"/>
-            </a:pPr>
-            <a:r>
-              <a:rPr lang="en-US" sz="1800" dirty="0"/>
-              <a:t>The presence of </a:t>
-            </a:r>
-            <a:r>
-              <a:rPr lang="en-US" sz="1800" b="1" dirty="0"/>
-              <a:t>outliers</a:t>
-            </a:r>
-            <a:r>
-              <a:rPr lang="en-US" sz="1800" dirty="0"/>
-              <a:t>.</a:t>
-            </a:r>
-          </a:p>
-          <a:p>
+            <p:ph type="ftr" sz="quarter" idx="11"/>
+          </p:nvPr>
+        </p:nvSpPr>
+        <p:spPr/>
+        <p:txBody>
+          <a:bodyPr/>
+          <a:lstStyle/>
+          <a:p>
+            <a:r>
+              <a:rPr lang="en-US" smtClean="0"/>
+              <a:t>Murtagh, F., &amp; Heck, A. (2012). Multivariate data analysis (Vol. 131). Springer Science &amp; Business Media.</a:t>
+            </a:r>
             <a:endParaRPr lang="en-US" dirty="0"/>
           </a:p>
         </p:txBody>
@@ -16915,7 +17907,7 @@
     </p:spTree>
     <p:extLst>
       <p:ext uri="{BB962C8B-B14F-4D97-AF65-F5344CB8AC3E}">
-        <p14:creationId xmlns:p14="http://schemas.microsoft.com/office/powerpoint/2010/main" val="1650170783"/>
+        <p14:creationId xmlns:p14="http://schemas.microsoft.com/office/powerpoint/2010/main" val="942568755"/>
       </p:ext>
     </p:extLst>
   </p:cSld>
@@ -16944,10 +17936,45 @@
       </p:grpSpPr>
       <p:sp>
         <p:nvSpPr>
+          <p:cNvPr id="2" name="Title 1">
+            <a:extLst>
+              <a:ext uri="{FF2B5EF4-FFF2-40B4-BE49-F238E27FC236}">
+                <a16:creationId xmlns:a16="http://schemas.microsoft.com/office/drawing/2014/main" id="{143AFF65-D5C4-B007-B5A3-E5FB42CE9AB3}"/>
+              </a:ext>
+            </a:extLst>
+          </p:cNvPr>
+          <p:cNvSpPr>
+            <a:spLocks noGrp="1"/>
+          </p:cNvSpPr>
+          <p:nvPr>
+            <p:ph type="title"/>
+          </p:nvPr>
+        </p:nvSpPr>
+        <p:spPr>
+          <a:xfrm>
+            <a:off x="581192" y="702156"/>
+            <a:ext cx="11029616" cy="504852"/>
+          </a:xfrm>
+        </p:spPr>
+        <p:txBody>
+          <a:bodyPr>
+            <a:noAutofit/>
+          </a:bodyPr>
+          <a:lstStyle/>
+          <a:p>
+            <a:r>
+              <a:rPr lang="en-US" dirty="0"/>
+              <a:t>histogram</a:t>
+            </a:r>
+          </a:p>
+        </p:txBody>
+      </p:sp>
+      <p:sp>
+        <p:nvSpPr>
           <p:cNvPr id="3" name="Content Placeholder 2">
             <a:extLst>
               <a:ext uri="{FF2B5EF4-FFF2-40B4-BE49-F238E27FC236}">
-                <a16:creationId xmlns:a16="http://schemas.microsoft.com/office/drawing/2014/main" id="{578AAA2F-C22E-D68C-7B2A-EFD760A1347A}"/>
+                <a16:creationId xmlns:a16="http://schemas.microsoft.com/office/drawing/2014/main" id="{3CABF390-2D74-DC0C-2845-CA9A2E405DCB}"/>
               </a:ext>
             </a:extLst>
           </p:cNvPr>
@@ -16960,8 +17987,8 @@
         </p:nvSpPr>
         <p:spPr>
           <a:xfrm>
-            <a:off x="436813" y="598692"/>
-            <a:ext cx="11029615" cy="1769604"/>
+            <a:off x="581192" y="1321308"/>
+            <a:ext cx="11029615" cy="4948836"/>
           </a:xfrm>
         </p:spPr>
         <p:txBody>
@@ -16971,8 +17998,17 @@
           <a:lstStyle/>
           <a:p>
             <a:r>
-              <a:rPr lang="en-US" dirty="0"/>
-              <a:t>What does the distribution of variable tell us?</a:t>
+              <a:rPr lang="en-US" sz="2400" dirty="0"/>
+              <a:t>A histogram displays data by grouping values into bins (ranges) and shows the frequency of values falling within each bin</a:t>
+            </a:r>
+          </a:p>
+          <a:p>
+            <a:endParaRPr lang="en-US" sz="2400" dirty="0"/>
+          </a:p>
+          <a:p>
+            <a:r>
+              <a:rPr lang="en-US" sz="2400" dirty="0"/>
+              <a:t>Why Use a Histogram?</a:t>
             </a:r>
           </a:p>
           <a:p>
@@ -16981,8 +18017,8 @@
               <a:buChar char="Ø"/>
             </a:pPr>
             <a:r>
-              <a:rPr lang="en-US" dirty="0"/>
-              <a:t>Identify the reasonable range of values?</a:t>
+              <a:rPr lang="en-US" sz="1800" dirty="0"/>
+              <a:t>Quickly understand the overall distribution of a dataset.</a:t>
             </a:r>
           </a:p>
           <a:p>
@@ -16991,81 +18027,95 @@
               <a:buChar char="Ø"/>
             </a:pPr>
             <a:r>
-              <a:rPr lang="en-US" dirty="0"/>
-              <a:t>Highlights the most frequency occurring values?</a:t>
-            </a:r>
-          </a:p>
-        </p:txBody>
-      </p:sp>
-      <p:pic>
-        <p:nvPicPr>
-          <p:cNvPr id="7" name="Picture 6">
-            <a:extLst>
-              <a:ext uri="{FF2B5EF4-FFF2-40B4-BE49-F238E27FC236}">
-                <a16:creationId xmlns:a16="http://schemas.microsoft.com/office/drawing/2014/main" id="{F570C08A-B270-D8DE-D679-585CEF12CF53}"/>
-              </a:ext>
-            </a:extLst>
-          </p:cNvPr>
-          <p:cNvPicPr>
-            <a:picLocks noChangeAspect="1"/>
-          </p:cNvPicPr>
-          <p:nvPr/>
-        </p:nvPicPr>
-        <p:blipFill>
-          <a:blip r:embed="rId2"/>
-          <a:stretch>
-            <a:fillRect/>
-          </a:stretch>
-        </p:blipFill>
-        <p:spPr>
-          <a:xfrm>
-            <a:off x="4407664" y="2126441"/>
-            <a:ext cx="7203143" cy="4731559"/>
-          </a:xfrm>
-          <a:prstGeom prst="rect">
-            <a:avLst/>
-          </a:prstGeom>
-        </p:spPr>
-      </p:pic>
-      <p:sp>
-        <p:nvSpPr>
-          <p:cNvPr id="8" name="TextBox 7">
-            <a:extLst>
-              <a:ext uri="{FF2B5EF4-FFF2-40B4-BE49-F238E27FC236}">
-                <a16:creationId xmlns:a16="http://schemas.microsoft.com/office/drawing/2014/main" id="{E8A32CC9-BECB-64E5-4476-2DF78CEDED05}"/>
-              </a:ext>
-            </a:extLst>
-          </p:cNvPr>
-          <p:cNvSpPr txBox="1"/>
-          <p:nvPr/>
-        </p:nvSpPr>
-        <p:spPr>
-          <a:xfrm>
-            <a:off x="581192" y="3269302"/>
-            <a:ext cx="3378160" cy="1384995"/>
-          </a:xfrm>
-          <a:prstGeom prst="rect">
-            <a:avLst/>
-          </a:prstGeom>
-          <a:noFill/>
-        </p:spPr>
-        <p:txBody>
-          <a:bodyPr wrap="square" rtlCol="0">
-            <a:spAutoFit/>
-          </a:bodyPr>
-          <a:lstStyle/>
-          <a:p>
-            <a:r>
-              <a:rPr lang="en-US" sz="2800" dirty="0"/>
-              <a:t>Which one(s) of these histograms are informative? 🤔</a:t>
-            </a:r>
+              <a:rPr lang="en-US" sz="1800" dirty="0"/>
+              <a:t>Identify important characteristics, such as:</a:t>
+            </a:r>
+          </a:p>
+          <a:p>
+            <a:pPr marL="1070100" lvl="2" indent="-342900">
+              <a:buFont typeface="+mj-lt"/>
+              <a:buAutoNum type="alphaLcParenR"/>
+            </a:pPr>
+            <a:r>
+              <a:rPr lang="en-US" sz="1800" dirty="0"/>
+              <a:t>Whether the data is </a:t>
+            </a:r>
+            <a:r>
+              <a:rPr lang="en-US" sz="1800" b="1" dirty="0"/>
+              <a:t>normally distributed</a:t>
+            </a:r>
+            <a:r>
+              <a:rPr lang="en-US" sz="1800" dirty="0"/>
+              <a:t>.</a:t>
+            </a:r>
+          </a:p>
+          <a:p>
+            <a:pPr marL="1070100" lvl="2" indent="-342900">
+              <a:buFont typeface="+mj-lt"/>
+              <a:buAutoNum type="alphaLcParenR"/>
+            </a:pPr>
+            <a:r>
+              <a:rPr lang="en-US" sz="1800" dirty="0"/>
+              <a:t>If the data is </a:t>
+            </a:r>
+            <a:r>
+              <a:rPr lang="en-US" sz="1800" b="1" dirty="0"/>
+              <a:t>skewed</a:t>
+            </a:r>
+            <a:r>
+              <a:rPr lang="en-US" sz="1800" dirty="0"/>
+              <a:t> (left or right).</a:t>
+            </a:r>
+          </a:p>
+          <a:p>
+            <a:pPr marL="1070100" lvl="2" indent="-342900">
+              <a:buFont typeface="+mj-lt"/>
+              <a:buAutoNum type="alphaLcParenR"/>
+            </a:pPr>
+            <a:r>
+              <a:rPr lang="en-US" sz="1800" b="1" dirty="0"/>
+              <a:t>Gaps</a:t>
+            </a:r>
+            <a:r>
+              <a:rPr lang="en-US" sz="1800" dirty="0"/>
+              <a:t> or </a:t>
+            </a:r>
+            <a:r>
+              <a:rPr lang="en-US" sz="1800" b="1" dirty="0"/>
+              <a:t>clusters</a:t>
+            </a:r>
+            <a:r>
+              <a:rPr lang="en-US" sz="1800" dirty="0"/>
+              <a:t> in the data.</a:t>
+            </a:r>
+          </a:p>
+          <a:p>
+            <a:pPr marL="1070100" lvl="2" indent="-342900">
+              <a:buFont typeface="+mj-lt"/>
+              <a:buAutoNum type="alphaLcParenR"/>
+            </a:pPr>
+            <a:r>
+              <a:rPr lang="en-US" sz="1800" dirty="0"/>
+              <a:t>The presence of </a:t>
+            </a:r>
+            <a:r>
+              <a:rPr lang="en-US" sz="1800" b="1" dirty="0"/>
+              <a:t>outliers</a:t>
+            </a:r>
+            <a:r>
+              <a:rPr lang="en-US" sz="1800" dirty="0"/>
+              <a:t>.</a:t>
+            </a:r>
+          </a:p>
+          <a:p>
+            <a:endParaRPr lang="en-US" dirty="0"/>
           </a:p>
         </p:txBody>
       </p:sp>
     </p:spTree>
     <p:extLst>
       <p:ext uri="{BB962C8B-B14F-4D97-AF65-F5344CB8AC3E}">
-        <p14:creationId xmlns:p14="http://schemas.microsoft.com/office/powerpoint/2010/main" val="4175903323"/>
+        <p14:creationId xmlns:p14="http://schemas.microsoft.com/office/powerpoint/2010/main" val="1650170783"/>
       </p:ext>
     </p:extLst>
   </p:cSld>
@@ -17094,6 +18144,156 @@
       </p:grpSpPr>
       <p:sp>
         <p:nvSpPr>
+          <p:cNvPr id="3" name="Content Placeholder 2">
+            <a:extLst>
+              <a:ext uri="{FF2B5EF4-FFF2-40B4-BE49-F238E27FC236}">
+                <a16:creationId xmlns:a16="http://schemas.microsoft.com/office/drawing/2014/main" id="{578AAA2F-C22E-D68C-7B2A-EFD760A1347A}"/>
+              </a:ext>
+            </a:extLst>
+          </p:cNvPr>
+          <p:cNvSpPr>
+            <a:spLocks noGrp="1"/>
+          </p:cNvSpPr>
+          <p:nvPr>
+            <p:ph idx="1"/>
+          </p:nvPr>
+        </p:nvSpPr>
+        <p:spPr>
+          <a:xfrm>
+            <a:off x="436813" y="598692"/>
+            <a:ext cx="11029615" cy="1769604"/>
+          </a:xfrm>
+        </p:spPr>
+        <p:txBody>
+          <a:bodyPr>
+            <a:normAutofit/>
+          </a:bodyPr>
+          <a:lstStyle/>
+          <a:p>
+            <a:r>
+              <a:rPr lang="en-US" dirty="0"/>
+              <a:t>What does the distribution of variable tell us?</a:t>
+            </a:r>
+          </a:p>
+          <a:p>
+            <a:pPr lvl="1">
+              <a:buFont typeface="Wingdings" panose="05000000000000000000" pitchFamily="2" charset="2"/>
+              <a:buChar char="Ø"/>
+            </a:pPr>
+            <a:r>
+              <a:rPr lang="en-US" dirty="0"/>
+              <a:t>Identify the reasonable range of values?</a:t>
+            </a:r>
+          </a:p>
+          <a:p>
+            <a:pPr lvl="1">
+              <a:buFont typeface="Wingdings" panose="05000000000000000000" pitchFamily="2" charset="2"/>
+              <a:buChar char="Ø"/>
+            </a:pPr>
+            <a:r>
+              <a:rPr lang="en-US" dirty="0"/>
+              <a:t>Highlights the most frequency occurring values?</a:t>
+            </a:r>
+          </a:p>
+        </p:txBody>
+      </p:sp>
+      <p:pic>
+        <p:nvPicPr>
+          <p:cNvPr id="7" name="Picture 6">
+            <a:extLst>
+              <a:ext uri="{FF2B5EF4-FFF2-40B4-BE49-F238E27FC236}">
+                <a16:creationId xmlns:a16="http://schemas.microsoft.com/office/drawing/2014/main" id="{F570C08A-B270-D8DE-D679-585CEF12CF53}"/>
+              </a:ext>
+            </a:extLst>
+          </p:cNvPr>
+          <p:cNvPicPr>
+            <a:picLocks noChangeAspect="1"/>
+          </p:cNvPicPr>
+          <p:nvPr/>
+        </p:nvPicPr>
+        <p:blipFill>
+          <a:blip r:embed="rId2"/>
+          <a:stretch>
+            <a:fillRect/>
+          </a:stretch>
+        </p:blipFill>
+        <p:spPr>
+          <a:xfrm>
+            <a:off x="4407664" y="2126441"/>
+            <a:ext cx="7203143" cy="4731559"/>
+          </a:xfrm>
+          <a:prstGeom prst="rect">
+            <a:avLst/>
+          </a:prstGeom>
+        </p:spPr>
+      </p:pic>
+      <p:sp>
+        <p:nvSpPr>
+          <p:cNvPr id="8" name="TextBox 7">
+            <a:extLst>
+              <a:ext uri="{FF2B5EF4-FFF2-40B4-BE49-F238E27FC236}">
+                <a16:creationId xmlns:a16="http://schemas.microsoft.com/office/drawing/2014/main" id="{E8A32CC9-BECB-64E5-4476-2DF78CEDED05}"/>
+              </a:ext>
+            </a:extLst>
+          </p:cNvPr>
+          <p:cNvSpPr txBox="1"/>
+          <p:nvPr/>
+        </p:nvSpPr>
+        <p:spPr>
+          <a:xfrm>
+            <a:off x="581192" y="3269302"/>
+            <a:ext cx="3378160" cy="1384995"/>
+          </a:xfrm>
+          <a:prstGeom prst="rect">
+            <a:avLst/>
+          </a:prstGeom>
+          <a:noFill/>
+        </p:spPr>
+        <p:txBody>
+          <a:bodyPr wrap="square" rtlCol="0">
+            <a:spAutoFit/>
+          </a:bodyPr>
+          <a:lstStyle/>
+          <a:p>
+            <a:r>
+              <a:rPr lang="en-US" sz="2800" dirty="0"/>
+              <a:t>Which one(s) of these histograms are informative? 🤔</a:t>
+            </a:r>
+          </a:p>
+        </p:txBody>
+      </p:sp>
+    </p:spTree>
+    <p:extLst>
+      <p:ext uri="{BB962C8B-B14F-4D97-AF65-F5344CB8AC3E}">
+        <p14:creationId xmlns:p14="http://schemas.microsoft.com/office/powerpoint/2010/main" val="4175903323"/>
+      </p:ext>
+    </p:extLst>
+  </p:cSld>
+  <p:clrMapOvr>
+    <a:masterClrMapping/>
+  </p:clrMapOvr>
+</p:sld>
+</file>
+
+<file path=ppt/slides/slide8.xml><?xml version="1.0" encoding="utf-8"?>
+<p:sld xmlns:a="http://schemas.openxmlformats.org/drawingml/2006/main" xmlns:r="http://schemas.openxmlformats.org/officeDocument/2006/relationships" xmlns:p="http://schemas.openxmlformats.org/presentationml/2006/main">
+  <p:cSld>
+    <p:spTree>
+      <p:nvGrpSpPr>
+        <p:cNvPr id="1" name=""/>
+        <p:cNvGrpSpPr/>
+        <p:nvPr/>
+      </p:nvGrpSpPr>
+      <p:grpSpPr>
+        <a:xfrm>
+          <a:off x="0" y="0"/>
+          <a:ext cx="0" cy="0"/>
+          <a:chOff x="0" y="0"/>
+          <a:chExt cx="0" cy="0"/>
+        </a:xfrm>
+      </p:grpSpPr>
+      <p:sp>
+        <p:nvSpPr>
           <p:cNvPr id="2" name="Title 1">
             <a:extLst>
               <a:ext uri="{FF2B5EF4-FFF2-40B4-BE49-F238E27FC236}">
@@ -17115,6 +18315,10 @@
           </a:bodyPr>
           <a:lstStyle/>
           <a:p>
+            <a:r>
+              <a:rPr lang="en-US" dirty="0"/>
+              <a:t/>
+            </a:r>
             <a:br>
               <a:rPr lang="en-US" dirty="0"/>
             </a:br>
@@ -17393,7 +18597,7 @@
 </p:sld>
 </file>
 
-<file path=ppt/slides/slide8.xml><?xml version="1.0" encoding="utf-8"?>
+<file path=ppt/slides/slide9.xml><?xml version="1.0" encoding="utf-8"?>
 <p:sld xmlns:a="http://schemas.openxmlformats.org/drawingml/2006/main" xmlns:r="http://schemas.openxmlformats.org/officeDocument/2006/relationships" xmlns:p="http://schemas.openxmlformats.org/presentationml/2006/main">
   <p:cSld>
     <p:spTree>
@@ -17594,139 +18798,6 @@
     <p:extLst>
       <p:ext uri="{BB962C8B-B14F-4D97-AF65-F5344CB8AC3E}">
         <p14:creationId xmlns:p14="http://schemas.microsoft.com/office/powerpoint/2010/main" val="1815699796"/>
-      </p:ext>
-    </p:extLst>
-  </p:cSld>
-  <p:clrMapOvr>
-    <a:masterClrMapping/>
-  </p:clrMapOvr>
-</p:sld>
-</file>
-
-<file path=ppt/slides/slide9.xml><?xml version="1.0" encoding="utf-8"?>
-<p:sld xmlns:a="http://schemas.openxmlformats.org/drawingml/2006/main" xmlns:r="http://schemas.openxmlformats.org/officeDocument/2006/relationships" xmlns:p="http://schemas.openxmlformats.org/presentationml/2006/main">
-  <p:cSld>
-    <p:spTree>
-      <p:nvGrpSpPr>
-        <p:cNvPr id="1" name=""/>
-        <p:cNvGrpSpPr/>
-        <p:nvPr/>
-      </p:nvGrpSpPr>
-      <p:grpSpPr>
-        <a:xfrm>
-          <a:off x="0" y="0"/>
-          <a:ext cx="0" cy="0"/>
-          <a:chOff x="0" y="0"/>
-          <a:chExt cx="0" cy="0"/>
-        </a:xfrm>
-      </p:grpSpPr>
-      <p:sp>
-        <p:nvSpPr>
-          <p:cNvPr id="2" name="Title 1">
-            <a:extLst>
-              <a:ext uri="{FF2B5EF4-FFF2-40B4-BE49-F238E27FC236}">
-                <a16:creationId xmlns:a16="http://schemas.microsoft.com/office/drawing/2014/main" id="{7DC595E3-6B00-7DFB-8B2D-6B3A7092B34C}"/>
-              </a:ext>
-            </a:extLst>
-          </p:cNvPr>
-          <p:cNvSpPr>
-            <a:spLocks noGrp="1"/>
-          </p:cNvSpPr>
-          <p:nvPr>
-            <p:ph type="title"/>
-          </p:nvPr>
-        </p:nvSpPr>
-        <p:spPr>
-          <a:xfrm>
-            <a:off x="581192" y="702156"/>
-            <a:ext cx="11029616" cy="550572"/>
-          </a:xfrm>
-        </p:spPr>
-        <p:txBody>
-          <a:bodyPr/>
-          <a:lstStyle/>
-          <a:p>
-            <a:r>
-              <a:rPr lang="en-US" dirty="0"/>
-              <a:t>Shape of distribution: outlier</a:t>
-            </a:r>
-          </a:p>
-        </p:txBody>
-      </p:sp>
-      <p:sp>
-        <p:nvSpPr>
-          <p:cNvPr id="3" name="Content Placeholder 2">
-            <a:extLst>
-              <a:ext uri="{FF2B5EF4-FFF2-40B4-BE49-F238E27FC236}">
-                <a16:creationId xmlns:a16="http://schemas.microsoft.com/office/drawing/2014/main" id="{8781A532-7B6F-34DB-5702-2DCAF6CC5C26}"/>
-              </a:ext>
-            </a:extLst>
-          </p:cNvPr>
-          <p:cNvSpPr>
-            <a:spLocks noGrp="1"/>
-          </p:cNvSpPr>
-          <p:nvPr>
-            <p:ph idx="1"/>
-          </p:nvPr>
-        </p:nvSpPr>
-        <p:spPr>
-          <a:xfrm>
-            <a:off x="581191" y="1344168"/>
-            <a:ext cx="11029615" cy="1014984"/>
-          </a:xfrm>
-        </p:spPr>
-        <p:txBody>
-          <a:bodyPr/>
-          <a:lstStyle/>
-          <a:p>
-            <a:r>
-              <a:rPr lang="en-US" dirty="0"/>
-              <a:t>What does the distribution of variable tell us?</a:t>
-            </a:r>
-          </a:p>
-          <a:p>
-            <a:pPr lvl="1"/>
-            <a:r>
-              <a:rPr lang="en-US" dirty="0"/>
-              <a:t>Detect outliers or unusual observations compared to the rest of the sample</a:t>
-            </a:r>
-          </a:p>
-        </p:txBody>
-      </p:sp>
-      <p:pic>
-        <p:nvPicPr>
-          <p:cNvPr id="15" name="Picture 14">
-            <a:extLst>
-              <a:ext uri="{FF2B5EF4-FFF2-40B4-BE49-F238E27FC236}">
-                <a16:creationId xmlns:a16="http://schemas.microsoft.com/office/drawing/2014/main" id="{435F3689-F475-A0B5-93F5-F88B54A8C4C9}"/>
-              </a:ext>
-            </a:extLst>
-          </p:cNvPr>
-          <p:cNvPicPr>
-            <a:picLocks noChangeAspect="1"/>
-          </p:cNvPicPr>
-          <p:nvPr/>
-        </p:nvPicPr>
-        <p:blipFill>
-          <a:blip r:embed="rId2"/>
-          <a:stretch>
-            <a:fillRect/>
-          </a:stretch>
-        </p:blipFill>
-        <p:spPr>
-          <a:xfrm>
-            <a:off x="2271522" y="2396572"/>
-            <a:ext cx="7119366" cy="4204553"/>
-          </a:xfrm>
-          <a:prstGeom prst="rect">
-            <a:avLst/>
-          </a:prstGeom>
-        </p:spPr>
-      </p:pic>
-    </p:spTree>
-    <p:extLst>
-      <p:ext uri="{BB962C8B-B14F-4D97-AF65-F5344CB8AC3E}">
-        <p14:creationId xmlns:p14="http://schemas.microsoft.com/office/powerpoint/2010/main" val="1987387741"/>
       </p:ext>
     </p:extLst>
   </p:cSld>
